--- a/Presentation/Fraunhofer_Presentation.pptx
+++ b/Presentation/Fraunhofer_Presentation.pptx
@@ -1,34 +1,33 @@
 
 <file path=ppt/presentation.xml><?xml version="1.0" encoding="utf-8"?>
-<p:presentation xmlns:a="http://schemas.openxmlformats.org/drawingml/2006/main" xmlns:r="http://schemas.openxmlformats.org/officeDocument/2006/relationships" xmlns:mc="http://schemas.openxmlformats.org/markup-compatibility/2006" xmlns:mv="urn:schemas-microsoft-com:mac:vml" xmlns:p="http://schemas.openxmlformats.org/presentationml/2006/main" xmlns:c="http://schemas.openxmlformats.org/drawingml/2006/chart" xmlns:dgm="http://schemas.openxmlformats.org/drawingml/2006/diagram" xmlns:o="urn:schemas-microsoft-com:office:office" xmlns:v="urn:schemas-microsoft-com:vml" xmlns:pvml="urn:schemas-microsoft-com:office:powerpoint" xmlns:com="http://schemas.openxmlformats.org/drawingml/2006/compatibility" xmlns:p14="http://schemas.microsoft.com/office/powerpoint/2010/main" xmlns:p15="http://schemas.microsoft.com/office/powerpoint/2012/main" xmlns:ahyp="http://schemas.microsoft.com/office/drawing/2018/hyperlinkcolor" autoCompressPictures="0" embedTrueTypeFonts="1" strictFirstAndLastChars="0" saveSubsetFonts="1">
+<p:presentation xmlns:a="http://schemas.openxmlformats.org/drawingml/2006/main" xmlns:r="http://schemas.openxmlformats.org/officeDocument/2006/relationships" xmlns:mc="http://schemas.openxmlformats.org/markup-compatibility/2006" xmlns:mv="urn:schemas-microsoft-com:mac:vml" xmlns:p="http://schemas.openxmlformats.org/presentationml/2006/main" xmlns:c="http://schemas.openxmlformats.org/drawingml/2006/chart" xmlns:dgm="http://schemas.openxmlformats.org/drawingml/2006/diagram" xmlns:o="urn:schemas-microsoft-com:office:office" xmlns:v="urn:schemas-microsoft-com:vml" xmlns:pvml="urn:schemas-microsoft-com:office:powerpoint" xmlns:com="http://schemas.openxmlformats.org/drawingml/2006/compatibility" xmlns:p14="http://schemas.microsoft.com/office/powerpoint/2010/main" xmlns:p15="http://schemas.microsoft.com/office/powerpoint/2012/main" xmlns:ahyp="http://schemas.microsoft.com/office/drawing/2018/hyperlinkcolor" autoCompressPictures="0" embedTrueTypeFonts="1" strictFirstAndLastChars="0" saveSubsetFonts="1" showSpecialPlsOnTitleSld="0">
   <p:sldMasterIdLst>
-    <p:sldMasterId id="2147483659" r:id="rId4"/>
+    <p:sldMasterId id="2147483659" r:id="rId5"/>
   </p:sldMasterIdLst>
   <p:notesMasterIdLst>
-    <p:notesMasterId r:id="rId5"/>
+    <p:notesMasterId r:id="rId6"/>
   </p:notesMasterIdLst>
   <p:sldIdLst>
-    <p:sldId id="256" r:id="rId6"/>
-    <p:sldId id="257" r:id="rId7"/>
-    <p:sldId id="258" r:id="rId8"/>
-    <p:sldId id="259" r:id="rId9"/>
+    <p:sldId id="256" r:id="rId7"/>
+    <p:sldId id="257" r:id="rId8"/>
+    <p:sldId id="258" r:id="rId9"/>
+    <p:sldId id="259" r:id="rId10"/>
+    <p:sldId id="260" r:id="rId11"/>
+    <p:sldId id="261" r:id="rId12"/>
+    <p:sldId id="262" r:id="rId13"/>
+    <p:sldId id="263" r:id="rId14"/>
+    <p:sldId id="264" r:id="rId15"/>
+    <p:sldId id="265" r:id="rId16"/>
   </p:sldIdLst>
   <p:sldSz cy="5143500" cx="9144000"/>
   <p:notesSz cx="6858000" cy="9144000"/>
   <p:embeddedFontLst>
     <p:embeddedFont>
-      <p:font typeface="Raleway"/>
-      <p:regular r:id="rId10"/>
-      <p:bold r:id="rId11"/>
-      <p:italic r:id="rId12"/>
-      <p:boldItalic r:id="rId13"/>
-    </p:embeddedFont>
-    <p:embeddedFont>
       <p:font typeface="Source Sans Pro"/>
-      <p:regular r:id="rId14"/>
-      <p:bold r:id="rId15"/>
-      <p:italic r:id="rId16"/>
-      <p:boldItalic r:id="rId17"/>
+      <p:regular r:id="rId17"/>
+      <p:bold r:id="rId18"/>
+      <p:italic r:id="rId19"/>
+      <p:boldItalic r:id="rId20"/>
     </p:embeddedFont>
   </p:embeddedFontLst>
   <p:defaultTextStyle>
@@ -710,7 +709,7 @@
   <p:cSld>
     <p:spTree>
       <p:nvGrpSpPr>
-        <p:cNvPr id="54" name="Shape 54"/>
+        <p:cNvPr id="50" name="Shape 50"/>
         <p:cNvGrpSpPr/>
         <p:nvPr/>
       </p:nvGrpSpPr>
@@ -724,7 +723,7 @@
       </p:grpSpPr>
       <p:sp>
         <p:nvSpPr>
-          <p:cNvPr id="55" name="Google Shape;55;p:notes"/>
+          <p:cNvPr id="51" name="Google Shape;51;p:notes"/>
           <p:cNvSpPr/>
           <p:nvPr>
             <p:ph idx="2" type="sldImg"/>
@@ -759,7 +758,7 @@
       </p:sp>
       <p:sp>
         <p:nvSpPr>
-          <p:cNvPr id="56" name="Google Shape;56;p:notes"/>
+          <p:cNvPr id="52" name="Google Shape;52;p:notes"/>
           <p:cNvSpPr txBox="1"/>
           <p:nvPr>
             <p:ph idx="1" type="body"/>
@@ -804,12 +803,12 @@
 </p:notes>
 </file>
 
-<file path=ppt/notesSlides/notesSlide2.xml><?xml version="1.0" encoding="utf-8"?>
+<file path=ppt/notesSlides/notesSlide10.xml><?xml version="1.0" encoding="utf-8"?>
 <p:notes xmlns:a="http://schemas.openxmlformats.org/drawingml/2006/main" xmlns:r="http://schemas.openxmlformats.org/officeDocument/2006/relationships" xmlns:mc="http://schemas.openxmlformats.org/markup-compatibility/2006" xmlns:mv="urn:schemas-microsoft-com:mac:vml" xmlns:p="http://schemas.openxmlformats.org/presentationml/2006/main" xmlns:c="http://schemas.openxmlformats.org/drawingml/2006/chart" xmlns:dgm="http://schemas.openxmlformats.org/drawingml/2006/diagram" xmlns:o="urn:schemas-microsoft-com:office:office" xmlns:v="urn:schemas-microsoft-com:vml" xmlns:pvml="urn:schemas-microsoft-com:office:powerpoint" xmlns:com="http://schemas.openxmlformats.org/drawingml/2006/compatibility" xmlns:p14="http://schemas.microsoft.com/office/powerpoint/2010/main" xmlns:p15="http://schemas.microsoft.com/office/powerpoint/2012/main" xmlns:ahyp="http://schemas.microsoft.com/office/drawing/2018/hyperlinkcolor" showMasterPhAnim="0" showMasterSp="0">
   <p:cSld>
     <p:spTree>
       <p:nvGrpSpPr>
-        <p:cNvPr id="61" name="Shape 61"/>
+        <p:cNvPr id="133" name="Shape 133"/>
         <p:cNvGrpSpPr/>
         <p:nvPr/>
       </p:nvGrpSpPr>
@@ -823,7 +822,7 @@
       </p:grpSpPr>
       <p:sp>
         <p:nvSpPr>
-          <p:cNvPr id="62" name="Google Shape;62;g9b77301f67_0_55:notes"/>
+          <p:cNvPr id="134" name="Google Shape;134;ga4a8d591eb_0_40:notes"/>
           <p:cNvSpPr/>
           <p:nvPr>
             <p:ph idx="2" type="sldImg"/>
@@ -858,7 +857,7 @@
       </p:sp>
       <p:sp>
         <p:nvSpPr>
-          <p:cNvPr id="63" name="Google Shape;63;g9b77301f67_0_55:notes"/>
+          <p:cNvPr id="135" name="Google Shape;135;ga4a8d591eb_0_40:notes"/>
           <p:cNvSpPr txBox="1"/>
           <p:nvPr>
             <p:ph idx="1" type="body"/>
@@ -903,12 +902,12 @@
 </p:notes>
 </file>
 
-<file path=ppt/notesSlides/notesSlide3.xml><?xml version="1.0" encoding="utf-8"?>
+<file path=ppt/notesSlides/notesSlide2.xml><?xml version="1.0" encoding="utf-8"?>
 <p:notes xmlns:a="http://schemas.openxmlformats.org/drawingml/2006/main" xmlns:r="http://schemas.openxmlformats.org/officeDocument/2006/relationships" xmlns:mc="http://schemas.openxmlformats.org/markup-compatibility/2006" xmlns:mv="urn:schemas-microsoft-com:mac:vml" xmlns:p="http://schemas.openxmlformats.org/presentationml/2006/main" xmlns:c="http://schemas.openxmlformats.org/drawingml/2006/chart" xmlns:dgm="http://schemas.openxmlformats.org/drawingml/2006/diagram" xmlns:o="urn:schemas-microsoft-com:office:office" xmlns:v="urn:schemas-microsoft-com:vml" xmlns:pvml="urn:schemas-microsoft-com:office:powerpoint" xmlns:com="http://schemas.openxmlformats.org/drawingml/2006/compatibility" xmlns:p14="http://schemas.microsoft.com/office/powerpoint/2010/main" xmlns:p15="http://schemas.microsoft.com/office/powerpoint/2012/main" xmlns:ahyp="http://schemas.microsoft.com/office/drawing/2018/hyperlinkcolor" showMasterPhAnim="0" showMasterSp="0">
   <p:cSld>
     <p:spTree>
       <p:nvGrpSpPr>
-        <p:cNvPr id="67" name="Shape 67"/>
+        <p:cNvPr id="57" name="Shape 57"/>
         <p:cNvGrpSpPr/>
         <p:nvPr/>
       </p:nvGrpSpPr>
@@ -922,7 +921,7 @@
       </p:grpSpPr>
       <p:sp>
         <p:nvSpPr>
-          <p:cNvPr id="68" name="Google Shape;68;g9e612d93ce_0_0:notes"/>
+          <p:cNvPr id="58" name="Google Shape;58;g9b77301f67_0_55:notes"/>
           <p:cNvSpPr/>
           <p:nvPr>
             <p:ph idx="2" type="sldImg"/>
@@ -957,7 +956,106 @@
       </p:sp>
       <p:sp>
         <p:nvSpPr>
-          <p:cNvPr id="69" name="Google Shape;69;g9e612d93ce_0_0:notes"/>
+          <p:cNvPr id="59" name="Google Shape;59;g9b77301f67_0_55:notes"/>
+          <p:cNvSpPr txBox="1"/>
+          <p:nvPr>
+            <p:ph idx="1" type="body"/>
+          </p:nvPr>
+        </p:nvSpPr>
+        <p:spPr>
+          <a:xfrm>
+            <a:off x="685800" y="4343400"/>
+            <a:ext cx="5486400" cy="4114800"/>
+          </a:xfrm>
+          <a:prstGeom prst="rect">
+            <a:avLst/>
+          </a:prstGeom>
+        </p:spPr>
+        <p:txBody>
+          <a:bodyPr anchorCtr="0" anchor="t" bIns="91425" lIns="91425" spcFirstLastPara="1" rIns="91425" wrap="square" tIns="91425">
+            <a:noAutofit/>
+          </a:bodyPr>
+          <a:lstStyle/>
+          <a:p>
+            <a:pPr indent="0" lvl="0" marL="0" rtl="0" algn="l">
+              <a:spcBef>
+                <a:spcPts val="0"/>
+              </a:spcBef>
+              <a:spcAft>
+                <a:spcPts val="0"/>
+              </a:spcAft>
+              <a:buNone/>
+            </a:pPr>
+            <a:r>
+              <a:t/>
+            </a:r>
+            <a:endParaRPr/>
+          </a:p>
+        </p:txBody>
+      </p:sp>
+    </p:spTree>
+  </p:cSld>
+  <p:clrMapOvr>
+    <a:masterClrMapping/>
+  </p:clrMapOvr>
+</p:notes>
+</file>
+
+<file path=ppt/notesSlides/notesSlide3.xml><?xml version="1.0" encoding="utf-8"?>
+<p:notes xmlns:a="http://schemas.openxmlformats.org/drawingml/2006/main" xmlns:r="http://schemas.openxmlformats.org/officeDocument/2006/relationships" xmlns:mc="http://schemas.openxmlformats.org/markup-compatibility/2006" xmlns:mv="urn:schemas-microsoft-com:mac:vml" xmlns:p="http://schemas.openxmlformats.org/presentationml/2006/main" xmlns:c="http://schemas.openxmlformats.org/drawingml/2006/chart" xmlns:dgm="http://schemas.openxmlformats.org/drawingml/2006/diagram" xmlns:o="urn:schemas-microsoft-com:office:office" xmlns:v="urn:schemas-microsoft-com:vml" xmlns:pvml="urn:schemas-microsoft-com:office:powerpoint" xmlns:com="http://schemas.openxmlformats.org/drawingml/2006/compatibility" xmlns:p14="http://schemas.microsoft.com/office/powerpoint/2010/main" xmlns:p15="http://schemas.microsoft.com/office/powerpoint/2012/main" xmlns:ahyp="http://schemas.microsoft.com/office/drawing/2018/hyperlinkcolor" showMasterPhAnim="0" showMasterSp="0">
+  <p:cSld>
+    <p:spTree>
+      <p:nvGrpSpPr>
+        <p:cNvPr id="65" name="Shape 65"/>
+        <p:cNvGrpSpPr/>
+        <p:nvPr/>
+      </p:nvGrpSpPr>
+      <p:grpSpPr>
+        <a:xfrm>
+          <a:off x="0" y="0"/>
+          <a:ext cx="0" cy="0"/>
+          <a:chOff x="0" y="0"/>
+          <a:chExt cx="0" cy="0"/>
+        </a:xfrm>
+      </p:grpSpPr>
+      <p:sp>
+        <p:nvSpPr>
+          <p:cNvPr id="66" name="Google Shape;66;g9e612d93ce_0_0:notes"/>
+          <p:cNvSpPr/>
+          <p:nvPr>
+            <p:ph idx="2" type="sldImg"/>
+          </p:nvPr>
+        </p:nvSpPr>
+        <p:spPr>
+          <a:xfrm>
+            <a:off x="381300" y="685800"/>
+            <a:ext cx="6096000" cy="3429000"/>
+          </a:xfrm>
+          <a:custGeom>
+            <a:rect b="b" l="l" r="r" t="t"/>
+            <a:pathLst>
+              <a:path extrusionOk="0" h="120000" w="120000">
+                <a:moveTo>
+                  <a:pt x="0" y="0"/>
+                </a:moveTo>
+                <a:lnTo>
+                  <a:pt x="120000" y="0"/>
+                </a:lnTo>
+                <a:lnTo>
+                  <a:pt x="120000" y="120000"/>
+                </a:lnTo>
+                <a:lnTo>
+                  <a:pt x="0" y="120000"/>
+                </a:lnTo>
+                <a:close/>
+              </a:path>
+            </a:pathLst>
+          </a:custGeom>
+        </p:spPr>
+      </p:sp>
+      <p:sp>
+        <p:nvSpPr>
+          <p:cNvPr id="67" name="Google Shape;67;g9e612d93ce_0_0:notes"/>
           <p:cNvSpPr txBox="1"/>
           <p:nvPr>
             <p:ph idx="1" type="body"/>
@@ -1101,6 +1199,501 @@
 </p:notes>
 </file>
 
+<file path=ppt/notesSlides/notesSlide5.xml><?xml version="1.0" encoding="utf-8"?>
+<p:notes xmlns:a="http://schemas.openxmlformats.org/drawingml/2006/main" xmlns:r="http://schemas.openxmlformats.org/officeDocument/2006/relationships" xmlns:mc="http://schemas.openxmlformats.org/markup-compatibility/2006" xmlns:mv="urn:schemas-microsoft-com:mac:vml" xmlns:p="http://schemas.openxmlformats.org/presentationml/2006/main" xmlns:c="http://schemas.openxmlformats.org/drawingml/2006/chart" xmlns:dgm="http://schemas.openxmlformats.org/drawingml/2006/diagram" xmlns:o="urn:schemas-microsoft-com:office:office" xmlns:v="urn:schemas-microsoft-com:vml" xmlns:pvml="urn:schemas-microsoft-com:office:powerpoint" xmlns:com="http://schemas.openxmlformats.org/drawingml/2006/compatibility" xmlns:p14="http://schemas.microsoft.com/office/powerpoint/2010/main" xmlns:p15="http://schemas.microsoft.com/office/powerpoint/2012/main" xmlns:ahyp="http://schemas.microsoft.com/office/drawing/2018/hyperlinkcolor" showMasterPhAnim="0" showMasterSp="0">
+  <p:cSld>
+    <p:spTree>
+      <p:nvGrpSpPr>
+        <p:cNvPr id="85" name="Shape 85"/>
+        <p:cNvGrpSpPr/>
+        <p:nvPr/>
+      </p:nvGrpSpPr>
+      <p:grpSpPr>
+        <a:xfrm>
+          <a:off x="0" y="0"/>
+          <a:ext cx="0" cy="0"/>
+          <a:chOff x="0" y="0"/>
+          <a:chExt cx="0" cy="0"/>
+        </a:xfrm>
+      </p:grpSpPr>
+      <p:sp>
+        <p:nvSpPr>
+          <p:cNvPr id="86" name="Google Shape;86;ga4a8d591eb_0_0:notes"/>
+          <p:cNvSpPr/>
+          <p:nvPr>
+            <p:ph idx="2" type="sldImg"/>
+          </p:nvPr>
+        </p:nvSpPr>
+        <p:spPr>
+          <a:xfrm>
+            <a:off x="381300" y="685800"/>
+            <a:ext cx="6096000" cy="3429000"/>
+          </a:xfrm>
+          <a:custGeom>
+            <a:rect b="b" l="l" r="r" t="t"/>
+            <a:pathLst>
+              <a:path extrusionOk="0" h="120000" w="120000">
+                <a:moveTo>
+                  <a:pt x="0" y="0"/>
+                </a:moveTo>
+                <a:lnTo>
+                  <a:pt x="120000" y="0"/>
+                </a:lnTo>
+                <a:lnTo>
+                  <a:pt x="120000" y="120000"/>
+                </a:lnTo>
+                <a:lnTo>
+                  <a:pt x="0" y="120000"/>
+                </a:lnTo>
+                <a:close/>
+              </a:path>
+            </a:pathLst>
+          </a:custGeom>
+        </p:spPr>
+      </p:sp>
+      <p:sp>
+        <p:nvSpPr>
+          <p:cNvPr id="87" name="Google Shape;87;ga4a8d591eb_0_0:notes"/>
+          <p:cNvSpPr txBox="1"/>
+          <p:nvPr>
+            <p:ph idx="1" type="body"/>
+          </p:nvPr>
+        </p:nvSpPr>
+        <p:spPr>
+          <a:xfrm>
+            <a:off x="685800" y="4343400"/>
+            <a:ext cx="5486400" cy="4114800"/>
+          </a:xfrm>
+          <a:prstGeom prst="rect">
+            <a:avLst/>
+          </a:prstGeom>
+        </p:spPr>
+        <p:txBody>
+          <a:bodyPr anchorCtr="0" anchor="t" bIns="91425" lIns="91425" spcFirstLastPara="1" rIns="91425" wrap="square" tIns="91425">
+            <a:noAutofit/>
+          </a:bodyPr>
+          <a:lstStyle/>
+          <a:p>
+            <a:pPr indent="0" lvl="0" marL="0" rtl="0" algn="l">
+              <a:spcBef>
+                <a:spcPts val="0"/>
+              </a:spcBef>
+              <a:spcAft>
+                <a:spcPts val="0"/>
+              </a:spcAft>
+              <a:buNone/>
+            </a:pPr>
+            <a:r>
+              <a:t/>
+            </a:r>
+            <a:endParaRPr/>
+          </a:p>
+        </p:txBody>
+      </p:sp>
+    </p:spTree>
+  </p:cSld>
+  <p:clrMapOvr>
+    <a:masterClrMapping/>
+  </p:clrMapOvr>
+</p:notes>
+</file>
+
+<file path=ppt/notesSlides/notesSlide6.xml><?xml version="1.0" encoding="utf-8"?>
+<p:notes xmlns:a="http://schemas.openxmlformats.org/drawingml/2006/main" xmlns:r="http://schemas.openxmlformats.org/officeDocument/2006/relationships" xmlns:mc="http://schemas.openxmlformats.org/markup-compatibility/2006" xmlns:mv="urn:schemas-microsoft-com:mac:vml" xmlns:p="http://schemas.openxmlformats.org/presentationml/2006/main" xmlns:c="http://schemas.openxmlformats.org/drawingml/2006/chart" xmlns:dgm="http://schemas.openxmlformats.org/drawingml/2006/diagram" xmlns:o="urn:schemas-microsoft-com:office:office" xmlns:v="urn:schemas-microsoft-com:vml" xmlns:pvml="urn:schemas-microsoft-com:office:powerpoint" xmlns:com="http://schemas.openxmlformats.org/drawingml/2006/compatibility" xmlns:p14="http://schemas.microsoft.com/office/powerpoint/2010/main" xmlns:p15="http://schemas.microsoft.com/office/powerpoint/2012/main" xmlns:ahyp="http://schemas.microsoft.com/office/drawing/2018/hyperlinkcolor" showMasterPhAnim="0" showMasterSp="0">
+  <p:cSld>
+    <p:spTree>
+      <p:nvGrpSpPr>
+        <p:cNvPr id="94" name="Shape 94"/>
+        <p:cNvGrpSpPr/>
+        <p:nvPr/>
+      </p:nvGrpSpPr>
+      <p:grpSpPr>
+        <a:xfrm>
+          <a:off x="0" y="0"/>
+          <a:ext cx="0" cy="0"/>
+          <a:chOff x="0" y="0"/>
+          <a:chExt cx="0" cy="0"/>
+        </a:xfrm>
+      </p:grpSpPr>
+      <p:sp>
+        <p:nvSpPr>
+          <p:cNvPr id="95" name="Google Shape;95;ga4a8d591eb_0_9:notes"/>
+          <p:cNvSpPr/>
+          <p:nvPr>
+            <p:ph idx="2" type="sldImg"/>
+          </p:nvPr>
+        </p:nvSpPr>
+        <p:spPr>
+          <a:xfrm>
+            <a:off x="381300" y="685800"/>
+            <a:ext cx="6096000" cy="3429000"/>
+          </a:xfrm>
+          <a:custGeom>
+            <a:rect b="b" l="l" r="r" t="t"/>
+            <a:pathLst>
+              <a:path extrusionOk="0" h="120000" w="120000">
+                <a:moveTo>
+                  <a:pt x="0" y="0"/>
+                </a:moveTo>
+                <a:lnTo>
+                  <a:pt x="120000" y="0"/>
+                </a:lnTo>
+                <a:lnTo>
+                  <a:pt x="120000" y="120000"/>
+                </a:lnTo>
+                <a:lnTo>
+                  <a:pt x="0" y="120000"/>
+                </a:lnTo>
+                <a:close/>
+              </a:path>
+            </a:pathLst>
+          </a:custGeom>
+        </p:spPr>
+      </p:sp>
+      <p:sp>
+        <p:nvSpPr>
+          <p:cNvPr id="96" name="Google Shape;96;ga4a8d591eb_0_9:notes"/>
+          <p:cNvSpPr txBox="1"/>
+          <p:nvPr>
+            <p:ph idx="1" type="body"/>
+          </p:nvPr>
+        </p:nvSpPr>
+        <p:spPr>
+          <a:xfrm>
+            <a:off x="685800" y="4343400"/>
+            <a:ext cx="5486400" cy="4114800"/>
+          </a:xfrm>
+          <a:prstGeom prst="rect">
+            <a:avLst/>
+          </a:prstGeom>
+        </p:spPr>
+        <p:txBody>
+          <a:bodyPr anchorCtr="0" anchor="t" bIns="91425" lIns="91425" spcFirstLastPara="1" rIns="91425" wrap="square" tIns="91425">
+            <a:noAutofit/>
+          </a:bodyPr>
+          <a:lstStyle/>
+          <a:p>
+            <a:pPr indent="0" lvl="0" marL="0" rtl="0" algn="l">
+              <a:spcBef>
+                <a:spcPts val="0"/>
+              </a:spcBef>
+              <a:spcAft>
+                <a:spcPts val="0"/>
+              </a:spcAft>
+              <a:buNone/>
+            </a:pPr>
+            <a:r>
+              <a:t/>
+            </a:r>
+            <a:endParaRPr/>
+          </a:p>
+        </p:txBody>
+      </p:sp>
+    </p:spTree>
+  </p:cSld>
+  <p:clrMapOvr>
+    <a:masterClrMapping/>
+  </p:clrMapOvr>
+</p:notes>
+</file>
+
+<file path=ppt/notesSlides/notesSlide7.xml><?xml version="1.0" encoding="utf-8"?>
+<p:notes xmlns:a="http://schemas.openxmlformats.org/drawingml/2006/main" xmlns:r="http://schemas.openxmlformats.org/officeDocument/2006/relationships" xmlns:mc="http://schemas.openxmlformats.org/markup-compatibility/2006" xmlns:mv="urn:schemas-microsoft-com:mac:vml" xmlns:p="http://schemas.openxmlformats.org/presentationml/2006/main" xmlns:c="http://schemas.openxmlformats.org/drawingml/2006/chart" xmlns:dgm="http://schemas.openxmlformats.org/drawingml/2006/diagram" xmlns:o="urn:schemas-microsoft-com:office:office" xmlns:v="urn:schemas-microsoft-com:vml" xmlns:pvml="urn:schemas-microsoft-com:office:powerpoint" xmlns:com="http://schemas.openxmlformats.org/drawingml/2006/compatibility" xmlns:p14="http://schemas.microsoft.com/office/powerpoint/2010/main" xmlns:p15="http://schemas.microsoft.com/office/powerpoint/2012/main" xmlns:ahyp="http://schemas.microsoft.com/office/drawing/2018/hyperlinkcolor" showMasterPhAnim="0" showMasterSp="0">
+  <p:cSld>
+    <p:spTree>
+      <p:nvGrpSpPr>
+        <p:cNvPr id="103" name="Shape 103"/>
+        <p:cNvGrpSpPr/>
+        <p:nvPr/>
+      </p:nvGrpSpPr>
+      <p:grpSpPr>
+        <a:xfrm>
+          <a:off x="0" y="0"/>
+          <a:ext cx="0" cy="0"/>
+          <a:chOff x="0" y="0"/>
+          <a:chExt cx="0" cy="0"/>
+        </a:xfrm>
+      </p:grpSpPr>
+      <p:sp>
+        <p:nvSpPr>
+          <p:cNvPr id="104" name="Google Shape;104;ga4a8d591eb_0_16:notes"/>
+          <p:cNvSpPr/>
+          <p:nvPr>
+            <p:ph idx="2" type="sldImg"/>
+          </p:nvPr>
+        </p:nvSpPr>
+        <p:spPr>
+          <a:xfrm>
+            <a:off x="381300" y="685800"/>
+            <a:ext cx="6096000" cy="3429000"/>
+          </a:xfrm>
+          <a:custGeom>
+            <a:rect b="b" l="l" r="r" t="t"/>
+            <a:pathLst>
+              <a:path extrusionOk="0" h="120000" w="120000">
+                <a:moveTo>
+                  <a:pt x="0" y="0"/>
+                </a:moveTo>
+                <a:lnTo>
+                  <a:pt x="120000" y="0"/>
+                </a:lnTo>
+                <a:lnTo>
+                  <a:pt x="120000" y="120000"/>
+                </a:lnTo>
+                <a:lnTo>
+                  <a:pt x="0" y="120000"/>
+                </a:lnTo>
+                <a:close/>
+              </a:path>
+            </a:pathLst>
+          </a:custGeom>
+        </p:spPr>
+      </p:sp>
+      <p:sp>
+        <p:nvSpPr>
+          <p:cNvPr id="105" name="Google Shape;105;ga4a8d591eb_0_16:notes"/>
+          <p:cNvSpPr txBox="1"/>
+          <p:nvPr>
+            <p:ph idx="1" type="body"/>
+          </p:nvPr>
+        </p:nvSpPr>
+        <p:spPr>
+          <a:xfrm>
+            <a:off x="685800" y="4343400"/>
+            <a:ext cx="5486400" cy="4114800"/>
+          </a:xfrm>
+          <a:prstGeom prst="rect">
+            <a:avLst/>
+          </a:prstGeom>
+        </p:spPr>
+        <p:txBody>
+          <a:bodyPr anchorCtr="0" anchor="t" bIns="91425" lIns="91425" spcFirstLastPara="1" rIns="91425" wrap="square" tIns="91425">
+            <a:noAutofit/>
+          </a:bodyPr>
+          <a:lstStyle/>
+          <a:p>
+            <a:pPr indent="0" lvl="0" marL="0" rtl="0" algn="l">
+              <a:spcBef>
+                <a:spcPts val="0"/>
+              </a:spcBef>
+              <a:spcAft>
+                <a:spcPts val="0"/>
+              </a:spcAft>
+              <a:buNone/>
+            </a:pPr>
+            <a:r>
+              <a:t/>
+            </a:r>
+            <a:endParaRPr/>
+          </a:p>
+        </p:txBody>
+      </p:sp>
+    </p:spTree>
+  </p:cSld>
+  <p:clrMapOvr>
+    <a:masterClrMapping/>
+  </p:clrMapOvr>
+</p:notes>
+</file>
+
+<file path=ppt/notesSlides/notesSlide8.xml><?xml version="1.0" encoding="utf-8"?>
+<p:notes xmlns:a="http://schemas.openxmlformats.org/drawingml/2006/main" xmlns:r="http://schemas.openxmlformats.org/officeDocument/2006/relationships" xmlns:mc="http://schemas.openxmlformats.org/markup-compatibility/2006" xmlns:mv="urn:schemas-microsoft-com:mac:vml" xmlns:p="http://schemas.openxmlformats.org/presentationml/2006/main" xmlns:c="http://schemas.openxmlformats.org/drawingml/2006/chart" xmlns:dgm="http://schemas.openxmlformats.org/drawingml/2006/diagram" xmlns:o="urn:schemas-microsoft-com:office:office" xmlns:v="urn:schemas-microsoft-com:vml" xmlns:pvml="urn:schemas-microsoft-com:office:powerpoint" xmlns:com="http://schemas.openxmlformats.org/drawingml/2006/compatibility" xmlns:p14="http://schemas.microsoft.com/office/powerpoint/2010/main" xmlns:p15="http://schemas.microsoft.com/office/powerpoint/2012/main" xmlns:ahyp="http://schemas.microsoft.com/office/drawing/2018/hyperlinkcolor" showMasterPhAnim="0" showMasterSp="0">
+  <p:cSld>
+    <p:spTree>
+      <p:nvGrpSpPr>
+        <p:cNvPr id="114" name="Shape 114"/>
+        <p:cNvGrpSpPr/>
+        <p:nvPr/>
+      </p:nvGrpSpPr>
+      <p:grpSpPr>
+        <a:xfrm>
+          <a:off x="0" y="0"/>
+          <a:ext cx="0" cy="0"/>
+          <a:chOff x="0" y="0"/>
+          <a:chExt cx="0" cy="0"/>
+        </a:xfrm>
+      </p:grpSpPr>
+      <p:sp>
+        <p:nvSpPr>
+          <p:cNvPr id="115" name="Google Shape;115;ga4a8d591eb_0_25:notes"/>
+          <p:cNvSpPr/>
+          <p:nvPr>
+            <p:ph idx="2" type="sldImg"/>
+          </p:nvPr>
+        </p:nvSpPr>
+        <p:spPr>
+          <a:xfrm>
+            <a:off x="381300" y="685800"/>
+            <a:ext cx="6096000" cy="3429000"/>
+          </a:xfrm>
+          <a:custGeom>
+            <a:rect b="b" l="l" r="r" t="t"/>
+            <a:pathLst>
+              <a:path extrusionOk="0" h="120000" w="120000">
+                <a:moveTo>
+                  <a:pt x="0" y="0"/>
+                </a:moveTo>
+                <a:lnTo>
+                  <a:pt x="120000" y="0"/>
+                </a:lnTo>
+                <a:lnTo>
+                  <a:pt x="120000" y="120000"/>
+                </a:lnTo>
+                <a:lnTo>
+                  <a:pt x="0" y="120000"/>
+                </a:lnTo>
+                <a:close/>
+              </a:path>
+            </a:pathLst>
+          </a:custGeom>
+        </p:spPr>
+      </p:sp>
+      <p:sp>
+        <p:nvSpPr>
+          <p:cNvPr id="116" name="Google Shape;116;ga4a8d591eb_0_25:notes"/>
+          <p:cNvSpPr txBox="1"/>
+          <p:nvPr>
+            <p:ph idx="1" type="body"/>
+          </p:nvPr>
+        </p:nvSpPr>
+        <p:spPr>
+          <a:xfrm>
+            <a:off x="685800" y="4343400"/>
+            <a:ext cx="5486400" cy="4114800"/>
+          </a:xfrm>
+          <a:prstGeom prst="rect">
+            <a:avLst/>
+          </a:prstGeom>
+        </p:spPr>
+        <p:txBody>
+          <a:bodyPr anchorCtr="0" anchor="t" bIns="91425" lIns="91425" spcFirstLastPara="1" rIns="91425" wrap="square" tIns="91425">
+            <a:noAutofit/>
+          </a:bodyPr>
+          <a:lstStyle/>
+          <a:p>
+            <a:pPr indent="0" lvl="0" marL="0" rtl="0" algn="l">
+              <a:spcBef>
+                <a:spcPts val="0"/>
+              </a:spcBef>
+              <a:spcAft>
+                <a:spcPts val="0"/>
+              </a:spcAft>
+              <a:buNone/>
+            </a:pPr>
+            <a:r>
+              <a:t/>
+            </a:r>
+            <a:endParaRPr/>
+          </a:p>
+        </p:txBody>
+      </p:sp>
+    </p:spTree>
+  </p:cSld>
+  <p:clrMapOvr>
+    <a:masterClrMapping/>
+  </p:clrMapOvr>
+</p:notes>
+</file>
+
+<file path=ppt/notesSlides/notesSlide9.xml><?xml version="1.0" encoding="utf-8"?>
+<p:notes xmlns:a="http://schemas.openxmlformats.org/drawingml/2006/main" xmlns:r="http://schemas.openxmlformats.org/officeDocument/2006/relationships" xmlns:mc="http://schemas.openxmlformats.org/markup-compatibility/2006" xmlns:mv="urn:schemas-microsoft-com:mac:vml" xmlns:p="http://schemas.openxmlformats.org/presentationml/2006/main" xmlns:c="http://schemas.openxmlformats.org/drawingml/2006/chart" xmlns:dgm="http://schemas.openxmlformats.org/drawingml/2006/diagram" xmlns:o="urn:schemas-microsoft-com:office:office" xmlns:v="urn:schemas-microsoft-com:vml" xmlns:pvml="urn:schemas-microsoft-com:office:powerpoint" xmlns:com="http://schemas.openxmlformats.org/drawingml/2006/compatibility" xmlns:p14="http://schemas.microsoft.com/office/powerpoint/2010/main" xmlns:p15="http://schemas.microsoft.com/office/powerpoint/2012/main" xmlns:ahyp="http://schemas.microsoft.com/office/drawing/2018/hyperlinkcolor" showMasterPhAnim="0" showMasterSp="0">
+  <p:cSld>
+    <p:spTree>
+      <p:nvGrpSpPr>
+        <p:cNvPr id="123" name="Shape 123"/>
+        <p:cNvGrpSpPr/>
+        <p:nvPr/>
+      </p:nvGrpSpPr>
+      <p:grpSpPr>
+        <a:xfrm>
+          <a:off x="0" y="0"/>
+          <a:ext cx="0" cy="0"/>
+          <a:chOff x="0" y="0"/>
+          <a:chExt cx="0" cy="0"/>
+        </a:xfrm>
+      </p:grpSpPr>
+      <p:sp>
+        <p:nvSpPr>
+          <p:cNvPr id="124" name="Google Shape;124;ga4a8d591eb_0_33:notes"/>
+          <p:cNvSpPr/>
+          <p:nvPr>
+            <p:ph idx="2" type="sldImg"/>
+          </p:nvPr>
+        </p:nvSpPr>
+        <p:spPr>
+          <a:xfrm>
+            <a:off x="381300" y="685800"/>
+            <a:ext cx="6096000" cy="3429000"/>
+          </a:xfrm>
+          <a:custGeom>
+            <a:rect b="b" l="l" r="r" t="t"/>
+            <a:pathLst>
+              <a:path extrusionOk="0" h="120000" w="120000">
+                <a:moveTo>
+                  <a:pt x="0" y="0"/>
+                </a:moveTo>
+                <a:lnTo>
+                  <a:pt x="120000" y="0"/>
+                </a:lnTo>
+                <a:lnTo>
+                  <a:pt x="120000" y="120000"/>
+                </a:lnTo>
+                <a:lnTo>
+                  <a:pt x="0" y="120000"/>
+                </a:lnTo>
+                <a:close/>
+              </a:path>
+            </a:pathLst>
+          </a:custGeom>
+        </p:spPr>
+      </p:sp>
+      <p:sp>
+        <p:nvSpPr>
+          <p:cNvPr id="125" name="Google Shape;125;ga4a8d591eb_0_33:notes"/>
+          <p:cNvSpPr txBox="1"/>
+          <p:nvPr>
+            <p:ph idx="1" type="body"/>
+          </p:nvPr>
+        </p:nvSpPr>
+        <p:spPr>
+          <a:xfrm>
+            <a:off x="685800" y="4343400"/>
+            <a:ext cx="5486400" cy="4114800"/>
+          </a:xfrm>
+          <a:prstGeom prst="rect">
+            <a:avLst/>
+          </a:prstGeom>
+        </p:spPr>
+        <p:txBody>
+          <a:bodyPr anchorCtr="0" anchor="t" bIns="91425" lIns="91425" spcFirstLastPara="1" rIns="91425" wrap="square" tIns="91425">
+            <a:noAutofit/>
+          </a:bodyPr>
+          <a:lstStyle/>
+          <a:p>
+            <a:pPr indent="0" lvl="0" marL="0" rtl="0" algn="l">
+              <a:spcBef>
+                <a:spcPts val="0"/>
+              </a:spcBef>
+              <a:spcAft>
+                <a:spcPts val="0"/>
+              </a:spcAft>
+              <a:buNone/>
+            </a:pPr>
+            <a:r>
+              <a:t/>
+            </a:r>
+            <a:endParaRPr/>
+          </a:p>
+        </p:txBody>
+      </p:sp>
+    </p:spTree>
+  </p:cSld>
+  <p:clrMapOvr>
+    <a:masterClrMapping/>
+  </p:clrMapOvr>
+</p:notes>
+</file>
+
 <file path=ppt/slideLayouts/slideLayout1.xml><?xml version="1.0" encoding="utf-8"?>
 <p:sldLayout xmlns:a="http://schemas.openxmlformats.org/drawingml/2006/main" xmlns:r="http://schemas.openxmlformats.org/officeDocument/2006/relationships" xmlns:mc="http://schemas.openxmlformats.org/markup-compatibility/2006" xmlns:mv="urn:schemas-microsoft-com:mac:vml" xmlns:p="http://schemas.openxmlformats.org/presentationml/2006/main" xmlns:c="http://schemas.openxmlformats.org/drawingml/2006/chart" xmlns:dgm="http://schemas.openxmlformats.org/drawingml/2006/diagram" xmlns:o="urn:schemas-microsoft-com:office:office" xmlns:v="urn:schemas-microsoft-com:vml" xmlns:pvml="urn:schemas-microsoft-com:office:powerpoint" xmlns:com="http://schemas.openxmlformats.org/drawingml/2006/compatibility" xmlns:p14="http://schemas.microsoft.com/office/powerpoint/2010/main" xmlns:p15="http://schemas.microsoft.com/office/powerpoint/2012/main" xmlns:ahyp="http://schemas.microsoft.com/office/drawing/2018/hyperlinkcolor" matchingName="Title slide" type="title">
   <p:cSld name="TITLE">
@@ -1121,49 +1714,6 @@
       <p:sp>
         <p:nvSpPr>
           <p:cNvPr id="10" name="Google Shape;10;p2"/>
-          <p:cNvSpPr/>
-          <p:nvPr/>
-        </p:nvSpPr>
-        <p:spPr>
-          <a:xfrm>
-            <a:off x="80700" y="2651100"/>
-            <a:ext cx="8982600" cy="2411700"/>
-          </a:xfrm>
-          <a:prstGeom prst="rect">
-            <a:avLst/>
-          </a:prstGeom>
-          <a:solidFill>
-            <a:schemeClr val="accent2"/>
-          </a:solidFill>
-          <a:ln>
-            <a:noFill/>
-          </a:ln>
-        </p:spPr>
-        <p:txBody>
-          <a:bodyPr anchorCtr="0" anchor="ctr" bIns="91425" lIns="91425" spcFirstLastPara="1" rIns="91425" wrap="square" tIns="91425">
-            <a:noAutofit/>
-          </a:bodyPr>
-          <a:lstStyle/>
-          <a:p>
-            <a:pPr indent="0" lvl="0" marL="0" rtl="0" algn="l">
-              <a:spcBef>
-                <a:spcPts val="0"/>
-              </a:spcBef>
-              <a:spcAft>
-                <a:spcPts val="0"/>
-              </a:spcAft>
-              <a:buNone/>
-            </a:pPr>
-            <a:r>
-              <a:t/>
-            </a:r>
-            <a:endParaRPr/>
-          </a:p>
-        </p:txBody>
-      </p:sp>
-      <p:sp>
-        <p:nvSpPr>
-          <p:cNvPr id="11" name="Google Shape;11;p2"/>
           <p:cNvSpPr txBox="1"/>
           <p:nvPr>
             <p:ph type="ctrTitle"/>
@@ -1171,8 +1721,8 @@
         </p:nvSpPr>
         <p:spPr>
           <a:xfrm>
-            <a:off x="485875" y="264475"/>
-            <a:ext cx="8183700" cy="1473600"/>
+            <a:off x="311708" y="744575"/>
+            <a:ext cx="8520600" cy="2052600"/>
           </a:xfrm>
           <a:prstGeom prst="rect">
             <a:avLst/>
@@ -1183,104 +1733,256 @@
             <a:noAutofit/>
           </a:bodyPr>
           <a:lstStyle>
-            <a:lvl1pPr lvl="0">
-              <a:spcBef>
-                <a:spcPts val="0"/>
-              </a:spcBef>
-              <a:spcAft>
-                <a:spcPts val="0"/>
-              </a:spcAft>
-              <a:buSzPts val="4200"/>
-              <a:buNone/>
-              <a:defRPr sz="4200"/>
+            <a:lvl1pPr lvl="0" algn="ctr">
+              <a:spcBef>
+                <a:spcPts val="0"/>
+              </a:spcBef>
+              <a:spcAft>
+                <a:spcPts val="0"/>
+              </a:spcAft>
+              <a:buSzPts val="5200"/>
+              <a:buNone/>
+              <a:defRPr sz="5200"/>
             </a:lvl1pPr>
-            <a:lvl2pPr lvl="1">
-              <a:spcBef>
-                <a:spcPts val="0"/>
-              </a:spcBef>
-              <a:spcAft>
-                <a:spcPts val="0"/>
-              </a:spcAft>
-              <a:buSzPts val="4200"/>
-              <a:buNone/>
-              <a:defRPr sz="4200"/>
+            <a:lvl2pPr lvl="1" algn="ctr">
+              <a:spcBef>
+                <a:spcPts val="0"/>
+              </a:spcBef>
+              <a:spcAft>
+                <a:spcPts val="0"/>
+              </a:spcAft>
+              <a:buSzPts val="5200"/>
+              <a:buNone/>
+              <a:defRPr sz="5200"/>
             </a:lvl2pPr>
-            <a:lvl3pPr lvl="2">
-              <a:spcBef>
-                <a:spcPts val="0"/>
-              </a:spcBef>
-              <a:spcAft>
-                <a:spcPts val="0"/>
-              </a:spcAft>
-              <a:buSzPts val="4200"/>
-              <a:buNone/>
-              <a:defRPr sz="4200"/>
+            <a:lvl3pPr lvl="2" algn="ctr">
+              <a:spcBef>
+                <a:spcPts val="0"/>
+              </a:spcBef>
+              <a:spcAft>
+                <a:spcPts val="0"/>
+              </a:spcAft>
+              <a:buSzPts val="5200"/>
+              <a:buNone/>
+              <a:defRPr sz="5200"/>
             </a:lvl3pPr>
-            <a:lvl4pPr lvl="3">
-              <a:spcBef>
-                <a:spcPts val="0"/>
-              </a:spcBef>
-              <a:spcAft>
-                <a:spcPts val="0"/>
-              </a:spcAft>
-              <a:buSzPts val="4200"/>
-              <a:buNone/>
-              <a:defRPr sz="4200"/>
+            <a:lvl4pPr lvl="3" algn="ctr">
+              <a:spcBef>
+                <a:spcPts val="0"/>
+              </a:spcBef>
+              <a:spcAft>
+                <a:spcPts val="0"/>
+              </a:spcAft>
+              <a:buSzPts val="5200"/>
+              <a:buNone/>
+              <a:defRPr sz="5200"/>
             </a:lvl4pPr>
-            <a:lvl5pPr lvl="4">
-              <a:spcBef>
-                <a:spcPts val="0"/>
-              </a:spcBef>
-              <a:spcAft>
-                <a:spcPts val="0"/>
-              </a:spcAft>
-              <a:buSzPts val="4200"/>
-              <a:buNone/>
-              <a:defRPr sz="4200"/>
+            <a:lvl5pPr lvl="4" algn="ctr">
+              <a:spcBef>
+                <a:spcPts val="0"/>
+              </a:spcBef>
+              <a:spcAft>
+                <a:spcPts val="0"/>
+              </a:spcAft>
+              <a:buSzPts val="5200"/>
+              <a:buNone/>
+              <a:defRPr sz="5200"/>
             </a:lvl5pPr>
-            <a:lvl6pPr lvl="5">
-              <a:spcBef>
-                <a:spcPts val="0"/>
-              </a:spcBef>
-              <a:spcAft>
-                <a:spcPts val="0"/>
-              </a:spcAft>
-              <a:buSzPts val="4200"/>
-              <a:buNone/>
-              <a:defRPr sz="4200"/>
+            <a:lvl6pPr lvl="5" algn="ctr">
+              <a:spcBef>
+                <a:spcPts val="0"/>
+              </a:spcBef>
+              <a:spcAft>
+                <a:spcPts val="0"/>
+              </a:spcAft>
+              <a:buSzPts val="5200"/>
+              <a:buNone/>
+              <a:defRPr sz="5200"/>
             </a:lvl6pPr>
-            <a:lvl7pPr lvl="6">
-              <a:spcBef>
-                <a:spcPts val="0"/>
-              </a:spcBef>
-              <a:spcAft>
-                <a:spcPts val="0"/>
-              </a:spcAft>
-              <a:buSzPts val="4200"/>
-              <a:buNone/>
-              <a:defRPr sz="4200"/>
+            <a:lvl7pPr lvl="6" algn="ctr">
+              <a:spcBef>
+                <a:spcPts val="0"/>
+              </a:spcBef>
+              <a:spcAft>
+                <a:spcPts val="0"/>
+              </a:spcAft>
+              <a:buSzPts val="5200"/>
+              <a:buNone/>
+              <a:defRPr sz="5200"/>
             </a:lvl7pPr>
-            <a:lvl8pPr lvl="7">
-              <a:spcBef>
-                <a:spcPts val="0"/>
-              </a:spcBef>
-              <a:spcAft>
-                <a:spcPts val="0"/>
-              </a:spcAft>
-              <a:buSzPts val="4200"/>
-              <a:buNone/>
-              <a:defRPr sz="4200"/>
+            <a:lvl8pPr lvl="7" algn="ctr">
+              <a:spcBef>
+                <a:spcPts val="0"/>
+              </a:spcBef>
+              <a:spcAft>
+                <a:spcPts val="0"/>
+              </a:spcAft>
+              <a:buSzPts val="5200"/>
+              <a:buNone/>
+              <a:defRPr sz="5200"/>
             </a:lvl8pPr>
-            <a:lvl9pPr lvl="8">
-              <a:spcBef>
-                <a:spcPts val="0"/>
-              </a:spcBef>
-              <a:spcAft>
-                <a:spcPts val="0"/>
-              </a:spcAft>
-              <a:buSzPts val="4200"/>
-              <a:buNone/>
-              <a:defRPr sz="4200"/>
+            <a:lvl9pPr lvl="8" algn="ctr">
+              <a:spcBef>
+                <a:spcPts val="0"/>
+              </a:spcBef>
+              <a:spcAft>
+                <a:spcPts val="0"/>
+              </a:spcAft>
+              <a:buSzPts val="5200"/>
+              <a:buNone/>
+              <a:defRPr sz="5200"/>
+            </a:lvl9pPr>
+          </a:lstStyle>
+          <a:p/>
+        </p:txBody>
+      </p:sp>
+      <p:sp>
+        <p:nvSpPr>
+          <p:cNvPr id="11" name="Google Shape;11;p2"/>
+          <p:cNvSpPr txBox="1"/>
+          <p:nvPr>
+            <p:ph idx="1" type="subTitle"/>
+          </p:nvPr>
+        </p:nvSpPr>
+        <p:spPr>
+          <a:xfrm>
+            <a:off x="311700" y="2834125"/>
+            <a:ext cx="8520600" cy="792600"/>
+          </a:xfrm>
+          <a:prstGeom prst="rect">
+            <a:avLst/>
+          </a:prstGeom>
+        </p:spPr>
+        <p:txBody>
+          <a:bodyPr anchorCtr="0" anchor="t" bIns="91425" lIns="91425" spcFirstLastPara="1" rIns="91425" wrap="square" tIns="91425">
+            <a:noAutofit/>
+          </a:bodyPr>
+          <a:lstStyle>
+            <a:lvl1pPr lvl="0" algn="ctr">
+              <a:lnSpc>
+                <a:spcPct val="100000"/>
+              </a:lnSpc>
+              <a:spcBef>
+                <a:spcPts val="0"/>
+              </a:spcBef>
+              <a:spcAft>
+                <a:spcPts val="0"/>
+              </a:spcAft>
+              <a:buSzPts val="2800"/>
+              <a:buNone/>
+              <a:defRPr sz="2800"/>
+            </a:lvl1pPr>
+            <a:lvl2pPr lvl="1" algn="ctr">
+              <a:lnSpc>
+                <a:spcPct val="100000"/>
+              </a:lnSpc>
+              <a:spcBef>
+                <a:spcPts val="0"/>
+              </a:spcBef>
+              <a:spcAft>
+                <a:spcPts val="0"/>
+              </a:spcAft>
+              <a:buSzPts val="2800"/>
+              <a:buNone/>
+              <a:defRPr sz="2800"/>
+            </a:lvl2pPr>
+            <a:lvl3pPr lvl="2" algn="ctr">
+              <a:lnSpc>
+                <a:spcPct val="100000"/>
+              </a:lnSpc>
+              <a:spcBef>
+                <a:spcPts val="0"/>
+              </a:spcBef>
+              <a:spcAft>
+                <a:spcPts val="0"/>
+              </a:spcAft>
+              <a:buSzPts val="2800"/>
+              <a:buNone/>
+              <a:defRPr sz="2800"/>
+            </a:lvl3pPr>
+            <a:lvl4pPr lvl="3" algn="ctr">
+              <a:lnSpc>
+                <a:spcPct val="100000"/>
+              </a:lnSpc>
+              <a:spcBef>
+                <a:spcPts val="0"/>
+              </a:spcBef>
+              <a:spcAft>
+                <a:spcPts val="0"/>
+              </a:spcAft>
+              <a:buSzPts val="2800"/>
+              <a:buNone/>
+              <a:defRPr sz="2800"/>
+            </a:lvl4pPr>
+            <a:lvl5pPr lvl="4" algn="ctr">
+              <a:lnSpc>
+                <a:spcPct val="100000"/>
+              </a:lnSpc>
+              <a:spcBef>
+                <a:spcPts val="0"/>
+              </a:spcBef>
+              <a:spcAft>
+                <a:spcPts val="0"/>
+              </a:spcAft>
+              <a:buSzPts val="2800"/>
+              <a:buNone/>
+              <a:defRPr sz="2800"/>
+            </a:lvl5pPr>
+            <a:lvl6pPr lvl="5" algn="ctr">
+              <a:lnSpc>
+                <a:spcPct val="100000"/>
+              </a:lnSpc>
+              <a:spcBef>
+                <a:spcPts val="0"/>
+              </a:spcBef>
+              <a:spcAft>
+                <a:spcPts val="0"/>
+              </a:spcAft>
+              <a:buSzPts val="2800"/>
+              <a:buNone/>
+              <a:defRPr sz="2800"/>
+            </a:lvl6pPr>
+            <a:lvl7pPr lvl="6" algn="ctr">
+              <a:lnSpc>
+                <a:spcPct val="100000"/>
+              </a:lnSpc>
+              <a:spcBef>
+                <a:spcPts val="0"/>
+              </a:spcBef>
+              <a:spcAft>
+                <a:spcPts val="0"/>
+              </a:spcAft>
+              <a:buSzPts val="2800"/>
+              <a:buNone/>
+              <a:defRPr sz="2800"/>
+            </a:lvl7pPr>
+            <a:lvl8pPr lvl="7" algn="ctr">
+              <a:lnSpc>
+                <a:spcPct val="100000"/>
+              </a:lnSpc>
+              <a:spcBef>
+                <a:spcPts val="0"/>
+              </a:spcBef>
+              <a:spcAft>
+                <a:spcPts val="0"/>
+              </a:spcAft>
+              <a:buSzPts val="2800"/>
+              <a:buNone/>
+              <a:defRPr sz="2800"/>
+            </a:lvl8pPr>
+            <a:lvl9pPr lvl="8" algn="ctr">
+              <a:lnSpc>
+                <a:spcPct val="100000"/>
+              </a:lnSpc>
+              <a:spcBef>
+                <a:spcPts val="0"/>
+              </a:spcBef>
+              <a:spcAft>
+                <a:spcPts val="0"/>
+              </a:spcAft>
+              <a:buSzPts val="2800"/>
+              <a:buNone/>
+              <a:defRPr sz="2800"/>
             </a:lvl9pPr>
           </a:lstStyle>
           <a:p/>
@@ -1291,164 +1993,12 @@
           <p:cNvPr id="12" name="Google Shape;12;p2"/>
           <p:cNvSpPr txBox="1"/>
           <p:nvPr>
-            <p:ph idx="1" type="subTitle"/>
-          </p:nvPr>
-        </p:nvSpPr>
-        <p:spPr>
-          <a:xfrm>
-            <a:off x="485875" y="1738075"/>
-            <a:ext cx="8183700" cy="861000"/>
-          </a:xfrm>
-          <a:prstGeom prst="rect">
-            <a:avLst/>
-          </a:prstGeom>
-        </p:spPr>
-        <p:txBody>
-          <a:bodyPr anchorCtr="0" anchor="t" bIns="91425" lIns="91425" spcFirstLastPara="1" rIns="91425" wrap="square" tIns="91425">
-            <a:noAutofit/>
-          </a:bodyPr>
-          <a:lstStyle>
-            <a:lvl1pPr lvl="0">
-              <a:lnSpc>
-                <a:spcPct val="100000"/>
-              </a:lnSpc>
-              <a:spcBef>
-                <a:spcPts val="0"/>
-              </a:spcBef>
-              <a:spcAft>
-                <a:spcPts val="0"/>
-              </a:spcAft>
-              <a:buSzPts val="2400"/>
-              <a:buNone/>
-              <a:defRPr sz="2400"/>
-            </a:lvl1pPr>
-            <a:lvl2pPr lvl="1">
-              <a:lnSpc>
-                <a:spcPct val="100000"/>
-              </a:lnSpc>
-              <a:spcBef>
-                <a:spcPts val="0"/>
-              </a:spcBef>
-              <a:spcAft>
-                <a:spcPts val="0"/>
-              </a:spcAft>
-              <a:buSzPts val="2400"/>
-              <a:buNone/>
-              <a:defRPr sz="2400"/>
-            </a:lvl2pPr>
-            <a:lvl3pPr lvl="2">
-              <a:lnSpc>
-                <a:spcPct val="100000"/>
-              </a:lnSpc>
-              <a:spcBef>
-                <a:spcPts val="0"/>
-              </a:spcBef>
-              <a:spcAft>
-                <a:spcPts val="0"/>
-              </a:spcAft>
-              <a:buSzPts val="2400"/>
-              <a:buNone/>
-              <a:defRPr sz="2400"/>
-            </a:lvl3pPr>
-            <a:lvl4pPr lvl="3">
-              <a:lnSpc>
-                <a:spcPct val="100000"/>
-              </a:lnSpc>
-              <a:spcBef>
-                <a:spcPts val="0"/>
-              </a:spcBef>
-              <a:spcAft>
-                <a:spcPts val="0"/>
-              </a:spcAft>
-              <a:buSzPts val="2400"/>
-              <a:buNone/>
-              <a:defRPr sz="2400"/>
-            </a:lvl4pPr>
-            <a:lvl5pPr lvl="4">
-              <a:lnSpc>
-                <a:spcPct val="100000"/>
-              </a:lnSpc>
-              <a:spcBef>
-                <a:spcPts val="0"/>
-              </a:spcBef>
-              <a:spcAft>
-                <a:spcPts val="0"/>
-              </a:spcAft>
-              <a:buSzPts val="2400"/>
-              <a:buNone/>
-              <a:defRPr sz="2400"/>
-            </a:lvl5pPr>
-            <a:lvl6pPr lvl="5">
-              <a:lnSpc>
-                <a:spcPct val="100000"/>
-              </a:lnSpc>
-              <a:spcBef>
-                <a:spcPts val="0"/>
-              </a:spcBef>
-              <a:spcAft>
-                <a:spcPts val="0"/>
-              </a:spcAft>
-              <a:buSzPts val="2400"/>
-              <a:buNone/>
-              <a:defRPr sz="2400"/>
-            </a:lvl6pPr>
-            <a:lvl7pPr lvl="6">
-              <a:lnSpc>
-                <a:spcPct val="100000"/>
-              </a:lnSpc>
-              <a:spcBef>
-                <a:spcPts val="0"/>
-              </a:spcBef>
-              <a:spcAft>
-                <a:spcPts val="0"/>
-              </a:spcAft>
-              <a:buSzPts val="2400"/>
-              <a:buNone/>
-              <a:defRPr sz="2400"/>
-            </a:lvl7pPr>
-            <a:lvl8pPr lvl="7">
-              <a:lnSpc>
-                <a:spcPct val="100000"/>
-              </a:lnSpc>
-              <a:spcBef>
-                <a:spcPts val="0"/>
-              </a:spcBef>
-              <a:spcAft>
-                <a:spcPts val="0"/>
-              </a:spcAft>
-              <a:buSzPts val="2400"/>
-              <a:buNone/>
-              <a:defRPr sz="2400"/>
-            </a:lvl8pPr>
-            <a:lvl9pPr lvl="8">
-              <a:lnSpc>
-                <a:spcPct val="100000"/>
-              </a:lnSpc>
-              <a:spcBef>
-                <a:spcPts val="0"/>
-              </a:spcBef>
-              <a:spcAft>
-                <a:spcPts val="0"/>
-              </a:spcAft>
-              <a:buSzPts val="2400"/>
-              <a:buNone/>
-              <a:defRPr sz="2400"/>
-            </a:lvl9pPr>
-          </a:lstStyle>
-          <a:p/>
-        </p:txBody>
-      </p:sp>
-      <p:sp>
-        <p:nvSpPr>
-          <p:cNvPr id="13" name="Google Shape;13;p2"/>
-          <p:cNvSpPr txBox="1"/>
-          <p:nvPr>
             <p:ph idx="12" type="sldNum"/>
           </p:nvPr>
         </p:nvSpPr>
         <p:spPr>
           <a:xfrm>
-            <a:off x="8497999" y="4688759"/>
+            <a:off x="8472458" y="4663217"/>
             <a:ext cx="548700" cy="393600"/>
           </a:xfrm>
           <a:prstGeom prst="rect">
@@ -1462,75 +2012,39 @@
           <a:lstStyle>
             <a:lvl1pPr lvl="0">
               <a:buNone/>
-              <a:defRPr>
-                <a:solidFill>
-                  <a:schemeClr val="lt1"/>
-                </a:solidFill>
-              </a:defRPr>
+              <a:defRPr/>
             </a:lvl1pPr>
             <a:lvl2pPr lvl="1">
               <a:buNone/>
-              <a:defRPr>
-                <a:solidFill>
-                  <a:schemeClr val="lt1"/>
-                </a:solidFill>
-              </a:defRPr>
+              <a:defRPr/>
             </a:lvl2pPr>
             <a:lvl3pPr lvl="2">
               <a:buNone/>
-              <a:defRPr>
-                <a:solidFill>
-                  <a:schemeClr val="lt1"/>
-                </a:solidFill>
-              </a:defRPr>
+              <a:defRPr/>
             </a:lvl3pPr>
             <a:lvl4pPr lvl="3">
               <a:buNone/>
-              <a:defRPr>
-                <a:solidFill>
-                  <a:schemeClr val="lt1"/>
-                </a:solidFill>
-              </a:defRPr>
+              <a:defRPr/>
             </a:lvl4pPr>
             <a:lvl5pPr lvl="4">
               <a:buNone/>
-              <a:defRPr>
-                <a:solidFill>
-                  <a:schemeClr val="lt1"/>
-                </a:solidFill>
-              </a:defRPr>
+              <a:defRPr/>
             </a:lvl5pPr>
             <a:lvl6pPr lvl="5">
               <a:buNone/>
-              <a:defRPr>
-                <a:solidFill>
-                  <a:schemeClr val="lt1"/>
-                </a:solidFill>
-              </a:defRPr>
+              <a:defRPr/>
             </a:lvl6pPr>
             <a:lvl7pPr lvl="6">
               <a:buNone/>
-              <a:defRPr>
-                <a:solidFill>
-                  <a:schemeClr val="lt1"/>
-                </a:solidFill>
-              </a:defRPr>
+              <a:defRPr/>
             </a:lvl7pPr>
             <a:lvl8pPr lvl="7">
               <a:buNone/>
-              <a:defRPr>
-                <a:solidFill>
-                  <a:schemeClr val="lt1"/>
-                </a:solidFill>
-              </a:defRPr>
+              <a:defRPr/>
             </a:lvl8pPr>
             <a:lvl9pPr lvl="8">
               <a:buNone/>
-              <a:defRPr>
-                <a:solidFill>
-                  <a:schemeClr val="lt1"/>
-                </a:solidFill>
-              </a:defRPr>
+              <a:defRPr/>
             </a:lvl9pPr>
           </a:lstStyle>
           <a:p>
@@ -1564,7 +2078,7 @@
   <p:cSld name="BIG_NUMBER">
     <p:spTree>
       <p:nvGrpSpPr>
-        <p:cNvPr id="47" name="Shape 47"/>
+        <p:cNvPr id="44" name="Shape 44"/>
         <p:cNvGrpSpPr/>
         <p:nvPr/>
       </p:nvGrpSpPr>
@@ -1578,50 +2092,7 @@
       </p:grpSpPr>
       <p:sp>
         <p:nvSpPr>
-          <p:cNvPr id="48" name="Google Shape;48;p11"/>
-          <p:cNvSpPr/>
-          <p:nvPr/>
-        </p:nvSpPr>
-        <p:spPr>
-          <a:xfrm>
-            <a:off x="80700" y="2651100"/>
-            <a:ext cx="8982600" cy="2411700"/>
-          </a:xfrm>
-          <a:prstGeom prst="rect">
-            <a:avLst/>
-          </a:prstGeom>
-          <a:solidFill>
-            <a:schemeClr val="accent2"/>
-          </a:solidFill>
-          <a:ln>
-            <a:noFill/>
-          </a:ln>
-        </p:spPr>
-        <p:txBody>
-          <a:bodyPr anchorCtr="0" anchor="ctr" bIns="91425" lIns="91425" spcFirstLastPara="1" rIns="91425" wrap="square" tIns="91425">
-            <a:noAutofit/>
-          </a:bodyPr>
-          <a:lstStyle/>
-          <a:p>
-            <a:pPr indent="0" lvl="0" marL="0" rtl="0" algn="l">
-              <a:spcBef>
-                <a:spcPts val="0"/>
-              </a:spcBef>
-              <a:spcAft>
-                <a:spcPts val="0"/>
-              </a:spcAft>
-              <a:buNone/>
-            </a:pPr>
-            <a:r>
-              <a:t/>
-            </a:r>
-            <a:endParaRPr/>
-          </a:p>
-        </p:txBody>
-      </p:sp>
-      <p:sp>
-        <p:nvSpPr>
-          <p:cNvPr id="49" name="Google Shape;49;p11"/>
+          <p:cNvPr id="45" name="Google Shape;45;p11"/>
           <p:cNvSpPr txBox="1"/>
           <p:nvPr>
             <p:ph hasCustomPrompt="1" type="title"/>
@@ -1629,8 +2100,8 @@
         </p:nvSpPr>
         <p:spPr>
           <a:xfrm>
-            <a:off x="311700" y="743001"/>
-            <a:ext cx="8520600" cy="2006400"/>
+            <a:off x="311700" y="1106125"/>
+            <a:ext cx="8520600" cy="1963500"/>
           </a:xfrm>
           <a:prstGeom prst="rect">
             <a:avLst/>
@@ -1649,14 +2120,8 @@
                 <a:spcPts val="0"/>
               </a:spcAft>
               <a:buSzPts val="12000"/>
-              <a:buFont typeface="Source Sans Pro"/>
-              <a:buNone/>
-              <a:defRPr sz="12000">
-                <a:latin typeface="Source Sans Pro"/>
-                <a:ea typeface="Source Sans Pro"/>
-                <a:cs typeface="Source Sans Pro"/>
-                <a:sym typeface="Source Sans Pro"/>
-              </a:defRPr>
+              <a:buNone/>
+              <a:defRPr sz="12000"/>
             </a:lvl1pPr>
             <a:lvl2pPr lvl="1" algn="ctr">
               <a:spcBef>
@@ -1666,14 +2131,8 @@
                 <a:spcPts val="0"/>
               </a:spcAft>
               <a:buSzPts val="12000"/>
-              <a:buFont typeface="Source Sans Pro"/>
-              <a:buNone/>
-              <a:defRPr sz="12000">
-                <a:latin typeface="Source Sans Pro"/>
-                <a:ea typeface="Source Sans Pro"/>
-                <a:cs typeface="Source Sans Pro"/>
-                <a:sym typeface="Source Sans Pro"/>
-              </a:defRPr>
+              <a:buNone/>
+              <a:defRPr sz="12000"/>
             </a:lvl2pPr>
             <a:lvl3pPr lvl="2" algn="ctr">
               <a:spcBef>
@@ -1683,14 +2142,8 @@
                 <a:spcPts val="0"/>
               </a:spcAft>
               <a:buSzPts val="12000"/>
-              <a:buFont typeface="Source Sans Pro"/>
-              <a:buNone/>
-              <a:defRPr sz="12000">
-                <a:latin typeface="Source Sans Pro"/>
-                <a:ea typeface="Source Sans Pro"/>
-                <a:cs typeface="Source Sans Pro"/>
-                <a:sym typeface="Source Sans Pro"/>
-              </a:defRPr>
+              <a:buNone/>
+              <a:defRPr sz="12000"/>
             </a:lvl3pPr>
             <a:lvl4pPr lvl="3" algn="ctr">
               <a:spcBef>
@@ -1700,14 +2153,8 @@
                 <a:spcPts val="0"/>
               </a:spcAft>
               <a:buSzPts val="12000"/>
-              <a:buFont typeface="Source Sans Pro"/>
-              <a:buNone/>
-              <a:defRPr sz="12000">
-                <a:latin typeface="Source Sans Pro"/>
-                <a:ea typeface="Source Sans Pro"/>
-                <a:cs typeface="Source Sans Pro"/>
-                <a:sym typeface="Source Sans Pro"/>
-              </a:defRPr>
+              <a:buNone/>
+              <a:defRPr sz="12000"/>
             </a:lvl4pPr>
             <a:lvl5pPr lvl="4" algn="ctr">
               <a:spcBef>
@@ -1717,14 +2164,8 @@
                 <a:spcPts val="0"/>
               </a:spcAft>
               <a:buSzPts val="12000"/>
-              <a:buFont typeface="Source Sans Pro"/>
-              <a:buNone/>
-              <a:defRPr sz="12000">
-                <a:latin typeface="Source Sans Pro"/>
-                <a:ea typeface="Source Sans Pro"/>
-                <a:cs typeface="Source Sans Pro"/>
-                <a:sym typeface="Source Sans Pro"/>
-              </a:defRPr>
+              <a:buNone/>
+              <a:defRPr sz="12000"/>
             </a:lvl5pPr>
             <a:lvl6pPr lvl="5" algn="ctr">
               <a:spcBef>
@@ -1734,14 +2175,8 @@
                 <a:spcPts val="0"/>
               </a:spcAft>
               <a:buSzPts val="12000"/>
-              <a:buFont typeface="Source Sans Pro"/>
-              <a:buNone/>
-              <a:defRPr sz="12000">
-                <a:latin typeface="Source Sans Pro"/>
-                <a:ea typeface="Source Sans Pro"/>
-                <a:cs typeface="Source Sans Pro"/>
-                <a:sym typeface="Source Sans Pro"/>
-              </a:defRPr>
+              <a:buNone/>
+              <a:defRPr sz="12000"/>
             </a:lvl6pPr>
             <a:lvl7pPr lvl="6" algn="ctr">
               <a:spcBef>
@@ -1751,14 +2186,8 @@
                 <a:spcPts val="0"/>
               </a:spcAft>
               <a:buSzPts val="12000"/>
-              <a:buFont typeface="Source Sans Pro"/>
-              <a:buNone/>
-              <a:defRPr sz="12000">
-                <a:latin typeface="Source Sans Pro"/>
-                <a:ea typeface="Source Sans Pro"/>
-                <a:cs typeface="Source Sans Pro"/>
-                <a:sym typeface="Source Sans Pro"/>
-              </a:defRPr>
+              <a:buNone/>
+              <a:defRPr sz="12000"/>
             </a:lvl7pPr>
             <a:lvl8pPr lvl="7" algn="ctr">
               <a:spcBef>
@@ -1768,14 +2197,8 @@
                 <a:spcPts val="0"/>
               </a:spcAft>
               <a:buSzPts val="12000"/>
-              <a:buFont typeface="Source Sans Pro"/>
-              <a:buNone/>
-              <a:defRPr sz="12000">
-                <a:latin typeface="Source Sans Pro"/>
-                <a:ea typeface="Source Sans Pro"/>
-                <a:cs typeface="Source Sans Pro"/>
-                <a:sym typeface="Source Sans Pro"/>
-              </a:defRPr>
+              <a:buNone/>
+              <a:defRPr sz="12000"/>
             </a:lvl8pPr>
             <a:lvl9pPr lvl="8" algn="ctr">
               <a:spcBef>
@@ -1785,14 +2208,8 @@
                 <a:spcPts val="0"/>
               </a:spcAft>
               <a:buSzPts val="12000"/>
-              <a:buFont typeface="Source Sans Pro"/>
-              <a:buNone/>
-              <a:defRPr sz="12000">
-                <a:latin typeface="Source Sans Pro"/>
-                <a:ea typeface="Source Sans Pro"/>
-                <a:cs typeface="Source Sans Pro"/>
-                <a:sym typeface="Source Sans Pro"/>
-              </a:defRPr>
+              <a:buNone/>
+              <a:defRPr sz="12000"/>
             </a:lvl9pPr>
           </a:lstStyle>
           <a:p>
@@ -1804,7 +2221,7 @@
       </p:sp>
       <p:sp>
         <p:nvSpPr>
-          <p:cNvPr id="50" name="Google Shape;50;p11"/>
+          <p:cNvPr id="46" name="Google Shape;46;p11"/>
           <p:cNvSpPr txBox="1"/>
           <p:nvPr>
             <p:ph idx="1" type="body"/>
@@ -1812,7 +2229,7 @@
         </p:nvSpPr>
         <p:spPr>
           <a:xfrm>
-            <a:off x="311700" y="2845182"/>
+            <a:off x="311700" y="3152225"/>
             <a:ext cx="8520600" cy="1300800"/>
           </a:xfrm>
           <a:prstGeom prst="rect">
@@ -1831,16 +2248,9 @@
               <a:spcAft>
                 <a:spcPts val="0"/>
               </a:spcAft>
-              <a:buClr>
-                <a:schemeClr val="lt1"/>
-              </a:buClr>
               <a:buSzPts val="1800"/>
               <a:buChar char="●"/>
-              <a:defRPr>
-                <a:solidFill>
-                  <a:schemeClr val="lt1"/>
-                </a:solidFill>
-              </a:defRPr>
+              <a:defRPr/>
             </a:lvl1pPr>
             <a:lvl2pPr indent="-317500" lvl="1" marL="914400" algn="ctr">
               <a:spcBef>
@@ -1849,16 +2259,9 @@
               <a:spcAft>
                 <a:spcPts val="0"/>
               </a:spcAft>
-              <a:buClr>
-                <a:schemeClr val="lt1"/>
-              </a:buClr>
               <a:buSzPts val="1400"/>
               <a:buChar char="○"/>
-              <a:defRPr>
-                <a:solidFill>
-                  <a:schemeClr val="lt1"/>
-                </a:solidFill>
-              </a:defRPr>
+              <a:defRPr/>
             </a:lvl2pPr>
             <a:lvl3pPr indent="-317500" lvl="2" marL="1371600" algn="ctr">
               <a:spcBef>
@@ -1867,16 +2270,9 @@
               <a:spcAft>
                 <a:spcPts val="0"/>
               </a:spcAft>
-              <a:buClr>
-                <a:schemeClr val="lt1"/>
-              </a:buClr>
               <a:buSzPts val="1400"/>
               <a:buChar char="■"/>
-              <a:defRPr>
-                <a:solidFill>
-                  <a:schemeClr val="lt1"/>
-                </a:solidFill>
-              </a:defRPr>
+              <a:defRPr/>
             </a:lvl3pPr>
             <a:lvl4pPr indent="-317500" lvl="3" marL="1828800" algn="ctr">
               <a:spcBef>
@@ -1885,16 +2281,9 @@
               <a:spcAft>
                 <a:spcPts val="0"/>
               </a:spcAft>
-              <a:buClr>
-                <a:schemeClr val="lt1"/>
-              </a:buClr>
               <a:buSzPts val="1400"/>
               <a:buChar char="●"/>
-              <a:defRPr>
-                <a:solidFill>
-                  <a:schemeClr val="lt1"/>
-                </a:solidFill>
-              </a:defRPr>
+              <a:defRPr/>
             </a:lvl4pPr>
             <a:lvl5pPr indent="-317500" lvl="4" marL="2286000" algn="ctr">
               <a:spcBef>
@@ -1903,16 +2292,9 @@
               <a:spcAft>
                 <a:spcPts val="0"/>
               </a:spcAft>
-              <a:buClr>
-                <a:schemeClr val="lt1"/>
-              </a:buClr>
               <a:buSzPts val="1400"/>
               <a:buChar char="○"/>
-              <a:defRPr>
-                <a:solidFill>
-                  <a:schemeClr val="lt1"/>
-                </a:solidFill>
-              </a:defRPr>
+              <a:defRPr/>
             </a:lvl5pPr>
             <a:lvl6pPr indent="-317500" lvl="5" marL="2743200" algn="ctr">
               <a:spcBef>
@@ -1921,16 +2303,9 @@
               <a:spcAft>
                 <a:spcPts val="0"/>
               </a:spcAft>
-              <a:buClr>
-                <a:schemeClr val="lt1"/>
-              </a:buClr>
               <a:buSzPts val="1400"/>
               <a:buChar char="■"/>
-              <a:defRPr>
-                <a:solidFill>
-                  <a:schemeClr val="lt1"/>
-                </a:solidFill>
-              </a:defRPr>
+              <a:defRPr/>
             </a:lvl6pPr>
             <a:lvl7pPr indent="-317500" lvl="6" marL="3200400" algn="ctr">
               <a:spcBef>
@@ -1939,16 +2314,9 @@
               <a:spcAft>
                 <a:spcPts val="0"/>
               </a:spcAft>
-              <a:buClr>
-                <a:schemeClr val="lt1"/>
-              </a:buClr>
               <a:buSzPts val="1400"/>
               <a:buChar char="●"/>
-              <a:defRPr>
-                <a:solidFill>
-                  <a:schemeClr val="lt1"/>
-                </a:solidFill>
-              </a:defRPr>
+              <a:defRPr/>
             </a:lvl7pPr>
             <a:lvl8pPr indent="-317500" lvl="7" marL="3657600" algn="ctr">
               <a:spcBef>
@@ -1957,16 +2325,9 @@
               <a:spcAft>
                 <a:spcPts val="0"/>
               </a:spcAft>
-              <a:buClr>
-                <a:schemeClr val="lt1"/>
-              </a:buClr>
               <a:buSzPts val="1400"/>
               <a:buChar char="○"/>
-              <a:defRPr>
-                <a:solidFill>
-                  <a:schemeClr val="lt1"/>
-                </a:solidFill>
-              </a:defRPr>
+              <a:defRPr/>
             </a:lvl8pPr>
             <a:lvl9pPr indent="-317500" lvl="8" marL="4114800" algn="ctr">
               <a:spcBef>
@@ -1975,16 +2336,9 @@
               <a:spcAft>
                 <a:spcPts val="1600"/>
               </a:spcAft>
-              <a:buClr>
-                <a:schemeClr val="lt1"/>
-              </a:buClr>
               <a:buSzPts val="1400"/>
               <a:buChar char="■"/>
-              <a:defRPr>
-                <a:solidFill>
-                  <a:schemeClr val="lt1"/>
-                </a:solidFill>
-              </a:defRPr>
+              <a:defRPr/>
             </a:lvl9pPr>
           </a:lstStyle>
           <a:p/>
@@ -1992,7 +2346,7 @@
       </p:sp>
       <p:sp>
         <p:nvSpPr>
-          <p:cNvPr id="51" name="Google Shape;51;p11"/>
+          <p:cNvPr id="47" name="Google Shape;47;p11"/>
           <p:cNvSpPr txBox="1"/>
           <p:nvPr>
             <p:ph idx="12" type="sldNum"/>
@@ -2000,7 +2354,7 @@
         </p:nvSpPr>
         <p:spPr>
           <a:xfrm>
-            <a:off x="8497999" y="4688759"/>
+            <a:off x="8472458" y="4663217"/>
             <a:ext cx="548700" cy="393600"/>
           </a:xfrm>
           <a:prstGeom prst="rect">
@@ -2014,75 +2368,39 @@
           <a:lstStyle>
             <a:lvl1pPr lvl="0">
               <a:buNone/>
-              <a:defRPr>
-                <a:solidFill>
-                  <a:schemeClr val="lt1"/>
-                </a:solidFill>
-              </a:defRPr>
+              <a:defRPr/>
             </a:lvl1pPr>
             <a:lvl2pPr lvl="1">
               <a:buNone/>
-              <a:defRPr>
-                <a:solidFill>
-                  <a:schemeClr val="lt1"/>
-                </a:solidFill>
-              </a:defRPr>
+              <a:defRPr/>
             </a:lvl2pPr>
             <a:lvl3pPr lvl="2">
               <a:buNone/>
-              <a:defRPr>
-                <a:solidFill>
-                  <a:schemeClr val="lt1"/>
-                </a:solidFill>
-              </a:defRPr>
+              <a:defRPr/>
             </a:lvl3pPr>
             <a:lvl4pPr lvl="3">
               <a:buNone/>
-              <a:defRPr>
-                <a:solidFill>
-                  <a:schemeClr val="lt1"/>
-                </a:solidFill>
-              </a:defRPr>
+              <a:defRPr/>
             </a:lvl4pPr>
             <a:lvl5pPr lvl="4">
               <a:buNone/>
-              <a:defRPr>
-                <a:solidFill>
-                  <a:schemeClr val="lt1"/>
-                </a:solidFill>
-              </a:defRPr>
+              <a:defRPr/>
             </a:lvl5pPr>
             <a:lvl6pPr lvl="5">
               <a:buNone/>
-              <a:defRPr>
-                <a:solidFill>
-                  <a:schemeClr val="lt1"/>
-                </a:solidFill>
-              </a:defRPr>
+              <a:defRPr/>
             </a:lvl6pPr>
             <a:lvl7pPr lvl="6">
               <a:buNone/>
-              <a:defRPr>
-                <a:solidFill>
-                  <a:schemeClr val="lt1"/>
-                </a:solidFill>
-              </a:defRPr>
+              <a:defRPr/>
             </a:lvl7pPr>
             <a:lvl8pPr lvl="7">
               <a:buNone/>
-              <a:defRPr>
-                <a:solidFill>
-                  <a:schemeClr val="lt1"/>
-                </a:solidFill>
-              </a:defRPr>
+              <a:defRPr/>
             </a:lvl8pPr>
             <a:lvl9pPr lvl="8">
               <a:buNone/>
-              <a:defRPr>
-                <a:solidFill>
-                  <a:schemeClr val="lt1"/>
-                </a:solidFill>
-              </a:defRPr>
+              <a:defRPr/>
             </a:lvl9pPr>
           </a:lstStyle>
           <a:p>
@@ -2116,7 +2434,7 @@
   <p:cSld name="BLANK">
     <p:spTree>
       <p:nvGrpSpPr>
-        <p:cNvPr id="52" name="Shape 52"/>
+        <p:cNvPr id="48" name="Shape 48"/>
         <p:cNvGrpSpPr/>
         <p:nvPr/>
       </p:nvGrpSpPr>
@@ -2130,7 +2448,7 @@
       </p:grpSpPr>
       <p:sp>
         <p:nvSpPr>
-          <p:cNvPr id="53" name="Google Shape;53;p12"/>
+          <p:cNvPr id="49" name="Google Shape;49;p12"/>
           <p:cNvSpPr txBox="1"/>
           <p:nvPr>
             <p:ph idx="12" type="sldNum"/>
@@ -2138,7 +2456,7 @@
         </p:nvSpPr>
         <p:spPr>
           <a:xfrm>
-            <a:off x="8497999" y="4688759"/>
+            <a:off x="8472458" y="4663217"/>
             <a:ext cx="548700" cy="393600"/>
           </a:xfrm>
           <a:prstGeom prst="rect">
@@ -2218,7 +2536,7 @@
   <p:cSld name="SECTION_HEADER">
     <p:spTree>
       <p:nvGrpSpPr>
-        <p:cNvPr id="14" name="Shape 14"/>
+        <p:cNvPr id="13" name="Shape 13"/>
         <p:cNvGrpSpPr/>
         <p:nvPr/>
       </p:nvGrpSpPr>
@@ -2232,50 +2550,7 @@
       </p:grpSpPr>
       <p:sp>
         <p:nvSpPr>
-          <p:cNvPr id="15" name="Google Shape;15;p3"/>
-          <p:cNvSpPr/>
-          <p:nvPr/>
-        </p:nvSpPr>
-        <p:spPr>
-          <a:xfrm>
-            <a:off x="80700" y="2651100"/>
-            <a:ext cx="8982600" cy="2411700"/>
-          </a:xfrm>
-          <a:prstGeom prst="rect">
-            <a:avLst/>
-          </a:prstGeom>
-          <a:solidFill>
-            <a:schemeClr val="accent2"/>
-          </a:solidFill>
-          <a:ln>
-            <a:noFill/>
-          </a:ln>
-        </p:spPr>
-        <p:txBody>
-          <a:bodyPr anchorCtr="0" anchor="ctr" bIns="91425" lIns="91425" spcFirstLastPara="1" rIns="91425" wrap="square" tIns="91425">
-            <a:noAutofit/>
-          </a:bodyPr>
-          <a:lstStyle/>
-          <a:p>
-            <a:pPr indent="0" lvl="0" marL="0" rtl="0" algn="l">
-              <a:spcBef>
-                <a:spcPts val="0"/>
-              </a:spcBef>
-              <a:spcAft>
-                <a:spcPts val="0"/>
-              </a:spcAft>
-              <a:buNone/>
-            </a:pPr>
-            <a:r>
-              <a:t/>
-            </a:r>
-            <a:endParaRPr/>
-          </a:p>
-        </p:txBody>
-      </p:sp>
-      <p:sp>
-        <p:nvSpPr>
-          <p:cNvPr id="16" name="Google Shape;16;p3"/>
+          <p:cNvPr id="14" name="Google Shape;14;p3"/>
           <p:cNvSpPr txBox="1"/>
           <p:nvPr>
             <p:ph type="title"/>
@@ -2283,19 +2558,19 @@
         </p:nvSpPr>
         <p:spPr>
           <a:xfrm>
-            <a:off x="485875" y="1714500"/>
-            <a:ext cx="8183700" cy="785700"/>
+            <a:off x="311700" y="2150850"/>
+            <a:ext cx="8520600" cy="841800"/>
           </a:xfrm>
           <a:prstGeom prst="rect">
             <a:avLst/>
           </a:prstGeom>
         </p:spPr>
         <p:txBody>
-          <a:bodyPr anchorCtr="0" anchor="b" bIns="91425" lIns="91425" spcFirstLastPara="1" rIns="91425" wrap="square" tIns="91425">
+          <a:bodyPr anchorCtr="0" anchor="ctr" bIns="91425" lIns="91425" spcFirstLastPara="1" rIns="91425" wrap="square" tIns="91425">
             <a:noAutofit/>
           </a:bodyPr>
           <a:lstStyle>
-            <a:lvl1pPr lvl="0">
+            <a:lvl1pPr lvl="0" algn="ctr">
               <a:spcBef>
                 <a:spcPts val="0"/>
               </a:spcBef>
@@ -2306,7 +2581,7 @@
               <a:buNone/>
               <a:defRPr sz="3600"/>
             </a:lvl1pPr>
-            <a:lvl2pPr lvl="1">
+            <a:lvl2pPr lvl="1" algn="ctr">
               <a:spcBef>
                 <a:spcPts val="0"/>
               </a:spcBef>
@@ -2317,7 +2592,7 @@
               <a:buNone/>
               <a:defRPr sz="3600"/>
             </a:lvl2pPr>
-            <a:lvl3pPr lvl="2">
+            <a:lvl3pPr lvl="2" algn="ctr">
               <a:spcBef>
                 <a:spcPts val="0"/>
               </a:spcBef>
@@ -2328,7 +2603,7 @@
               <a:buNone/>
               <a:defRPr sz="3600"/>
             </a:lvl3pPr>
-            <a:lvl4pPr lvl="3">
+            <a:lvl4pPr lvl="3" algn="ctr">
               <a:spcBef>
                 <a:spcPts val="0"/>
               </a:spcBef>
@@ -2339,7 +2614,7 @@
               <a:buNone/>
               <a:defRPr sz="3600"/>
             </a:lvl4pPr>
-            <a:lvl5pPr lvl="4">
+            <a:lvl5pPr lvl="4" algn="ctr">
               <a:spcBef>
                 <a:spcPts val="0"/>
               </a:spcBef>
@@ -2350,7 +2625,7 @@
               <a:buNone/>
               <a:defRPr sz="3600"/>
             </a:lvl5pPr>
-            <a:lvl6pPr lvl="5">
+            <a:lvl6pPr lvl="5" algn="ctr">
               <a:spcBef>
                 <a:spcPts val="0"/>
               </a:spcBef>
@@ -2361,7 +2636,7 @@
               <a:buNone/>
               <a:defRPr sz="3600"/>
             </a:lvl6pPr>
-            <a:lvl7pPr lvl="6">
+            <a:lvl7pPr lvl="6" algn="ctr">
               <a:spcBef>
                 <a:spcPts val="0"/>
               </a:spcBef>
@@ -2372,7 +2647,7 @@
               <a:buNone/>
               <a:defRPr sz="3600"/>
             </a:lvl7pPr>
-            <a:lvl8pPr lvl="7">
+            <a:lvl8pPr lvl="7" algn="ctr">
               <a:spcBef>
                 <a:spcPts val="0"/>
               </a:spcBef>
@@ -2383,7 +2658,7 @@
               <a:buNone/>
               <a:defRPr sz="3600"/>
             </a:lvl8pPr>
-            <a:lvl9pPr lvl="8">
+            <a:lvl9pPr lvl="8" algn="ctr">
               <a:spcBef>
                 <a:spcPts val="0"/>
               </a:spcBef>
@@ -2400,7 +2675,7 @@
       </p:sp>
       <p:sp>
         <p:nvSpPr>
-          <p:cNvPr id="17" name="Google Shape;17;p3"/>
+          <p:cNvPr id="15" name="Google Shape;15;p3"/>
           <p:cNvSpPr txBox="1"/>
           <p:nvPr>
             <p:ph idx="12" type="sldNum"/>
@@ -2408,7 +2683,7 @@
         </p:nvSpPr>
         <p:spPr>
           <a:xfrm>
-            <a:off x="8497999" y="4688759"/>
+            <a:off x="8472458" y="4663217"/>
             <a:ext cx="548700" cy="393600"/>
           </a:xfrm>
           <a:prstGeom prst="rect">
@@ -2422,75 +2697,39 @@
           <a:lstStyle>
             <a:lvl1pPr lvl="0">
               <a:buNone/>
-              <a:defRPr>
-                <a:solidFill>
-                  <a:schemeClr val="lt1"/>
-                </a:solidFill>
-              </a:defRPr>
+              <a:defRPr/>
             </a:lvl1pPr>
             <a:lvl2pPr lvl="1">
               <a:buNone/>
-              <a:defRPr>
-                <a:solidFill>
-                  <a:schemeClr val="lt1"/>
-                </a:solidFill>
-              </a:defRPr>
+              <a:defRPr/>
             </a:lvl2pPr>
             <a:lvl3pPr lvl="2">
               <a:buNone/>
-              <a:defRPr>
-                <a:solidFill>
-                  <a:schemeClr val="lt1"/>
-                </a:solidFill>
-              </a:defRPr>
+              <a:defRPr/>
             </a:lvl3pPr>
             <a:lvl4pPr lvl="3">
               <a:buNone/>
-              <a:defRPr>
-                <a:solidFill>
-                  <a:schemeClr val="lt1"/>
-                </a:solidFill>
-              </a:defRPr>
+              <a:defRPr/>
             </a:lvl4pPr>
             <a:lvl5pPr lvl="4">
               <a:buNone/>
-              <a:defRPr>
-                <a:solidFill>
-                  <a:schemeClr val="lt1"/>
-                </a:solidFill>
-              </a:defRPr>
+              <a:defRPr/>
             </a:lvl5pPr>
             <a:lvl6pPr lvl="5">
               <a:buNone/>
-              <a:defRPr>
-                <a:solidFill>
-                  <a:schemeClr val="lt1"/>
-                </a:solidFill>
-              </a:defRPr>
+              <a:defRPr/>
             </a:lvl6pPr>
             <a:lvl7pPr lvl="6">
               <a:buNone/>
-              <a:defRPr>
-                <a:solidFill>
-                  <a:schemeClr val="lt1"/>
-                </a:solidFill>
-              </a:defRPr>
+              <a:defRPr/>
             </a:lvl7pPr>
             <a:lvl8pPr lvl="7">
               <a:buNone/>
-              <a:defRPr>
-                <a:solidFill>
-                  <a:schemeClr val="lt1"/>
-                </a:solidFill>
-              </a:defRPr>
+              <a:defRPr/>
             </a:lvl8pPr>
             <a:lvl9pPr lvl="8">
               <a:buNone/>
-              <a:defRPr>
-                <a:solidFill>
-                  <a:schemeClr val="lt1"/>
-                </a:solidFill>
-              </a:defRPr>
+              <a:defRPr/>
             </a:lvl9pPr>
           </a:lstStyle>
           <a:p>
@@ -2524,7 +2763,7 @@
   <p:cSld name="TITLE_AND_BODY">
     <p:spTree>
       <p:nvGrpSpPr>
-        <p:cNvPr id="18" name="Shape 18"/>
+        <p:cNvPr id="16" name="Shape 16"/>
         <p:cNvGrpSpPr/>
         <p:nvPr/>
       </p:nvGrpSpPr>
@@ -2538,7 +2777,7 @@
       </p:grpSpPr>
       <p:sp>
         <p:nvSpPr>
-          <p:cNvPr id="19" name="Google Shape;19;p4"/>
+          <p:cNvPr id="17" name="Google Shape;17;p4"/>
           <p:cNvSpPr txBox="1"/>
           <p:nvPr>
             <p:ph type="title"/>
@@ -2547,7 +2786,7 @@
         <p:spPr>
           <a:xfrm>
             <a:off x="311700" y="445025"/>
-            <a:ext cx="8520600" cy="623400"/>
+            <a:ext cx="8520600" cy="572700"/>
           </a:xfrm>
           <a:prstGeom prst="rect">
             <a:avLst/>
@@ -2565,7 +2804,7 @@
               <a:spcAft>
                 <a:spcPts val="0"/>
               </a:spcAft>
-              <a:buSzPts val="3000"/>
+              <a:buSzPts val="2800"/>
               <a:buNone/>
               <a:defRPr/>
             </a:lvl1pPr>
@@ -2576,7 +2815,7 @@
               <a:spcAft>
                 <a:spcPts val="0"/>
               </a:spcAft>
-              <a:buSzPts val="3000"/>
+              <a:buSzPts val="2800"/>
               <a:buNone/>
               <a:defRPr/>
             </a:lvl2pPr>
@@ -2587,7 +2826,7 @@
               <a:spcAft>
                 <a:spcPts val="0"/>
               </a:spcAft>
-              <a:buSzPts val="3000"/>
+              <a:buSzPts val="2800"/>
               <a:buNone/>
               <a:defRPr/>
             </a:lvl3pPr>
@@ -2598,7 +2837,7 @@
               <a:spcAft>
                 <a:spcPts val="0"/>
               </a:spcAft>
-              <a:buSzPts val="3000"/>
+              <a:buSzPts val="2800"/>
               <a:buNone/>
               <a:defRPr/>
             </a:lvl4pPr>
@@ -2609,7 +2848,7 @@
               <a:spcAft>
                 <a:spcPts val="0"/>
               </a:spcAft>
-              <a:buSzPts val="3000"/>
+              <a:buSzPts val="2800"/>
               <a:buNone/>
               <a:defRPr/>
             </a:lvl5pPr>
@@ -2620,7 +2859,7 @@
               <a:spcAft>
                 <a:spcPts val="0"/>
               </a:spcAft>
-              <a:buSzPts val="3000"/>
+              <a:buSzPts val="2800"/>
               <a:buNone/>
               <a:defRPr/>
             </a:lvl6pPr>
@@ -2631,7 +2870,7 @@
               <a:spcAft>
                 <a:spcPts val="0"/>
               </a:spcAft>
-              <a:buSzPts val="3000"/>
+              <a:buSzPts val="2800"/>
               <a:buNone/>
               <a:defRPr/>
             </a:lvl7pPr>
@@ -2642,7 +2881,7 @@
               <a:spcAft>
                 <a:spcPts val="0"/>
               </a:spcAft>
-              <a:buSzPts val="3000"/>
+              <a:buSzPts val="2800"/>
               <a:buNone/>
               <a:defRPr/>
             </a:lvl8pPr>
@@ -2653,7 +2892,7 @@
               <a:spcAft>
                 <a:spcPts val="0"/>
               </a:spcAft>
-              <a:buSzPts val="3000"/>
+              <a:buSzPts val="2800"/>
               <a:buNone/>
               <a:defRPr/>
             </a:lvl9pPr>
@@ -2663,7 +2902,7 @@
       </p:sp>
       <p:sp>
         <p:nvSpPr>
-          <p:cNvPr id="20" name="Google Shape;20;p4"/>
+          <p:cNvPr id="18" name="Google Shape;18;p4"/>
           <p:cNvSpPr txBox="1"/>
           <p:nvPr>
             <p:ph idx="1" type="body"/>
@@ -2788,7 +3027,7 @@
       </p:sp>
       <p:sp>
         <p:nvSpPr>
-          <p:cNvPr id="21" name="Google Shape;21;p4"/>
+          <p:cNvPr id="19" name="Google Shape;19;p4"/>
           <p:cNvSpPr txBox="1"/>
           <p:nvPr>
             <p:ph idx="12" type="sldNum"/>
@@ -2796,7 +3035,7 @@
         </p:nvSpPr>
         <p:spPr>
           <a:xfrm>
-            <a:off x="8497999" y="4688759"/>
+            <a:off x="8472458" y="4663217"/>
             <a:ext cx="548700" cy="393600"/>
           </a:xfrm>
           <a:prstGeom prst="rect">
@@ -2876,7 +3115,7 @@
   <p:cSld name="TITLE_AND_TWO_COLUMNS">
     <p:spTree>
       <p:nvGrpSpPr>
-        <p:cNvPr id="22" name="Shape 22"/>
+        <p:cNvPr id="20" name="Shape 20"/>
         <p:cNvGrpSpPr/>
         <p:nvPr/>
       </p:nvGrpSpPr>
@@ -2890,7 +3129,7 @@
       </p:grpSpPr>
       <p:sp>
         <p:nvSpPr>
-          <p:cNvPr id="23" name="Google Shape;23;p5"/>
+          <p:cNvPr id="21" name="Google Shape;21;p5"/>
           <p:cNvSpPr txBox="1"/>
           <p:nvPr>
             <p:ph type="title"/>
@@ -2899,7 +3138,7 @@
         <p:spPr>
           <a:xfrm>
             <a:off x="311700" y="445025"/>
-            <a:ext cx="8520600" cy="623400"/>
+            <a:ext cx="8520600" cy="572700"/>
           </a:xfrm>
           <a:prstGeom prst="rect">
             <a:avLst/>
@@ -2917,7 +3156,7 @@
               <a:spcAft>
                 <a:spcPts val="0"/>
               </a:spcAft>
-              <a:buSzPts val="3000"/>
+              <a:buSzPts val="2800"/>
               <a:buNone/>
               <a:defRPr/>
             </a:lvl1pPr>
@@ -2928,7 +3167,7 @@
               <a:spcAft>
                 <a:spcPts val="0"/>
               </a:spcAft>
-              <a:buSzPts val="3000"/>
+              <a:buSzPts val="2800"/>
               <a:buNone/>
               <a:defRPr/>
             </a:lvl2pPr>
@@ -2939,7 +3178,7 @@
               <a:spcAft>
                 <a:spcPts val="0"/>
               </a:spcAft>
-              <a:buSzPts val="3000"/>
+              <a:buSzPts val="2800"/>
               <a:buNone/>
               <a:defRPr/>
             </a:lvl3pPr>
@@ -2950,7 +3189,7 @@
               <a:spcAft>
                 <a:spcPts val="0"/>
               </a:spcAft>
-              <a:buSzPts val="3000"/>
+              <a:buSzPts val="2800"/>
               <a:buNone/>
               <a:defRPr/>
             </a:lvl4pPr>
@@ -2961,7 +3200,7 @@
               <a:spcAft>
                 <a:spcPts val="0"/>
               </a:spcAft>
-              <a:buSzPts val="3000"/>
+              <a:buSzPts val="2800"/>
               <a:buNone/>
               <a:defRPr/>
             </a:lvl5pPr>
@@ -2972,7 +3211,7 @@
               <a:spcAft>
                 <a:spcPts val="0"/>
               </a:spcAft>
-              <a:buSzPts val="3000"/>
+              <a:buSzPts val="2800"/>
               <a:buNone/>
               <a:defRPr/>
             </a:lvl6pPr>
@@ -2983,7 +3222,7 @@
               <a:spcAft>
                 <a:spcPts val="0"/>
               </a:spcAft>
-              <a:buSzPts val="3000"/>
+              <a:buSzPts val="2800"/>
               <a:buNone/>
               <a:defRPr/>
             </a:lvl7pPr>
@@ -2994,7 +3233,7 @@
               <a:spcAft>
                 <a:spcPts val="0"/>
               </a:spcAft>
-              <a:buSzPts val="3000"/>
+              <a:buSzPts val="2800"/>
               <a:buNone/>
               <a:defRPr/>
             </a:lvl8pPr>
@@ -3005,7 +3244,7 @@
               <a:spcAft>
                 <a:spcPts val="0"/>
               </a:spcAft>
-              <a:buSzPts val="3000"/>
+              <a:buSzPts val="2800"/>
               <a:buNone/>
               <a:defRPr/>
             </a:lvl9pPr>
@@ -3015,7 +3254,7 @@
       </p:sp>
       <p:sp>
         <p:nvSpPr>
-          <p:cNvPr id="24" name="Google Shape;24;p5"/>
+          <p:cNvPr id="22" name="Google Shape;22;p5"/>
           <p:cNvSpPr txBox="1"/>
           <p:nvPr>
             <p:ph idx="1" type="body"/>
@@ -3140,7 +3379,7 @@
       </p:sp>
       <p:sp>
         <p:nvSpPr>
-          <p:cNvPr id="25" name="Google Shape;25;p5"/>
+          <p:cNvPr id="23" name="Google Shape;23;p5"/>
           <p:cNvSpPr txBox="1"/>
           <p:nvPr>
             <p:ph idx="2" type="body"/>
@@ -3265,7 +3504,7 @@
       </p:sp>
       <p:sp>
         <p:nvSpPr>
-          <p:cNvPr id="26" name="Google Shape;26;p5"/>
+          <p:cNvPr id="24" name="Google Shape;24;p5"/>
           <p:cNvSpPr txBox="1"/>
           <p:nvPr>
             <p:ph idx="12" type="sldNum"/>
@@ -3273,7 +3512,7 @@
         </p:nvSpPr>
         <p:spPr>
           <a:xfrm>
-            <a:off x="8497999" y="4688759"/>
+            <a:off x="8472458" y="4663217"/>
             <a:ext cx="548700" cy="393600"/>
           </a:xfrm>
           <a:prstGeom prst="rect">
@@ -3353,7 +3592,7 @@
   <p:cSld name="TITLE_ONLY">
     <p:spTree>
       <p:nvGrpSpPr>
-        <p:cNvPr id="27" name="Shape 27"/>
+        <p:cNvPr id="25" name="Shape 25"/>
         <p:cNvGrpSpPr/>
         <p:nvPr/>
       </p:nvGrpSpPr>
@@ -3367,7 +3606,7 @@
       </p:grpSpPr>
       <p:sp>
         <p:nvSpPr>
-          <p:cNvPr id="28" name="Google Shape;28;p6"/>
+          <p:cNvPr id="26" name="Google Shape;26;p6"/>
           <p:cNvSpPr txBox="1"/>
           <p:nvPr>
             <p:ph type="title"/>
@@ -3376,7 +3615,7 @@
         <p:spPr>
           <a:xfrm>
             <a:off x="311700" y="445025"/>
-            <a:ext cx="8520600" cy="623400"/>
+            <a:ext cx="8520600" cy="572700"/>
           </a:xfrm>
           <a:prstGeom prst="rect">
             <a:avLst/>
@@ -3394,7 +3633,7 @@
               <a:spcAft>
                 <a:spcPts val="0"/>
               </a:spcAft>
-              <a:buSzPts val="3000"/>
+              <a:buSzPts val="2800"/>
               <a:buNone/>
               <a:defRPr/>
             </a:lvl1pPr>
@@ -3405,7 +3644,7 @@
               <a:spcAft>
                 <a:spcPts val="0"/>
               </a:spcAft>
-              <a:buSzPts val="3000"/>
+              <a:buSzPts val="2800"/>
               <a:buNone/>
               <a:defRPr/>
             </a:lvl2pPr>
@@ -3416,7 +3655,7 @@
               <a:spcAft>
                 <a:spcPts val="0"/>
               </a:spcAft>
-              <a:buSzPts val="3000"/>
+              <a:buSzPts val="2800"/>
               <a:buNone/>
               <a:defRPr/>
             </a:lvl3pPr>
@@ -3427,7 +3666,7 @@
               <a:spcAft>
                 <a:spcPts val="0"/>
               </a:spcAft>
-              <a:buSzPts val="3000"/>
+              <a:buSzPts val="2800"/>
               <a:buNone/>
               <a:defRPr/>
             </a:lvl4pPr>
@@ -3438,7 +3677,7 @@
               <a:spcAft>
                 <a:spcPts val="0"/>
               </a:spcAft>
-              <a:buSzPts val="3000"/>
+              <a:buSzPts val="2800"/>
               <a:buNone/>
               <a:defRPr/>
             </a:lvl5pPr>
@@ -3449,7 +3688,7 @@
               <a:spcAft>
                 <a:spcPts val="0"/>
               </a:spcAft>
-              <a:buSzPts val="3000"/>
+              <a:buSzPts val="2800"/>
               <a:buNone/>
               <a:defRPr/>
             </a:lvl6pPr>
@@ -3460,7 +3699,7 @@
               <a:spcAft>
                 <a:spcPts val="0"/>
               </a:spcAft>
-              <a:buSzPts val="3000"/>
+              <a:buSzPts val="2800"/>
               <a:buNone/>
               <a:defRPr/>
             </a:lvl7pPr>
@@ -3471,7 +3710,7 @@
               <a:spcAft>
                 <a:spcPts val="0"/>
               </a:spcAft>
-              <a:buSzPts val="3000"/>
+              <a:buSzPts val="2800"/>
               <a:buNone/>
               <a:defRPr/>
             </a:lvl8pPr>
@@ -3482,7 +3721,7 @@
               <a:spcAft>
                 <a:spcPts val="0"/>
               </a:spcAft>
-              <a:buSzPts val="3000"/>
+              <a:buSzPts val="2800"/>
               <a:buNone/>
               <a:defRPr/>
             </a:lvl9pPr>
@@ -3492,7 +3731,7 @@
       </p:sp>
       <p:sp>
         <p:nvSpPr>
-          <p:cNvPr id="29" name="Google Shape;29;p6"/>
+          <p:cNvPr id="27" name="Google Shape;27;p6"/>
           <p:cNvSpPr txBox="1"/>
           <p:nvPr>
             <p:ph idx="12" type="sldNum"/>
@@ -3500,7 +3739,7 @@
         </p:nvSpPr>
         <p:spPr>
           <a:xfrm>
-            <a:off x="8497999" y="4688759"/>
+            <a:off x="8472458" y="4663217"/>
             <a:ext cx="548700" cy="393600"/>
           </a:xfrm>
           <a:prstGeom prst="rect">
@@ -3580,7 +3819,7 @@
   <p:cSld name="ONE_COLUMN_TEXT">
     <p:spTree>
       <p:nvGrpSpPr>
-        <p:cNvPr id="30" name="Shape 30"/>
+        <p:cNvPr id="28" name="Shape 28"/>
         <p:cNvGrpSpPr/>
         <p:nvPr/>
       </p:nvGrpSpPr>
@@ -3594,7 +3833,7 @@
       </p:grpSpPr>
       <p:sp>
         <p:nvSpPr>
-          <p:cNvPr id="31" name="Google Shape;31;p7"/>
+          <p:cNvPr id="29" name="Google Shape;29;p7"/>
           <p:cNvSpPr txBox="1"/>
           <p:nvPr>
             <p:ph type="title"/>
@@ -3719,7 +3958,7 @@
       </p:sp>
       <p:sp>
         <p:nvSpPr>
-          <p:cNvPr id="32" name="Google Shape;32;p7"/>
+          <p:cNvPr id="30" name="Google Shape;30;p7"/>
           <p:cNvSpPr txBox="1"/>
           <p:nvPr>
             <p:ph idx="1" type="body"/>
@@ -3844,7 +4083,7 @@
       </p:sp>
       <p:sp>
         <p:nvSpPr>
-          <p:cNvPr id="33" name="Google Shape;33;p7"/>
+          <p:cNvPr id="31" name="Google Shape;31;p7"/>
           <p:cNvSpPr txBox="1"/>
           <p:nvPr>
             <p:ph idx="12" type="sldNum"/>
@@ -3852,7 +4091,7 @@
         </p:nvSpPr>
         <p:spPr>
           <a:xfrm>
-            <a:off x="8497999" y="4688759"/>
+            <a:off x="8472458" y="4663217"/>
             <a:ext cx="548700" cy="393600"/>
           </a:xfrm>
           <a:prstGeom prst="rect">
@@ -3930,16 +4169,9 @@
 <file path=ppt/slideLayouts/slideLayout7.xml><?xml version="1.0" encoding="utf-8"?>
 <p:sldLayout xmlns:a="http://schemas.openxmlformats.org/drawingml/2006/main" xmlns:r="http://schemas.openxmlformats.org/officeDocument/2006/relationships" xmlns:mc="http://schemas.openxmlformats.org/markup-compatibility/2006" xmlns:mv="urn:schemas-microsoft-com:mac:vml" xmlns:p="http://schemas.openxmlformats.org/presentationml/2006/main" xmlns:c="http://schemas.openxmlformats.org/drawingml/2006/chart" xmlns:dgm="http://schemas.openxmlformats.org/drawingml/2006/diagram" xmlns:o="urn:schemas-microsoft-com:office:office" xmlns:v="urn:schemas-microsoft-com:vml" xmlns:pvml="urn:schemas-microsoft-com:office:powerpoint" xmlns:com="http://schemas.openxmlformats.org/drawingml/2006/compatibility" xmlns:p14="http://schemas.microsoft.com/office/powerpoint/2010/main" xmlns:p15="http://schemas.microsoft.com/office/powerpoint/2012/main" xmlns:ahyp="http://schemas.microsoft.com/office/drawing/2018/hyperlinkcolor" matchingName="Main point">
   <p:cSld name="MAIN_POINT">
-    <p:bg>
-      <p:bgPr>
-        <a:solidFill>
-          <a:schemeClr val="accent2"/>
-        </a:solidFill>
-      </p:bgPr>
-    </p:bg>
     <p:spTree>
       <p:nvGrpSpPr>
-        <p:cNvPr id="34" name="Shape 34"/>
+        <p:cNvPr id="32" name="Shape 32"/>
         <p:cNvGrpSpPr/>
         <p:nvPr/>
       </p:nvGrpSpPr>
@@ -3953,7 +4185,7 @@
       </p:grpSpPr>
       <p:sp>
         <p:nvSpPr>
-          <p:cNvPr id="35" name="Google Shape;35;p8"/>
+          <p:cNvPr id="33" name="Google Shape;33;p8"/>
           <p:cNvSpPr txBox="1"/>
           <p:nvPr>
             <p:ph type="title"/>
@@ -3961,8 +4193,8 @@
         </p:nvSpPr>
         <p:spPr>
           <a:xfrm>
-            <a:off x="490250" y="526350"/>
-            <a:ext cx="5604000" cy="4090800"/>
+            <a:off x="490250" y="450150"/>
+            <a:ext cx="6367800" cy="4090800"/>
           </a:xfrm>
           <a:prstGeom prst="rect">
             <a:avLst/>
@@ -3980,16 +4212,9 @@
               <a:spcAft>
                 <a:spcPts val="0"/>
               </a:spcAft>
-              <a:buClr>
-                <a:schemeClr val="lt1"/>
-              </a:buClr>
               <a:buSzPts val="4800"/>
               <a:buNone/>
-              <a:defRPr sz="4800">
-                <a:solidFill>
-                  <a:schemeClr val="lt1"/>
-                </a:solidFill>
-              </a:defRPr>
+              <a:defRPr sz="4800"/>
             </a:lvl1pPr>
             <a:lvl2pPr lvl="1">
               <a:spcBef>
@@ -3998,16 +4223,9 @@
               <a:spcAft>
                 <a:spcPts val="0"/>
               </a:spcAft>
-              <a:buClr>
-                <a:schemeClr val="lt1"/>
-              </a:buClr>
               <a:buSzPts val="4800"/>
               <a:buNone/>
-              <a:defRPr sz="4800">
-                <a:solidFill>
-                  <a:schemeClr val="lt1"/>
-                </a:solidFill>
-              </a:defRPr>
+              <a:defRPr sz="4800"/>
             </a:lvl2pPr>
             <a:lvl3pPr lvl="2">
               <a:spcBef>
@@ -4016,16 +4234,9 @@
               <a:spcAft>
                 <a:spcPts val="0"/>
               </a:spcAft>
-              <a:buClr>
-                <a:schemeClr val="lt1"/>
-              </a:buClr>
               <a:buSzPts val="4800"/>
               <a:buNone/>
-              <a:defRPr sz="4800">
-                <a:solidFill>
-                  <a:schemeClr val="lt1"/>
-                </a:solidFill>
-              </a:defRPr>
+              <a:defRPr sz="4800"/>
             </a:lvl3pPr>
             <a:lvl4pPr lvl="3">
               <a:spcBef>
@@ -4034,16 +4245,9 @@
               <a:spcAft>
                 <a:spcPts val="0"/>
               </a:spcAft>
-              <a:buClr>
-                <a:schemeClr val="lt1"/>
-              </a:buClr>
               <a:buSzPts val="4800"/>
               <a:buNone/>
-              <a:defRPr sz="4800">
-                <a:solidFill>
-                  <a:schemeClr val="lt1"/>
-                </a:solidFill>
-              </a:defRPr>
+              <a:defRPr sz="4800"/>
             </a:lvl4pPr>
             <a:lvl5pPr lvl="4">
               <a:spcBef>
@@ -4052,16 +4256,9 @@
               <a:spcAft>
                 <a:spcPts val="0"/>
               </a:spcAft>
-              <a:buClr>
-                <a:schemeClr val="lt1"/>
-              </a:buClr>
               <a:buSzPts val="4800"/>
               <a:buNone/>
-              <a:defRPr sz="4800">
-                <a:solidFill>
-                  <a:schemeClr val="lt1"/>
-                </a:solidFill>
-              </a:defRPr>
+              <a:defRPr sz="4800"/>
             </a:lvl5pPr>
             <a:lvl6pPr lvl="5">
               <a:spcBef>
@@ -4070,16 +4267,9 @@
               <a:spcAft>
                 <a:spcPts val="0"/>
               </a:spcAft>
-              <a:buClr>
-                <a:schemeClr val="lt1"/>
-              </a:buClr>
               <a:buSzPts val="4800"/>
               <a:buNone/>
-              <a:defRPr sz="4800">
-                <a:solidFill>
-                  <a:schemeClr val="lt1"/>
-                </a:solidFill>
-              </a:defRPr>
+              <a:defRPr sz="4800"/>
             </a:lvl6pPr>
             <a:lvl7pPr lvl="6">
               <a:spcBef>
@@ -4088,16 +4278,9 @@
               <a:spcAft>
                 <a:spcPts val="0"/>
               </a:spcAft>
-              <a:buClr>
-                <a:schemeClr val="lt1"/>
-              </a:buClr>
               <a:buSzPts val="4800"/>
               <a:buNone/>
-              <a:defRPr sz="4800">
-                <a:solidFill>
-                  <a:schemeClr val="lt1"/>
-                </a:solidFill>
-              </a:defRPr>
+              <a:defRPr sz="4800"/>
             </a:lvl7pPr>
             <a:lvl8pPr lvl="7">
               <a:spcBef>
@@ -4106,16 +4289,9 @@
               <a:spcAft>
                 <a:spcPts val="0"/>
               </a:spcAft>
-              <a:buClr>
-                <a:schemeClr val="lt1"/>
-              </a:buClr>
               <a:buSzPts val="4800"/>
               <a:buNone/>
-              <a:defRPr sz="4800">
-                <a:solidFill>
-                  <a:schemeClr val="lt1"/>
-                </a:solidFill>
-              </a:defRPr>
+              <a:defRPr sz="4800"/>
             </a:lvl8pPr>
             <a:lvl9pPr lvl="8">
               <a:spcBef>
@@ -4124,16 +4300,9 @@
               <a:spcAft>
                 <a:spcPts val="0"/>
               </a:spcAft>
-              <a:buClr>
-                <a:schemeClr val="lt1"/>
-              </a:buClr>
               <a:buSzPts val="4800"/>
               <a:buNone/>
-              <a:defRPr sz="4800">
-                <a:solidFill>
-                  <a:schemeClr val="lt1"/>
-                </a:solidFill>
-              </a:defRPr>
+              <a:defRPr sz="4800"/>
             </a:lvl9pPr>
           </a:lstStyle>
           <a:p/>
@@ -4141,7 +4310,7 @@
       </p:sp>
       <p:sp>
         <p:nvSpPr>
-          <p:cNvPr id="36" name="Google Shape;36;p8"/>
+          <p:cNvPr id="34" name="Google Shape;34;p8"/>
           <p:cNvSpPr txBox="1"/>
           <p:nvPr>
             <p:ph idx="12" type="sldNum"/>
@@ -4149,7 +4318,7 @@
         </p:nvSpPr>
         <p:spPr>
           <a:xfrm>
-            <a:off x="8497999" y="4688759"/>
+            <a:off x="8472458" y="4663217"/>
             <a:ext cx="548700" cy="393600"/>
           </a:xfrm>
           <a:prstGeom prst="rect">
@@ -4163,75 +4332,39 @@
           <a:lstStyle>
             <a:lvl1pPr lvl="0">
               <a:buNone/>
-              <a:defRPr>
-                <a:solidFill>
-                  <a:schemeClr val="lt1"/>
-                </a:solidFill>
-              </a:defRPr>
+              <a:defRPr/>
             </a:lvl1pPr>
             <a:lvl2pPr lvl="1">
               <a:buNone/>
-              <a:defRPr>
-                <a:solidFill>
-                  <a:schemeClr val="lt1"/>
-                </a:solidFill>
-              </a:defRPr>
+              <a:defRPr/>
             </a:lvl2pPr>
             <a:lvl3pPr lvl="2">
               <a:buNone/>
-              <a:defRPr>
-                <a:solidFill>
-                  <a:schemeClr val="lt1"/>
-                </a:solidFill>
-              </a:defRPr>
+              <a:defRPr/>
             </a:lvl3pPr>
             <a:lvl4pPr lvl="3">
               <a:buNone/>
-              <a:defRPr>
-                <a:solidFill>
-                  <a:schemeClr val="lt1"/>
-                </a:solidFill>
-              </a:defRPr>
+              <a:defRPr/>
             </a:lvl4pPr>
             <a:lvl5pPr lvl="4">
               <a:buNone/>
-              <a:defRPr>
-                <a:solidFill>
-                  <a:schemeClr val="lt1"/>
-                </a:solidFill>
-              </a:defRPr>
+              <a:defRPr/>
             </a:lvl5pPr>
             <a:lvl6pPr lvl="5">
               <a:buNone/>
-              <a:defRPr>
-                <a:solidFill>
-                  <a:schemeClr val="lt1"/>
-                </a:solidFill>
-              </a:defRPr>
+              <a:defRPr/>
             </a:lvl6pPr>
             <a:lvl7pPr lvl="6">
               <a:buNone/>
-              <a:defRPr>
-                <a:solidFill>
-                  <a:schemeClr val="lt1"/>
-                </a:solidFill>
-              </a:defRPr>
+              <a:defRPr/>
             </a:lvl7pPr>
             <a:lvl8pPr lvl="7">
               <a:buNone/>
-              <a:defRPr>
-                <a:solidFill>
-                  <a:schemeClr val="lt1"/>
-                </a:solidFill>
-              </a:defRPr>
+              <a:defRPr/>
             </a:lvl8pPr>
             <a:lvl9pPr lvl="8">
               <a:buNone/>
-              <a:defRPr>
-                <a:solidFill>
-                  <a:schemeClr val="lt1"/>
-                </a:solidFill>
-              </a:defRPr>
+              <a:defRPr/>
             </a:lvl9pPr>
           </a:lstStyle>
           <a:p>
@@ -4265,7 +4398,7 @@
   <p:cSld name="SECTION_TITLE_AND_DESCRIPTION">
     <p:spTree>
       <p:nvGrpSpPr>
-        <p:cNvPr id="37" name="Shape 37"/>
+        <p:cNvPr id="35" name="Shape 35"/>
         <p:cNvGrpSpPr/>
         <p:nvPr/>
       </p:nvGrpSpPr>
@@ -4279,20 +4412,20 @@
       </p:grpSpPr>
       <p:sp>
         <p:nvSpPr>
-          <p:cNvPr id="38" name="Google Shape;38;p9"/>
+          <p:cNvPr id="36" name="Google Shape;36;p9"/>
           <p:cNvSpPr/>
           <p:nvPr/>
         </p:nvSpPr>
         <p:spPr>
           <a:xfrm>
-            <a:off x="4636800" y="80700"/>
-            <a:ext cx="4426500" cy="4982100"/>
+            <a:off x="4572000" y="-125"/>
+            <a:ext cx="4572000" cy="5143500"/>
           </a:xfrm>
           <a:prstGeom prst="rect">
             <a:avLst/>
           </a:prstGeom>
           <a:solidFill>
-            <a:schemeClr val="accent2"/>
+            <a:schemeClr val="lt2"/>
           </a:solidFill>
           <a:ln>
             <a:noFill/>
@@ -4320,35 +4453,9 @@
           </a:p>
         </p:txBody>
       </p:sp>
-      <p:cxnSp>
-        <p:nvCxnSpPr>
-          <p:cNvPr id="39" name="Google Shape;39;p9"/>
-          <p:cNvCxnSpPr/>
-          <p:nvPr/>
-        </p:nvCxnSpPr>
-        <p:spPr>
-          <a:xfrm>
-            <a:off x="5029675" y="4495500"/>
-            <a:ext cx="468300" cy="0"/>
-          </a:xfrm>
-          <a:prstGeom prst="straightConnector1">
-            <a:avLst/>
-          </a:prstGeom>
-          <a:noFill/>
-          <a:ln cap="flat" cmpd="sng" w="19050">
-            <a:solidFill>
-              <a:schemeClr val="lt1"/>
-            </a:solidFill>
-            <a:prstDash val="solid"/>
-            <a:round/>
-            <a:headEnd len="sm" w="sm" type="none"/>
-            <a:tailEnd len="sm" w="sm" type="none"/>
-          </a:ln>
-        </p:spPr>
-      </p:cxnSp>
       <p:sp>
         <p:nvSpPr>
-          <p:cNvPr id="40" name="Google Shape;40;p9"/>
+          <p:cNvPr id="37" name="Google Shape;37;p9"/>
           <p:cNvSpPr txBox="1"/>
           <p:nvPr>
             <p:ph type="title"/>
@@ -4356,8 +4463,8 @@
         </p:nvSpPr>
         <p:spPr>
           <a:xfrm>
-            <a:off x="265500" y="1181700"/>
-            <a:ext cx="4045200" cy="1533600"/>
+            <a:off x="265500" y="1233175"/>
+            <a:ext cx="4045200" cy="1482300"/>
           </a:xfrm>
           <a:prstGeom prst="rect">
             <a:avLst/>
@@ -4375,9 +4482,9 @@
               <a:spcAft>
                 <a:spcPts val="0"/>
               </a:spcAft>
-              <a:buSzPts val="3800"/>
-              <a:buNone/>
-              <a:defRPr sz="3800"/>
+              <a:buSzPts val="4200"/>
+              <a:buNone/>
+              <a:defRPr sz="4200"/>
             </a:lvl1pPr>
             <a:lvl2pPr lvl="1" algn="ctr">
               <a:spcBef>
@@ -4386,9 +4493,9 @@
               <a:spcAft>
                 <a:spcPts val="0"/>
               </a:spcAft>
-              <a:buSzPts val="3800"/>
-              <a:buNone/>
-              <a:defRPr sz="3800"/>
+              <a:buSzPts val="4200"/>
+              <a:buNone/>
+              <a:defRPr sz="4200"/>
             </a:lvl2pPr>
             <a:lvl3pPr lvl="2" algn="ctr">
               <a:spcBef>
@@ -4397,9 +4504,9 @@
               <a:spcAft>
                 <a:spcPts val="0"/>
               </a:spcAft>
-              <a:buSzPts val="3800"/>
-              <a:buNone/>
-              <a:defRPr sz="3800"/>
+              <a:buSzPts val="4200"/>
+              <a:buNone/>
+              <a:defRPr sz="4200"/>
             </a:lvl3pPr>
             <a:lvl4pPr lvl="3" algn="ctr">
               <a:spcBef>
@@ -4408,9 +4515,9 @@
               <a:spcAft>
                 <a:spcPts val="0"/>
               </a:spcAft>
-              <a:buSzPts val="3800"/>
-              <a:buNone/>
-              <a:defRPr sz="3800"/>
+              <a:buSzPts val="4200"/>
+              <a:buNone/>
+              <a:defRPr sz="4200"/>
             </a:lvl4pPr>
             <a:lvl5pPr lvl="4" algn="ctr">
               <a:spcBef>
@@ -4419,9 +4526,9 @@
               <a:spcAft>
                 <a:spcPts val="0"/>
               </a:spcAft>
-              <a:buSzPts val="3800"/>
-              <a:buNone/>
-              <a:defRPr sz="3800"/>
+              <a:buSzPts val="4200"/>
+              <a:buNone/>
+              <a:defRPr sz="4200"/>
             </a:lvl5pPr>
             <a:lvl6pPr lvl="5" algn="ctr">
               <a:spcBef>
@@ -4430,9 +4537,9 @@
               <a:spcAft>
                 <a:spcPts val="0"/>
               </a:spcAft>
-              <a:buSzPts val="3800"/>
-              <a:buNone/>
-              <a:defRPr sz="3800"/>
+              <a:buSzPts val="4200"/>
+              <a:buNone/>
+              <a:defRPr sz="4200"/>
             </a:lvl6pPr>
             <a:lvl7pPr lvl="6" algn="ctr">
               <a:spcBef>
@@ -4441,9 +4548,9 @@
               <a:spcAft>
                 <a:spcPts val="0"/>
               </a:spcAft>
-              <a:buSzPts val="3800"/>
-              <a:buNone/>
-              <a:defRPr sz="3800"/>
+              <a:buSzPts val="4200"/>
+              <a:buNone/>
+              <a:defRPr sz="4200"/>
             </a:lvl7pPr>
             <a:lvl8pPr lvl="7" algn="ctr">
               <a:spcBef>
@@ -4452,9 +4559,9 @@
               <a:spcAft>
                 <a:spcPts val="0"/>
               </a:spcAft>
-              <a:buSzPts val="3800"/>
-              <a:buNone/>
-              <a:defRPr sz="3800"/>
+              <a:buSzPts val="4200"/>
+              <a:buNone/>
+              <a:defRPr sz="4200"/>
             </a:lvl8pPr>
             <a:lvl9pPr lvl="8" algn="ctr">
               <a:spcBef>
@@ -4463,9 +4570,9 @@
               <a:spcAft>
                 <a:spcPts val="0"/>
               </a:spcAft>
-              <a:buSzPts val="3800"/>
-              <a:buNone/>
-              <a:defRPr sz="3800"/>
+              <a:buSzPts val="4200"/>
+              <a:buNone/>
+              <a:defRPr sz="4200"/>
             </a:lvl9pPr>
           </a:lstStyle>
           <a:p/>
@@ -4473,7 +4580,7 @@
       </p:sp>
       <p:sp>
         <p:nvSpPr>
-          <p:cNvPr id="41" name="Google Shape;41;p9"/>
+          <p:cNvPr id="38" name="Google Shape;38;p9"/>
           <p:cNvSpPr txBox="1"/>
           <p:nvPr>
             <p:ph idx="1" type="subTitle"/>
@@ -4481,8 +4588,8 @@
         </p:nvSpPr>
         <p:spPr>
           <a:xfrm>
-            <a:off x="265500" y="2769001"/>
-            <a:ext cx="4045200" cy="1345500"/>
+            <a:off x="265500" y="2803075"/>
+            <a:ext cx="4045200" cy="1235100"/>
           </a:xfrm>
           <a:prstGeom prst="rect">
             <a:avLst/>
@@ -4625,7 +4732,7 @@
       </p:sp>
       <p:sp>
         <p:nvSpPr>
-          <p:cNvPr id="42" name="Google Shape;42;p9"/>
+          <p:cNvPr id="39" name="Google Shape;39;p9"/>
           <p:cNvSpPr txBox="1"/>
           <p:nvPr>
             <p:ph idx="2" type="body"/>
@@ -4633,7 +4740,7 @@
         </p:nvSpPr>
         <p:spPr>
           <a:xfrm>
-            <a:off x="4939500" y="724200"/>
+            <a:off x="4939500" y="724075"/>
             <a:ext cx="3837000" cy="3695100"/>
           </a:xfrm>
           <a:prstGeom prst="rect">
@@ -4652,16 +4759,9 @@
               <a:spcAft>
                 <a:spcPts val="0"/>
               </a:spcAft>
-              <a:buClr>
-                <a:schemeClr val="lt1"/>
-              </a:buClr>
               <a:buSzPts val="1800"/>
               <a:buChar char="●"/>
-              <a:defRPr>
-                <a:solidFill>
-                  <a:schemeClr val="lt1"/>
-                </a:solidFill>
-              </a:defRPr>
+              <a:defRPr/>
             </a:lvl1pPr>
             <a:lvl2pPr indent="-317500" lvl="1" marL="914400">
               <a:spcBef>
@@ -4670,16 +4770,9 @@
               <a:spcAft>
                 <a:spcPts val="0"/>
               </a:spcAft>
-              <a:buClr>
-                <a:schemeClr val="lt1"/>
-              </a:buClr>
               <a:buSzPts val="1400"/>
               <a:buChar char="○"/>
-              <a:defRPr>
-                <a:solidFill>
-                  <a:schemeClr val="lt1"/>
-                </a:solidFill>
-              </a:defRPr>
+              <a:defRPr/>
             </a:lvl2pPr>
             <a:lvl3pPr indent="-317500" lvl="2" marL="1371600">
               <a:spcBef>
@@ -4688,16 +4781,9 @@
               <a:spcAft>
                 <a:spcPts val="0"/>
               </a:spcAft>
-              <a:buClr>
-                <a:schemeClr val="lt1"/>
-              </a:buClr>
               <a:buSzPts val="1400"/>
               <a:buChar char="■"/>
-              <a:defRPr>
-                <a:solidFill>
-                  <a:schemeClr val="lt1"/>
-                </a:solidFill>
-              </a:defRPr>
+              <a:defRPr/>
             </a:lvl3pPr>
             <a:lvl4pPr indent="-317500" lvl="3" marL="1828800">
               <a:spcBef>
@@ -4706,16 +4792,9 @@
               <a:spcAft>
                 <a:spcPts val="0"/>
               </a:spcAft>
-              <a:buClr>
-                <a:schemeClr val="lt1"/>
-              </a:buClr>
               <a:buSzPts val="1400"/>
               <a:buChar char="●"/>
-              <a:defRPr>
-                <a:solidFill>
-                  <a:schemeClr val="lt1"/>
-                </a:solidFill>
-              </a:defRPr>
+              <a:defRPr/>
             </a:lvl4pPr>
             <a:lvl5pPr indent="-317500" lvl="4" marL="2286000">
               <a:spcBef>
@@ -4724,16 +4803,9 @@
               <a:spcAft>
                 <a:spcPts val="0"/>
               </a:spcAft>
-              <a:buClr>
-                <a:schemeClr val="lt1"/>
-              </a:buClr>
               <a:buSzPts val="1400"/>
               <a:buChar char="○"/>
-              <a:defRPr>
-                <a:solidFill>
-                  <a:schemeClr val="lt1"/>
-                </a:solidFill>
-              </a:defRPr>
+              <a:defRPr/>
             </a:lvl5pPr>
             <a:lvl6pPr indent="-317500" lvl="5" marL="2743200">
               <a:spcBef>
@@ -4742,16 +4814,9 @@
               <a:spcAft>
                 <a:spcPts val="0"/>
               </a:spcAft>
-              <a:buClr>
-                <a:schemeClr val="lt1"/>
-              </a:buClr>
               <a:buSzPts val="1400"/>
               <a:buChar char="■"/>
-              <a:defRPr>
-                <a:solidFill>
-                  <a:schemeClr val="lt1"/>
-                </a:solidFill>
-              </a:defRPr>
+              <a:defRPr/>
             </a:lvl6pPr>
             <a:lvl7pPr indent="-317500" lvl="6" marL="3200400">
               <a:spcBef>
@@ -4760,16 +4825,9 @@
               <a:spcAft>
                 <a:spcPts val="0"/>
               </a:spcAft>
-              <a:buClr>
-                <a:schemeClr val="lt1"/>
-              </a:buClr>
               <a:buSzPts val="1400"/>
               <a:buChar char="●"/>
-              <a:defRPr>
-                <a:solidFill>
-                  <a:schemeClr val="lt1"/>
-                </a:solidFill>
-              </a:defRPr>
+              <a:defRPr/>
             </a:lvl7pPr>
             <a:lvl8pPr indent="-317500" lvl="7" marL="3657600">
               <a:spcBef>
@@ -4778,16 +4836,9 @@
               <a:spcAft>
                 <a:spcPts val="0"/>
               </a:spcAft>
-              <a:buClr>
-                <a:schemeClr val="lt1"/>
-              </a:buClr>
               <a:buSzPts val="1400"/>
               <a:buChar char="○"/>
-              <a:defRPr>
-                <a:solidFill>
-                  <a:schemeClr val="lt1"/>
-                </a:solidFill>
-              </a:defRPr>
+              <a:defRPr/>
             </a:lvl8pPr>
             <a:lvl9pPr indent="-317500" lvl="8" marL="4114800">
               <a:spcBef>
@@ -4796,16 +4847,9 @@
               <a:spcAft>
                 <a:spcPts val="1600"/>
               </a:spcAft>
-              <a:buClr>
-                <a:schemeClr val="lt1"/>
-              </a:buClr>
               <a:buSzPts val="1400"/>
               <a:buChar char="■"/>
-              <a:defRPr>
-                <a:solidFill>
-                  <a:schemeClr val="lt1"/>
-                </a:solidFill>
-              </a:defRPr>
+              <a:defRPr/>
             </a:lvl9pPr>
           </a:lstStyle>
           <a:p/>
@@ -4813,7 +4857,7 @@
       </p:sp>
       <p:sp>
         <p:nvSpPr>
-          <p:cNvPr id="43" name="Google Shape;43;p9"/>
+          <p:cNvPr id="40" name="Google Shape;40;p9"/>
           <p:cNvSpPr txBox="1"/>
           <p:nvPr>
             <p:ph idx="12" type="sldNum"/>
@@ -4821,7 +4865,7 @@
         </p:nvSpPr>
         <p:spPr>
           <a:xfrm>
-            <a:off x="8497999" y="4688759"/>
+            <a:off x="8472458" y="4663217"/>
             <a:ext cx="548700" cy="393600"/>
           </a:xfrm>
           <a:prstGeom prst="rect">
@@ -4835,75 +4879,39 @@
           <a:lstStyle>
             <a:lvl1pPr lvl="0">
               <a:buNone/>
-              <a:defRPr>
-                <a:solidFill>
-                  <a:schemeClr val="lt1"/>
-                </a:solidFill>
-              </a:defRPr>
+              <a:defRPr/>
             </a:lvl1pPr>
             <a:lvl2pPr lvl="1">
               <a:buNone/>
-              <a:defRPr>
-                <a:solidFill>
-                  <a:schemeClr val="lt1"/>
-                </a:solidFill>
-              </a:defRPr>
+              <a:defRPr/>
             </a:lvl2pPr>
             <a:lvl3pPr lvl="2">
               <a:buNone/>
-              <a:defRPr>
-                <a:solidFill>
-                  <a:schemeClr val="lt1"/>
-                </a:solidFill>
-              </a:defRPr>
+              <a:defRPr/>
             </a:lvl3pPr>
             <a:lvl4pPr lvl="3">
               <a:buNone/>
-              <a:defRPr>
-                <a:solidFill>
-                  <a:schemeClr val="lt1"/>
-                </a:solidFill>
-              </a:defRPr>
+              <a:defRPr/>
             </a:lvl4pPr>
             <a:lvl5pPr lvl="4">
               <a:buNone/>
-              <a:defRPr>
-                <a:solidFill>
-                  <a:schemeClr val="lt1"/>
-                </a:solidFill>
-              </a:defRPr>
+              <a:defRPr/>
             </a:lvl5pPr>
             <a:lvl6pPr lvl="5">
               <a:buNone/>
-              <a:defRPr>
-                <a:solidFill>
-                  <a:schemeClr val="lt1"/>
-                </a:solidFill>
-              </a:defRPr>
+              <a:defRPr/>
             </a:lvl6pPr>
             <a:lvl7pPr lvl="6">
               <a:buNone/>
-              <a:defRPr>
-                <a:solidFill>
-                  <a:schemeClr val="lt1"/>
-                </a:solidFill>
-              </a:defRPr>
+              <a:defRPr/>
             </a:lvl7pPr>
             <a:lvl8pPr lvl="7">
               <a:buNone/>
-              <a:defRPr>
-                <a:solidFill>
-                  <a:schemeClr val="lt1"/>
-                </a:solidFill>
-              </a:defRPr>
+              <a:defRPr/>
             </a:lvl8pPr>
             <a:lvl9pPr lvl="8">
               <a:buNone/>
-              <a:defRPr>
-                <a:solidFill>
-                  <a:schemeClr val="lt1"/>
-                </a:solidFill>
-              </a:defRPr>
+              <a:defRPr/>
             </a:lvl9pPr>
           </a:lstStyle>
           <a:p>
@@ -4937,7 +4945,7 @@
   <p:cSld name="CAPTION_ONLY">
     <p:spTree>
       <p:nvGrpSpPr>
-        <p:cNvPr id="44" name="Shape 44"/>
+        <p:cNvPr id="41" name="Shape 41"/>
         <p:cNvGrpSpPr/>
         <p:nvPr/>
       </p:nvGrpSpPr>
@@ -4951,7 +4959,7 @@
       </p:grpSpPr>
       <p:sp>
         <p:nvSpPr>
-          <p:cNvPr id="45" name="Google Shape;45;p10"/>
+          <p:cNvPr id="42" name="Google Shape;42;p10"/>
           <p:cNvSpPr txBox="1"/>
           <p:nvPr>
             <p:ph idx="1" type="body"/>
@@ -4981,9 +4989,9 @@
               <a:spcAft>
                 <a:spcPts val="0"/>
               </a:spcAft>
-              <a:buSzPts val="2100"/>
-              <a:buNone/>
-              <a:defRPr sz="2100"/>
+              <a:buSzPts val="1800"/>
+              <a:buNone/>
+              <a:defRPr/>
             </a:lvl1pPr>
           </a:lstStyle>
           <a:p/>
@@ -4991,7 +4999,7 @@
       </p:sp>
       <p:sp>
         <p:nvSpPr>
-          <p:cNvPr id="46" name="Google Shape;46;p10"/>
+          <p:cNvPr id="43" name="Google Shape;43;p10"/>
           <p:cNvSpPr txBox="1"/>
           <p:nvPr>
             <p:ph idx="12" type="sldNum"/>
@@ -4999,7 +5007,7 @@
         </p:nvSpPr>
         <p:spPr>
           <a:xfrm>
-            <a:off x="8497999" y="4688759"/>
+            <a:off x="8472458" y="4663217"/>
             <a:ext cx="548700" cy="393600"/>
           </a:xfrm>
           <a:prstGeom prst="rect">
@@ -5076,7 +5084,7 @@
 
 <file path=ppt/slideMasters/slideMaster1.xml><?xml version="1.0" encoding="utf-8"?>
 <p:sldMaster xmlns:a="http://schemas.openxmlformats.org/drawingml/2006/main" xmlns:r="http://schemas.openxmlformats.org/officeDocument/2006/relationships" xmlns:mc="http://schemas.openxmlformats.org/markup-compatibility/2006" xmlns:mv="urn:schemas-microsoft-com:mac:vml" xmlns:p="http://schemas.openxmlformats.org/presentationml/2006/main" xmlns:c="http://schemas.openxmlformats.org/drawingml/2006/chart" xmlns:dgm="http://schemas.openxmlformats.org/drawingml/2006/diagram" xmlns:o="urn:schemas-microsoft-com:office:office" xmlns:v="urn:schemas-microsoft-com:vml" xmlns:pvml="urn:schemas-microsoft-com:office:powerpoint" xmlns:com="http://schemas.openxmlformats.org/drawingml/2006/compatibility" xmlns:p14="http://schemas.microsoft.com/office/powerpoint/2010/main" xmlns:p15="http://schemas.microsoft.com/office/powerpoint/2012/main" xmlns:ahyp="http://schemas.microsoft.com/office/drawing/2018/hyperlinkcolor">
-  <p:cSld name="plum">
+  <p:cSld name="simple-light-2">
     <p:bg>
       <p:bgPr>
         <a:solidFill>
@@ -5109,7 +5117,7 @@
         <p:spPr>
           <a:xfrm>
             <a:off x="311700" y="445025"/>
-            <a:ext cx="8520600" cy="623400"/>
+            <a:ext cx="8520600" cy="572700"/>
           </a:xfrm>
           <a:prstGeom prst="rect">
             <a:avLst/>
@@ -5132,19 +5140,14 @@
                 <a:spcPts val="0"/>
               </a:spcAft>
               <a:buClr>
-                <a:schemeClr val="dk2"/>
+                <a:schemeClr val="dk1"/>
               </a:buClr>
-              <a:buSzPts val="3000"/>
-              <a:buFont typeface="Raleway"/>
-              <a:buNone/>
-              <a:defRPr b="1" sz="3000">
+              <a:buSzPts val="2800"/>
+              <a:buNone/>
+              <a:defRPr sz="2800">
                 <a:solidFill>
-                  <a:schemeClr val="dk2"/>
+                  <a:schemeClr val="dk1"/>
                 </a:solidFill>
-                <a:latin typeface="Raleway"/>
-                <a:ea typeface="Raleway"/>
-                <a:cs typeface="Raleway"/>
-                <a:sym typeface="Raleway"/>
               </a:defRPr>
             </a:lvl1pPr>
             <a:lvl2pPr lvl="1">
@@ -5155,19 +5158,14 @@
                 <a:spcPts val="0"/>
               </a:spcAft>
               <a:buClr>
-                <a:schemeClr val="dk2"/>
+                <a:schemeClr val="dk1"/>
               </a:buClr>
-              <a:buSzPts val="3000"/>
-              <a:buFont typeface="Raleway"/>
-              <a:buNone/>
-              <a:defRPr b="1" sz="3000">
+              <a:buSzPts val="2800"/>
+              <a:buNone/>
+              <a:defRPr sz="2800">
                 <a:solidFill>
-                  <a:schemeClr val="dk2"/>
+                  <a:schemeClr val="dk1"/>
                 </a:solidFill>
-                <a:latin typeface="Raleway"/>
-                <a:ea typeface="Raleway"/>
-                <a:cs typeface="Raleway"/>
-                <a:sym typeface="Raleway"/>
               </a:defRPr>
             </a:lvl2pPr>
             <a:lvl3pPr lvl="2">
@@ -5178,19 +5176,14 @@
                 <a:spcPts val="0"/>
               </a:spcAft>
               <a:buClr>
-                <a:schemeClr val="dk2"/>
+                <a:schemeClr val="dk1"/>
               </a:buClr>
-              <a:buSzPts val="3000"/>
-              <a:buFont typeface="Raleway"/>
-              <a:buNone/>
-              <a:defRPr b="1" sz="3000">
+              <a:buSzPts val="2800"/>
+              <a:buNone/>
+              <a:defRPr sz="2800">
                 <a:solidFill>
-                  <a:schemeClr val="dk2"/>
+                  <a:schemeClr val="dk1"/>
                 </a:solidFill>
-                <a:latin typeface="Raleway"/>
-                <a:ea typeface="Raleway"/>
-                <a:cs typeface="Raleway"/>
-                <a:sym typeface="Raleway"/>
               </a:defRPr>
             </a:lvl3pPr>
             <a:lvl4pPr lvl="3">
@@ -5201,19 +5194,14 @@
                 <a:spcPts val="0"/>
               </a:spcAft>
               <a:buClr>
-                <a:schemeClr val="dk2"/>
+                <a:schemeClr val="dk1"/>
               </a:buClr>
-              <a:buSzPts val="3000"/>
-              <a:buFont typeface="Raleway"/>
-              <a:buNone/>
-              <a:defRPr b="1" sz="3000">
+              <a:buSzPts val="2800"/>
+              <a:buNone/>
+              <a:defRPr sz="2800">
                 <a:solidFill>
-                  <a:schemeClr val="dk2"/>
+                  <a:schemeClr val="dk1"/>
                 </a:solidFill>
-                <a:latin typeface="Raleway"/>
-                <a:ea typeface="Raleway"/>
-                <a:cs typeface="Raleway"/>
-                <a:sym typeface="Raleway"/>
               </a:defRPr>
             </a:lvl4pPr>
             <a:lvl5pPr lvl="4">
@@ -5224,19 +5212,14 @@
                 <a:spcPts val="0"/>
               </a:spcAft>
               <a:buClr>
-                <a:schemeClr val="dk2"/>
+                <a:schemeClr val="dk1"/>
               </a:buClr>
-              <a:buSzPts val="3000"/>
-              <a:buFont typeface="Raleway"/>
-              <a:buNone/>
-              <a:defRPr b="1" sz="3000">
+              <a:buSzPts val="2800"/>
+              <a:buNone/>
+              <a:defRPr sz="2800">
                 <a:solidFill>
-                  <a:schemeClr val="dk2"/>
+                  <a:schemeClr val="dk1"/>
                 </a:solidFill>
-                <a:latin typeface="Raleway"/>
-                <a:ea typeface="Raleway"/>
-                <a:cs typeface="Raleway"/>
-                <a:sym typeface="Raleway"/>
               </a:defRPr>
             </a:lvl5pPr>
             <a:lvl6pPr lvl="5">
@@ -5247,19 +5230,14 @@
                 <a:spcPts val="0"/>
               </a:spcAft>
               <a:buClr>
-                <a:schemeClr val="dk2"/>
+                <a:schemeClr val="dk1"/>
               </a:buClr>
-              <a:buSzPts val="3000"/>
-              <a:buFont typeface="Raleway"/>
-              <a:buNone/>
-              <a:defRPr b="1" sz="3000">
+              <a:buSzPts val="2800"/>
+              <a:buNone/>
+              <a:defRPr sz="2800">
                 <a:solidFill>
-                  <a:schemeClr val="dk2"/>
+                  <a:schemeClr val="dk1"/>
                 </a:solidFill>
-                <a:latin typeface="Raleway"/>
-                <a:ea typeface="Raleway"/>
-                <a:cs typeface="Raleway"/>
-                <a:sym typeface="Raleway"/>
               </a:defRPr>
             </a:lvl6pPr>
             <a:lvl7pPr lvl="6">
@@ -5270,19 +5248,14 @@
                 <a:spcPts val="0"/>
               </a:spcAft>
               <a:buClr>
-                <a:schemeClr val="dk2"/>
+                <a:schemeClr val="dk1"/>
               </a:buClr>
-              <a:buSzPts val="3000"/>
-              <a:buFont typeface="Raleway"/>
-              <a:buNone/>
-              <a:defRPr b="1" sz="3000">
+              <a:buSzPts val="2800"/>
+              <a:buNone/>
+              <a:defRPr sz="2800">
                 <a:solidFill>
-                  <a:schemeClr val="dk2"/>
+                  <a:schemeClr val="dk1"/>
                 </a:solidFill>
-                <a:latin typeface="Raleway"/>
-                <a:ea typeface="Raleway"/>
-                <a:cs typeface="Raleway"/>
-                <a:sym typeface="Raleway"/>
               </a:defRPr>
             </a:lvl7pPr>
             <a:lvl8pPr lvl="7">
@@ -5293,19 +5266,14 @@
                 <a:spcPts val="0"/>
               </a:spcAft>
               <a:buClr>
-                <a:schemeClr val="dk2"/>
+                <a:schemeClr val="dk1"/>
               </a:buClr>
-              <a:buSzPts val="3000"/>
-              <a:buFont typeface="Raleway"/>
-              <a:buNone/>
-              <a:defRPr b="1" sz="3000">
+              <a:buSzPts val="2800"/>
+              <a:buNone/>
+              <a:defRPr sz="2800">
                 <a:solidFill>
-                  <a:schemeClr val="dk2"/>
+                  <a:schemeClr val="dk1"/>
                 </a:solidFill>
-                <a:latin typeface="Raleway"/>
-                <a:ea typeface="Raleway"/>
-                <a:cs typeface="Raleway"/>
-                <a:sym typeface="Raleway"/>
               </a:defRPr>
             </a:lvl8pPr>
             <a:lvl9pPr lvl="8">
@@ -5316,19 +5284,14 @@
                 <a:spcPts val="0"/>
               </a:spcAft>
               <a:buClr>
-                <a:schemeClr val="dk2"/>
+                <a:schemeClr val="dk1"/>
               </a:buClr>
-              <a:buSzPts val="3000"/>
-              <a:buFont typeface="Raleway"/>
-              <a:buNone/>
-              <a:defRPr b="1" sz="3000">
+              <a:buSzPts val="2800"/>
+              <a:buNone/>
+              <a:defRPr sz="2800">
                 <a:solidFill>
-                  <a:schemeClr val="dk2"/>
+                  <a:schemeClr val="dk1"/>
                 </a:solidFill>
-                <a:latin typeface="Raleway"/>
-                <a:ea typeface="Raleway"/>
-                <a:cs typeface="Raleway"/>
-                <a:sym typeface="Raleway"/>
               </a:defRPr>
             </a:lvl9pPr>
           </a:lstStyle>
@@ -5372,19 +5335,14 @@
                 <a:spcPts val="0"/>
               </a:spcAft>
               <a:buClr>
-                <a:schemeClr val="lt2"/>
+                <a:schemeClr val="dk2"/>
               </a:buClr>
               <a:buSzPts val="1800"/>
-              <a:buFont typeface="Source Sans Pro"/>
               <a:buChar char="●"/>
               <a:defRPr sz="1800">
                 <a:solidFill>
-                  <a:schemeClr val="lt2"/>
+                  <a:schemeClr val="dk2"/>
                 </a:solidFill>
-                <a:latin typeface="Source Sans Pro"/>
-                <a:ea typeface="Source Sans Pro"/>
-                <a:cs typeface="Source Sans Pro"/>
-                <a:sym typeface="Source Sans Pro"/>
               </a:defRPr>
             </a:lvl1pPr>
             <a:lvl2pPr indent="-317500" lvl="1" marL="914400">
@@ -5398,19 +5356,14 @@
                 <a:spcPts val="0"/>
               </a:spcAft>
               <a:buClr>
-                <a:schemeClr val="lt2"/>
+                <a:schemeClr val="dk2"/>
               </a:buClr>
               <a:buSzPts val="1400"/>
-              <a:buFont typeface="Source Sans Pro"/>
               <a:buChar char="○"/>
               <a:defRPr>
                 <a:solidFill>
-                  <a:schemeClr val="lt2"/>
+                  <a:schemeClr val="dk2"/>
                 </a:solidFill>
-                <a:latin typeface="Source Sans Pro"/>
-                <a:ea typeface="Source Sans Pro"/>
-                <a:cs typeface="Source Sans Pro"/>
-                <a:sym typeface="Source Sans Pro"/>
               </a:defRPr>
             </a:lvl2pPr>
             <a:lvl3pPr indent="-317500" lvl="2" marL="1371600">
@@ -5424,19 +5377,14 @@
                 <a:spcPts val="0"/>
               </a:spcAft>
               <a:buClr>
-                <a:schemeClr val="lt2"/>
+                <a:schemeClr val="dk2"/>
               </a:buClr>
               <a:buSzPts val="1400"/>
-              <a:buFont typeface="Source Sans Pro"/>
               <a:buChar char="■"/>
               <a:defRPr>
                 <a:solidFill>
-                  <a:schemeClr val="lt2"/>
+                  <a:schemeClr val="dk2"/>
                 </a:solidFill>
-                <a:latin typeface="Source Sans Pro"/>
-                <a:ea typeface="Source Sans Pro"/>
-                <a:cs typeface="Source Sans Pro"/>
-                <a:sym typeface="Source Sans Pro"/>
               </a:defRPr>
             </a:lvl3pPr>
             <a:lvl4pPr indent="-317500" lvl="3" marL="1828800">
@@ -5450,19 +5398,14 @@
                 <a:spcPts val="0"/>
               </a:spcAft>
               <a:buClr>
-                <a:schemeClr val="lt2"/>
+                <a:schemeClr val="dk2"/>
               </a:buClr>
               <a:buSzPts val="1400"/>
-              <a:buFont typeface="Source Sans Pro"/>
               <a:buChar char="●"/>
               <a:defRPr>
                 <a:solidFill>
-                  <a:schemeClr val="lt2"/>
+                  <a:schemeClr val="dk2"/>
                 </a:solidFill>
-                <a:latin typeface="Source Sans Pro"/>
-                <a:ea typeface="Source Sans Pro"/>
-                <a:cs typeface="Source Sans Pro"/>
-                <a:sym typeface="Source Sans Pro"/>
               </a:defRPr>
             </a:lvl4pPr>
             <a:lvl5pPr indent="-317500" lvl="4" marL="2286000">
@@ -5476,19 +5419,14 @@
                 <a:spcPts val="0"/>
               </a:spcAft>
               <a:buClr>
-                <a:schemeClr val="lt2"/>
+                <a:schemeClr val="dk2"/>
               </a:buClr>
               <a:buSzPts val="1400"/>
-              <a:buFont typeface="Source Sans Pro"/>
               <a:buChar char="○"/>
               <a:defRPr>
                 <a:solidFill>
-                  <a:schemeClr val="lt2"/>
+                  <a:schemeClr val="dk2"/>
                 </a:solidFill>
-                <a:latin typeface="Source Sans Pro"/>
-                <a:ea typeface="Source Sans Pro"/>
-                <a:cs typeface="Source Sans Pro"/>
-                <a:sym typeface="Source Sans Pro"/>
               </a:defRPr>
             </a:lvl5pPr>
             <a:lvl6pPr indent="-317500" lvl="5" marL="2743200">
@@ -5502,19 +5440,14 @@
                 <a:spcPts val="0"/>
               </a:spcAft>
               <a:buClr>
-                <a:schemeClr val="lt2"/>
+                <a:schemeClr val="dk2"/>
               </a:buClr>
               <a:buSzPts val="1400"/>
-              <a:buFont typeface="Source Sans Pro"/>
               <a:buChar char="■"/>
               <a:defRPr>
                 <a:solidFill>
-                  <a:schemeClr val="lt2"/>
+                  <a:schemeClr val="dk2"/>
                 </a:solidFill>
-                <a:latin typeface="Source Sans Pro"/>
-                <a:ea typeface="Source Sans Pro"/>
-                <a:cs typeface="Source Sans Pro"/>
-                <a:sym typeface="Source Sans Pro"/>
               </a:defRPr>
             </a:lvl6pPr>
             <a:lvl7pPr indent="-317500" lvl="6" marL="3200400">
@@ -5528,19 +5461,14 @@
                 <a:spcPts val="0"/>
               </a:spcAft>
               <a:buClr>
-                <a:schemeClr val="lt2"/>
+                <a:schemeClr val="dk2"/>
               </a:buClr>
               <a:buSzPts val="1400"/>
-              <a:buFont typeface="Source Sans Pro"/>
               <a:buChar char="●"/>
               <a:defRPr>
                 <a:solidFill>
-                  <a:schemeClr val="lt2"/>
+                  <a:schemeClr val="dk2"/>
                 </a:solidFill>
-                <a:latin typeface="Source Sans Pro"/>
-                <a:ea typeface="Source Sans Pro"/>
-                <a:cs typeface="Source Sans Pro"/>
-                <a:sym typeface="Source Sans Pro"/>
               </a:defRPr>
             </a:lvl7pPr>
             <a:lvl8pPr indent="-317500" lvl="7" marL="3657600">
@@ -5554,19 +5482,14 @@
                 <a:spcPts val="0"/>
               </a:spcAft>
               <a:buClr>
-                <a:schemeClr val="lt2"/>
+                <a:schemeClr val="dk2"/>
               </a:buClr>
               <a:buSzPts val="1400"/>
-              <a:buFont typeface="Source Sans Pro"/>
               <a:buChar char="○"/>
               <a:defRPr>
                 <a:solidFill>
-                  <a:schemeClr val="lt2"/>
+                  <a:schemeClr val="dk2"/>
                 </a:solidFill>
-                <a:latin typeface="Source Sans Pro"/>
-                <a:ea typeface="Source Sans Pro"/>
-                <a:cs typeface="Source Sans Pro"/>
-                <a:sym typeface="Source Sans Pro"/>
               </a:defRPr>
             </a:lvl8pPr>
             <a:lvl9pPr indent="-317500" lvl="8" marL="4114800">
@@ -5580,19 +5503,14 @@
                 <a:spcPts val="1600"/>
               </a:spcAft>
               <a:buClr>
-                <a:schemeClr val="lt2"/>
+                <a:schemeClr val="dk2"/>
               </a:buClr>
               <a:buSzPts val="1400"/>
-              <a:buFont typeface="Source Sans Pro"/>
               <a:buChar char="■"/>
               <a:defRPr>
                 <a:solidFill>
-                  <a:schemeClr val="lt2"/>
+                  <a:schemeClr val="dk2"/>
                 </a:solidFill>
-                <a:latin typeface="Source Sans Pro"/>
-                <a:ea typeface="Source Sans Pro"/>
-                <a:cs typeface="Source Sans Pro"/>
-                <a:sym typeface="Source Sans Pro"/>
               </a:defRPr>
             </a:lvl9pPr>
           </a:lstStyle>
@@ -5609,7 +5527,7 @@
         </p:nvSpPr>
         <p:spPr>
           <a:xfrm>
-            <a:off x="8497999" y="4688759"/>
+            <a:off x="8472458" y="4663217"/>
             <a:ext cx="548700" cy="393600"/>
           </a:xfrm>
           <a:prstGeom prst="rect">
@@ -5629,108 +5547,72 @@
               <a:buNone/>
               <a:defRPr sz="1000">
                 <a:solidFill>
-                  <a:schemeClr val="lt2"/>
+                  <a:schemeClr val="dk2"/>
                 </a:solidFill>
-                <a:latin typeface="Source Sans Pro"/>
-                <a:ea typeface="Source Sans Pro"/>
-                <a:cs typeface="Source Sans Pro"/>
-                <a:sym typeface="Source Sans Pro"/>
               </a:defRPr>
             </a:lvl1pPr>
             <a:lvl2pPr lvl="1" algn="r">
               <a:buNone/>
               <a:defRPr sz="1000">
                 <a:solidFill>
-                  <a:schemeClr val="lt2"/>
+                  <a:schemeClr val="dk2"/>
                 </a:solidFill>
-                <a:latin typeface="Source Sans Pro"/>
-                <a:ea typeface="Source Sans Pro"/>
-                <a:cs typeface="Source Sans Pro"/>
-                <a:sym typeface="Source Sans Pro"/>
               </a:defRPr>
             </a:lvl2pPr>
             <a:lvl3pPr lvl="2" algn="r">
               <a:buNone/>
               <a:defRPr sz="1000">
                 <a:solidFill>
-                  <a:schemeClr val="lt2"/>
+                  <a:schemeClr val="dk2"/>
                 </a:solidFill>
-                <a:latin typeface="Source Sans Pro"/>
-                <a:ea typeface="Source Sans Pro"/>
-                <a:cs typeface="Source Sans Pro"/>
-                <a:sym typeface="Source Sans Pro"/>
               </a:defRPr>
             </a:lvl3pPr>
             <a:lvl4pPr lvl="3" algn="r">
               <a:buNone/>
               <a:defRPr sz="1000">
                 <a:solidFill>
-                  <a:schemeClr val="lt2"/>
+                  <a:schemeClr val="dk2"/>
                 </a:solidFill>
-                <a:latin typeface="Source Sans Pro"/>
-                <a:ea typeface="Source Sans Pro"/>
-                <a:cs typeface="Source Sans Pro"/>
-                <a:sym typeface="Source Sans Pro"/>
               </a:defRPr>
             </a:lvl4pPr>
             <a:lvl5pPr lvl="4" algn="r">
               <a:buNone/>
               <a:defRPr sz="1000">
                 <a:solidFill>
-                  <a:schemeClr val="lt2"/>
+                  <a:schemeClr val="dk2"/>
                 </a:solidFill>
-                <a:latin typeface="Source Sans Pro"/>
-                <a:ea typeface="Source Sans Pro"/>
-                <a:cs typeface="Source Sans Pro"/>
-                <a:sym typeface="Source Sans Pro"/>
               </a:defRPr>
             </a:lvl5pPr>
             <a:lvl6pPr lvl="5" algn="r">
               <a:buNone/>
               <a:defRPr sz="1000">
                 <a:solidFill>
-                  <a:schemeClr val="lt2"/>
+                  <a:schemeClr val="dk2"/>
                 </a:solidFill>
-                <a:latin typeface="Source Sans Pro"/>
-                <a:ea typeface="Source Sans Pro"/>
-                <a:cs typeface="Source Sans Pro"/>
-                <a:sym typeface="Source Sans Pro"/>
               </a:defRPr>
             </a:lvl6pPr>
             <a:lvl7pPr lvl="6" algn="r">
               <a:buNone/>
               <a:defRPr sz="1000">
                 <a:solidFill>
-                  <a:schemeClr val="lt2"/>
+                  <a:schemeClr val="dk2"/>
                 </a:solidFill>
-                <a:latin typeface="Source Sans Pro"/>
-                <a:ea typeface="Source Sans Pro"/>
-                <a:cs typeface="Source Sans Pro"/>
-                <a:sym typeface="Source Sans Pro"/>
               </a:defRPr>
             </a:lvl7pPr>
             <a:lvl8pPr lvl="7" algn="r">
               <a:buNone/>
               <a:defRPr sz="1000">
                 <a:solidFill>
-                  <a:schemeClr val="lt2"/>
+                  <a:schemeClr val="dk2"/>
                 </a:solidFill>
-                <a:latin typeface="Source Sans Pro"/>
-                <a:ea typeface="Source Sans Pro"/>
-                <a:cs typeface="Source Sans Pro"/>
-                <a:sym typeface="Source Sans Pro"/>
               </a:defRPr>
             </a:lvl8pPr>
             <a:lvl9pPr lvl="8" algn="r">
               <a:buNone/>
               <a:defRPr sz="1000">
                 <a:solidFill>
-                  <a:schemeClr val="lt2"/>
+                  <a:schemeClr val="dk2"/>
                 </a:solidFill>
-                <a:latin typeface="Source Sans Pro"/>
-                <a:ea typeface="Source Sans Pro"/>
-                <a:cs typeface="Source Sans Pro"/>
-                <a:sym typeface="Source Sans Pro"/>
               </a:defRPr>
             </a:lvl9pPr>
           </a:lstStyle>
@@ -5768,7 +5650,7 @@
     <p:sldLayoutId id="2147483657" r:id="rId10"/>
     <p:sldLayoutId id="2147483658" r:id="rId11"/>
   </p:sldLayoutIdLst>
-  <p:hf dt="0" ftr="0" hdr="0" sldNum="0"/>
+  <p:hf dt="0" ftr="0" hdr="0"/>
   <p:txStyles>
     <p:titleStyle>
       <a:defPPr lvl="0" marR="0" rtl="0" algn="l">
@@ -6466,7 +6348,7 @@
   <p:cSld>
     <p:spTree>
       <p:nvGrpSpPr>
-        <p:cNvPr id="57" name="Shape 57"/>
+        <p:cNvPr id="53" name="Shape 53"/>
         <p:cNvGrpSpPr/>
         <p:nvPr/>
       </p:nvGrpSpPr>
@@ -6480,7 +6362,7 @@
       </p:grpSpPr>
       <p:sp>
         <p:nvSpPr>
-          <p:cNvPr id="58" name="Google Shape;58;p13"/>
+          <p:cNvPr id="54" name="Google Shape;54;p13"/>
           <p:cNvSpPr txBox="1"/>
           <p:nvPr/>
         </p:nvSpPr>
@@ -6519,23 +6401,23 @@
                 <a:cs typeface="Times New Roman"/>
                 <a:sym typeface="Times New Roman"/>
               </a:rPr>
-              <a:t>Application of Candecomp/PARAFAC decomposition on AlexNet</a:t>
+              <a:t>Tensor Methods for Neural Network Compression</a:t>
             </a:r>
-            <a:endParaRPr b="1" sz="4200">
+            <a:endParaRPr b="1" sz="3000">
               <a:solidFill>
                 <a:srgbClr val="000000"/>
               </a:solidFill>
-              <a:latin typeface="Raleway"/>
-              <a:ea typeface="Raleway"/>
-              <a:cs typeface="Raleway"/>
-              <a:sym typeface="Raleway"/>
+              <a:latin typeface="Times New Roman"/>
+              <a:ea typeface="Times New Roman"/>
+              <a:cs typeface="Times New Roman"/>
+              <a:sym typeface="Times New Roman"/>
             </a:endParaRPr>
           </a:p>
         </p:txBody>
       </p:sp>
       <p:sp>
         <p:nvSpPr>
-          <p:cNvPr id="59" name="Google Shape;59;p13"/>
+          <p:cNvPr id="55" name="Google Shape;55;p13"/>
           <p:cNvSpPr txBox="1"/>
           <p:nvPr/>
         </p:nvSpPr>
@@ -6569,9 +6451,6 @@
             </a:pPr>
             <a:r>
               <a:rPr lang="en" sz="2000">
-                <a:solidFill>
-                  <a:srgbClr val="FFFFFF"/>
-                </a:solidFill>
                 <a:latin typeface="Times New Roman"/>
                 <a:ea typeface="Times New Roman"/>
                 <a:cs typeface="Times New Roman"/>
@@ -6580,9 +6459,6 @@
               <a:t>Lokesh Veeramacheneni</a:t>
             </a:r>
             <a:endParaRPr sz="2000">
-              <a:solidFill>
-                <a:srgbClr val="FFFFFF"/>
-              </a:solidFill>
               <a:latin typeface="Times New Roman"/>
               <a:ea typeface="Times New Roman"/>
               <a:cs typeface="Times New Roman"/>
@@ -6603,9 +6479,6 @@
               <a:t/>
             </a:r>
             <a:endParaRPr sz="2000">
-              <a:solidFill>
-                <a:srgbClr val="FFFFFF"/>
-              </a:solidFill>
               <a:latin typeface="Times New Roman"/>
               <a:ea typeface="Times New Roman"/>
               <a:cs typeface="Times New Roman"/>
@@ -6624,9 +6497,6 @@
             </a:pPr>
             <a:r>
               <a:rPr b="1" lang="en" sz="1800">
-                <a:solidFill>
-                  <a:srgbClr val="FFFFFF"/>
-                </a:solidFill>
                 <a:latin typeface="Times New Roman"/>
                 <a:ea typeface="Times New Roman"/>
                 <a:cs typeface="Times New Roman"/>
@@ -6635,9 +6505,6 @@
               <a:t>Fraunhofer SCAI</a:t>
             </a:r>
             <a:endParaRPr b="1" sz="1800">
-              <a:solidFill>
-                <a:srgbClr val="FFFFFF"/>
-              </a:solidFill>
               <a:latin typeface="Times New Roman"/>
               <a:ea typeface="Times New Roman"/>
               <a:cs typeface="Times New Roman"/>
@@ -6658,9 +6525,6 @@
               <a:t/>
             </a:r>
             <a:endParaRPr b="1" sz="1800">
-              <a:solidFill>
-                <a:srgbClr val="FFFFFF"/>
-              </a:solidFill>
               <a:latin typeface="Times New Roman"/>
               <a:ea typeface="Times New Roman"/>
               <a:cs typeface="Times New Roman"/>
@@ -6671,7 +6535,7 @@
       </p:sp>
       <p:sp>
         <p:nvSpPr>
-          <p:cNvPr id="60" name="Google Shape;60;p13"/>
+          <p:cNvPr id="56" name="Google Shape;56;p13"/>
           <p:cNvSpPr txBox="1"/>
           <p:nvPr/>
         </p:nvSpPr>
@@ -6708,9 +6572,6 @@
             </a:pPr>
             <a:r>
               <a:rPr lang="en" sz="2000">
-                <a:solidFill>
-                  <a:srgbClr val="FFFFFF"/>
-                </a:solidFill>
                 <a:latin typeface="Times New Roman"/>
                 <a:ea typeface="Times New Roman"/>
                 <a:cs typeface="Times New Roman"/>
@@ -6719,9 +6580,6 @@
               <a:t>M.Sc Moritz Wölter</a:t>
             </a:r>
             <a:endParaRPr sz="2000">
-              <a:solidFill>
-                <a:srgbClr val="FFFFFF"/>
-              </a:solidFill>
               <a:latin typeface="Times New Roman"/>
               <a:ea typeface="Times New Roman"/>
               <a:cs typeface="Times New Roman"/>
@@ -6743,20 +6601,861 @@
             </a:pPr>
             <a:r>
               <a:rPr lang="en" sz="2000">
-                <a:solidFill>
-                  <a:srgbClr val="FFFFFF"/>
-                </a:solidFill>
                 <a:latin typeface="Times New Roman"/>
                 <a:ea typeface="Times New Roman"/>
                 <a:cs typeface="Times New Roman"/>
                 <a:sym typeface="Times New Roman"/>
               </a:rPr>
-              <a:t>Dr. Jochen Garcke</a:t>
+              <a:t>Prof. Dr. Jochen Garcke</a:t>
             </a:r>
             <a:endParaRPr sz="2000">
+              <a:latin typeface="Times New Roman"/>
+              <a:ea typeface="Times New Roman"/>
+              <a:cs typeface="Times New Roman"/>
+              <a:sym typeface="Times New Roman"/>
+            </a:endParaRPr>
+          </a:p>
+        </p:txBody>
+      </p:sp>
+    </p:spTree>
+  </p:cSld>
+  <p:clrMapOvr>
+    <a:masterClrMapping/>
+  </p:clrMapOvr>
+</p:sld>
+</file>
+
+<file path=ppt/slides/slide10.xml><?xml version="1.0" encoding="utf-8"?>
+<p:sld xmlns:a="http://schemas.openxmlformats.org/drawingml/2006/main" xmlns:r="http://schemas.openxmlformats.org/officeDocument/2006/relationships" xmlns:mc="http://schemas.openxmlformats.org/markup-compatibility/2006" xmlns:mv="urn:schemas-microsoft-com:mac:vml" xmlns:p="http://schemas.openxmlformats.org/presentationml/2006/main" xmlns:c="http://schemas.openxmlformats.org/drawingml/2006/chart" xmlns:dgm="http://schemas.openxmlformats.org/drawingml/2006/diagram" xmlns:o="urn:schemas-microsoft-com:office:office" xmlns:v="urn:schemas-microsoft-com:vml" xmlns:pvml="urn:schemas-microsoft-com:office:powerpoint" xmlns:com="http://schemas.openxmlformats.org/drawingml/2006/compatibility" xmlns:p14="http://schemas.microsoft.com/office/powerpoint/2010/main" xmlns:p15="http://schemas.microsoft.com/office/powerpoint/2012/main" xmlns:ahyp="http://schemas.microsoft.com/office/drawing/2018/hyperlinkcolor">
+  <p:cSld>
+    <p:spTree>
+      <p:nvGrpSpPr>
+        <p:cNvPr id="136" name="Shape 136"/>
+        <p:cNvGrpSpPr/>
+        <p:nvPr/>
+      </p:nvGrpSpPr>
+      <p:grpSpPr>
+        <a:xfrm>
+          <a:off x="0" y="0"/>
+          <a:ext cx="0" cy="0"/>
+          <a:chOff x="0" y="0"/>
+          <a:chExt cx="0" cy="0"/>
+        </a:xfrm>
+      </p:grpSpPr>
+      <p:sp>
+        <p:nvSpPr>
+          <p:cNvPr id="137" name="Google Shape;137;p22"/>
+          <p:cNvSpPr txBox="1"/>
+          <p:nvPr>
+            <p:ph type="title"/>
+          </p:nvPr>
+        </p:nvSpPr>
+        <p:spPr>
+          <a:xfrm>
+            <a:off x="311700" y="445025"/>
+            <a:ext cx="8520600" cy="572700"/>
+          </a:xfrm>
+          <a:prstGeom prst="rect">
+            <a:avLst/>
+          </a:prstGeom>
+        </p:spPr>
+        <p:txBody>
+          <a:bodyPr anchorCtr="0" anchor="t" bIns="91425" lIns="91425" spcFirstLastPara="1" rIns="91425" wrap="square" tIns="91425">
+            <a:noAutofit/>
+          </a:bodyPr>
+          <a:lstStyle/>
+          <a:p>
+            <a:pPr indent="0" lvl="0" marL="0" rtl="0" algn="l">
+              <a:spcBef>
+                <a:spcPts val="0"/>
+              </a:spcBef>
+              <a:spcAft>
+                <a:spcPts val="0"/>
+              </a:spcAft>
+              <a:buNone/>
+            </a:pPr>
+            <a:r>
+              <a:rPr b="1" lang="en" sz="3000">
+                <a:latin typeface="Times New Roman"/>
+                <a:ea typeface="Times New Roman"/>
+                <a:cs typeface="Times New Roman"/>
+                <a:sym typeface="Times New Roman"/>
+              </a:rPr>
+              <a:t>AlexNet Results</a:t>
+            </a:r>
+            <a:endParaRPr b="1" sz="3000">
+              <a:latin typeface="Times New Roman"/>
+              <a:ea typeface="Times New Roman"/>
+              <a:cs typeface="Times New Roman"/>
+              <a:sym typeface="Times New Roman"/>
+            </a:endParaRPr>
+          </a:p>
+        </p:txBody>
+      </p:sp>
+      <p:sp>
+        <p:nvSpPr>
+          <p:cNvPr id="138" name="Google Shape;138;p22"/>
+          <p:cNvSpPr txBox="1"/>
+          <p:nvPr/>
+        </p:nvSpPr>
+        <p:spPr>
+          <a:xfrm>
+            <a:off x="311700" y="1152450"/>
+            <a:ext cx="8476800" cy="1707600"/>
+          </a:xfrm>
+          <a:prstGeom prst="rect">
+            <a:avLst/>
+          </a:prstGeom>
+          <a:noFill/>
+          <a:ln>
+            <a:noFill/>
+          </a:ln>
+        </p:spPr>
+        <p:txBody>
+          <a:bodyPr anchorCtr="0" anchor="t" bIns="91425" lIns="91425" spcFirstLastPara="1" rIns="91425" wrap="square" tIns="91425">
+            <a:noAutofit/>
+          </a:bodyPr>
+          <a:lstStyle/>
+          <a:p>
+            <a:pPr indent="-342900" lvl="0" marL="457200" rtl="0" algn="l">
+              <a:lnSpc>
+                <a:spcPct val="115000"/>
+              </a:lnSpc>
+              <a:spcBef>
+                <a:spcPts val="0"/>
+              </a:spcBef>
+              <a:spcAft>
+                <a:spcPts val="0"/>
+              </a:spcAft>
+              <a:buClr>
+                <a:srgbClr val="000000"/>
+              </a:buClr>
+              <a:buSzPts val="1800"/>
+              <a:buFont typeface="Times New Roman"/>
+              <a:buChar char="●"/>
+            </a:pPr>
+            <a:r>
+              <a:rPr lang="en" sz="1800">
+                <a:latin typeface="Times New Roman"/>
+                <a:ea typeface="Times New Roman"/>
+                <a:cs typeface="Times New Roman"/>
+                <a:sym typeface="Times New Roman"/>
+              </a:rPr>
+              <a:t>Classification task on </a:t>
+            </a:r>
+            <a:r>
+              <a:rPr lang="en" sz="1800">
+                <a:latin typeface="Times New Roman"/>
+                <a:ea typeface="Times New Roman"/>
+                <a:cs typeface="Times New Roman"/>
+                <a:sym typeface="Times New Roman"/>
+              </a:rPr>
+              <a:t>CIFAR 10</a:t>
+            </a:r>
+            <a:r>
+              <a:rPr lang="en" sz="1800">
+                <a:latin typeface="Times New Roman"/>
+                <a:ea typeface="Times New Roman"/>
+                <a:cs typeface="Times New Roman"/>
+                <a:sym typeface="Times New Roman"/>
+              </a:rPr>
+              <a:t> dataset</a:t>
+            </a:r>
+            <a:endParaRPr sz="1800">
+              <a:latin typeface="Times New Roman"/>
+              <a:ea typeface="Times New Roman"/>
+              <a:cs typeface="Times New Roman"/>
+              <a:sym typeface="Times New Roman"/>
+            </a:endParaRPr>
+          </a:p>
+          <a:p>
+            <a:pPr indent="-342900" lvl="0" marL="457200" rtl="0" algn="l">
+              <a:lnSpc>
+                <a:spcPct val="115000"/>
+              </a:lnSpc>
+              <a:spcBef>
+                <a:spcPts val="0"/>
+              </a:spcBef>
+              <a:spcAft>
+                <a:spcPts val="0"/>
+              </a:spcAft>
+              <a:buClr>
+                <a:srgbClr val="000000"/>
+              </a:buClr>
+              <a:buSzPts val="1800"/>
+              <a:buFont typeface="Times New Roman"/>
+              <a:buChar char="●"/>
+            </a:pPr>
+            <a:r>
+              <a:rPr lang="en" sz="1800">
+                <a:latin typeface="Times New Roman"/>
+                <a:ea typeface="Times New Roman"/>
+                <a:cs typeface="Times New Roman"/>
+                <a:sym typeface="Times New Roman"/>
+              </a:rPr>
+              <a:t>Fine tuning over 10 epochs</a:t>
+            </a:r>
+            <a:endParaRPr sz="1800">
+              <a:latin typeface="Times New Roman"/>
+              <a:ea typeface="Times New Roman"/>
+              <a:cs typeface="Times New Roman"/>
+              <a:sym typeface="Times New Roman"/>
+            </a:endParaRPr>
+          </a:p>
+          <a:p>
+            <a:pPr indent="-342900" lvl="0" marL="457200" rtl="0" algn="l">
+              <a:lnSpc>
+                <a:spcPct val="115000"/>
+              </a:lnSpc>
+              <a:spcBef>
+                <a:spcPts val="0"/>
+              </a:spcBef>
+              <a:spcAft>
+                <a:spcPts val="0"/>
+              </a:spcAft>
+              <a:buClr>
+                <a:srgbClr val="000000"/>
+              </a:buClr>
+              <a:buSzPts val="1800"/>
+              <a:buFont typeface="Times New Roman"/>
+              <a:buChar char="●"/>
+            </a:pPr>
+            <a:r>
+              <a:rPr lang="en" sz="1800">
+                <a:latin typeface="Times New Roman"/>
+                <a:ea typeface="Times New Roman"/>
+                <a:cs typeface="Times New Roman"/>
+                <a:sym typeface="Times New Roman"/>
+              </a:rPr>
+              <a:t>Learning rate : 0.002</a:t>
+            </a:r>
+            <a:endParaRPr sz="1800">
+              <a:latin typeface="Times New Roman"/>
+              <a:ea typeface="Times New Roman"/>
+              <a:cs typeface="Times New Roman"/>
+              <a:sym typeface="Times New Roman"/>
+            </a:endParaRPr>
+          </a:p>
+          <a:p>
+            <a:pPr indent="-342900" lvl="0" marL="457200" rtl="0" algn="l">
+              <a:lnSpc>
+                <a:spcPct val="115000"/>
+              </a:lnSpc>
+              <a:spcBef>
+                <a:spcPts val="0"/>
+              </a:spcBef>
+              <a:spcAft>
+                <a:spcPts val="0"/>
+              </a:spcAft>
+              <a:buClr>
+                <a:srgbClr val="000000"/>
+              </a:buClr>
+              <a:buSzPts val="1800"/>
+              <a:buFont typeface="Times New Roman"/>
+              <a:buChar char="●"/>
+            </a:pPr>
+            <a:r>
+              <a:rPr lang="en" sz="1800">
+                <a:latin typeface="Times New Roman"/>
+                <a:ea typeface="Times New Roman"/>
+                <a:cs typeface="Times New Roman"/>
+                <a:sym typeface="Times New Roman"/>
+              </a:rPr>
+              <a:t>Rank : 45</a:t>
+            </a:r>
+            <a:endParaRPr sz="1800">
+              <a:latin typeface="Times New Roman"/>
+              <a:ea typeface="Times New Roman"/>
+              <a:cs typeface="Times New Roman"/>
+              <a:sym typeface="Times New Roman"/>
+            </a:endParaRPr>
+          </a:p>
+          <a:p>
+            <a:pPr indent="-342900" lvl="0" marL="457200" rtl="0" algn="l">
+              <a:lnSpc>
+                <a:spcPct val="115000"/>
+              </a:lnSpc>
+              <a:spcBef>
+                <a:spcPts val="0"/>
+              </a:spcBef>
+              <a:spcAft>
+                <a:spcPts val="0"/>
+              </a:spcAft>
+              <a:buClr>
+                <a:srgbClr val="000000"/>
+              </a:buClr>
+              <a:buSzPts val="1800"/>
+              <a:buFont typeface="Times New Roman"/>
+              <a:buChar char="●"/>
+            </a:pPr>
+            <a:r>
+              <a:rPr lang="en" sz="1800">
+                <a:latin typeface="Times New Roman"/>
+                <a:ea typeface="Times New Roman"/>
+                <a:cs typeface="Times New Roman"/>
+                <a:sym typeface="Times New Roman"/>
+              </a:rPr>
+              <a:t>Maximum iterations : 100</a:t>
+            </a:r>
+            <a:endParaRPr sz="1800">
+              <a:latin typeface="Times New Roman"/>
+              <a:ea typeface="Times New Roman"/>
+              <a:cs typeface="Times New Roman"/>
+              <a:sym typeface="Times New Roman"/>
+            </a:endParaRPr>
+          </a:p>
+        </p:txBody>
+      </p:sp>
+      <p:graphicFrame>
+        <p:nvGraphicFramePr>
+          <p:cNvPr id="139" name="Google Shape;139;p22"/>
+          <p:cNvGraphicFramePr/>
+          <p:nvPr/>
+        </p:nvGraphicFramePr>
+        <p:xfrm>
+          <a:off x="952500" y="3581075"/>
+          <a:ext cx="3000000" cy="3000000"/>
+        </p:xfrm>
+        <a:graphic>
+          <a:graphicData uri="http://schemas.openxmlformats.org/drawingml/2006/table">
+            <a:tbl>
+              <a:tblPr>
+                <a:noFill/>
+                <a:tableStyleId>{5DAA0012-50FD-4DF6-8250-56FCE335E095}</a:tableStyleId>
+              </a:tblPr>
+              <a:tblGrid>
+                <a:gridCol w="2413000"/>
+                <a:gridCol w="2413000"/>
+                <a:gridCol w="2413000"/>
+              </a:tblGrid>
+              <a:tr h="381000">
+                <a:tc>
+                  <a:txBody>
+                    <a:bodyPr/>
+                    <a:lstStyle/>
+                    <a:p>
+                      <a:pPr indent="0" lvl="0" marL="0" rtl="0" algn="l">
+                        <a:spcBef>
+                          <a:spcPts val="0"/>
+                        </a:spcBef>
+                        <a:spcAft>
+                          <a:spcPts val="0"/>
+                        </a:spcAft>
+                        <a:buNone/>
+                      </a:pPr>
+                      <a:r>
+                        <a:t/>
+                      </a:r>
+                      <a:endParaRPr>
+                        <a:latin typeface="Times New Roman"/>
+                        <a:ea typeface="Times New Roman"/>
+                        <a:cs typeface="Times New Roman"/>
+                        <a:sym typeface="Times New Roman"/>
+                      </a:endParaRPr>
+                    </a:p>
+                  </a:txBody>
+                  <a:tcPr marT="91425" marB="91425" marR="91425" marL="91425">
+                    <a:lnL cap="flat" cmpd="sng" w="28575">
+                      <a:solidFill>
+                        <a:srgbClr val="000000"/>
+                      </a:solidFill>
+                      <a:prstDash val="solid"/>
+                      <a:round/>
+                      <a:headEnd len="sm" w="sm" type="none"/>
+                      <a:tailEnd len="sm" w="sm" type="none"/>
+                    </a:lnL>
+                    <a:lnR cap="flat" cmpd="sng" w="28575">
+                      <a:solidFill>
+                        <a:srgbClr val="000000"/>
+                      </a:solidFill>
+                      <a:prstDash val="solid"/>
+                      <a:round/>
+                      <a:headEnd len="sm" w="sm" type="none"/>
+                      <a:tailEnd len="sm" w="sm" type="none"/>
+                    </a:lnR>
+                    <a:lnT cap="flat" cmpd="sng" w="28575">
+                      <a:solidFill>
+                        <a:srgbClr val="000000"/>
+                      </a:solidFill>
+                      <a:prstDash val="solid"/>
+                      <a:round/>
+                      <a:headEnd len="sm" w="sm" type="none"/>
+                      <a:tailEnd len="sm" w="sm" type="none"/>
+                    </a:lnT>
+                    <a:lnB cap="flat" cmpd="sng" w="28575">
+                      <a:solidFill>
+                        <a:srgbClr val="000000"/>
+                      </a:solidFill>
+                      <a:prstDash val="solid"/>
+                      <a:round/>
+                      <a:headEnd len="sm" w="sm" type="none"/>
+                      <a:tailEnd len="sm" w="sm" type="none"/>
+                    </a:lnB>
+                  </a:tcPr>
+                </a:tc>
+                <a:tc>
+                  <a:txBody>
+                    <a:bodyPr/>
+                    <a:lstStyle/>
+                    <a:p>
+                      <a:pPr indent="0" lvl="0" marL="0" rtl="0" algn="l">
+                        <a:spcBef>
+                          <a:spcPts val="0"/>
+                        </a:spcBef>
+                        <a:spcAft>
+                          <a:spcPts val="0"/>
+                        </a:spcAft>
+                        <a:buNone/>
+                      </a:pPr>
+                      <a:r>
+                        <a:rPr lang="en">
+                          <a:latin typeface="Times New Roman"/>
+                          <a:ea typeface="Times New Roman"/>
+                          <a:cs typeface="Times New Roman"/>
+                          <a:sym typeface="Times New Roman"/>
+                        </a:rPr>
+                        <a:t>Without CP Decomposition</a:t>
+                      </a:r>
+                      <a:endParaRPr>
+                        <a:latin typeface="Times New Roman"/>
+                        <a:ea typeface="Times New Roman"/>
+                        <a:cs typeface="Times New Roman"/>
+                        <a:sym typeface="Times New Roman"/>
+                      </a:endParaRPr>
+                    </a:p>
+                  </a:txBody>
+                  <a:tcPr marT="91425" marB="91425" marR="91425" marL="91425">
+                    <a:lnL cap="flat" cmpd="sng" w="28575">
+                      <a:solidFill>
+                        <a:srgbClr val="000000"/>
+                      </a:solidFill>
+                      <a:prstDash val="solid"/>
+                      <a:round/>
+                      <a:headEnd len="sm" w="sm" type="none"/>
+                      <a:tailEnd len="sm" w="sm" type="none"/>
+                    </a:lnL>
+                    <a:lnR cap="flat" cmpd="sng" w="28575">
+                      <a:solidFill>
+                        <a:srgbClr val="000000"/>
+                      </a:solidFill>
+                      <a:prstDash val="solid"/>
+                      <a:round/>
+                      <a:headEnd len="sm" w="sm" type="none"/>
+                      <a:tailEnd len="sm" w="sm" type="none"/>
+                    </a:lnR>
+                    <a:lnT cap="flat" cmpd="sng" w="28575">
+                      <a:solidFill>
+                        <a:srgbClr val="000000"/>
+                      </a:solidFill>
+                      <a:prstDash val="solid"/>
+                      <a:round/>
+                      <a:headEnd len="sm" w="sm" type="none"/>
+                      <a:tailEnd len="sm" w="sm" type="none"/>
+                    </a:lnT>
+                    <a:lnB cap="flat" cmpd="sng" w="28575">
+                      <a:solidFill>
+                        <a:srgbClr val="000000"/>
+                      </a:solidFill>
+                      <a:prstDash val="solid"/>
+                      <a:round/>
+                      <a:headEnd len="sm" w="sm" type="none"/>
+                      <a:tailEnd len="sm" w="sm" type="none"/>
+                    </a:lnB>
+                  </a:tcPr>
+                </a:tc>
+                <a:tc>
+                  <a:txBody>
+                    <a:bodyPr/>
+                    <a:lstStyle/>
+                    <a:p>
+                      <a:pPr indent="0" lvl="0" marL="0" rtl="0" algn="l">
+                        <a:spcBef>
+                          <a:spcPts val="0"/>
+                        </a:spcBef>
+                        <a:spcAft>
+                          <a:spcPts val="0"/>
+                        </a:spcAft>
+                        <a:buNone/>
+                      </a:pPr>
+                      <a:r>
+                        <a:rPr lang="en">
+                          <a:latin typeface="Times New Roman"/>
+                          <a:ea typeface="Times New Roman"/>
+                          <a:cs typeface="Times New Roman"/>
+                          <a:sym typeface="Times New Roman"/>
+                        </a:rPr>
+                        <a:t>With CP Decomposition</a:t>
+                      </a:r>
+                      <a:endParaRPr>
+                        <a:latin typeface="Times New Roman"/>
+                        <a:ea typeface="Times New Roman"/>
+                        <a:cs typeface="Times New Roman"/>
+                        <a:sym typeface="Times New Roman"/>
+                      </a:endParaRPr>
+                    </a:p>
+                  </a:txBody>
+                  <a:tcPr marT="91425" marB="91425" marR="91425" marL="91425">
+                    <a:lnL cap="flat" cmpd="sng" w="28575">
+                      <a:solidFill>
+                        <a:srgbClr val="000000"/>
+                      </a:solidFill>
+                      <a:prstDash val="solid"/>
+                      <a:round/>
+                      <a:headEnd len="sm" w="sm" type="none"/>
+                      <a:tailEnd len="sm" w="sm" type="none"/>
+                    </a:lnL>
+                    <a:lnR cap="flat" cmpd="sng" w="28575">
+                      <a:solidFill>
+                        <a:srgbClr val="000000"/>
+                      </a:solidFill>
+                      <a:prstDash val="solid"/>
+                      <a:round/>
+                      <a:headEnd len="sm" w="sm" type="none"/>
+                      <a:tailEnd len="sm" w="sm" type="none"/>
+                    </a:lnR>
+                    <a:lnT cap="flat" cmpd="sng" w="28575">
+                      <a:solidFill>
+                        <a:srgbClr val="000000"/>
+                      </a:solidFill>
+                      <a:prstDash val="solid"/>
+                      <a:round/>
+                      <a:headEnd len="sm" w="sm" type="none"/>
+                      <a:tailEnd len="sm" w="sm" type="none"/>
+                    </a:lnT>
+                    <a:lnB cap="flat" cmpd="sng" w="28575">
+                      <a:solidFill>
+                        <a:srgbClr val="000000"/>
+                      </a:solidFill>
+                      <a:prstDash val="solid"/>
+                      <a:round/>
+                      <a:headEnd len="sm" w="sm" type="none"/>
+                      <a:tailEnd len="sm" w="sm" type="none"/>
+                    </a:lnB>
+                  </a:tcPr>
+                </a:tc>
+              </a:tr>
+              <a:tr h="381000">
+                <a:tc>
+                  <a:txBody>
+                    <a:bodyPr/>
+                    <a:lstStyle/>
+                    <a:p>
+                      <a:pPr indent="0" lvl="0" marL="0" rtl="0" algn="l">
+                        <a:spcBef>
+                          <a:spcPts val="0"/>
+                        </a:spcBef>
+                        <a:spcAft>
+                          <a:spcPts val="0"/>
+                        </a:spcAft>
+                        <a:buNone/>
+                      </a:pPr>
+                      <a:r>
+                        <a:rPr lang="en">
+                          <a:latin typeface="Times New Roman"/>
+                          <a:ea typeface="Times New Roman"/>
+                          <a:cs typeface="Times New Roman"/>
+                          <a:sym typeface="Times New Roman"/>
+                        </a:rPr>
+                        <a:t>Accuracy</a:t>
+                      </a:r>
+                      <a:endParaRPr>
+                        <a:latin typeface="Times New Roman"/>
+                        <a:ea typeface="Times New Roman"/>
+                        <a:cs typeface="Times New Roman"/>
+                        <a:sym typeface="Times New Roman"/>
+                      </a:endParaRPr>
+                    </a:p>
+                  </a:txBody>
+                  <a:tcPr marT="91425" marB="91425" marR="91425" marL="91425">
+                    <a:lnL cap="flat" cmpd="sng" w="28575">
+                      <a:solidFill>
+                        <a:srgbClr val="000000"/>
+                      </a:solidFill>
+                      <a:prstDash val="solid"/>
+                      <a:round/>
+                      <a:headEnd len="sm" w="sm" type="none"/>
+                      <a:tailEnd len="sm" w="sm" type="none"/>
+                    </a:lnL>
+                    <a:lnR cap="flat" cmpd="sng" w="28575">
+                      <a:solidFill>
+                        <a:srgbClr val="000000"/>
+                      </a:solidFill>
+                      <a:prstDash val="solid"/>
+                      <a:round/>
+                      <a:headEnd len="sm" w="sm" type="none"/>
+                      <a:tailEnd len="sm" w="sm" type="none"/>
+                    </a:lnR>
+                    <a:lnT cap="flat" cmpd="sng" w="28575">
+                      <a:solidFill>
+                        <a:srgbClr val="000000"/>
+                      </a:solidFill>
+                      <a:prstDash val="solid"/>
+                      <a:round/>
+                      <a:headEnd len="sm" w="sm" type="none"/>
+                      <a:tailEnd len="sm" w="sm" type="none"/>
+                    </a:lnT>
+                    <a:lnB cap="flat" cmpd="sng" w="28575">
+                      <a:solidFill>
+                        <a:srgbClr val="000000"/>
+                      </a:solidFill>
+                      <a:prstDash val="solid"/>
+                      <a:round/>
+                      <a:headEnd len="sm" w="sm" type="none"/>
+                      <a:tailEnd len="sm" w="sm" type="none"/>
+                    </a:lnB>
+                  </a:tcPr>
+                </a:tc>
+                <a:tc>
+                  <a:txBody>
+                    <a:bodyPr/>
+                    <a:lstStyle/>
+                    <a:p>
+                      <a:pPr indent="0" lvl="0" marL="0" rtl="0" algn="l">
+                        <a:spcBef>
+                          <a:spcPts val="0"/>
+                        </a:spcBef>
+                        <a:spcAft>
+                          <a:spcPts val="0"/>
+                        </a:spcAft>
+                        <a:buNone/>
+                      </a:pPr>
+                      <a:r>
+                        <a:rPr lang="en">
+                          <a:latin typeface="Times New Roman"/>
+                          <a:ea typeface="Times New Roman"/>
+                          <a:cs typeface="Times New Roman"/>
+                          <a:sym typeface="Times New Roman"/>
+                        </a:rPr>
+                        <a:t>84%</a:t>
+                      </a:r>
+                      <a:endParaRPr>
+                        <a:latin typeface="Times New Roman"/>
+                        <a:ea typeface="Times New Roman"/>
+                        <a:cs typeface="Times New Roman"/>
+                        <a:sym typeface="Times New Roman"/>
+                      </a:endParaRPr>
+                    </a:p>
+                  </a:txBody>
+                  <a:tcPr marT="91425" marB="91425" marR="91425" marL="91425">
+                    <a:lnL cap="flat" cmpd="sng" w="28575">
+                      <a:solidFill>
+                        <a:srgbClr val="000000"/>
+                      </a:solidFill>
+                      <a:prstDash val="solid"/>
+                      <a:round/>
+                      <a:headEnd len="sm" w="sm" type="none"/>
+                      <a:tailEnd len="sm" w="sm" type="none"/>
+                    </a:lnL>
+                    <a:lnR cap="flat" cmpd="sng" w="28575">
+                      <a:solidFill>
+                        <a:srgbClr val="000000"/>
+                      </a:solidFill>
+                      <a:prstDash val="solid"/>
+                      <a:round/>
+                      <a:headEnd len="sm" w="sm" type="none"/>
+                      <a:tailEnd len="sm" w="sm" type="none"/>
+                    </a:lnR>
+                    <a:lnT cap="flat" cmpd="sng" w="28575">
+                      <a:solidFill>
+                        <a:srgbClr val="000000"/>
+                      </a:solidFill>
+                      <a:prstDash val="solid"/>
+                      <a:round/>
+                      <a:headEnd len="sm" w="sm" type="none"/>
+                      <a:tailEnd len="sm" w="sm" type="none"/>
+                    </a:lnT>
+                    <a:lnB cap="flat" cmpd="sng" w="28575">
+                      <a:solidFill>
+                        <a:srgbClr val="000000"/>
+                      </a:solidFill>
+                      <a:prstDash val="solid"/>
+                      <a:round/>
+                      <a:headEnd len="sm" w="sm" type="none"/>
+                      <a:tailEnd len="sm" w="sm" type="none"/>
+                    </a:lnB>
+                  </a:tcPr>
+                </a:tc>
+                <a:tc>
+                  <a:txBody>
+                    <a:bodyPr/>
+                    <a:lstStyle/>
+                    <a:p>
+                      <a:pPr indent="0" lvl="0" marL="0" rtl="0" algn="l">
+                        <a:spcBef>
+                          <a:spcPts val="0"/>
+                        </a:spcBef>
+                        <a:spcAft>
+                          <a:spcPts val="0"/>
+                        </a:spcAft>
+                        <a:buNone/>
+                      </a:pPr>
+                      <a:r>
+                        <a:rPr lang="en">
+                          <a:latin typeface="Times New Roman"/>
+                          <a:ea typeface="Times New Roman"/>
+                          <a:cs typeface="Times New Roman"/>
+                          <a:sym typeface="Times New Roman"/>
+                        </a:rPr>
+                        <a:t>65%</a:t>
+                      </a:r>
+                      <a:endParaRPr>
+                        <a:latin typeface="Times New Roman"/>
+                        <a:ea typeface="Times New Roman"/>
+                        <a:cs typeface="Times New Roman"/>
+                        <a:sym typeface="Times New Roman"/>
+                      </a:endParaRPr>
+                    </a:p>
+                  </a:txBody>
+                  <a:tcPr marT="91425" marB="91425" marR="91425" marL="91425">
+                    <a:lnL cap="flat" cmpd="sng" w="28575">
+                      <a:solidFill>
+                        <a:srgbClr val="000000"/>
+                      </a:solidFill>
+                      <a:prstDash val="solid"/>
+                      <a:round/>
+                      <a:headEnd len="sm" w="sm" type="none"/>
+                      <a:tailEnd len="sm" w="sm" type="none"/>
+                    </a:lnL>
+                    <a:lnR cap="flat" cmpd="sng" w="28575">
+                      <a:solidFill>
+                        <a:srgbClr val="000000"/>
+                      </a:solidFill>
+                      <a:prstDash val="solid"/>
+                      <a:round/>
+                      <a:headEnd len="sm" w="sm" type="none"/>
+                      <a:tailEnd len="sm" w="sm" type="none"/>
+                    </a:lnR>
+                    <a:lnT cap="flat" cmpd="sng" w="28575">
+                      <a:solidFill>
+                        <a:srgbClr val="000000"/>
+                      </a:solidFill>
+                      <a:prstDash val="solid"/>
+                      <a:round/>
+                      <a:headEnd len="sm" w="sm" type="none"/>
+                      <a:tailEnd len="sm" w="sm" type="none"/>
+                    </a:lnT>
+                    <a:lnB cap="flat" cmpd="sng" w="28575">
+                      <a:solidFill>
+                        <a:srgbClr val="000000"/>
+                      </a:solidFill>
+                      <a:prstDash val="solid"/>
+                      <a:round/>
+                      <a:headEnd len="sm" w="sm" type="none"/>
+                      <a:tailEnd len="sm" w="sm" type="none"/>
+                    </a:lnB>
+                  </a:tcPr>
+                </a:tc>
+              </a:tr>
+            </a:tbl>
+          </a:graphicData>
+        </a:graphic>
+      </p:graphicFrame>
+      <p:sp>
+        <p:nvSpPr>
+          <p:cNvPr id="140" name="Google Shape;140;p22"/>
+          <p:cNvSpPr txBox="1"/>
+          <p:nvPr/>
+        </p:nvSpPr>
+        <p:spPr>
+          <a:xfrm>
+            <a:off x="0" y="4854000"/>
+            <a:ext cx="3715200" cy="289500"/>
+          </a:xfrm>
+          <a:prstGeom prst="rect">
+            <a:avLst/>
+          </a:prstGeom>
+          <a:noFill/>
+          <a:ln>
+            <a:noFill/>
+          </a:ln>
+        </p:spPr>
+        <p:txBody>
+          <a:bodyPr anchorCtr="0" anchor="b" bIns="91425" lIns="91425" spcFirstLastPara="1" rIns="91425" wrap="square" tIns="91425">
+            <a:noAutofit/>
+          </a:bodyPr>
+          <a:lstStyle/>
+          <a:p>
+            <a:pPr indent="0" lvl="0" marL="0" rtl="0" algn="ctr">
+              <a:spcBef>
+                <a:spcPts val="0"/>
+              </a:spcBef>
+              <a:spcAft>
+                <a:spcPts val="0"/>
+              </a:spcAft>
+              <a:buNone/>
+            </a:pPr>
+            <a:r>
+              <a:rPr b="1" lang="en" sz="1200">
+                <a:latin typeface="Times New Roman"/>
+                <a:ea typeface="Times New Roman"/>
+                <a:cs typeface="Times New Roman"/>
+                <a:sym typeface="Times New Roman"/>
+              </a:rPr>
+              <a:t>Tensor Methods for Neural Network Compression</a:t>
+            </a:r>
+            <a:endParaRPr b="1" sz="1200">
               <a:solidFill>
-                <a:srgbClr val="FFFFFF"/>
+                <a:srgbClr val="000000"/>
               </a:solidFill>
+              <a:latin typeface="Times New Roman"/>
+              <a:ea typeface="Times New Roman"/>
+              <a:cs typeface="Times New Roman"/>
+              <a:sym typeface="Times New Roman"/>
+            </a:endParaRPr>
+          </a:p>
+        </p:txBody>
+      </p:sp>
+      <p:sp>
+        <p:nvSpPr>
+          <p:cNvPr id="141" name="Google Shape;141;p22"/>
+          <p:cNvSpPr txBox="1"/>
+          <p:nvPr>
+            <p:ph idx="12" type="sldNum"/>
+          </p:nvPr>
+        </p:nvSpPr>
+        <p:spPr>
+          <a:xfrm>
+            <a:off x="8472458" y="4663217"/>
+            <a:ext cx="548700" cy="393600"/>
+          </a:xfrm>
+          <a:prstGeom prst="rect">
+            <a:avLst/>
+          </a:prstGeom>
+        </p:spPr>
+        <p:txBody>
+          <a:bodyPr anchorCtr="0" anchor="ctr" bIns="91425" lIns="91425" spcFirstLastPara="1" rIns="91425" wrap="square" tIns="91425">
+            <a:noAutofit/>
+          </a:bodyPr>
+          <a:lstStyle/>
+          <a:p>
+            <a:pPr indent="0" lvl="0" marL="0" rtl="0" algn="r">
+              <a:spcBef>
+                <a:spcPts val="0"/>
+              </a:spcBef>
+              <a:spcAft>
+                <a:spcPts val="0"/>
+              </a:spcAft>
+              <a:buNone/>
+            </a:pPr>
+            <a:fld id="{00000000-1234-1234-1234-123412341234}" type="slidenum">
+              <a:rPr b="1" lang="en">
+                <a:latin typeface="Times New Roman"/>
+                <a:ea typeface="Times New Roman"/>
+                <a:cs typeface="Times New Roman"/>
+                <a:sym typeface="Times New Roman"/>
+              </a:rPr>
+              <a:t>‹#›</a:t>
+            </a:fld>
+            <a:r>
+              <a:rPr b="1" lang="en">
+                <a:latin typeface="Times New Roman"/>
+                <a:ea typeface="Times New Roman"/>
+                <a:cs typeface="Times New Roman"/>
+                <a:sym typeface="Times New Roman"/>
+              </a:rPr>
+              <a:t>/10</a:t>
+            </a:r>
+            <a:endParaRPr b="1">
               <a:latin typeface="Times New Roman"/>
               <a:ea typeface="Times New Roman"/>
               <a:cs typeface="Times New Roman"/>
@@ -6778,7 +7477,7 @@
   <p:cSld>
     <p:spTree>
       <p:nvGrpSpPr>
-        <p:cNvPr id="64" name="Shape 64"/>
+        <p:cNvPr id="60" name="Shape 60"/>
         <p:cNvGrpSpPr/>
         <p:nvPr/>
       </p:nvGrpSpPr>
@@ -6792,7 +7491,7 @@
       </p:grpSpPr>
       <p:sp>
         <p:nvSpPr>
-          <p:cNvPr id="65" name="Google Shape;65;p14"/>
+          <p:cNvPr id="61" name="Google Shape;61;p14"/>
           <p:cNvSpPr txBox="1"/>
           <p:nvPr>
             <p:ph type="title"/>
@@ -6801,7 +7500,7 @@
         <p:spPr>
           <a:xfrm>
             <a:off x="311700" y="445025"/>
-            <a:ext cx="8520600" cy="623400"/>
+            <a:ext cx="8520600" cy="572700"/>
           </a:xfrm>
           <a:prstGeom prst="rect">
             <a:avLst/>
@@ -6823,15 +7522,15 @@
               <a:buNone/>
             </a:pPr>
             <a:r>
-              <a:rPr lang="en">
+              <a:rPr b="1" lang="en" sz="3000">
                 <a:latin typeface="Times New Roman"/>
                 <a:ea typeface="Times New Roman"/>
                 <a:cs typeface="Times New Roman"/>
                 <a:sym typeface="Times New Roman"/>
               </a:rPr>
-              <a:t>Table of contents:</a:t>
+              <a:t>Table of contents</a:t>
             </a:r>
-            <a:endParaRPr>
+            <a:endParaRPr b="1" sz="3000">
               <a:latin typeface="Times New Roman"/>
               <a:ea typeface="Times New Roman"/>
               <a:cs typeface="Times New Roman"/>
@@ -6842,7 +7541,7 @@
       </p:sp>
       <p:sp>
         <p:nvSpPr>
-          <p:cNvPr id="66" name="Google Shape;66;p14"/>
+          <p:cNvPr id="62" name="Google Shape;62;p14"/>
           <p:cNvSpPr txBox="1"/>
           <p:nvPr>
             <p:ph idx="1" type="body"/>
@@ -6851,7 +7550,7 @@
         <p:spPr>
           <a:xfrm>
             <a:off x="311700" y="1152475"/>
-            <a:ext cx="8520600" cy="3416400"/>
+            <a:ext cx="8520600" cy="2110800"/>
           </a:xfrm>
           <a:prstGeom prst="rect">
             <a:avLst/>
@@ -6900,7 +7599,7 @@
             </a:endParaRPr>
           </a:p>
           <a:p>
-            <a:pPr indent="-317500" lvl="1" marL="914400" rtl="0" algn="l">
+            <a:pPr indent="-342900" lvl="0" marL="457200" rtl="0" algn="l">
               <a:spcBef>
                 <a:spcPts val="0"/>
               </a:spcBef>
@@ -6910,9 +7609,9 @@
               <a:buClr>
                 <a:srgbClr val="000000"/>
               </a:buClr>
-              <a:buSzPts val="1400"/>
+              <a:buSzPts val="1800"/>
               <a:buFont typeface="Times New Roman"/>
-              <a:buAutoNum type="alphaLcPeriod"/>
+              <a:buAutoNum type="arabicPeriod"/>
             </a:pPr>
             <a:r>
               <a:rPr lang="en">
@@ -6925,43 +7624,6 @@
                 <a:sym typeface="Times New Roman"/>
               </a:rPr>
               <a:t>Tensor unfolding</a:t>
-            </a:r>
-            <a:endParaRPr>
-              <a:solidFill>
-                <a:srgbClr val="000000"/>
-              </a:solidFill>
-              <a:latin typeface="Times New Roman"/>
-              <a:ea typeface="Times New Roman"/>
-              <a:cs typeface="Times New Roman"/>
-              <a:sym typeface="Times New Roman"/>
-            </a:endParaRPr>
-          </a:p>
-          <a:p>
-            <a:pPr indent="-317500" lvl="1" marL="914400" rtl="0" algn="l">
-              <a:spcBef>
-                <a:spcPts val="0"/>
-              </a:spcBef>
-              <a:spcAft>
-                <a:spcPts val="0"/>
-              </a:spcAft>
-              <a:buClr>
-                <a:srgbClr val="000000"/>
-              </a:buClr>
-              <a:buSzPts val="1400"/>
-              <a:buFont typeface="Times New Roman"/>
-              <a:buAutoNum type="alphaLcPeriod"/>
-            </a:pPr>
-            <a:r>
-              <a:rPr lang="en">
-                <a:solidFill>
-                  <a:srgbClr val="000000"/>
-                </a:solidFill>
-                <a:latin typeface="Times New Roman"/>
-                <a:ea typeface="Times New Roman"/>
-                <a:cs typeface="Times New Roman"/>
-                <a:sym typeface="Times New Roman"/>
-              </a:rPr>
-              <a:t>Types of tensor products</a:t>
             </a:r>
             <a:endParaRPr>
               <a:solidFill>
@@ -7135,6 +7797,129 @@
           </a:p>
         </p:txBody>
       </p:sp>
+      <p:sp>
+        <p:nvSpPr>
+          <p:cNvPr id="63" name="Google Shape;63;p14"/>
+          <p:cNvSpPr txBox="1"/>
+          <p:nvPr/>
+        </p:nvSpPr>
+        <p:spPr>
+          <a:xfrm>
+            <a:off x="0" y="4854000"/>
+            <a:ext cx="3715200" cy="289500"/>
+          </a:xfrm>
+          <a:prstGeom prst="rect">
+            <a:avLst/>
+          </a:prstGeom>
+          <a:noFill/>
+          <a:ln>
+            <a:noFill/>
+          </a:ln>
+        </p:spPr>
+        <p:txBody>
+          <a:bodyPr anchorCtr="0" anchor="b" bIns="91425" lIns="91425" spcFirstLastPara="1" rIns="91425" wrap="square" tIns="91425">
+            <a:noAutofit/>
+          </a:bodyPr>
+          <a:lstStyle/>
+          <a:p>
+            <a:pPr indent="0" lvl="0" marL="0" rtl="0" algn="ctr">
+              <a:spcBef>
+                <a:spcPts val="0"/>
+              </a:spcBef>
+              <a:spcAft>
+                <a:spcPts val="0"/>
+              </a:spcAft>
+              <a:buNone/>
+            </a:pPr>
+            <a:r>
+              <a:rPr b="1" lang="en" sz="1200">
+                <a:latin typeface="Times New Roman"/>
+                <a:ea typeface="Times New Roman"/>
+                <a:cs typeface="Times New Roman"/>
+                <a:sym typeface="Times New Roman"/>
+              </a:rPr>
+              <a:t>Tensor Methods for Neural Network Compression</a:t>
+            </a:r>
+            <a:endParaRPr b="1" sz="1200">
+              <a:solidFill>
+                <a:srgbClr val="000000"/>
+              </a:solidFill>
+              <a:latin typeface="Times New Roman"/>
+              <a:ea typeface="Times New Roman"/>
+              <a:cs typeface="Times New Roman"/>
+              <a:sym typeface="Times New Roman"/>
+            </a:endParaRPr>
+          </a:p>
+        </p:txBody>
+      </p:sp>
+      <p:sp>
+        <p:nvSpPr>
+          <p:cNvPr id="64" name="Google Shape;64;p14"/>
+          <p:cNvSpPr txBox="1"/>
+          <p:nvPr>
+            <p:ph idx="12" type="sldNum"/>
+          </p:nvPr>
+        </p:nvSpPr>
+        <p:spPr>
+          <a:xfrm>
+            <a:off x="8472458" y="4663217"/>
+            <a:ext cx="548700" cy="393600"/>
+          </a:xfrm>
+          <a:prstGeom prst="rect">
+            <a:avLst/>
+          </a:prstGeom>
+        </p:spPr>
+        <p:txBody>
+          <a:bodyPr anchorCtr="0" anchor="ctr" bIns="91425" lIns="91425" spcFirstLastPara="1" rIns="91425" wrap="square" tIns="91425">
+            <a:noAutofit/>
+          </a:bodyPr>
+          <a:lstStyle/>
+          <a:p>
+            <a:pPr indent="0" lvl="0" marL="0" rtl="0" algn="r">
+              <a:spcBef>
+                <a:spcPts val="0"/>
+              </a:spcBef>
+              <a:spcAft>
+                <a:spcPts val="0"/>
+              </a:spcAft>
+              <a:buNone/>
+            </a:pPr>
+            <a:fld id="{00000000-1234-1234-1234-123412341234}" type="slidenum">
+              <a:rPr b="1" lang="en">
+                <a:solidFill>
+                  <a:srgbClr val="000000"/>
+                </a:solidFill>
+                <a:latin typeface="Times New Roman"/>
+                <a:ea typeface="Times New Roman"/>
+                <a:cs typeface="Times New Roman"/>
+                <a:sym typeface="Times New Roman"/>
+              </a:rPr>
+              <a:t>‹#›</a:t>
+            </a:fld>
+            <a:r>
+              <a:rPr b="1" lang="en">
+                <a:solidFill>
+                  <a:srgbClr val="000000"/>
+                </a:solidFill>
+                <a:latin typeface="Times New Roman"/>
+                <a:ea typeface="Times New Roman"/>
+                <a:cs typeface="Times New Roman"/>
+                <a:sym typeface="Times New Roman"/>
+              </a:rPr>
+              <a:t>/10</a:t>
+            </a:r>
+            <a:endParaRPr b="1">
+              <a:solidFill>
+                <a:srgbClr val="000000"/>
+              </a:solidFill>
+              <a:latin typeface="Times New Roman"/>
+              <a:ea typeface="Times New Roman"/>
+              <a:cs typeface="Times New Roman"/>
+              <a:sym typeface="Times New Roman"/>
+            </a:endParaRPr>
+          </a:p>
+        </p:txBody>
+      </p:sp>
     </p:spTree>
   </p:cSld>
   <p:clrMapOvr>
@@ -7148,7 +7933,7 @@
   <p:cSld>
     <p:spTree>
       <p:nvGrpSpPr>
-        <p:cNvPr id="70" name="Shape 70"/>
+        <p:cNvPr id="68" name="Shape 68"/>
         <p:cNvGrpSpPr/>
         <p:nvPr/>
       </p:nvGrpSpPr>
@@ -7162,7 +7947,7 @@
       </p:grpSpPr>
       <p:sp>
         <p:nvSpPr>
-          <p:cNvPr id="71" name="Google Shape;71;p15"/>
+          <p:cNvPr id="69" name="Google Shape;69;p15"/>
           <p:cNvSpPr txBox="1"/>
           <p:nvPr>
             <p:ph type="title"/>
@@ -7171,7 +7956,7 @@
         <p:spPr>
           <a:xfrm>
             <a:off x="311700" y="445025"/>
-            <a:ext cx="8520600" cy="623400"/>
+            <a:ext cx="8520600" cy="572700"/>
           </a:xfrm>
           <a:prstGeom prst="rect">
             <a:avLst/>
@@ -7193,7 +7978,7 @@
               <a:buNone/>
             </a:pPr>
             <a:r>
-              <a:rPr b="0" lang="en">
+              <a:rPr b="1" lang="en" sz="3000">
                 <a:latin typeface="Times New Roman"/>
                 <a:ea typeface="Times New Roman"/>
                 <a:cs typeface="Times New Roman"/>
@@ -7201,7 +7986,7 @@
               </a:rPr>
               <a:t>What is a Tensor?</a:t>
             </a:r>
-            <a:endParaRPr b="0">
+            <a:endParaRPr b="1" sz="3000">
               <a:latin typeface="Times New Roman"/>
               <a:ea typeface="Times New Roman"/>
               <a:cs typeface="Times New Roman"/>
@@ -7212,7 +7997,7 @@
       </p:sp>
       <p:sp>
         <p:nvSpPr>
-          <p:cNvPr id="72" name="Google Shape;72;p15"/>
+          <p:cNvPr id="70" name="Google Shape;70;p15"/>
           <p:cNvSpPr txBox="1"/>
           <p:nvPr>
             <p:ph idx="1" type="body"/>
@@ -7273,7 +8058,7 @@
       </p:sp>
       <p:pic>
         <p:nvPicPr>
-          <p:cNvPr id="73" name="Google Shape;73;p15"/>
+          <p:cNvPr id="71" name="Google Shape;71;p15"/>
           <p:cNvPicPr preferRelativeResize="0"/>
           <p:nvPr/>
         </p:nvPicPr>
@@ -7299,6 +8084,129 @@
           </a:ln>
         </p:spPr>
       </p:pic>
+      <p:sp>
+        <p:nvSpPr>
+          <p:cNvPr id="72" name="Google Shape;72;p15"/>
+          <p:cNvSpPr txBox="1"/>
+          <p:nvPr/>
+        </p:nvSpPr>
+        <p:spPr>
+          <a:xfrm>
+            <a:off x="0" y="4854000"/>
+            <a:ext cx="3715200" cy="289500"/>
+          </a:xfrm>
+          <a:prstGeom prst="rect">
+            <a:avLst/>
+          </a:prstGeom>
+          <a:noFill/>
+          <a:ln>
+            <a:noFill/>
+          </a:ln>
+        </p:spPr>
+        <p:txBody>
+          <a:bodyPr anchorCtr="0" anchor="b" bIns="91425" lIns="91425" spcFirstLastPara="1" rIns="91425" wrap="square" tIns="91425">
+            <a:noAutofit/>
+          </a:bodyPr>
+          <a:lstStyle/>
+          <a:p>
+            <a:pPr indent="0" lvl="0" marL="0" rtl="0" algn="ctr">
+              <a:spcBef>
+                <a:spcPts val="0"/>
+              </a:spcBef>
+              <a:spcAft>
+                <a:spcPts val="0"/>
+              </a:spcAft>
+              <a:buNone/>
+            </a:pPr>
+            <a:r>
+              <a:rPr b="1" lang="en" sz="1200">
+                <a:latin typeface="Times New Roman"/>
+                <a:ea typeface="Times New Roman"/>
+                <a:cs typeface="Times New Roman"/>
+                <a:sym typeface="Times New Roman"/>
+              </a:rPr>
+              <a:t>Tensor Methods for Neural Network Compression</a:t>
+            </a:r>
+            <a:endParaRPr b="1" sz="1200">
+              <a:solidFill>
+                <a:srgbClr val="000000"/>
+              </a:solidFill>
+              <a:latin typeface="Times New Roman"/>
+              <a:ea typeface="Times New Roman"/>
+              <a:cs typeface="Times New Roman"/>
+              <a:sym typeface="Times New Roman"/>
+            </a:endParaRPr>
+          </a:p>
+        </p:txBody>
+      </p:sp>
+      <p:sp>
+        <p:nvSpPr>
+          <p:cNvPr id="73" name="Google Shape;73;p15"/>
+          <p:cNvSpPr txBox="1"/>
+          <p:nvPr>
+            <p:ph idx="12" type="sldNum"/>
+          </p:nvPr>
+        </p:nvSpPr>
+        <p:spPr>
+          <a:xfrm>
+            <a:off x="8472458" y="4663217"/>
+            <a:ext cx="548700" cy="393600"/>
+          </a:xfrm>
+          <a:prstGeom prst="rect">
+            <a:avLst/>
+          </a:prstGeom>
+        </p:spPr>
+        <p:txBody>
+          <a:bodyPr anchorCtr="0" anchor="ctr" bIns="91425" lIns="91425" spcFirstLastPara="1" rIns="91425" wrap="square" tIns="91425">
+            <a:noAutofit/>
+          </a:bodyPr>
+          <a:lstStyle/>
+          <a:p>
+            <a:pPr indent="0" lvl="0" marL="0" rtl="0" algn="r">
+              <a:spcBef>
+                <a:spcPts val="0"/>
+              </a:spcBef>
+              <a:spcAft>
+                <a:spcPts val="0"/>
+              </a:spcAft>
+              <a:buNone/>
+            </a:pPr>
+            <a:fld id="{00000000-1234-1234-1234-123412341234}" type="slidenum">
+              <a:rPr b="1" lang="en">
+                <a:solidFill>
+                  <a:srgbClr val="000000"/>
+                </a:solidFill>
+                <a:latin typeface="Times New Roman"/>
+                <a:ea typeface="Times New Roman"/>
+                <a:cs typeface="Times New Roman"/>
+                <a:sym typeface="Times New Roman"/>
+              </a:rPr>
+              <a:t>‹#›</a:t>
+            </a:fld>
+            <a:r>
+              <a:rPr b="1" lang="en">
+                <a:solidFill>
+                  <a:srgbClr val="000000"/>
+                </a:solidFill>
+                <a:latin typeface="Times New Roman"/>
+                <a:ea typeface="Times New Roman"/>
+                <a:cs typeface="Times New Roman"/>
+                <a:sym typeface="Times New Roman"/>
+              </a:rPr>
+              <a:t>/10</a:t>
+            </a:r>
+            <a:endParaRPr b="1">
+              <a:solidFill>
+                <a:srgbClr val="000000"/>
+              </a:solidFill>
+              <a:latin typeface="Times New Roman"/>
+              <a:ea typeface="Times New Roman"/>
+              <a:cs typeface="Times New Roman"/>
+              <a:sym typeface="Times New Roman"/>
+            </a:endParaRPr>
+          </a:p>
+        </p:txBody>
+      </p:sp>
     </p:spTree>
   </p:cSld>
   <p:clrMapOvr>
@@ -7335,7 +8243,7 @@
         <p:spPr>
           <a:xfrm>
             <a:off x="311700" y="445025"/>
-            <a:ext cx="8520600" cy="623400"/>
+            <a:ext cx="8520600" cy="572700"/>
           </a:xfrm>
           <a:prstGeom prst="rect">
             <a:avLst/>
@@ -7357,15 +8265,15 @@
               <a:buNone/>
             </a:pPr>
             <a:r>
-              <a:rPr b="0" lang="en">
+              <a:rPr b="1" lang="en" sz="3000">
                 <a:latin typeface="Times New Roman"/>
                 <a:ea typeface="Times New Roman"/>
                 <a:cs typeface="Times New Roman"/>
                 <a:sym typeface="Times New Roman"/>
               </a:rPr>
-              <a:t>Candecomp/PARAFAC (CP) decomposition:</a:t>
+              <a:t>Candecomp/PARAFAC (CP) decomposition</a:t>
             </a:r>
-            <a:endParaRPr b="0">
+            <a:endParaRPr b="1" sz="3000">
               <a:latin typeface="Times New Roman"/>
               <a:ea typeface="Times New Roman"/>
               <a:cs typeface="Times New Roman"/>
@@ -7525,8 +8433,8 @@
         </p:blipFill>
         <p:spPr>
           <a:xfrm>
-            <a:off x="44325" y="2951475"/>
-            <a:ext cx="3874525" cy="1231250"/>
+            <a:off x="65925" y="2319625"/>
+            <a:ext cx="3663851" cy="1164300"/>
           </a:xfrm>
           <a:prstGeom prst="rect">
             <a:avLst/>
@@ -7553,8 +8461,8 @@
         </p:blipFill>
         <p:spPr>
           <a:xfrm>
-            <a:off x="4034100" y="2434675"/>
-            <a:ext cx="5073875" cy="1925136"/>
+            <a:off x="3976925" y="3214325"/>
+            <a:ext cx="4898600" cy="1858625"/>
           </a:xfrm>
           <a:prstGeom prst="rect">
             <a:avLst/>
@@ -7565,6 +8473,2002 @@
           </a:ln>
         </p:spPr>
       </p:pic>
+      <p:pic>
+        <p:nvPicPr>
+          <p:cNvPr id="82" name="Google Shape;82;p16"/>
+          <p:cNvPicPr preferRelativeResize="0"/>
+          <p:nvPr/>
+        </p:nvPicPr>
+        <p:blipFill>
+          <a:blip r:embed="rId5">
+            <a:alphaModFix/>
+          </a:blip>
+          <a:stretch>
+            <a:fillRect/>
+          </a:stretch>
+        </p:blipFill>
+        <p:spPr>
+          <a:xfrm>
+            <a:off x="6288925" y="2008300"/>
+            <a:ext cx="2031700" cy="757150"/>
+          </a:xfrm>
+          <a:prstGeom prst="rect">
+            <a:avLst/>
+          </a:prstGeom>
+          <a:noFill/>
+          <a:ln>
+            <a:noFill/>
+          </a:ln>
+        </p:spPr>
+      </p:pic>
+      <p:sp>
+        <p:nvSpPr>
+          <p:cNvPr id="83" name="Google Shape;83;p16"/>
+          <p:cNvSpPr txBox="1"/>
+          <p:nvPr/>
+        </p:nvSpPr>
+        <p:spPr>
+          <a:xfrm>
+            <a:off x="0" y="4854000"/>
+            <a:ext cx="3715200" cy="289500"/>
+          </a:xfrm>
+          <a:prstGeom prst="rect">
+            <a:avLst/>
+          </a:prstGeom>
+          <a:noFill/>
+          <a:ln>
+            <a:noFill/>
+          </a:ln>
+        </p:spPr>
+        <p:txBody>
+          <a:bodyPr anchorCtr="0" anchor="b" bIns="91425" lIns="91425" spcFirstLastPara="1" rIns="91425" wrap="square" tIns="91425">
+            <a:noAutofit/>
+          </a:bodyPr>
+          <a:lstStyle/>
+          <a:p>
+            <a:pPr indent="0" lvl="0" marL="0" rtl="0" algn="ctr">
+              <a:spcBef>
+                <a:spcPts val="0"/>
+              </a:spcBef>
+              <a:spcAft>
+                <a:spcPts val="0"/>
+              </a:spcAft>
+              <a:buNone/>
+            </a:pPr>
+            <a:r>
+              <a:rPr b="1" lang="en" sz="1200">
+                <a:latin typeface="Times New Roman"/>
+                <a:ea typeface="Times New Roman"/>
+                <a:cs typeface="Times New Roman"/>
+                <a:sym typeface="Times New Roman"/>
+              </a:rPr>
+              <a:t>Tensor Methods for Neural Network Compression</a:t>
+            </a:r>
+            <a:endParaRPr b="1" sz="1200">
+              <a:solidFill>
+                <a:srgbClr val="000000"/>
+              </a:solidFill>
+              <a:latin typeface="Times New Roman"/>
+              <a:ea typeface="Times New Roman"/>
+              <a:cs typeface="Times New Roman"/>
+              <a:sym typeface="Times New Roman"/>
+            </a:endParaRPr>
+          </a:p>
+        </p:txBody>
+      </p:sp>
+      <p:sp>
+        <p:nvSpPr>
+          <p:cNvPr id="84" name="Google Shape;84;p16"/>
+          <p:cNvSpPr txBox="1"/>
+          <p:nvPr>
+            <p:ph idx="12" type="sldNum"/>
+          </p:nvPr>
+        </p:nvSpPr>
+        <p:spPr>
+          <a:xfrm>
+            <a:off x="8472458" y="4663217"/>
+            <a:ext cx="548700" cy="393600"/>
+          </a:xfrm>
+          <a:prstGeom prst="rect">
+            <a:avLst/>
+          </a:prstGeom>
+        </p:spPr>
+        <p:txBody>
+          <a:bodyPr anchorCtr="0" anchor="ctr" bIns="91425" lIns="91425" spcFirstLastPara="1" rIns="91425" wrap="square" tIns="91425">
+            <a:noAutofit/>
+          </a:bodyPr>
+          <a:lstStyle/>
+          <a:p>
+            <a:pPr indent="0" lvl="0" marL="0" rtl="0" algn="r">
+              <a:spcBef>
+                <a:spcPts val="0"/>
+              </a:spcBef>
+              <a:spcAft>
+                <a:spcPts val="0"/>
+              </a:spcAft>
+              <a:buNone/>
+            </a:pPr>
+            <a:fld id="{00000000-1234-1234-1234-123412341234}" type="slidenum">
+              <a:rPr b="1" lang="en">
+                <a:solidFill>
+                  <a:srgbClr val="000000"/>
+                </a:solidFill>
+                <a:latin typeface="Times New Roman"/>
+                <a:ea typeface="Times New Roman"/>
+                <a:cs typeface="Times New Roman"/>
+                <a:sym typeface="Times New Roman"/>
+              </a:rPr>
+              <a:t>‹#›</a:t>
+            </a:fld>
+            <a:r>
+              <a:rPr b="1" lang="en">
+                <a:solidFill>
+                  <a:srgbClr val="000000"/>
+                </a:solidFill>
+                <a:latin typeface="Times New Roman"/>
+                <a:ea typeface="Times New Roman"/>
+                <a:cs typeface="Times New Roman"/>
+                <a:sym typeface="Times New Roman"/>
+              </a:rPr>
+              <a:t>/10</a:t>
+            </a:r>
+            <a:endParaRPr b="1">
+              <a:solidFill>
+                <a:srgbClr val="000000"/>
+              </a:solidFill>
+              <a:latin typeface="Times New Roman"/>
+              <a:ea typeface="Times New Roman"/>
+              <a:cs typeface="Times New Roman"/>
+              <a:sym typeface="Times New Roman"/>
+            </a:endParaRPr>
+          </a:p>
+        </p:txBody>
+      </p:sp>
+    </p:spTree>
+  </p:cSld>
+  <p:clrMapOvr>
+    <a:masterClrMapping/>
+  </p:clrMapOvr>
+</p:sld>
+</file>
+
+<file path=ppt/slides/slide5.xml><?xml version="1.0" encoding="utf-8"?>
+<p:sld xmlns:a="http://schemas.openxmlformats.org/drawingml/2006/main" xmlns:r="http://schemas.openxmlformats.org/officeDocument/2006/relationships" xmlns:mc="http://schemas.openxmlformats.org/markup-compatibility/2006" xmlns:mv="urn:schemas-microsoft-com:mac:vml" xmlns:p="http://schemas.openxmlformats.org/presentationml/2006/main" xmlns:c="http://schemas.openxmlformats.org/drawingml/2006/chart" xmlns:dgm="http://schemas.openxmlformats.org/drawingml/2006/diagram" xmlns:o="urn:schemas-microsoft-com:office:office" xmlns:v="urn:schemas-microsoft-com:vml" xmlns:pvml="urn:schemas-microsoft-com:office:powerpoint" xmlns:com="http://schemas.openxmlformats.org/drawingml/2006/compatibility" xmlns:p14="http://schemas.microsoft.com/office/powerpoint/2010/main" xmlns:p15="http://schemas.microsoft.com/office/powerpoint/2012/main" xmlns:ahyp="http://schemas.microsoft.com/office/drawing/2018/hyperlinkcolor">
+  <p:cSld>
+    <p:spTree>
+      <p:nvGrpSpPr>
+        <p:cNvPr id="88" name="Shape 88"/>
+        <p:cNvGrpSpPr/>
+        <p:nvPr/>
+      </p:nvGrpSpPr>
+      <p:grpSpPr>
+        <a:xfrm>
+          <a:off x="0" y="0"/>
+          <a:ext cx="0" cy="0"/>
+          <a:chOff x="0" y="0"/>
+          <a:chExt cx="0" cy="0"/>
+        </a:xfrm>
+      </p:grpSpPr>
+      <p:sp>
+        <p:nvSpPr>
+          <p:cNvPr id="89" name="Google Shape;89;p17"/>
+          <p:cNvSpPr txBox="1"/>
+          <p:nvPr>
+            <p:ph type="title"/>
+          </p:nvPr>
+        </p:nvSpPr>
+        <p:spPr>
+          <a:xfrm>
+            <a:off x="311700" y="445025"/>
+            <a:ext cx="8520600" cy="572700"/>
+          </a:xfrm>
+          <a:prstGeom prst="rect">
+            <a:avLst/>
+          </a:prstGeom>
+        </p:spPr>
+        <p:txBody>
+          <a:bodyPr anchorCtr="0" anchor="t" bIns="91425" lIns="91425" spcFirstLastPara="1" rIns="91425" wrap="square" tIns="91425">
+            <a:noAutofit/>
+          </a:bodyPr>
+          <a:lstStyle/>
+          <a:p>
+            <a:pPr indent="0" lvl="0" marL="0" rtl="0" algn="l">
+              <a:spcBef>
+                <a:spcPts val="0"/>
+              </a:spcBef>
+              <a:spcAft>
+                <a:spcPts val="0"/>
+              </a:spcAft>
+              <a:buNone/>
+            </a:pPr>
+            <a:r>
+              <a:rPr b="1" lang="en" sz="3000">
+                <a:latin typeface="Times New Roman"/>
+                <a:ea typeface="Times New Roman"/>
+                <a:cs typeface="Times New Roman"/>
+                <a:sym typeface="Times New Roman"/>
+              </a:rPr>
+              <a:t>CP Decomposition</a:t>
+            </a:r>
+            <a:endParaRPr b="1" sz="3000">
+              <a:latin typeface="Times New Roman"/>
+              <a:ea typeface="Times New Roman"/>
+              <a:cs typeface="Times New Roman"/>
+              <a:sym typeface="Times New Roman"/>
+            </a:endParaRPr>
+          </a:p>
+        </p:txBody>
+      </p:sp>
+      <p:sp>
+        <p:nvSpPr>
+          <p:cNvPr id="90" name="Google Shape;90;p17"/>
+          <p:cNvSpPr txBox="1"/>
+          <p:nvPr>
+            <p:ph idx="1" type="body"/>
+          </p:nvPr>
+        </p:nvSpPr>
+        <p:spPr>
+          <a:xfrm>
+            <a:off x="311700" y="1152475"/>
+            <a:ext cx="6330300" cy="1419300"/>
+          </a:xfrm>
+          <a:prstGeom prst="rect">
+            <a:avLst/>
+          </a:prstGeom>
+        </p:spPr>
+        <p:txBody>
+          <a:bodyPr anchorCtr="0" anchor="t" bIns="91425" lIns="91425" spcFirstLastPara="1" rIns="91425" wrap="square" tIns="91425">
+            <a:noAutofit/>
+          </a:bodyPr>
+          <a:lstStyle/>
+          <a:p>
+            <a:pPr indent="-342900" lvl="0" marL="457200" rtl="0" algn="l">
+              <a:spcBef>
+                <a:spcPts val="0"/>
+              </a:spcBef>
+              <a:spcAft>
+                <a:spcPts val="0"/>
+              </a:spcAft>
+              <a:buClr>
+                <a:srgbClr val="000000"/>
+              </a:buClr>
+              <a:buSzPts val="1800"/>
+              <a:buFont typeface="Times New Roman"/>
+              <a:buChar char="●"/>
+            </a:pPr>
+            <a:r>
+              <a:rPr lang="en">
+                <a:solidFill>
+                  <a:srgbClr val="000000"/>
+                </a:solidFill>
+                <a:latin typeface="Times New Roman"/>
+                <a:ea typeface="Times New Roman"/>
+                <a:cs typeface="Times New Roman"/>
+                <a:sym typeface="Times New Roman"/>
+              </a:rPr>
+              <a:t>Computed using Alternating Least Squares(ALS) method</a:t>
+            </a:r>
+            <a:endParaRPr>
+              <a:solidFill>
+                <a:srgbClr val="000000"/>
+              </a:solidFill>
+              <a:latin typeface="Times New Roman"/>
+              <a:ea typeface="Times New Roman"/>
+              <a:cs typeface="Times New Roman"/>
+              <a:sym typeface="Times New Roman"/>
+            </a:endParaRPr>
+          </a:p>
+          <a:p>
+            <a:pPr indent="-342900" lvl="0" marL="457200" rtl="0" algn="l">
+              <a:spcBef>
+                <a:spcPts val="0"/>
+              </a:spcBef>
+              <a:spcAft>
+                <a:spcPts val="0"/>
+              </a:spcAft>
+              <a:buClr>
+                <a:srgbClr val="000000"/>
+              </a:buClr>
+              <a:buSzPts val="1800"/>
+              <a:buFont typeface="Times New Roman"/>
+              <a:buChar char="●"/>
+            </a:pPr>
+            <a:r>
+              <a:rPr lang="en">
+                <a:solidFill>
+                  <a:srgbClr val="000000"/>
+                </a:solidFill>
+                <a:latin typeface="Times New Roman"/>
+                <a:ea typeface="Times New Roman"/>
+                <a:cs typeface="Times New Roman"/>
+                <a:sym typeface="Times New Roman"/>
+              </a:rPr>
+              <a:t>In 3-way decomposition, A, B and C are optimized  sequentially</a:t>
+            </a:r>
+            <a:endParaRPr>
+              <a:solidFill>
+                <a:srgbClr val="000000"/>
+              </a:solidFill>
+              <a:latin typeface="Times New Roman"/>
+              <a:ea typeface="Times New Roman"/>
+              <a:cs typeface="Times New Roman"/>
+              <a:sym typeface="Times New Roman"/>
+            </a:endParaRPr>
+          </a:p>
+          <a:p>
+            <a:pPr indent="-342900" lvl="0" marL="457200" rtl="0" algn="l">
+              <a:spcBef>
+                <a:spcPts val="0"/>
+              </a:spcBef>
+              <a:spcAft>
+                <a:spcPts val="0"/>
+              </a:spcAft>
+              <a:buClr>
+                <a:srgbClr val="000000"/>
+              </a:buClr>
+              <a:buSzPts val="1800"/>
+              <a:buFont typeface="Times New Roman"/>
+              <a:buChar char="●"/>
+            </a:pPr>
+            <a:r>
+              <a:rPr lang="en">
+                <a:solidFill>
+                  <a:srgbClr val="000000"/>
+                </a:solidFill>
+                <a:latin typeface="Times New Roman"/>
+                <a:ea typeface="Times New Roman"/>
+                <a:cs typeface="Times New Roman"/>
+                <a:sym typeface="Times New Roman"/>
+              </a:rPr>
+              <a:t>In ALS, we minimize the cost function ||X-M||</a:t>
+            </a:r>
+            <a:endParaRPr>
+              <a:solidFill>
+                <a:srgbClr val="000000"/>
+              </a:solidFill>
+              <a:latin typeface="Times New Roman"/>
+              <a:ea typeface="Times New Roman"/>
+              <a:cs typeface="Times New Roman"/>
+              <a:sym typeface="Times New Roman"/>
+            </a:endParaRPr>
+          </a:p>
+        </p:txBody>
+      </p:sp>
+      <p:pic>
+        <p:nvPicPr>
+          <p:cNvPr id="91" name="Google Shape;91;p17"/>
+          <p:cNvPicPr preferRelativeResize="0"/>
+          <p:nvPr/>
+        </p:nvPicPr>
+        <p:blipFill>
+          <a:blip r:embed="rId3">
+            <a:alphaModFix/>
+          </a:blip>
+          <a:stretch>
+            <a:fillRect/>
+          </a:stretch>
+        </p:blipFill>
+        <p:spPr>
+          <a:xfrm>
+            <a:off x="6871775" y="1617475"/>
+            <a:ext cx="1960525" cy="1256825"/>
+          </a:xfrm>
+          <a:prstGeom prst="rect">
+            <a:avLst/>
+          </a:prstGeom>
+          <a:noFill/>
+          <a:ln>
+            <a:noFill/>
+          </a:ln>
+        </p:spPr>
+      </p:pic>
+      <p:sp>
+        <p:nvSpPr>
+          <p:cNvPr id="92" name="Google Shape;92;p17"/>
+          <p:cNvSpPr txBox="1"/>
+          <p:nvPr/>
+        </p:nvSpPr>
+        <p:spPr>
+          <a:xfrm>
+            <a:off x="0" y="4854000"/>
+            <a:ext cx="3715200" cy="289500"/>
+          </a:xfrm>
+          <a:prstGeom prst="rect">
+            <a:avLst/>
+          </a:prstGeom>
+          <a:noFill/>
+          <a:ln>
+            <a:noFill/>
+          </a:ln>
+        </p:spPr>
+        <p:txBody>
+          <a:bodyPr anchorCtr="0" anchor="b" bIns="91425" lIns="91425" spcFirstLastPara="1" rIns="91425" wrap="square" tIns="91425">
+            <a:noAutofit/>
+          </a:bodyPr>
+          <a:lstStyle/>
+          <a:p>
+            <a:pPr indent="0" lvl="0" marL="0" rtl="0" algn="ctr">
+              <a:spcBef>
+                <a:spcPts val="0"/>
+              </a:spcBef>
+              <a:spcAft>
+                <a:spcPts val="0"/>
+              </a:spcAft>
+              <a:buNone/>
+            </a:pPr>
+            <a:r>
+              <a:rPr b="1" lang="en" sz="1200">
+                <a:latin typeface="Times New Roman"/>
+                <a:ea typeface="Times New Roman"/>
+                <a:cs typeface="Times New Roman"/>
+                <a:sym typeface="Times New Roman"/>
+              </a:rPr>
+              <a:t>Tensor Methods for Neural Network Compression</a:t>
+            </a:r>
+            <a:endParaRPr b="1" sz="1200">
+              <a:solidFill>
+                <a:srgbClr val="000000"/>
+              </a:solidFill>
+              <a:latin typeface="Times New Roman"/>
+              <a:ea typeface="Times New Roman"/>
+              <a:cs typeface="Times New Roman"/>
+              <a:sym typeface="Times New Roman"/>
+            </a:endParaRPr>
+          </a:p>
+        </p:txBody>
+      </p:sp>
+      <p:sp>
+        <p:nvSpPr>
+          <p:cNvPr id="93" name="Google Shape;93;p17"/>
+          <p:cNvSpPr txBox="1"/>
+          <p:nvPr>
+            <p:ph idx="12" type="sldNum"/>
+          </p:nvPr>
+        </p:nvSpPr>
+        <p:spPr>
+          <a:xfrm>
+            <a:off x="8472458" y="4663217"/>
+            <a:ext cx="548700" cy="393600"/>
+          </a:xfrm>
+          <a:prstGeom prst="rect">
+            <a:avLst/>
+          </a:prstGeom>
+        </p:spPr>
+        <p:txBody>
+          <a:bodyPr anchorCtr="0" anchor="ctr" bIns="91425" lIns="91425" spcFirstLastPara="1" rIns="91425" wrap="square" tIns="91425">
+            <a:noAutofit/>
+          </a:bodyPr>
+          <a:lstStyle/>
+          <a:p>
+            <a:pPr indent="0" lvl="0" marL="0" rtl="0" algn="r">
+              <a:spcBef>
+                <a:spcPts val="0"/>
+              </a:spcBef>
+              <a:spcAft>
+                <a:spcPts val="0"/>
+              </a:spcAft>
+              <a:buNone/>
+            </a:pPr>
+            <a:fld id="{00000000-1234-1234-1234-123412341234}" type="slidenum">
+              <a:rPr b="1" lang="en">
+                <a:latin typeface="Times New Roman"/>
+                <a:ea typeface="Times New Roman"/>
+                <a:cs typeface="Times New Roman"/>
+                <a:sym typeface="Times New Roman"/>
+              </a:rPr>
+              <a:t>‹#›</a:t>
+            </a:fld>
+            <a:r>
+              <a:rPr b="1" lang="en">
+                <a:latin typeface="Times New Roman"/>
+                <a:ea typeface="Times New Roman"/>
+                <a:cs typeface="Times New Roman"/>
+                <a:sym typeface="Times New Roman"/>
+              </a:rPr>
+              <a:t>/10</a:t>
+            </a:r>
+            <a:endParaRPr b="1">
+              <a:latin typeface="Times New Roman"/>
+              <a:ea typeface="Times New Roman"/>
+              <a:cs typeface="Times New Roman"/>
+              <a:sym typeface="Times New Roman"/>
+            </a:endParaRPr>
+          </a:p>
+        </p:txBody>
+      </p:sp>
+    </p:spTree>
+  </p:cSld>
+  <p:clrMapOvr>
+    <a:masterClrMapping/>
+  </p:clrMapOvr>
+</p:sld>
+</file>
+
+<file path=ppt/slides/slide6.xml><?xml version="1.0" encoding="utf-8"?>
+<p:sld xmlns:a="http://schemas.openxmlformats.org/drawingml/2006/main" xmlns:r="http://schemas.openxmlformats.org/officeDocument/2006/relationships" xmlns:mc="http://schemas.openxmlformats.org/markup-compatibility/2006" xmlns:mv="urn:schemas-microsoft-com:mac:vml" xmlns:p="http://schemas.openxmlformats.org/presentationml/2006/main" xmlns:c="http://schemas.openxmlformats.org/drawingml/2006/chart" xmlns:dgm="http://schemas.openxmlformats.org/drawingml/2006/diagram" xmlns:o="urn:schemas-microsoft-com:office:office" xmlns:v="urn:schemas-microsoft-com:vml" xmlns:pvml="urn:schemas-microsoft-com:office:powerpoint" xmlns:com="http://schemas.openxmlformats.org/drawingml/2006/compatibility" xmlns:p14="http://schemas.microsoft.com/office/powerpoint/2010/main" xmlns:p15="http://schemas.microsoft.com/office/powerpoint/2012/main" xmlns:ahyp="http://schemas.microsoft.com/office/drawing/2018/hyperlinkcolor">
+  <p:cSld>
+    <p:spTree>
+      <p:nvGrpSpPr>
+        <p:cNvPr id="97" name="Shape 97"/>
+        <p:cNvGrpSpPr/>
+        <p:nvPr/>
+      </p:nvGrpSpPr>
+      <p:grpSpPr>
+        <a:xfrm>
+          <a:off x="0" y="0"/>
+          <a:ext cx="0" cy="0"/>
+          <a:chOff x="0" y="0"/>
+          <a:chExt cx="0" cy="0"/>
+        </a:xfrm>
+      </p:grpSpPr>
+      <p:sp>
+        <p:nvSpPr>
+          <p:cNvPr id="98" name="Google Shape;98;p18"/>
+          <p:cNvSpPr txBox="1"/>
+          <p:nvPr>
+            <p:ph type="title"/>
+          </p:nvPr>
+        </p:nvSpPr>
+        <p:spPr>
+          <a:xfrm>
+            <a:off x="311700" y="445025"/>
+            <a:ext cx="8520600" cy="572700"/>
+          </a:xfrm>
+          <a:prstGeom prst="rect">
+            <a:avLst/>
+          </a:prstGeom>
+        </p:spPr>
+        <p:txBody>
+          <a:bodyPr anchorCtr="0" anchor="t" bIns="91425" lIns="91425" spcFirstLastPara="1" rIns="91425" wrap="square" tIns="91425">
+            <a:noAutofit/>
+          </a:bodyPr>
+          <a:lstStyle/>
+          <a:p>
+            <a:pPr indent="0" lvl="0" marL="0" rtl="0" algn="l">
+              <a:spcBef>
+                <a:spcPts val="0"/>
+              </a:spcBef>
+              <a:spcAft>
+                <a:spcPts val="0"/>
+              </a:spcAft>
+              <a:buNone/>
+            </a:pPr>
+            <a:r>
+              <a:rPr b="1" lang="en" sz="3000">
+                <a:latin typeface="Times New Roman"/>
+                <a:ea typeface="Times New Roman"/>
+                <a:cs typeface="Times New Roman"/>
+                <a:sym typeface="Times New Roman"/>
+              </a:rPr>
+              <a:t>CP Decomposition</a:t>
+            </a:r>
+            <a:endParaRPr b="1" sz="3000">
+              <a:latin typeface="Times New Roman"/>
+              <a:ea typeface="Times New Roman"/>
+              <a:cs typeface="Times New Roman"/>
+              <a:sym typeface="Times New Roman"/>
+            </a:endParaRPr>
+          </a:p>
+        </p:txBody>
+      </p:sp>
+      <p:pic>
+        <p:nvPicPr>
+          <p:cNvPr id="99" name="Google Shape;99;p18"/>
+          <p:cNvPicPr preferRelativeResize="0"/>
+          <p:nvPr/>
+        </p:nvPicPr>
+        <p:blipFill>
+          <a:blip r:embed="rId3">
+            <a:alphaModFix/>
+          </a:blip>
+          <a:stretch>
+            <a:fillRect/>
+          </a:stretch>
+        </p:blipFill>
+        <p:spPr>
+          <a:xfrm>
+            <a:off x="4725675" y="803000"/>
+            <a:ext cx="4265130" cy="3998580"/>
+          </a:xfrm>
+          <a:prstGeom prst="rect">
+            <a:avLst/>
+          </a:prstGeom>
+          <a:noFill/>
+          <a:ln>
+            <a:noFill/>
+          </a:ln>
+        </p:spPr>
+      </p:pic>
+      <p:sp>
+        <p:nvSpPr>
+          <p:cNvPr id="100" name="Google Shape;100;p18"/>
+          <p:cNvSpPr txBox="1"/>
+          <p:nvPr>
+            <p:ph idx="1" type="body"/>
+          </p:nvPr>
+        </p:nvSpPr>
+        <p:spPr>
+          <a:xfrm>
+            <a:off x="311700" y="1152475"/>
+            <a:ext cx="4846200" cy="1419300"/>
+          </a:xfrm>
+          <a:prstGeom prst="rect">
+            <a:avLst/>
+          </a:prstGeom>
+        </p:spPr>
+        <p:txBody>
+          <a:bodyPr anchorCtr="0" anchor="t" bIns="91425" lIns="91425" spcFirstLastPara="1" rIns="91425" wrap="square" tIns="91425">
+            <a:noAutofit/>
+          </a:bodyPr>
+          <a:lstStyle/>
+          <a:p>
+            <a:pPr indent="-342900" lvl="0" marL="457200" rtl="0" algn="l">
+              <a:spcBef>
+                <a:spcPts val="0"/>
+              </a:spcBef>
+              <a:spcAft>
+                <a:spcPts val="0"/>
+              </a:spcAft>
+              <a:buClr>
+                <a:srgbClr val="000000"/>
+              </a:buClr>
+              <a:buSzPts val="1800"/>
+              <a:buFont typeface="Times New Roman"/>
+              <a:buChar char="●"/>
+            </a:pPr>
+            <a:r>
+              <a:rPr lang="en">
+                <a:solidFill>
+                  <a:srgbClr val="000000"/>
+                </a:solidFill>
+                <a:latin typeface="Times New Roman"/>
+                <a:ea typeface="Times New Roman"/>
+                <a:cs typeface="Times New Roman"/>
+                <a:sym typeface="Times New Roman"/>
+              </a:rPr>
+              <a:t>Input tensor shape (2 x 3 x 3)</a:t>
+            </a:r>
+            <a:endParaRPr>
+              <a:solidFill>
+                <a:srgbClr val="000000"/>
+              </a:solidFill>
+              <a:latin typeface="Times New Roman"/>
+              <a:ea typeface="Times New Roman"/>
+              <a:cs typeface="Times New Roman"/>
+              <a:sym typeface="Times New Roman"/>
+            </a:endParaRPr>
+          </a:p>
+          <a:p>
+            <a:pPr indent="-342900" lvl="0" marL="457200" rtl="0" algn="l">
+              <a:spcBef>
+                <a:spcPts val="0"/>
+              </a:spcBef>
+              <a:spcAft>
+                <a:spcPts val="0"/>
+              </a:spcAft>
+              <a:buClr>
+                <a:srgbClr val="000000"/>
+              </a:buClr>
+              <a:buSzPts val="1800"/>
+              <a:buFont typeface="Times New Roman"/>
+              <a:buChar char="●"/>
+            </a:pPr>
+            <a:r>
+              <a:rPr lang="en">
+                <a:solidFill>
+                  <a:srgbClr val="000000"/>
+                </a:solidFill>
+                <a:latin typeface="Times New Roman"/>
+                <a:ea typeface="Times New Roman"/>
+                <a:cs typeface="Times New Roman"/>
+                <a:sym typeface="Times New Roman"/>
+              </a:rPr>
+              <a:t>Approximation by various ranks</a:t>
+            </a:r>
+            <a:endParaRPr>
+              <a:solidFill>
+                <a:srgbClr val="000000"/>
+              </a:solidFill>
+              <a:latin typeface="Times New Roman"/>
+              <a:ea typeface="Times New Roman"/>
+              <a:cs typeface="Times New Roman"/>
+              <a:sym typeface="Times New Roman"/>
+            </a:endParaRPr>
+          </a:p>
+        </p:txBody>
+      </p:sp>
+      <p:sp>
+        <p:nvSpPr>
+          <p:cNvPr id="101" name="Google Shape;101;p18"/>
+          <p:cNvSpPr txBox="1"/>
+          <p:nvPr/>
+        </p:nvSpPr>
+        <p:spPr>
+          <a:xfrm>
+            <a:off x="0" y="4854000"/>
+            <a:ext cx="3715200" cy="289500"/>
+          </a:xfrm>
+          <a:prstGeom prst="rect">
+            <a:avLst/>
+          </a:prstGeom>
+          <a:noFill/>
+          <a:ln>
+            <a:noFill/>
+          </a:ln>
+        </p:spPr>
+        <p:txBody>
+          <a:bodyPr anchorCtr="0" anchor="b" bIns="91425" lIns="91425" spcFirstLastPara="1" rIns="91425" wrap="square" tIns="91425">
+            <a:noAutofit/>
+          </a:bodyPr>
+          <a:lstStyle/>
+          <a:p>
+            <a:pPr indent="0" lvl="0" marL="0" rtl="0" algn="ctr">
+              <a:spcBef>
+                <a:spcPts val="0"/>
+              </a:spcBef>
+              <a:spcAft>
+                <a:spcPts val="0"/>
+              </a:spcAft>
+              <a:buNone/>
+            </a:pPr>
+            <a:r>
+              <a:rPr b="1" lang="en" sz="1200">
+                <a:latin typeface="Times New Roman"/>
+                <a:ea typeface="Times New Roman"/>
+                <a:cs typeface="Times New Roman"/>
+                <a:sym typeface="Times New Roman"/>
+              </a:rPr>
+              <a:t>Tensor Methods for Neural Network Compression</a:t>
+            </a:r>
+            <a:endParaRPr b="1" sz="1200">
+              <a:solidFill>
+                <a:srgbClr val="000000"/>
+              </a:solidFill>
+              <a:latin typeface="Times New Roman"/>
+              <a:ea typeface="Times New Roman"/>
+              <a:cs typeface="Times New Roman"/>
+              <a:sym typeface="Times New Roman"/>
+            </a:endParaRPr>
+          </a:p>
+        </p:txBody>
+      </p:sp>
+      <p:sp>
+        <p:nvSpPr>
+          <p:cNvPr id="102" name="Google Shape;102;p18"/>
+          <p:cNvSpPr txBox="1"/>
+          <p:nvPr>
+            <p:ph idx="12" type="sldNum"/>
+          </p:nvPr>
+        </p:nvSpPr>
+        <p:spPr>
+          <a:xfrm>
+            <a:off x="8472458" y="4663217"/>
+            <a:ext cx="548700" cy="393600"/>
+          </a:xfrm>
+          <a:prstGeom prst="rect">
+            <a:avLst/>
+          </a:prstGeom>
+        </p:spPr>
+        <p:txBody>
+          <a:bodyPr anchorCtr="0" anchor="ctr" bIns="91425" lIns="91425" spcFirstLastPara="1" rIns="91425" wrap="square" tIns="91425">
+            <a:noAutofit/>
+          </a:bodyPr>
+          <a:lstStyle/>
+          <a:p>
+            <a:pPr indent="0" lvl="0" marL="0" rtl="0" algn="r">
+              <a:spcBef>
+                <a:spcPts val="0"/>
+              </a:spcBef>
+              <a:spcAft>
+                <a:spcPts val="0"/>
+              </a:spcAft>
+              <a:buNone/>
+            </a:pPr>
+            <a:fld id="{00000000-1234-1234-1234-123412341234}" type="slidenum">
+              <a:rPr b="1" lang="en">
+                <a:latin typeface="Times New Roman"/>
+                <a:ea typeface="Times New Roman"/>
+                <a:cs typeface="Times New Roman"/>
+                <a:sym typeface="Times New Roman"/>
+              </a:rPr>
+              <a:t>‹#›</a:t>
+            </a:fld>
+            <a:r>
+              <a:rPr b="1" lang="en">
+                <a:latin typeface="Times New Roman"/>
+                <a:ea typeface="Times New Roman"/>
+                <a:cs typeface="Times New Roman"/>
+                <a:sym typeface="Times New Roman"/>
+              </a:rPr>
+              <a:t>/10</a:t>
+            </a:r>
+            <a:endParaRPr b="1">
+              <a:latin typeface="Times New Roman"/>
+              <a:ea typeface="Times New Roman"/>
+              <a:cs typeface="Times New Roman"/>
+              <a:sym typeface="Times New Roman"/>
+            </a:endParaRPr>
+          </a:p>
+        </p:txBody>
+      </p:sp>
+    </p:spTree>
+  </p:cSld>
+  <p:clrMapOvr>
+    <a:masterClrMapping/>
+  </p:clrMapOvr>
+</p:sld>
+</file>
+
+<file path=ppt/slides/slide7.xml><?xml version="1.0" encoding="utf-8"?>
+<p:sld xmlns:a="http://schemas.openxmlformats.org/drawingml/2006/main" xmlns:r="http://schemas.openxmlformats.org/officeDocument/2006/relationships" xmlns:mc="http://schemas.openxmlformats.org/markup-compatibility/2006" xmlns:mv="urn:schemas-microsoft-com:mac:vml" xmlns:p="http://schemas.openxmlformats.org/presentationml/2006/main" xmlns:c="http://schemas.openxmlformats.org/drawingml/2006/chart" xmlns:dgm="http://schemas.openxmlformats.org/drawingml/2006/diagram" xmlns:o="urn:schemas-microsoft-com:office:office" xmlns:v="urn:schemas-microsoft-com:vml" xmlns:pvml="urn:schemas-microsoft-com:office:powerpoint" xmlns:com="http://schemas.openxmlformats.org/drawingml/2006/compatibility" xmlns:p14="http://schemas.microsoft.com/office/powerpoint/2010/main" xmlns:p15="http://schemas.microsoft.com/office/powerpoint/2012/main" xmlns:ahyp="http://schemas.microsoft.com/office/drawing/2018/hyperlinkcolor">
+  <p:cSld>
+    <p:spTree>
+      <p:nvGrpSpPr>
+        <p:cNvPr id="106" name="Shape 106"/>
+        <p:cNvGrpSpPr/>
+        <p:nvPr/>
+      </p:nvGrpSpPr>
+      <p:grpSpPr>
+        <a:xfrm>
+          <a:off x="0" y="0"/>
+          <a:ext cx="0" cy="0"/>
+          <a:chOff x="0" y="0"/>
+          <a:chExt cx="0" cy="0"/>
+        </a:xfrm>
+      </p:grpSpPr>
+      <p:sp>
+        <p:nvSpPr>
+          <p:cNvPr id="107" name="Google Shape;107;p19"/>
+          <p:cNvSpPr txBox="1"/>
+          <p:nvPr>
+            <p:ph type="title"/>
+          </p:nvPr>
+        </p:nvSpPr>
+        <p:spPr>
+          <a:xfrm>
+            <a:off x="311700" y="445025"/>
+            <a:ext cx="8520600" cy="572700"/>
+          </a:xfrm>
+          <a:prstGeom prst="rect">
+            <a:avLst/>
+          </a:prstGeom>
+        </p:spPr>
+        <p:txBody>
+          <a:bodyPr anchorCtr="0" anchor="t" bIns="91425" lIns="91425" spcFirstLastPara="1" rIns="91425" wrap="square" tIns="91425">
+            <a:noAutofit/>
+          </a:bodyPr>
+          <a:lstStyle/>
+          <a:p>
+            <a:pPr indent="0" lvl="0" marL="0" rtl="0" algn="l">
+              <a:spcBef>
+                <a:spcPts val="0"/>
+              </a:spcBef>
+              <a:spcAft>
+                <a:spcPts val="0"/>
+              </a:spcAft>
+              <a:buNone/>
+            </a:pPr>
+            <a:r>
+              <a:rPr b="1" lang="en" sz="3000">
+                <a:latin typeface="Times New Roman"/>
+                <a:ea typeface="Times New Roman"/>
+                <a:cs typeface="Times New Roman"/>
+                <a:sym typeface="Times New Roman"/>
+              </a:rPr>
+              <a:t>CP Decomposition</a:t>
+            </a:r>
+            <a:endParaRPr b="1" sz="3000">
+              <a:latin typeface="Times New Roman"/>
+              <a:ea typeface="Times New Roman"/>
+              <a:cs typeface="Times New Roman"/>
+              <a:sym typeface="Times New Roman"/>
+            </a:endParaRPr>
+          </a:p>
+        </p:txBody>
+      </p:sp>
+      <p:sp>
+        <p:nvSpPr>
+          <p:cNvPr id="108" name="Google Shape;108;p19"/>
+          <p:cNvSpPr txBox="1"/>
+          <p:nvPr>
+            <p:ph idx="1" type="body"/>
+          </p:nvPr>
+        </p:nvSpPr>
+        <p:spPr>
+          <a:xfrm>
+            <a:off x="311700" y="1152475"/>
+            <a:ext cx="4846200" cy="720600"/>
+          </a:xfrm>
+          <a:prstGeom prst="rect">
+            <a:avLst/>
+          </a:prstGeom>
+        </p:spPr>
+        <p:txBody>
+          <a:bodyPr anchorCtr="0" anchor="t" bIns="91425" lIns="91425" spcFirstLastPara="1" rIns="91425" wrap="square" tIns="91425">
+            <a:noAutofit/>
+          </a:bodyPr>
+          <a:lstStyle/>
+          <a:p>
+            <a:pPr indent="-342900" lvl="0" marL="457200" rtl="0" algn="l">
+              <a:spcBef>
+                <a:spcPts val="0"/>
+              </a:spcBef>
+              <a:spcAft>
+                <a:spcPts val="0"/>
+              </a:spcAft>
+              <a:buClr>
+                <a:srgbClr val="000000"/>
+              </a:buClr>
+              <a:buSzPts val="1800"/>
+              <a:buFont typeface="Times New Roman"/>
+              <a:buChar char="●"/>
+            </a:pPr>
+            <a:r>
+              <a:rPr lang="en">
+                <a:solidFill>
+                  <a:srgbClr val="000000"/>
+                </a:solidFill>
+                <a:latin typeface="Times New Roman"/>
+                <a:ea typeface="Times New Roman"/>
+                <a:cs typeface="Times New Roman"/>
+                <a:sym typeface="Times New Roman"/>
+              </a:rPr>
+              <a:t>Unit tested with tensorly implementation</a:t>
+            </a:r>
+            <a:endParaRPr>
+              <a:solidFill>
+                <a:srgbClr val="000000"/>
+              </a:solidFill>
+              <a:latin typeface="Times New Roman"/>
+              <a:ea typeface="Times New Roman"/>
+              <a:cs typeface="Times New Roman"/>
+              <a:sym typeface="Times New Roman"/>
+            </a:endParaRPr>
+          </a:p>
+          <a:p>
+            <a:pPr indent="-342900" lvl="0" marL="457200" rtl="0" algn="l">
+              <a:spcBef>
+                <a:spcPts val="0"/>
+              </a:spcBef>
+              <a:spcAft>
+                <a:spcPts val="0"/>
+              </a:spcAft>
+              <a:buClr>
+                <a:srgbClr val="000000"/>
+              </a:buClr>
+              <a:buSzPts val="1800"/>
+              <a:buFont typeface="Times New Roman"/>
+              <a:buChar char="●"/>
+            </a:pPr>
+            <a:r>
+              <a:rPr lang="en">
+                <a:solidFill>
+                  <a:srgbClr val="000000"/>
+                </a:solidFill>
+                <a:latin typeface="Times New Roman"/>
+                <a:ea typeface="Times New Roman"/>
+                <a:cs typeface="Times New Roman"/>
+                <a:sym typeface="Times New Roman"/>
+              </a:rPr>
+              <a:t>Parameters</a:t>
+            </a:r>
+            <a:endParaRPr>
+              <a:solidFill>
+                <a:srgbClr val="000000"/>
+              </a:solidFill>
+              <a:latin typeface="Times New Roman"/>
+              <a:ea typeface="Times New Roman"/>
+              <a:cs typeface="Times New Roman"/>
+              <a:sym typeface="Times New Roman"/>
+            </a:endParaRPr>
+          </a:p>
+          <a:p>
+            <a:pPr indent="-317500" lvl="1" marL="914400" rtl="0" algn="l">
+              <a:spcBef>
+                <a:spcPts val="0"/>
+              </a:spcBef>
+              <a:spcAft>
+                <a:spcPts val="0"/>
+              </a:spcAft>
+              <a:buClr>
+                <a:srgbClr val="000000"/>
+              </a:buClr>
+              <a:buSzPts val="1400"/>
+              <a:buFont typeface="Times New Roman"/>
+              <a:buChar char="○"/>
+            </a:pPr>
+            <a:r>
+              <a:rPr lang="en">
+                <a:solidFill>
+                  <a:srgbClr val="000000"/>
+                </a:solidFill>
+                <a:latin typeface="Times New Roman"/>
+                <a:ea typeface="Times New Roman"/>
+                <a:cs typeface="Times New Roman"/>
+                <a:sym typeface="Times New Roman"/>
+              </a:rPr>
+              <a:t>Rank : 2</a:t>
+            </a:r>
+            <a:endParaRPr>
+              <a:solidFill>
+                <a:srgbClr val="000000"/>
+              </a:solidFill>
+              <a:latin typeface="Times New Roman"/>
+              <a:ea typeface="Times New Roman"/>
+              <a:cs typeface="Times New Roman"/>
+              <a:sym typeface="Times New Roman"/>
+            </a:endParaRPr>
+          </a:p>
+          <a:p>
+            <a:pPr indent="-317500" lvl="1" marL="914400" rtl="0" algn="l">
+              <a:spcBef>
+                <a:spcPts val="0"/>
+              </a:spcBef>
+              <a:spcAft>
+                <a:spcPts val="0"/>
+              </a:spcAft>
+              <a:buClr>
+                <a:srgbClr val="000000"/>
+              </a:buClr>
+              <a:buSzPts val="1400"/>
+              <a:buFont typeface="Times New Roman"/>
+              <a:buChar char="○"/>
+            </a:pPr>
+            <a:r>
+              <a:rPr lang="en">
+                <a:solidFill>
+                  <a:srgbClr val="000000"/>
+                </a:solidFill>
+                <a:latin typeface="Times New Roman"/>
+                <a:ea typeface="Times New Roman"/>
+                <a:cs typeface="Times New Roman"/>
+                <a:sym typeface="Times New Roman"/>
+              </a:rPr>
+              <a:t>Maximum iterations : 100</a:t>
+            </a:r>
+            <a:endParaRPr>
+              <a:solidFill>
+                <a:srgbClr val="000000"/>
+              </a:solidFill>
+              <a:latin typeface="Times New Roman"/>
+              <a:ea typeface="Times New Roman"/>
+              <a:cs typeface="Times New Roman"/>
+              <a:sym typeface="Times New Roman"/>
+            </a:endParaRPr>
+          </a:p>
+        </p:txBody>
+      </p:sp>
+      <p:pic>
+        <p:nvPicPr>
+          <p:cNvPr id="109" name="Google Shape;109;p19"/>
+          <p:cNvPicPr preferRelativeResize="0"/>
+          <p:nvPr/>
+        </p:nvPicPr>
+        <p:blipFill>
+          <a:blip r:embed="rId3">
+            <a:alphaModFix/>
+          </a:blip>
+          <a:stretch>
+            <a:fillRect/>
+          </a:stretch>
+        </p:blipFill>
+        <p:spPr>
+          <a:xfrm>
+            <a:off x="3207388" y="3012400"/>
+            <a:ext cx="2655750" cy="1237850"/>
+          </a:xfrm>
+          <a:prstGeom prst="rect">
+            <a:avLst/>
+          </a:prstGeom>
+          <a:noFill/>
+          <a:ln>
+            <a:noFill/>
+          </a:ln>
+        </p:spPr>
+      </p:pic>
+      <p:pic>
+        <p:nvPicPr>
+          <p:cNvPr id="110" name="Google Shape;110;p19"/>
+          <p:cNvPicPr preferRelativeResize="0"/>
+          <p:nvPr/>
+        </p:nvPicPr>
+        <p:blipFill>
+          <a:blip r:embed="rId4">
+            <a:alphaModFix/>
+          </a:blip>
+          <a:stretch>
+            <a:fillRect/>
+          </a:stretch>
+        </p:blipFill>
+        <p:spPr>
+          <a:xfrm>
+            <a:off x="311700" y="3012400"/>
+            <a:ext cx="2540850" cy="1237850"/>
+          </a:xfrm>
+          <a:prstGeom prst="rect">
+            <a:avLst/>
+          </a:prstGeom>
+          <a:noFill/>
+          <a:ln>
+            <a:noFill/>
+          </a:ln>
+        </p:spPr>
+      </p:pic>
+      <p:pic>
+        <p:nvPicPr>
+          <p:cNvPr id="111" name="Google Shape;111;p19"/>
+          <p:cNvPicPr preferRelativeResize="0"/>
+          <p:nvPr/>
+        </p:nvPicPr>
+        <p:blipFill>
+          <a:blip r:embed="rId5">
+            <a:alphaModFix/>
+          </a:blip>
+          <a:stretch>
+            <a:fillRect/>
+          </a:stretch>
+        </p:blipFill>
+        <p:spPr>
+          <a:xfrm>
+            <a:off x="6217975" y="3012400"/>
+            <a:ext cx="2644498" cy="1237850"/>
+          </a:xfrm>
+          <a:prstGeom prst="rect">
+            <a:avLst/>
+          </a:prstGeom>
+          <a:noFill/>
+          <a:ln>
+            <a:noFill/>
+          </a:ln>
+        </p:spPr>
+      </p:pic>
+      <p:sp>
+        <p:nvSpPr>
+          <p:cNvPr id="112" name="Google Shape;112;p19"/>
+          <p:cNvSpPr txBox="1"/>
+          <p:nvPr/>
+        </p:nvSpPr>
+        <p:spPr>
+          <a:xfrm>
+            <a:off x="0" y="4854000"/>
+            <a:ext cx="3715200" cy="289500"/>
+          </a:xfrm>
+          <a:prstGeom prst="rect">
+            <a:avLst/>
+          </a:prstGeom>
+          <a:noFill/>
+          <a:ln>
+            <a:noFill/>
+          </a:ln>
+        </p:spPr>
+        <p:txBody>
+          <a:bodyPr anchorCtr="0" anchor="b" bIns="91425" lIns="91425" spcFirstLastPara="1" rIns="91425" wrap="square" tIns="91425">
+            <a:noAutofit/>
+          </a:bodyPr>
+          <a:lstStyle/>
+          <a:p>
+            <a:pPr indent="0" lvl="0" marL="0" rtl="0" algn="ctr">
+              <a:spcBef>
+                <a:spcPts val="0"/>
+              </a:spcBef>
+              <a:spcAft>
+                <a:spcPts val="0"/>
+              </a:spcAft>
+              <a:buNone/>
+            </a:pPr>
+            <a:r>
+              <a:rPr b="1" lang="en" sz="1200">
+                <a:latin typeface="Times New Roman"/>
+                <a:ea typeface="Times New Roman"/>
+                <a:cs typeface="Times New Roman"/>
+                <a:sym typeface="Times New Roman"/>
+              </a:rPr>
+              <a:t>Tensor Methods for Neural Network Compression</a:t>
+            </a:r>
+            <a:endParaRPr b="1" sz="1200">
+              <a:solidFill>
+                <a:srgbClr val="000000"/>
+              </a:solidFill>
+              <a:latin typeface="Times New Roman"/>
+              <a:ea typeface="Times New Roman"/>
+              <a:cs typeface="Times New Roman"/>
+              <a:sym typeface="Times New Roman"/>
+            </a:endParaRPr>
+          </a:p>
+        </p:txBody>
+      </p:sp>
+      <p:sp>
+        <p:nvSpPr>
+          <p:cNvPr id="113" name="Google Shape;113;p19"/>
+          <p:cNvSpPr txBox="1"/>
+          <p:nvPr>
+            <p:ph idx="12" type="sldNum"/>
+          </p:nvPr>
+        </p:nvSpPr>
+        <p:spPr>
+          <a:xfrm>
+            <a:off x="8472458" y="4663217"/>
+            <a:ext cx="548700" cy="393600"/>
+          </a:xfrm>
+          <a:prstGeom prst="rect">
+            <a:avLst/>
+          </a:prstGeom>
+        </p:spPr>
+        <p:txBody>
+          <a:bodyPr anchorCtr="0" anchor="ctr" bIns="91425" lIns="91425" spcFirstLastPara="1" rIns="91425" wrap="square" tIns="91425">
+            <a:noAutofit/>
+          </a:bodyPr>
+          <a:lstStyle/>
+          <a:p>
+            <a:pPr indent="0" lvl="0" marL="0" rtl="0" algn="r">
+              <a:spcBef>
+                <a:spcPts val="0"/>
+              </a:spcBef>
+              <a:spcAft>
+                <a:spcPts val="0"/>
+              </a:spcAft>
+              <a:buNone/>
+            </a:pPr>
+            <a:fld id="{00000000-1234-1234-1234-123412341234}" type="slidenum">
+              <a:rPr b="1" lang="en">
+                <a:latin typeface="Times New Roman"/>
+                <a:ea typeface="Times New Roman"/>
+                <a:cs typeface="Times New Roman"/>
+                <a:sym typeface="Times New Roman"/>
+              </a:rPr>
+              <a:t>‹#›</a:t>
+            </a:fld>
+            <a:r>
+              <a:rPr b="1" lang="en">
+                <a:latin typeface="Times New Roman"/>
+                <a:ea typeface="Times New Roman"/>
+                <a:cs typeface="Times New Roman"/>
+                <a:sym typeface="Times New Roman"/>
+              </a:rPr>
+              <a:t>/10</a:t>
+            </a:r>
+            <a:endParaRPr b="1">
+              <a:latin typeface="Times New Roman"/>
+              <a:ea typeface="Times New Roman"/>
+              <a:cs typeface="Times New Roman"/>
+              <a:sym typeface="Times New Roman"/>
+            </a:endParaRPr>
+          </a:p>
+        </p:txBody>
+      </p:sp>
+    </p:spTree>
+  </p:cSld>
+  <p:clrMapOvr>
+    <a:masterClrMapping/>
+  </p:clrMapOvr>
+</p:sld>
+</file>
+
+<file path=ppt/slides/slide8.xml><?xml version="1.0" encoding="utf-8"?>
+<p:sld xmlns:a="http://schemas.openxmlformats.org/drawingml/2006/main" xmlns:r="http://schemas.openxmlformats.org/officeDocument/2006/relationships" xmlns:mc="http://schemas.openxmlformats.org/markup-compatibility/2006" xmlns:mv="urn:schemas-microsoft-com:mac:vml" xmlns:p="http://schemas.openxmlformats.org/presentationml/2006/main" xmlns:c="http://schemas.openxmlformats.org/drawingml/2006/chart" xmlns:dgm="http://schemas.openxmlformats.org/drawingml/2006/diagram" xmlns:o="urn:schemas-microsoft-com:office:office" xmlns:v="urn:schemas-microsoft-com:vml" xmlns:pvml="urn:schemas-microsoft-com:office:powerpoint" xmlns:com="http://schemas.openxmlformats.org/drawingml/2006/compatibility" xmlns:p14="http://schemas.microsoft.com/office/powerpoint/2010/main" xmlns:p15="http://schemas.microsoft.com/office/powerpoint/2012/main" xmlns:ahyp="http://schemas.microsoft.com/office/drawing/2018/hyperlinkcolor">
+  <p:cSld>
+    <p:spTree>
+      <p:nvGrpSpPr>
+        <p:cNvPr id="117" name="Shape 117"/>
+        <p:cNvGrpSpPr/>
+        <p:nvPr/>
+      </p:nvGrpSpPr>
+      <p:grpSpPr>
+        <a:xfrm>
+          <a:off x="0" y="0"/>
+          <a:ext cx="0" cy="0"/>
+          <a:chOff x="0" y="0"/>
+          <a:chExt cx="0" cy="0"/>
+        </a:xfrm>
+      </p:grpSpPr>
+      <p:sp>
+        <p:nvSpPr>
+          <p:cNvPr id="118" name="Google Shape;118;p20"/>
+          <p:cNvSpPr txBox="1"/>
+          <p:nvPr>
+            <p:ph type="title"/>
+          </p:nvPr>
+        </p:nvSpPr>
+        <p:spPr>
+          <a:xfrm>
+            <a:off x="311700" y="445025"/>
+            <a:ext cx="8520600" cy="572700"/>
+          </a:xfrm>
+          <a:prstGeom prst="rect">
+            <a:avLst/>
+          </a:prstGeom>
+        </p:spPr>
+        <p:txBody>
+          <a:bodyPr anchorCtr="0" anchor="t" bIns="91425" lIns="91425" spcFirstLastPara="1" rIns="91425" wrap="square" tIns="91425">
+            <a:noAutofit/>
+          </a:bodyPr>
+          <a:lstStyle/>
+          <a:p>
+            <a:pPr indent="0" lvl="0" marL="0" rtl="0" algn="l">
+              <a:spcBef>
+                <a:spcPts val="0"/>
+              </a:spcBef>
+              <a:spcAft>
+                <a:spcPts val="0"/>
+              </a:spcAft>
+              <a:buNone/>
+            </a:pPr>
+            <a:r>
+              <a:rPr b="1" lang="en" sz="3000">
+                <a:latin typeface="Times New Roman"/>
+                <a:ea typeface="Times New Roman"/>
+                <a:cs typeface="Times New Roman"/>
+                <a:sym typeface="Times New Roman"/>
+              </a:rPr>
+              <a:t>AlexNet</a:t>
+            </a:r>
+            <a:endParaRPr b="1" sz="3000">
+              <a:latin typeface="Times New Roman"/>
+              <a:ea typeface="Times New Roman"/>
+              <a:cs typeface="Times New Roman"/>
+              <a:sym typeface="Times New Roman"/>
+            </a:endParaRPr>
+          </a:p>
+        </p:txBody>
+      </p:sp>
+      <p:sp>
+        <p:nvSpPr>
+          <p:cNvPr id="119" name="Google Shape;119;p20"/>
+          <p:cNvSpPr txBox="1"/>
+          <p:nvPr/>
+        </p:nvSpPr>
+        <p:spPr>
+          <a:xfrm>
+            <a:off x="311700" y="1152475"/>
+            <a:ext cx="8476800" cy="1419300"/>
+          </a:xfrm>
+          <a:prstGeom prst="rect">
+            <a:avLst/>
+          </a:prstGeom>
+          <a:noFill/>
+          <a:ln>
+            <a:noFill/>
+          </a:ln>
+        </p:spPr>
+        <p:txBody>
+          <a:bodyPr anchorCtr="0" anchor="t" bIns="91425" lIns="91425" spcFirstLastPara="1" rIns="91425" wrap="square" tIns="91425">
+            <a:noAutofit/>
+          </a:bodyPr>
+          <a:lstStyle/>
+          <a:p>
+            <a:pPr indent="-342900" lvl="0" marL="457200" rtl="0" algn="l">
+              <a:lnSpc>
+                <a:spcPct val="115000"/>
+              </a:lnSpc>
+              <a:spcBef>
+                <a:spcPts val="0"/>
+              </a:spcBef>
+              <a:spcAft>
+                <a:spcPts val="0"/>
+              </a:spcAft>
+              <a:buClr>
+                <a:srgbClr val="000000"/>
+              </a:buClr>
+              <a:buSzPts val="1800"/>
+              <a:buFont typeface="Times New Roman"/>
+              <a:buChar char="●"/>
+            </a:pPr>
+            <a:r>
+              <a:rPr lang="en" sz="1800">
+                <a:latin typeface="Times New Roman"/>
+                <a:ea typeface="Times New Roman"/>
+                <a:cs typeface="Times New Roman"/>
+                <a:sym typeface="Times New Roman"/>
+              </a:rPr>
+              <a:t>Convolutional Neural Network (CNN)</a:t>
+            </a:r>
+            <a:endParaRPr sz="1800">
+              <a:latin typeface="Times New Roman"/>
+              <a:ea typeface="Times New Roman"/>
+              <a:cs typeface="Times New Roman"/>
+              <a:sym typeface="Times New Roman"/>
+            </a:endParaRPr>
+          </a:p>
+          <a:p>
+            <a:pPr indent="-342900" lvl="0" marL="457200" rtl="0" algn="l">
+              <a:lnSpc>
+                <a:spcPct val="115000"/>
+              </a:lnSpc>
+              <a:spcBef>
+                <a:spcPts val="0"/>
+              </a:spcBef>
+              <a:spcAft>
+                <a:spcPts val="0"/>
+              </a:spcAft>
+              <a:buClr>
+                <a:srgbClr val="000000"/>
+              </a:buClr>
+              <a:buSzPts val="1800"/>
+              <a:buFont typeface="Times New Roman"/>
+              <a:buChar char="●"/>
+            </a:pPr>
+            <a:r>
+              <a:rPr lang="en" sz="1800">
+                <a:latin typeface="Times New Roman"/>
+                <a:ea typeface="Times New Roman"/>
+                <a:cs typeface="Times New Roman"/>
+                <a:sym typeface="Times New Roman"/>
+              </a:rPr>
+              <a:t>First five convolutional layers  </a:t>
+            </a:r>
+            <a:endParaRPr sz="1800">
+              <a:latin typeface="Times New Roman"/>
+              <a:ea typeface="Times New Roman"/>
+              <a:cs typeface="Times New Roman"/>
+              <a:sym typeface="Times New Roman"/>
+            </a:endParaRPr>
+          </a:p>
+          <a:p>
+            <a:pPr indent="-342900" lvl="0" marL="457200" rtl="0" algn="l">
+              <a:lnSpc>
+                <a:spcPct val="115000"/>
+              </a:lnSpc>
+              <a:spcBef>
+                <a:spcPts val="0"/>
+              </a:spcBef>
+              <a:spcAft>
+                <a:spcPts val="0"/>
+              </a:spcAft>
+              <a:buClr>
+                <a:srgbClr val="000000"/>
+              </a:buClr>
+              <a:buSzPts val="1800"/>
+              <a:buFont typeface="Times New Roman"/>
+              <a:buChar char="●"/>
+            </a:pPr>
+            <a:r>
+              <a:rPr lang="en" sz="1800">
+                <a:latin typeface="Times New Roman"/>
+                <a:ea typeface="Times New Roman"/>
+                <a:cs typeface="Times New Roman"/>
+                <a:sym typeface="Times New Roman"/>
+              </a:rPr>
+              <a:t>Last three fully connected layers act as classifier</a:t>
+            </a:r>
+            <a:endParaRPr sz="1800">
+              <a:latin typeface="Times New Roman"/>
+              <a:ea typeface="Times New Roman"/>
+              <a:cs typeface="Times New Roman"/>
+              <a:sym typeface="Times New Roman"/>
+            </a:endParaRPr>
+          </a:p>
+        </p:txBody>
+      </p:sp>
+      <p:pic>
+        <p:nvPicPr>
+          <p:cNvPr id="120" name="Google Shape;120;p20"/>
+          <p:cNvPicPr preferRelativeResize="0"/>
+          <p:nvPr/>
+        </p:nvPicPr>
+        <p:blipFill>
+          <a:blip r:embed="rId3">
+            <a:alphaModFix/>
+          </a:blip>
+          <a:stretch>
+            <a:fillRect/>
+          </a:stretch>
+        </p:blipFill>
+        <p:spPr>
+          <a:xfrm>
+            <a:off x="1319213" y="2400000"/>
+            <a:ext cx="6505575" cy="2133600"/>
+          </a:xfrm>
+          <a:prstGeom prst="rect">
+            <a:avLst/>
+          </a:prstGeom>
+          <a:noFill/>
+          <a:ln>
+            <a:noFill/>
+          </a:ln>
+        </p:spPr>
+      </p:pic>
+      <p:sp>
+        <p:nvSpPr>
+          <p:cNvPr id="121" name="Google Shape;121;p20"/>
+          <p:cNvSpPr txBox="1"/>
+          <p:nvPr/>
+        </p:nvSpPr>
+        <p:spPr>
+          <a:xfrm>
+            <a:off x="0" y="4854000"/>
+            <a:ext cx="3715200" cy="289500"/>
+          </a:xfrm>
+          <a:prstGeom prst="rect">
+            <a:avLst/>
+          </a:prstGeom>
+          <a:noFill/>
+          <a:ln>
+            <a:noFill/>
+          </a:ln>
+        </p:spPr>
+        <p:txBody>
+          <a:bodyPr anchorCtr="0" anchor="b" bIns="91425" lIns="91425" spcFirstLastPara="1" rIns="91425" wrap="square" tIns="91425">
+            <a:noAutofit/>
+          </a:bodyPr>
+          <a:lstStyle/>
+          <a:p>
+            <a:pPr indent="0" lvl="0" marL="0" rtl="0" algn="ctr">
+              <a:spcBef>
+                <a:spcPts val="0"/>
+              </a:spcBef>
+              <a:spcAft>
+                <a:spcPts val="0"/>
+              </a:spcAft>
+              <a:buNone/>
+            </a:pPr>
+            <a:r>
+              <a:rPr b="1" lang="en" sz="1200">
+                <a:latin typeface="Times New Roman"/>
+                <a:ea typeface="Times New Roman"/>
+                <a:cs typeface="Times New Roman"/>
+                <a:sym typeface="Times New Roman"/>
+              </a:rPr>
+              <a:t>Tensor Methods for Neural Network Compression</a:t>
+            </a:r>
+            <a:endParaRPr b="1" sz="1200">
+              <a:solidFill>
+                <a:srgbClr val="000000"/>
+              </a:solidFill>
+              <a:latin typeface="Times New Roman"/>
+              <a:ea typeface="Times New Roman"/>
+              <a:cs typeface="Times New Roman"/>
+              <a:sym typeface="Times New Roman"/>
+            </a:endParaRPr>
+          </a:p>
+        </p:txBody>
+      </p:sp>
+      <p:sp>
+        <p:nvSpPr>
+          <p:cNvPr id="122" name="Google Shape;122;p20"/>
+          <p:cNvSpPr txBox="1"/>
+          <p:nvPr>
+            <p:ph idx="12" type="sldNum"/>
+          </p:nvPr>
+        </p:nvSpPr>
+        <p:spPr>
+          <a:xfrm>
+            <a:off x="8472458" y="4663217"/>
+            <a:ext cx="548700" cy="393600"/>
+          </a:xfrm>
+          <a:prstGeom prst="rect">
+            <a:avLst/>
+          </a:prstGeom>
+        </p:spPr>
+        <p:txBody>
+          <a:bodyPr anchorCtr="0" anchor="ctr" bIns="91425" lIns="91425" spcFirstLastPara="1" rIns="91425" wrap="square" tIns="91425">
+            <a:noAutofit/>
+          </a:bodyPr>
+          <a:lstStyle/>
+          <a:p>
+            <a:pPr indent="0" lvl="0" marL="0" rtl="0" algn="r">
+              <a:spcBef>
+                <a:spcPts val="0"/>
+              </a:spcBef>
+              <a:spcAft>
+                <a:spcPts val="0"/>
+              </a:spcAft>
+              <a:buNone/>
+            </a:pPr>
+            <a:r>
+              <a:rPr b="1" lang="en">
+                <a:latin typeface="Times New Roman"/>
+                <a:ea typeface="Times New Roman"/>
+                <a:cs typeface="Times New Roman"/>
+                <a:sym typeface="Times New Roman"/>
+              </a:rPr>
+              <a:t>8/10</a:t>
+            </a:r>
+            <a:endParaRPr b="1">
+              <a:latin typeface="Times New Roman"/>
+              <a:ea typeface="Times New Roman"/>
+              <a:cs typeface="Times New Roman"/>
+              <a:sym typeface="Times New Roman"/>
+            </a:endParaRPr>
+          </a:p>
+        </p:txBody>
+      </p:sp>
+    </p:spTree>
+  </p:cSld>
+  <p:clrMapOvr>
+    <a:masterClrMapping/>
+  </p:clrMapOvr>
+</p:sld>
+</file>
+
+<file path=ppt/slides/slide9.xml><?xml version="1.0" encoding="utf-8"?>
+<p:sld xmlns:a="http://schemas.openxmlformats.org/drawingml/2006/main" xmlns:r="http://schemas.openxmlformats.org/officeDocument/2006/relationships" xmlns:mc="http://schemas.openxmlformats.org/markup-compatibility/2006" xmlns:mv="urn:schemas-microsoft-com:mac:vml" xmlns:p="http://schemas.openxmlformats.org/presentationml/2006/main" xmlns:c="http://schemas.openxmlformats.org/drawingml/2006/chart" xmlns:dgm="http://schemas.openxmlformats.org/drawingml/2006/diagram" xmlns:o="urn:schemas-microsoft-com:office:office" xmlns:v="urn:schemas-microsoft-com:vml" xmlns:pvml="urn:schemas-microsoft-com:office:powerpoint" xmlns:com="http://schemas.openxmlformats.org/drawingml/2006/compatibility" xmlns:p14="http://schemas.microsoft.com/office/powerpoint/2010/main" xmlns:p15="http://schemas.microsoft.com/office/powerpoint/2012/main" xmlns:ahyp="http://schemas.microsoft.com/office/drawing/2018/hyperlinkcolor">
+  <p:cSld>
+    <p:spTree>
+      <p:nvGrpSpPr>
+        <p:cNvPr id="126" name="Shape 126"/>
+        <p:cNvGrpSpPr/>
+        <p:nvPr/>
+      </p:nvGrpSpPr>
+      <p:grpSpPr>
+        <a:xfrm>
+          <a:off x="0" y="0"/>
+          <a:ext cx="0" cy="0"/>
+          <a:chOff x="0" y="0"/>
+          <a:chExt cx="0" cy="0"/>
+        </a:xfrm>
+      </p:grpSpPr>
+      <p:sp>
+        <p:nvSpPr>
+          <p:cNvPr id="127" name="Google Shape;127;p21"/>
+          <p:cNvSpPr txBox="1"/>
+          <p:nvPr>
+            <p:ph type="title"/>
+          </p:nvPr>
+        </p:nvSpPr>
+        <p:spPr>
+          <a:xfrm>
+            <a:off x="311700" y="445025"/>
+            <a:ext cx="8520600" cy="572700"/>
+          </a:xfrm>
+          <a:prstGeom prst="rect">
+            <a:avLst/>
+          </a:prstGeom>
+        </p:spPr>
+        <p:txBody>
+          <a:bodyPr anchorCtr="0" anchor="t" bIns="91425" lIns="91425" spcFirstLastPara="1" rIns="91425" wrap="square" tIns="91425">
+            <a:noAutofit/>
+          </a:bodyPr>
+          <a:lstStyle/>
+          <a:p>
+            <a:pPr indent="0" lvl="0" marL="0" rtl="0" algn="l">
+              <a:spcBef>
+                <a:spcPts val="0"/>
+              </a:spcBef>
+              <a:spcAft>
+                <a:spcPts val="0"/>
+              </a:spcAft>
+              <a:buNone/>
+            </a:pPr>
+            <a:r>
+              <a:rPr b="1" lang="en" sz="3000">
+                <a:latin typeface="Times New Roman"/>
+                <a:ea typeface="Times New Roman"/>
+                <a:cs typeface="Times New Roman"/>
+                <a:sym typeface="Times New Roman"/>
+              </a:rPr>
+              <a:t>AlexNet</a:t>
+            </a:r>
+            <a:endParaRPr b="1" sz="3000">
+              <a:latin typeface="Times New Roman"/>
+              <a:ea typeface="Times New Roman"/>
+              <a:cs typeface="Times New Roman"/>
+              <a:sym typeface="Times New Roman"/>
+            </a:endParaRPr>
+          </a:p>
+        </p:txBody>
+      </p:sp>
+      <p:sp>
+        <p:nvSpPr>
+          <p:cNvPr id="128" name="Google Shape;128;p21"/>
+          <p:cNvSpPr txBox="1"/>
+          <p:nvPr/>
+        </p:nvSpPr>
+        <p:spPr>
+          <a:xfrm>
+            <a:off x="311700" y="1152475"/>
+            <a:ext cx="8476800" cy="1419300"/>
+          </a:xfrm>
+          <a:prstGeom prst="rect">
+            <a:avLst/>
+          </a:prstGeom>
+          <a:noFill/>
+          <a:ln>
+            <a:noFill/>
+          </a:ln>
+        </p:spPr>
+        <p:txBody>
+          <a:bodyPr anchorCtr="0" anchor="t" bIns="91425" lIns="91425" spcFirstLastPara="1" rIns="91425" wrap="square" tIns="91425">
+            <a:noAutofit/>
+          </a:bodyPr>
+          <a:lstStyle/>
+          <a:p>
+            <a:pPr indent="-342900" lvl="0" marL="457200" rtl="0" algn="l">
+              <a:lnSpc>
+                <a:spcPct val="115000"/>
+              </a:lnSpc>
+              <a:spcBef>
+                <a:spcPts val="0"/>
+              </a:spcBef>
+              <a:spcAft>
+                <a:spcPts val="0"/>
+              </a:spcAft>
+              <a:buClr>
+                <a:srgbClr val="000000"/>
+              </a:buClr>
+              <a:buSzPts val="1800"/>
+              <a:buFont typeface="Times New Roman"/>
+              <a:buChar char="●"/>
+            </a:pPr>
+            <a:r>
+              <a:rPr lang="en" sz="1800">
+                <a:latin typeface="Times New Roman"/>
+                <a:ea typeface="Times New Roman"/>
+                <a:cs typeface="Times New Roman"/>
+                <a:sym typeface="Times New Roman"/>
+              </a:rPr>
+              <a:t>Convolutional Neural Network (CNN)</a:t>
+            </a:r>
+            <a:endParaRPr sz="1800">
+              <a:latin typeface="Times New Roman"/>
+              <a:ea typeface="Times New Roman"/>
+              <a:cs typeface="Times New Roman"/>
+              <a:sym typeface="Times New Roman"/>
+            </a:endParaRPr>
+          </a:p>
+          <a:p>
+            <a:pPr indent="-342900" lvl="0" marL="457200" rtl="0" algn="l">
+              <a:lnSpc>
+                <a:spcPct val="115000"/>
+              </a:lnSpc>
+              <a:spcBef>
+                <a:spcPts val="0"/>
+              </a:spcBef>
+              <a:spcAft>
+                <a:spcPts val="0"/>
+              </a:spcAft>
+              <a:buClr>
+                <a:srgbClr val="000000"/>
+              </a:buClr>
+              <a:buSzPts val="1800"/>
+              <a:buFont typeface="Times New Roman"/>
+              <a:buChar char="●"/>
+            </a:pPr>
+            <a:r>
+              <a:rPr lang="en" sz="1800">
+                <a:latin typeface="Times New Roman"/>
+                <a:ea typeface="Times New Roman"/>
+                <a:cs typeface="Times New Roman"/>
+                <a:sym typeface="Times New Roman"/>
+              </a:rPr>
+              <a:t>First five convolutional layers  </a:t>
+            </a:r>
+            <a:endParaRPr sz="1800">
+              <a:latin typeface="Times New Roman"/>
+              <a:ea typeface="Times New Roman"/>
+              <a:cs typeface="Times New Roman"/>
+              <a:sym typeface="Times New Roman"/>
+            </a:endParaRPr>
+          </a:p>
+          <a:p>
+            <a:pPr indent="-342900" lvl="0" marL="457200" rtl="0" algn="l">
+              <a:lnSpc>
+                <a:spcPct val="115000"/>
+              </a:lnSpc>
+              <a:spcBef>
+                <a:spcPts val="0"/>
+              </a:spcBef>
+              <a:spcAft>
+                <a:spcPts val="0"/>
+              </a:spcAft>
+              <a:buClr>
+                <a:srgbClr val="000000"/>
+              </a:buClr>
+              <a:buSzPts val="1800"/>
+              <a:buFont typeface="Times New Roman"/>
+              <a:buChar char="●"/>
+            </a:pPr>
+            <a:r>
+              <a:rPr lang="en" sz="1800">
+                <a:latin typeface="Times New Roman"/>
+                <a:ea typeface="Times New Roman"/>
+                <a:cs typeface="Times New Roman"/>
+                <a:sym typeface="Times New Roman"/>
+              </a:rPr>
+              <a:t>Last three fully connected layers act as classifier</a:t>
+            </a:r>
+            <a:endParaRPr sz="1800">
+              <a:latin typeface="Times New Roman"/>
+              <a:ea typeface="Times New Roman"/>
+              <a:cs typeface="Times New Roman"/>
+              <a:sym typeface="Times New Roman"/>
+            </a:endParaRPr>
+          </a:p>
+        </p:txBody>
+      </p:sp>
+      <p:pic>
+        <p:nvPicPr>
+          <p:cNvPr id="129" name="Google Shape;129;p21"/>
+          <p:cNvPicPr preferRelativeResize="0"/>
+          <p:nvPr/>
+        </p:nvPicPr>
+        <p:blipFill>
+          <a:blip r:embed="rId3">
+            <a:alphaModFix/>
+          </a:blip>
+          <a:stretch>
+            <a:fillRect/>
+          </a:stretch>
+        </p:blipFill>
+        <p:spPr>
+          <a:xfrm>
+            <a:off x="1319213" y="2400000"/>
+            <a:ext cx="6505575" cy="2133600"/>
+          </a:xfrm>
+          <a:prstGeom prst="rect">
+            <a:avLst/>
+          </a:prstGeom>
+          <a:noFill/>
+          <a:ln>
+            <a:noFill/>
+          </a:ln>
+        </p:spPr>
+      </p:pic>
+      <p:sp>
+        <p:nvSpPr>
+          <p:cNvPr id="130" name="Google Shape;130;p21"/>
+          <p:cNvSpPr txBox="1"/>
+          <p:nvPr/>
+        </p:nvSpPr>
+        <p:spPr>
+          <a:xfrm>
+            <a:off x="2715825" y="2478100"/>
+            <a:ext cx="994200" cy="1786500"/>
+          </a:xfrm>
+          <a:prstGeom prst="rect">
+            <a:avLst/>
+          </a:prstGeom>
+          <a:noFill/>
+          <a:ln cap="flat" cmpd="sng" w="38100">
+            <a:solidFill>
+              <a:srgbClr val="38761D"/>
+            </a:solidFill>
+            <a:prstDash val="solid"/>
+            <a:round/>
+            <a:headEnd len="sm" w="sm" type="none"/>
+            <a:tailEnd len="sm" w="sm" type="none"/>
+          </a:ln>
+        </p:spPr>
+        <p:txBody>
+          <a:bodyPr anchorCtr="0" anchor="t" bIns="91425" lIns="91425" spcFirstLastPara="1" rIns="91425" wrap="square" tIns="91425">
+            <a:noAutofit/>
+          </a:bodyPr>
+          <a:lstStyle/>
+          <a:p>
+            <a:pPr indent="0" lvl="0" marL="0" rtl="0" algn="l">
+              <a:spcBef>
+                <a:spcPts val="0"/>
+              </a:spcBef>
+              <a:spcAft>
+                <a:spcPts val="0"/>
+              </a:spcAft>
+              <a:buNone/>
+            </a:pPr>
+            <a:r>
+              <a:t/>
+            </a:r>
+            <a:endParaRPr>
+              <a:latin typeface="Source Sans Pro"/>
+              <a:ea typeface="Source Sans Pro"/>
+              <a:cs typeface="Source Sans Pro"/>
+              <a:sym typeface="Source Sans Pro"/>
+            </a:endParaRPr>
+          </a:p>
+        </p:txBody>
+      </p:sp>
+      <p:sp>
+        <p:nvSpPr>
+          <p:cNvPr id="131" name="Google Shape;131;p21"/>
+          <p:cNvSpPr txBox="1"/>
+          <p:nvPr/>
+        </p:nvSpPr>
+        <p:spPr>
+          <a:xfrm>
+            <a:off x="0" y="4854000"/>
+            <a:ext cx="3715200" cy="289500"/>
+          </a:xfrm>
+          <a:prstGeom prst="rect">
+            <a:avLst/>
+          </a:prstGeom>
+          <a:noFill/>
+          <a:ln>
+            <a:noFill/>
+          </a:ln>
+        </p:spPr>
+        <p:txBody>
+          <a:bodyPr anchorCtr="0" anchor="b" bIns="91425" lIns="91425" spcFirstLastPara="1" rIns="91425" wrap="square" tIns="91425">
+            <a:noAutofit/>
+          </a:bodyPr>
+          <a:lstStyle/>
+          <a:p>
+            <a:pPr indent="0" lvl="0" marL="0" rtl="0" algn="ctr">
+              <a:spcBef>
+                <a:spcPts val="0"/>
+              </a:spcBef>
+              <a:spcAft>
+                <a:spcPts val="0"/>
+              </a:spcAft>
+              <a:buNone/>
+            </a:pPr>
+            <a:r>
+              <a:rPr b="1" lang="en" sz="1200">
+                <a:latin typeface="Times New Roman"/>
+                <a:ea typeface="Times New Roman"/>
+                <a:cs typeface="Times New Roman"/>
+                <a:sym typeface="Times New Roman"/>
+              </a:rPr>
+              <a:t>Tensor Methods for Neural Network Compression</a:t>
+            </a:r>
+            <a:endParaRPr b="1" sz="1200">
+              <a:solidFill>
+                <a:srgbClr val="000000"/>
+              </a:solidFill>
+              <a:latin typeface="Times New Roman"/>
+              <a:ea typeface="Times New Roman"/>
+              <a:cs typeface="Times New Roman"/>
+              <a:sym typeface="Times New Roman"/>
+            </a:endParaRPr>
+          </a:p>
+        </p:txBody>
+      </p:sp>
+      <p:sp>
+        <p:nvSpPr>
+          <p:cNvPr id="132" name="Google Shape;132;p21"/>
+          <p:cNvSpPr txBox="1"/>
+          <p:nvPr>
+            <p:ph idx="12" type="sldNum"/>
+          </p:nvPr>
+        </p:nvSpPr>
+        <p:spPr>
+          <a:xfrm>
+            <a:off x="8472458" y="4663217"/>
+            <a:ext cx="548700" cy="393600"/>
+          </a:xfrm>
+          <a:prstGeom prst="rect">
+            <a:avLst/>
+          </a:prstGeom>
+        </p:spPr>
+        <p:txBody>
+          <a:bodyPr anchorCtr="0" anchor="ctr" bIns="91425" lIns="91425" spcFirstLastPara="1" rIns="91425" wrap="square" tIns="91425">
+            <a:noAutofit/>
+          </a:bodyPr>
+          <a:lstStyle/>
+          <a:p>
+            <a:pPr indent="0" lvl="0" marL="0" rtl="0" algn="r">
+              <a:spcBef>
+                <a:spcPts val="0"/>
+              </a:spcBef>
+              <a:spcAft>
+                <a:spcPts val="0"/>
+              </a:spcAft>
+              <a:buNone/>
+            </a:pPr>
+            <a:fld id="{00000000-1234-1234-1234-123412341234}" type="slidenum">
+              <a:rPr b="1" lang="en">
+                <a:latin typeface="Times New Roman"/>
+                <a:ea typeface="Times New Roman"/>
+                <a:cs typeface="Times New Roman"/>
+                <a:sym typeface="Times New Roman"/>
+              </a:rPr>
+              <a:t>‹#›</a:t>
+            </a:fld>
+            <a:r>
+              <a:rPr b="1" lang="en">
+                <a:latin typeface="Times New Roman"/>
+                <a:ea typeface="Times New Roman"/>
+                <a:cs typeface="Times New Roman"/>
+                <a:sym typeface="Times New Roman"/>
+              </a:rPr>
+              <a:t>/10</a:t>
+            </a:r>
+            <a:endParaRPr b="1">
+              <a:latin typeface="Times New Roman"/>
+              <a:ea typeface="Times New Roman"/>
+              <a:cs typeface="Times New Roman"/>
+              <a:sym typeface="Times New Roman"/>
+            </a:endParaRPr>
+          </a:p>
+        </p:txBody>
+      </p:sp>
     </p:spTree>
   </p:cSld>
   <p:clrMapOvr>
@@ -7574,6 +10478,285 @@
 </file>
 
 <file path=ppt/theme/theme1.xml><?xml version="1.0" encoding="utf-8"?>
+<a:theme xmlns:a="http://schemas.openxmlformats.org/drawingml/2006/main" xmlns:r="http://schemas.openxmlformats.org/officeDocument/2006/relationships" name="Simple Light">
+  <a:themeElements>
+    <a:clrScheme name="Simple Light">
+      <a:dk1>
+        <a:srgbClr val="000000"/>
+      </a:dk1>
+      <a:lt1>
+        <a:srgbClr val="FFFFFF"/>
+      </a:lt1>
+      <a:dk2>
+        <a:srgbClr val="595959"/>
+      </a:dk2>
+      <a:lt2>
+        <a:srgbClr val="EEEEEE"/>
+      </a:lt2>
+      <a:accent1>
+        <a:srgbClr val="FFAB40"/>
+      </a:accent1>
+      <a:accent2>
+        <a:srgbClr val="212121"/>
+      </a:accent2>
+      <a:accent3>
+        <a:srgbClr val="78909C"/>
+      </a:accent3>
+      <a:accent4>
+        <a:srgbClr val="FFAB40"/>
+      </a:accent4>
+      <a:accent5>
+        <a:srgbClr val="0097A7"/>
+      </a:accent5>
+      <a:accent6>
+        <a:srgbClr val="EEFF41"/>
+      </a:accent6>
+      <a:hlink>
+        <a:srgbClr val="0097A7"/>
+      </a:hlink>
+      <a:folHlink>
+        <a:srgbClr val="0097A7"/>
+      </a:folHlink>
+    </a:clrScheme>
+    <a:fontScheme name="Office">
+      <a:majorFont>
+        <a:latin typeface="Arial"/>
+        <a:ea typeface=""/>
+        <a:cs typeface=""/>
+        <a:font script="Jpan" typeface="ＭＳ Ｐゴシック"/>
+        <a:font script="Hang" typeface="맑은 고딕"/>
+        <a:font script="Hans" typeface="宋体"/>
+        <a:font script="Hant" typeface="新細明體"/>
+        <a:font script="Arab" typeface="Times New Roman"/>
+        <a:font script="Hebr" typeface="Times New Roman"/>
+        <a:font script="Thai" typeface="Angsana New"/>
+        <a:font script="Ethi" typeface="Nyala"/>
+        <a:font script="Beng" typeface="Vrinda"/>
+        <a:font script="Gujr" typeface="Shruti"/>
+        <a:font script="Khmr" typeface="MoolBoran"/>
+        <a:font script="Knda" typeface="Tunga"/>
+        <a:font script="Guru" typeface="Raavi"/>
+        <a:font script="Cans" typeface="Euphemia"/>
+        <a:font script="Cher" typeface="Plantagenet Cherokee"/>
+        <a:font script="Yiii" typeface="Microsoft Yi Baiti"/>
+        <a:font script="Tibt" typeface="Microsoft Himalaya"/>
+        <a:font script="Thaa" typeface="MV Boli"/>
+        <a:font script="Deva" typeface="Mangal"/>
+        <a:font script="Telu" typeface="Gautami"/>
+        <a:font script="Taml" typeface="Latha"/>
+        <a:font script="Syrc" typeface="Estrangelo Edessa"/>
+        <a:font script="Orya" typeface="Kalinga"/>
+        <a:font script="Mlym" typeface="Kartika"/>
+        <a:font script="Laoo" typeface="DokChampa"/>
+        <a:font script="Sinh" typeface="Iskoola Pota"/>
+        <a:font script="Mong" typeface="Mongolian Baiti"/>
+        <a:font script="Viet" typeface="Times New Roman"/>
+        <a:font script="Uigh" typeface="Microsoft Uighur"/>
+        <a:font script="Geor" typeface="Sylfaen"/>
+      </a:majorFont>
+      <a:minorFont>
+        <a:latin typeface="Arial"/>
+        <a:ea typeface=""/>
+        <a:cs typeface=""/>
+        <a:font script="Jpan" typeface="ＭＳ Ｐゴシック"/>
+        <a:font script="Hang" typeface="맑은 고딕"/>
+        <a:font script="Hans" typeface="宋体"/>
+        <a:font script="Hant" typeface="新細明體"/>
+        <a:font script="Arab" typeface="Arial"/>
+        <a:font script="Hebr" typeface="Arial"/>
+        <a:font script="Thai" typeface="Cordia New"/>
+        <a:font script="Ethi" typeface="Nyala"/>
+        <a:font script="Beng" typeface="Vrinda"/>
+        <a:font script="Gujr" typeface="Shruti"/>
+        <a:font script="Khmr" typeface="DaunPenh"/>
+        <a:font script="Knda" typeface="Tunga"/>
+        <a:font script="Guru" typeface="Raavi"/>
+        <a:font script="Cans" typeface="Euphemia"/>
+        <a:font script="Cher" typeface="Plantagenet Cherokee"/>
+        <a:font script="Yiii" typeface="Microsoft Yi Baiti"/>
+        <a:font script="Tibt" typeface="Microsoft Himalaya"/>
+        <a:font script="Thaa" typeface="MV Boli"/>
+        <a:font script="Deva" typeface="Mangal"/>
+        <a:font script="Telu" typeface="Gautami"/>
+        <a:font script="Taml" typeface="Latha"/>
+        <a:font script="Syrc" typeface="Estrangelo Edessa"/>
+        <a:font script="Orya" typeface="Kalinga"/>
+        <a:font script="Mlym" typeface="Kartika"/>
+        <a:font script="Laoo" typeface="DokChampa"/>
+        <a:font script="Sinh" typeface="Iskoola Pota"/>
+        <a:font script="Mong" typeface="Mongolian Baiti"/>
+        <a:font script="Viet" typeface="Arial"/>
+        <a:font script="Uigh" typeface="Microsoft Uighur"/>
+        <a:font script="Geor" typeface="Sylfaen"/>
+      </a:minorFont>
+    </a:fontScheme>
+    <a:fmtScheme name="Office">
+      <a:fillStyleLst>
+        <a:solidFill>
+          <a:schemeClr val="phClr"/>
+        </a:solidFill>
+        <a:gradFill rotWithShape="1">
+          <a:gsLst>
+            <a:gs pos="0">
+              <a:schemeClr val="phClr">
+                <a:tint val="50000"/>
+                <a:satMod val="300000"/>
+              </a:schemeClr>
+            </a:gs>
+            <a:gs pos="35000">
+              <a:schemeClr val="phClr">
+                <a:tint val="37000"/>
+                <a:satMod val="300000"/>
+              </a:schemeClr>
+            </a:gs>
+            <a:gs pos="100000">
+              <a:schemeClr val="phClr">
+                <a:tint val="15000"/>
+                <a:satMod val="350000"/>
+              </a:schemeClr>
+            </a:gs>
+          </a:gsLst>
+          <a:lin ang="16200000" scaled="1"/>
+        </a:gradFill>
+        <a:gradFill rotWithShape="1">
+          <a:gsLst>
+            <a:gs pos="0">
+              <a:schemeClr val="phClr">
+                <a:tint val="100000"/>
+                <a:shade val="100000"/>
+                <a:satMod val="130000"/>
+              </a:schemeClr>
+            </a:gs>
+            <a:gs pos="100000">
+              <a:schemeClr val="phClr">
+                <a:tint val="50000"/>
+                <a:shade val="100000"/>
+                <a:satMod val="350000"/>
+              </a:schemeClr>
+            </a:gs>
+          </a:gsLst>
+          <a:lin ang="16200000" scaled="0"/>
+        </a:gradFill>
+      </a:fillStyleLst>
+      <a:lnStyleLst>
+        <a:ln w="9525" cap="flat" cmpd="sng" algn="ctr">
+          <a:solidFill>
+            <a:schemeClr val="phClr">
+              <a:shade val="95000"/>
+              <a:satMod val="105000"/>
+            </a:schemeClr>
+          </a:solidFill>
+          <a:prstDash val="solid"/>
+        </a:ln>
+        <a:ln w="25400" cap="flat" cmpd="sng" algn="ctr">
+          <a:solidFill>
+            <a:schemeClr val="phClr"/>
+          </a:solidFill>
+          <a:prstDash val="solid"/>
+        </a:ln>
+        <a:ln w="38100" cap="flat" cmpd="sng" algn="ctr">
+          <a:solidFill>
+            <a:schemeClr val="phClr"/>
+          </a:solidFill>
+          <a:prstDash val="solid"/>
+        </a:ln>
+      </a:lnStyleLst>
+      <a:effectStyleLst>
+        <a:effectStyle>
+          <a:effectLst>
+            <a:outerShdw blurRad="40000" dist="20000" dir="5400000" rotWithShape="0">
+              <a:srgbClr val="000000">
+                <a:alpha val="38000"/>
+              </a:srgbClr>
+            </a:outerShdw>
+          </a:effectLst>
+        </a:effectStyle>
+        <a:effectStyle>
+          <a:effectLst>
+            <a:outerShdw blurRad="40000" dist="23000" dir="5400000" rotWithShape="0">
+              <a:srgbClr val="000000">
+                <a:alpha val="35000"/>
+              </a:srgbClr>
+            </a:outerShdw>
+          </a:effectLst>
+        </a:effectStyle>
+        <a:effectStyle>
+          <a:effectLst>
+            <a:outerShdw blurRad="40000" dist="23000" dir="5400000" rotWithShape="0">
+              <a:srgbClr val="000000">
+                <a:alpha val="35000"/>
+              </a:srgbClr>
+            </a:outerShdw>
+          </a:effectLst>
+          <a:scene3d>
+            <a:camera prst="orthographicFront">
+              <a:rot lat="0" lon="0" rev="0"/>
+            </a:camera>
+            <a:lightRig rig="threePt" dir="t">
+              <a:rot lat="0" lon="0" rev="1200000"/>
+            </a:lightRig>
+          </a:scene3d>
+          <a:sp3d>
+            <a:bevelT w="63500" h="25400"/>
+          </a:sp3d>
+        </a:effectStyle>
+      </a:effectStyleLst>
+      <a:bgFillStyleLst>
+        <a:solidFill>
+          <a:schemeClr val="phClr"/>
+        </a:solidFill>
+        <a:gradFill rotWithShape="1">
+          <a:gsLst>
+            <a:gs pos="0">
+              <a:schemeClr val="phClr">
+                <a:tint val="40000"/>
+                <a:satMod val="350000"/>
+              </a:schemeClr>
+            </a:gs>
+            <a:gs pos="40000">
+              <a:schemeClr val="phClr">
+                <a:tint val="45000"/>
+                <a:shade val="99000"/>
+                <a:satMod val="350000"/>
+              </a:schemeClr>
+            </a:gs>
+            <a:gs pos="100000">
+              <a:schemeClr val="phClr">
+                <a:shade val="20000"/>
+                <a:satMod val="255000"/>
+              </a:schemeClr>
+            </a:gs>
+          </a:gsLst>
+          <a:path path="circle">
+            <a:fillToRect l="50000" t="-80000" r="50000" b="180000"/>
+          </a:path>
+        </a:gradFill>
+        <a:gradFill rotWithShape="1">
+          <a:gsLst>
+            <a:gs pos="0">
+              <a:schemeClr val="phClr">
+                <a:tint val="80000"/>
+                <a:satMod val="300000"/>
+              </a:schemeClr>
+            </a:gs>
+            <a:gs pos="100000">
+              <a:schemeClr val="phClr">
+                <a:shade val="30000"/>
+                <a:satMod val="200000"/>
+              </a:schemeClr>
+            </a:gs>
+          </a:gsLst>
+          <a:path path="circle">
+            <a:fillToRect l="50000" t="50000" r="50000" b="50000"/>
+          </a:path>
+        </a:gradFill>
+      </a:bgFillStyleLst>
+    </a:fmtScheme>
+  </a:themeElements>
+</a:theme>
+</file>
+
+<file path=ppt/theme/theme2.xml><?xml version="1.0" encoding="utf-8"?>
 <a:theme xmlns:a="http://schemas.openxmlformats.org/drawingml/2006/main" xmlns:r="http://schemas.openxmlformats.org/officeDocument/2006/relationships">
   <a:themeElements>
     <a:clrScheme name="Default">
@@ -7850,283 +11033,4 @@
     </a:fmtScheme>
   </a:themeElements>
 </a:theme>
-</file>
-
-<file path=ppt/theme/theme2.xml><?xml version="1.0" encoding="utf-8"?>
-<a:theme xmlns:a="http://schemas.openxmlformats.org/drawingml/2006/main" xmlns:r="http://schemas.openxmlformats.org/officeDocument/2006/relationships" name="Plum">
-  <a:themeElements>
-    <a:clrScheme name="Plum">
-      <a:dk1>
-        <a:srgbClr val="611BB8"/>
-      </a:dk1>
-      <a:lt1>
-        <a:srgbClr val="FFFFFF"/>
-      </a:lt1>
-      <a:dk2>
-        <a:srgbClr val="000000"/>
-      </a:dk2>
-      <a:lt2>
-        <a:srgbClr val="7F7F7F"/>
-      </a:lt2>
-      <a:accent1>
-        <a:srgbClr val="333333"/>
-      </a:accent1>
-      <a:accent2>
-        <a:srgbClr val="5E2B97"/>
-      </a:accent2>
-      <a:accent3>
-        <a:srgbClr val="7E57C2"/>
-      </a:accent3>
-      <a:accent4>
-        <a:srgbClr val="C77025"/>
-      </a:accent4>
-      <a:accent5>
-        <a:srgbClr val="009688"/>
-      </a:accent5>
-      <a:accent6>
-        <a:srgbClr val="FFD600"/>
-      </a:accent6>
-      <a:hlink>
-        <a:srgbClr val="009688"/>
-      </a:hlink>
-      <a:folHlink>
-        <a:srgbClr val="009688"/>
-      </a:folHlink>
-    </a:clrScheme>
-    <a:fontScheme name="Office">
-      <a:majorFont>
-        <a:latin typeface="Arial"/>
-        <a:ea typeface=""/>
-        <a:cs typeface=""/>
-        <a:font script="Jpan" typeface="ＭＳ Ｐゴシック"/>
-        <a:font script="Hang" typeface="맑은 고딕"/>
-        <a:font script="Hans" typeface="宋体"/>
-        <a:font script="Hant" typeface="新細明體"/>
-        <a:font script="Arab" typeface="Times New Roman"/>
-        <a:font script="Hebr" typeface="Times New Roman"/>
-        <a:font script="Thai" typeface="Angsana New"/>
-        <a:font script="Ethi" typeface="Nyala"/>
-        <a:font script="Beng" typeface="Vrinda"/>
-        <a:font script="Gujr" typeface="Shruti"/>
-        <a:font script="Khmr" typeface="MoolBoran"/>
-        <a:font script="Knda" typeface="Tunga"/>
-        <a:font script="Guru" typeface="Raavi"/>
-        <a:font script="Cans" typeface="Euphemia"/>
-        <a:font script="Cher" typeface="Plantagenet Cherokee"/>
-        <a:font script="Yiii" typeface="Microsoft Yi Baiti"/>
-        <a:font script="Tibt" typeface="Microsoft Himalaya"/>
-        <a:font script="Thaa" typeface="MV Boli"/>
-        <a:font script="Deva" typeface="Mangal"/>
-        <a:font script="Telu" typeface="Gautami"/>
-        <a:font script="Taml" typeface="Latha"/>
-        <a:font script="Syrc" typeface="Estrangelo Edessa"/>
-        <a:font script="Orya" typeface="Kalinga"/>
-        <a:font script="Mlym" typeface="Kartika"/>
-        <a:font script="Laoo" typeface="DokChampa"/>
-        <a:font script="Sinh" typeface="Iskoola Pota"/>
-        <a:font script="Mong" typeface="Mongolian Baiti"/>
-        <a:font script="Viet" typeface="Times New Roman"/>
-        <a:font script="Uigh" typeface="Microsoft Uighur"/>
-        <a:font script="Geor" typeface="Sylfaen"/>
-      </a:majorFont>
-      <a:minorFont>
-        <a:latin typeface="Arial"/>
-        <a:ea typeface=""/>
-        <a:cs typeface=""/>
-        <a:font script="Jpan" typeface="ＭＳ Ｐゴシック"/>
-        <a:font script="Hang" typeface="맑은 고딕"/>
-        <a:font script="Hans" typeface="宋体"/>
-        <a:font script="Hant" typeface="新細明體"/>
-        <a:font script="Arab" typeface="Arial"/>
-        <a:font script="Hebr" typeface="Arial"/>
-        <a:font script="Thai" typeface="Cordia New"/>
-        <a:font script="Ethi" typeface="Nyala"/>
-        <a:font script="Beng" typeface="Vrinda"/>
-        <a:font script="Gujr" typeface="Shruti"/>
-        <a:font script="Khmr" typeface="DaunPenh"/>
-        <a:font script="Knda" typeface="Tunga"/>
-        <a:font script="Guru" typeface="Raavi"/>
-        <a:font script="Cans" typeface="Euphemia"/>
-        <a:font script="Cher" typeface="Plantagenet Cherokee"/>
-        <a:font script="Yiii" typeface="Microsoft Yi Baiti"/>
-        <a:font script="Tibt" typeface="Microsoft Himalaya"/>
-        <a:font script="Thaa" typeface="MV Boli"/>
-        <a:font script="Deva" typeface="Mangal"/>
-        <a:font script="Telu" typeface="Gautami"/>
-        <a:font script="Taml" typeface="Latha"/>
-        <a:font script="Syrc" typeface="Estrangelo Edessa"/>
-        <a:font script="Orya" typeface="Kalinga"/>
-        <a:font script="Mlym" typeface="Kartika"/>
-        <a:font script="Laoo" typeface="DokChampa"/>
-        <a:font script="Sinh" typeface="Iskoola Pota"/>
-        <a:font script="Mong" typeface="Mongolian Baiti"/>
-        <a:font script="Viet" typeface="Arial"/>
-        <a:font script="Uigh" typeface="Microsoft Uighur"/>
-        <a:font script="Geor" typeface="Sylfaen"/>
-      </a:minorFont>
-    </a:fontScheme>
-    <a:fmtScheme name="Office">
-      <a:fillStyleLst>
-        <a:solidFill>
-          <a:schemeClr val="phClr"/>
-        </a:solidFill>
-        <a:gradFill rotWithShape="1">
-          <a:gsLst>
-            <a:gs pos="0">
-              <a:schemeClr val="phClr">
-                <a:tint val="50000"/>
-                <a:satMod val="300000"/>
-              </a:schemeClr>
-            </a:gs>
-            <a:gs pos="35000">
-              <a:schemeClr val="phClr">
-                <a:tint val="37000"/>
-                <a:satMod val="300000"/>
-              </a:schemeClr>
-            </a:gs>
-            <a:gs pos="100000">
-              <a:schemeClr val="phClr">
-                <a:tint val="15000"/>
-                <a:satMod val="350000"/>
-              </a:schemeClr>
-            </a:gs>
-          </a:gsLst>
-          <a:lin ang="16200000" scaled="1"/>
-        </a:gradFill>
-        <a:gradFill rotWithShape="1">
-          <a:gsLst>
-            <a:gs pos="0">
-              <a:schemeClr val="phClr">
-                <a:tint val="100000"/>
-                <a:shade val="100000"/>
-                <a:satMod val="130000"/>
-              </a:schemeClr>
-            </a:gs>
-            <a:gs pos="100000">
-              <a:schemeClr val="phClr">
-                <a:tint val="50000"/>
-                <a:shade val="100000"/>
-                <a:satMod val="350000"/>
-              </a:schemeClr>
-            </a:gs>
-          </a:gsLst>
-          <a:lin ang="16200000" scaled="0"/>
-        </a:gradFill>
-      </a:fillStyleLst>
-      <a:lnStyleLst>
-        <a:ln w="9525" cap="flat" cmpd="sng" algn="ctr">
-          <a:solidFill>
-            <a:schemeClr val="phClr">
-              <a:shade val="95000"/>
-              <a:satMod val="105000"/>
-            </a:schemeClr>
-          </a:solidFill>
-          <a:prstDash val="solid"/>
-        </a:ln>
-        <a:ln w="25400" cap="flat" cmpd="sng" algn="ctr">
-          <a:solidFill>
-            <a:schemeClr val="phClr"/>
-          </a:solidFill>
-          <a:prstDash val="solid"/>
-        </a:ln>
-        <a:ln w="38100" cap="flat" cmpd="sng" algn="ctr">
-          <a:solidFill>
-            <a:schemeClr val="phClr"/>
-          </a:solidFill>
-          <a:prstDash val="solid"/>
-        </a:ln>
-      </a:lnStyleLst>
-      <a:effectStyleLst>
-        <a:effectStyle>
-          <a:effectLst>
-            <a:outerShdw blurRad="40000" dist="20000" dir="5400000" rotWithShape="0">
-              <a:srgbClr val="000000">
-                <a:alpha val="38000"/>
-              </a:srgbClr>
-            </a:outerShdw>
-          </a:effectLst>
-        </a:effectStyle>
-        <a:effectStyle>
-          <a:effectLst>
-            <a:outerShdw blurRad="40000" dist="23000" dir="5400000" rotWithShape="0">
-              <a:srgbClr val="000000">
-                <a:alpha val="35000"/>
-              </a:srgbClr>
-            </a:outerShdw>
-          </a:effectLst>
-        </a:effectStyle>
-        <a:effectStyle>
-          <a:effectLst>
-            <a:outerShdw blurRad="40000" dist="23000" dir="5400000" rotWithShape="0">
-              <a:srgbClr val="000000">
-                <a:alpha val="35000"/>
-              </a:srgbClr>
-            </a:outerShdw>
-          </a:effectLst>
-          <a:scene3d>
-            <a:camera prst="orthographicFront">
-              <a:rot lat="0" lon="0" rev="0"/>
-            </a:camera>
-            <a:lightRig rig="threePt" dir="t">
-              <a:rot lat="0" lon="0" rev="1200000"/>
-            </a:lightRig>
-          </a:scene3d>
-          <a:sp3d>
-            <a:bevelT w="63500" h="25400"/>
-          </a:sp3d>
-        </a:effectStyle>
-      </a:effectStyleLst>
-      <a:bgFillStyleLst>
-        <a:solidFill>
-          <a:schemeClr val="phClr"/>
-        </a:solidFill>
-        <a:gradFill rotWithShape="1">
-          <a:gsLst>
-            <a:gs pos="0">
-              <a:schemeClr val="phClr">
-                <a:tint val="40000"/>
-                <a:satMod val="350000"/>
-              </a:schemeClr>
-            </a:gs>
-            <a:gs pos="40000">
-              <a:schemeClr val="phClr">
-                <a:tint val="45000"/>
-                <a:shade val="99000"/>
-                <a:satMod val="350000"/>
-              </a:schemeClr>
-            </a:gs>
-            <a:gs pos="100000">
-              <a:schemeClr val="phClr">
-                <a:shade val="20000"/>
-                <a:satMod val="255000"/>
-              </a:schemeClr>
-            </a:gs>
-          </a:gsLst>
-          <a:path path="circle">
-            <a:fillToRect l="50000" t="-80000" r="50000" b="180000"/>
-          </a:path>
-        </a:gradFill>
-        <a:gradFill rotWithShape="1">
-          <a:gsLst>
-            <a:gs pos="0">
-              <a:schemeClr val="phClr">
-                <a:tint val="80000"/>
-                <a:satMod val="300000"/>
-              </a:schemeClr>
-            </a:gs>
-            <a:gs pos="100000">
-              <a:schemeClr val="phClr">
-                <a:shade val="30000"/>
-                <a:satMod val="200000"/>
-              </a:schemeClr>
-            </a:gs>
-          </a:gsLst>
-          <a:path path="circle">
-            <a:fillToRect l="50000" t="50000" r="50000" b="50000"/>
-          </a:path>
-        </a:gradFill>
-      </a:bgFillStyleLst>
-    </a:fmtScheme>
-  </a:themeElements>
-</a:theme>
 </file>
--- a/Presentation/Fraunhofer_Presentation.pptx
+++ b/Presentation/Fraunhofer_Presentation.pptx
@@ -18,16 +18,17 @@
     <p:sldId id="263" r:id="rId14"/>
     <p:sldId id="264" r:id="rId15"/>
     <p:sldId id="265" r:id="rId16"/>
+    <p:sldId id="266" r:id="rId17"/>
   </p:sldIdLst>
   <p:sldSz cy="5143500" cx="9144000"/>
   <p:notesSz cx="6858000" cy="9144000"/>
   <p:embeddedFontLst>
     <p:embeddedFont>
       <p:font typeface="Source Sans Pro"/>
-      <p:regular r:id="rId17"/>
-      <p:bold r:id="rId18"/>
-      <p:italic r:id="rId19"/>
-      <p:boldItalic r:id="rId20"/>
+      <p:regular r:id="rId18"/>
+      <p:bold r:id="rId19"/>
+      <p:italic r:id="rId20"/>
+      <p:boldItalic r:id="rId21"/>
     </p:embeddedFont>
   </p:embeddedFontLst>
   <p:defaultTextStyle>
@@ -808,7 +809,7 @@
   <p:cSld>
     <p:spTree>
       <p:nvGrpSpPr>
-        <p:cNvPr id="133" name="Shape 133"/>
+        <p:cNvPr id="142" name="Shape 142"/>
         <p:cNvGrpSpPr/>
         <p:nvPr/>
       </p:nvGrpSpPr>
@@ -822,7 +823,7 @@
       </p:grpSpPr>
       <p:sp>
         <p:nvSpPr>
-          <p:cNvPr id="134" name="Google Shape;134;ga4a8d591eb_0_40:notes"/>
+          <p:cNvPr id="143" name="Google Shape;143;ga4a8d591eb_0_40:notes"/>
           <p:cNvSpPr/>
           <p:nvPr>
             <p:ph idx="2" type="sldImg"/>
@@ -857,7 +858,106 @@
       </p:sp>
       <p:sp>
         <p:nvSpPr>
-          <p:cNvPr id="135" name="Google Shape;135;ga4a8d591eb_0_40:notes"/>
+          <p:cNvPr id="144" name="Google Shape;144;ga4a8d591eb_0_40:notes"/>
+          <p:cNvSpPr txBox="1"/>
+          <p:nvPr>
+            <p:ph idx="1" type="body"/>
+          </p:nvPr>
+        </p:nvSpPr>
+        <p:spPr>
+          <a:xfrm>
+            <a:off x="685800" y="4343400"/>
+            <a:ext cx="5486400" cy="4114800"/>
+          </a:xfrm>
+          <a:prstGeom prst="rect">
+            <a:avLst/>
+          </a:prstGeom>
+        </p:spPr>
+        <p:txBody>
+          <a:bodyPr anchorCtr="0" anchor="t" bIns="91425" lIns="91425" spcFirstLastPara="1" rIns="91425" wrap="square" tIns="91425">
+            <a:noAutofit/>
+          </a:bodyPr>
+          <a:lstStyle/>
+          <a:p>
+            <a:pPr indent="0" lvl="0" marL="0" rtl="0" algn="l">
+              <a:spcBef>
+                <a:spcPts val="0"/>
+              </a:spcBef>
+              <a:spcAft>
+                <a:spcPts val="0"/>
+              </a:spcAft>
+              <a:buNone/>
+            </a:pPr>
+            <a:r>
+              <a:t/>
+            </a:r>
+            <a:endParaRPr/>
+          </a:p>
+        </p:txBody>
+      </p:sp>
+    </p:spTree>
+  </p:cSld>
+  <p:clrMapOvr>
+    <a:masterClrMapping/>
+  </p:clrMapOvr>
+</p:notes>
+</file>
+
+<file path=ppt/notesSlides/notesSlide11.xml><?xml version="1.0" encoding="utf-8"?>
+<p:notes xmlns:a="http://schemas.openxmlformats.org/drawingml/2006/main" xmlns:r="http://schemas.openxmlformats.org/officeDocument/2006/relationships" xmlns:mc="http://schemas.openxmlformats.org/markup-compatibility/2006" xmlns:mv="urn:schemas-microsoft-com:mac:vml" xmlns:p="http://schemas.openxmlformats.org/presentationml/2006/main" xmlns:c="http://schemas.openxmlformats.org/drawingml/2006/chart" xmlns:dgm="http://schemas.openxmlformats.org/drawingml/2006/diagram" xmlns:o="urn:schemas-microsoft-com:office:office" xmlns:v="urn:schemas-microsoft-com:vml" xmlns:pvml="urn:schemas-microsoft-com:office:powerpoint" xmlns:com="http://schemas.openxmlformats.org/drawingml/2006/compatibility" xmlns:p14="http://schemas.microsoft.com/office/powerpoint/2010/main" xmlns:p15="http://schemas.microsoft.com/office/powerpoint/2012/main" xmlns:ahyp="http://schemas.microsoft.com/office/drawing/2018/hyperlinkcolor" showMasterPhAnim="0" showMasterSp="0">
+  <p:cSld>
+    <p:spTree>
+      <p:nvGrpSpPr>
+        <p:cNvPr id="151" name="Shape 151"/>
+        <p:cNvGrpSpPr/>
+        <p:nvPr/>
+      </p:nvGrpSpPr>
+      <p:grpSpPr>
+        <a:xfrm>
+          <a:off x="0" y="0"/>
+          <a:ext cx="0" cy="0"/>
+          <a:chOff x="0" y="0"/>
+          <a:chExt cx="0" cy="0"/>
+        </a:xfrm>
+      </p:grpSpPr>
+      <p:sp>
+        <p:nvSpPr>
+          <p:cNvPr id="152" name="Google Shape;152;ga4a8d8b656_0_13:notes"/>
+          <p:cNvSpPr/>
+          <p:nvPr>
+            <p:ph idx="2" type="sldImg"/>
+          </p:nvPr>
+        </p:nvSpPr>
+        <p:spPr>
+          <a:xfrm>
+            <a:off x="381300" y="685800"/>
+            <a:ext cx="6096000" cy="3429000"/>
+          </a:xfrm>
+          <a:custGeom>
+            <a:rect b="b" l="l" r="r" t="t"/>
+            <a:pathLst>
+              <a:path extrusionOk="0" h="120000" w="120000">
+                <a:moveTo>
+                  <a:pt x="0" y="0"/>
+                </a:moveTo>
+                <a:lnTo>
+                  <a:pt x="120000" y="0"/>
+                </a:lnTo>
+                <a:lnTo>
+                  <a:pt x="120000" y="120000"/>
+                </a:lnTo>
+                <a:lnTo>
+                  <a:pt x="0" y="120000"/>
+                </a:lnTo>
+                <a:close/>
+              </a:path>
+            </a:pathLst>
+          </a:custGeom>
+        </p:spPr>
+      </p:sp>
+      <p:sp>
+        <p:nvSpPr>
+          <p:cNvPr id="153" name="Google Shape;153;ga4a8d8b656_0_13:notes"/>
           <p:cNvSpPr txBox="1"/>
           <p:nvPr>
             <p:ph idx="1" type="body"/>
@@ -1105,7 +1205,7 @@
   <p:cSld>
     <p:spTree>
       <p:nvGrpSpPr>
-        <p:cNvPr id="74" name="Shape 74"/>
+        <p:cNvPr id="75" name="Shape 75"/>
         <p:cNvGrpSpPr/>
         <p:nvPr/>
       </p:nvGrpSpPr>
@@ -1119,7 +1219,7 @@
       </p:grpSpPr>
       <p:sp>
         <p:nvSpPr>
-          <p:cNvPr id="75" name="Google Shape;75;g9e612d93ce_0_6:notes"/>
+          <p:cNvPr id="76" name="Google Shape;76;g9e612d93ce_0_6:notes"/>
           <p:cNvSpPr/>
           <p:nvPr>
             <p:ph idx="2" type="sldImg"/>
@@ -1154,7 +1254,7 @@
       </p:sp>
       <p:sp>
         <p:nvSpPr>
-          <p:cNvPr id="76" name="Google Shape;76;g9e612d93ce_0_6:notes"/>
+          <p:cNvPr id="77" name="Google Shape;77;g9e612d93ce_0_6:notes"/>
           <p:cNvSpPr txBox="1"/>
           <p:nvPr>
             <p:ph idx="1" type="body"/>
@@ -1204,7 +1304,7 @@
   <p:cSld>
     <p:spTree>
       <p:nvGrpSpPr>
-        <p:cNvPr id="85" name="Shape 85"/>
+        <p:cNvPr id="86" name="Shape 86"/>
         <p:cNvGrpSpPr/>
         <p:nvPr/>
       </p:nvGrpSpPr>
@@ -1218,7 +1318,7 @@
       </p:grpSpPr>
       <p:sp>
         <p:nvSpPr>
-          <p:cNvPr id="86" name="Google Shape;86;ga4a8d591eb_0_0:notes"/>
+          <p:cNvPr id="87" name="Google Shape;87;ga4a8d591eb_0_0:notes"/>
           <p:cNvSpPr/>
           <p:nvPr>
             <p:ph idx="2" type="sldImg"/>
@@ -1253,7 +1353,7 @@
       </p:sp>
       <p:sp>
         <p:nvSpPr>
-          <p:cNvPr id="87" name="Google Shape;87;ga4a8d591eb_0_0:notes"/>
+          <p:cNvPr id="88" name="Google Shape;88;ga4a8d591eb_0_0:notes"/>
           <p:cNvSpPr txBox="1"/>
           <p:nvPr>
             <p:ph idx="1" type="body"/>
@@ -1303,7 +1403,7 @@
   <p:cSld>
     <p:spTree>
       <p:nvGrpSpPr>
-        <p:cNvPr id="94" name="Shape 94"/>
+        <p:cNvPr id="97" name="Shape 97"/>
         <p:cNvGrpSpPr/>
         <p:nvPr/>
       </p:nvGrpSpPr>
@@ -1317,7 +1417,7 @@
       </p:grpSpPr>
       <p:sp>
         <p:nvSpPr>
-          <p:cNvPr id="95" name="Google Shape;95;ga4a8d591eb_0_9:notes"/>
+          <p:cNvPr id="98" name="Google Shape;98;ga4a8d591eb_0_9:notes"/>
           <p:cNvSpPr/>
           <p:nvPr>
             <p:ph idx="2" type="sldImg"/>
@@ -1352,7 +1452,7 @@
       </p:sp>
       <p:sp>
         <p:nvSpPr>
-          <p:cNvPr id="96" name="Google Shape;96;ga4a8d591eb_0_9:notes"/>
+          <p:cNvPr id="99" name="Google Shape;99;ga4a8d591eb_0_9:notes"/>
           <p:cNvSpPr txBox="1"/>
           <p:nvPr>
             <p:ph idx="1" type="body"/>
@@ -1402,7 +1502,7 @@
   <p:cSld>
     <p:spTree>
       <p:nvGrpSpPr>
-        <p:cNvPr id="103" name="Shape 103"/>
+        <p:cNvPr id="107" name="Shape 107"/>
         <p:cNvGrpSpPr/>
         <p:nvPr/>
       </p:nvGrpSpPr>
@@ -1416,7 +1516,7 @@
       </p:grpSpPr>
       <p:sp>
         <p:nvSpPr>
-          <p:cNvPr id="104" name="Google Shape;104;ga4a8d591eb_0_16:notes"/>
+          <p:cNvPr id="108" name="Google Shape;108;ga4a8d591eb_0_16:notes"/>
           <p:cNvSpPr/>
           <p:nvPr>
             <p:ph idx="2" type="sldImg"/>
@@ -1451,7 +1551,7 @@
       </p:sp>
       <p:sp>
         <p:nvSpPr>
-          <p:cNvPr id="105" name="Google Shape;105;ga4a8d591eb_0_16:notes"/>
+          <p:cNvPr id="109" name="Google Shape;109;ga4a8d591eb_0_16:notes"/>
           <p:cNvSpPr txBox="1"/>
           <p:nvPr>
             <p:ph idx="1" type="body"/>
@@ -1501,7 +1601,7 @@
   <p:cSld>
     <p:spTree>
       <p:nvGrpSpPr>
-        <p:cNvPr id="114" name="Shape 114"/>
+        <p:cNvPr id="121" name="Shape 121"/>
         <p:cNvGrpSpPr/>
         <p:nvPr/>
       </p:nvGrpSpPr>
@@ -1515,7 +1615,7 @@
       </p:grpSpPr>
       <p:sp>
         <p:nvSpPr>
-          <p:cNvPr id="115" name="Google Shape;115;ga4a8d591eb_0_25:notes"/>
+          <p:cNvPr id="122" name="Google Shape;122;ga4a8d591eb_0_25:notes"/>
           <p:cNvSpPr/>
           <p:nvPr>
             <p:ph idx="2" type="sldImg"/>
@@ -1550,7 +1650,7 @@
       </p:sp>
       <p:sp>
         <p:nvSpPr>
-          <p:cNvPr id="116" name="Google Shape;116;ga4a8d591eb_0_25:notes"/>
+          <p:cNvPr id="123" name="Google Shape;123;ga4a8d591eb_0_25:notes"/>
           <p:cNvSpPr txBox="1"/>
           <p:nvPr>
             <p:ph idx="1" type="body"/>
@@ -1600,7 +1700,7 @@
   <p:cSld>
     <p:spTree>
       <p:nvGrpSpPr>
-        <p:cNvPr id="123" name="Shape 123"/>
+        <p:cNvPr id="131" name="Shape 131"/>
         <p:cNvGrpSpPr/>
         <p:nvPr/>
       </p:nvGrpSpPr>
@@ -1614,7 +1714,7 @@
       </p:grpSpPr>
       <p:sp>
         <p:nvSpPr>
-          <p:cNvPr id="124" name="Google Shape;124;ga4a8d591eb_0_33:notes"/>
+          <p:cNvPr id="132" name="Google Shape;132;ga4a8d591eb_0_33:notes"/>
           <p:cNvSpPr/>
           <p:nvPr>
             <p:ph idx="2" type="sldImg"/>
@@ -1649,7 +1749,7 @@
       </p:sp>
       <p:sp>
         <p:nvSpPr>
-          <p:cNvPr id="125" name="Google Shape;125;ga4a8d591eb_0_33:notes"/>
+          <p:cNvPr id="133" name="Google Shape;133;ga4a8d591eb_0_33:notes"/>
           <p:cNvSpPr txBox="1"/>
           <p:nvPr>
             <p:ph idx="1" type="body"/>
@@ -6630,7 +6730,7 @@
   <p:cSld>
     <p:spTree>
       <p:nvGrpSpPr>
-        <p:cNvPr id="136" name="Shape 136"/>
+        <p:cNvPr id="145" name="Shape 145"/>
         <p:cNvGrpSpPr/>
         <p:nvPr/>
       </p:nvGrpSpPr>
@@ -6644,7 +6744,7 @@
       </p:grpSpPr>
       <p:sp>
         <p:nvSpPr>
-          <p:cNvPr id="137" name="Google Shape;137;p22"/>
+          <p:cNvPr id="146" name="Google Shape;146;p22"/>
           <p:cNvSpPr txBox="1"/>
           <p:nvPr>
             <p:ph type="title"/>
@@ -6694,7 +6794,7 @@
       </p:sp>
       <p:sp>
         <p:nvSpPr>
-          <p:cNvPr id="138" name="Google Shape;138;p22"/>
+          <p:cNvPr id="147" name="Google Shape;147;p22"/>
           <p:cNvSpPr txBox="1"/>
           <p:nvPr/>
         </p:nvSpPr>
@@ -6908,12 +7008,12 @@
       </p:sp>
       <p:graphicFrame>
         <p:nvGraphicFramePr>
-          <p:cNvPr id="139" name="Google Shape;139;p22"/>
+          <p:cNvPr id="148" name="Google Shape;148;p22"/>
           <p:cNvGraphicFramePr/>
           <p:nvPr/>
         </p:nvGraphicFramePr>
         <p:xfrm>
-          <a:off x="952500" y="3581075"/>
+          <a:off x="952500" y="3134450"/>
           <a:ext cx="3000000" cy="3000000"/>
         </p:xfrm>
         <a:graphic>
@@ -6921,7 +7021,7 @@
             <a:tbl>
               <a:tblPr>
                 <a:noFill/>
-                <a:tableStyleId>{5DAA0012-50FD-4DF6-8250-56FCE335E095}</a:tableStyleId>
+                <a:tableStyleId>{5BE4F18B-E775-4085-A58E-EBC1A699D17B}</a:tableStyleId>
               </a:tblPr>
               <a:tblGrid>
                 <a:gridCol w="2413000"/>
@@ -7156,7 +7256,16 @@
                           <a:cs typeface="Times New Roman"/>
                           <a:sym typeface="Times New Roman"/>
                         </a:rPr>
-                        <a:t>Accuracy</a:t>
+                        <a:t>Classification a</a:t>
+                      </a:r>
+                      <a:r>
+                        <a:rPr lang="en">
+                          <a:latin typeface="Times New Roman"/>
+                          <a:ea typeface="Times New Roman"/>
+                          <a:cs typeface="Times New Roman"/>
+                          <a:sym typeface="Times New Roman"/>
+                        </a:rPr>
+                        <a:t>ccuracy</a:t>
                       </a:r>
                       <a:endParaRPr>
                         <a:latin typeface="Times New Roman"/>
@@ -7352,7 +7461,7 @@
       </p:graphicFrame>
       <p:sp>
         <p:nvSpPr>
-          <p:cNvPr id="140" name="Google Shape;140;p22"/>
+          <p:cNvPr id="149" name="Google Shape;149;p22"/>
           <p:cNvSpPr txBox="1"/>
           <p:nvPr/>
         </p:nvSpPr>
@@ -7407,7 +7516,7 @@
       </p:sp>
       <p:sp>
         <p:nvSpPr>
-          <p:cNvPr id="141" name="Google Shape;141;p22"/>
+          <p:cNvPr id="150" name="Google Shape;150;p22"/>
           <p:cNvSpPr txBox="1"/>
           <p:nvPr>
             <p:ph idx="12" type="sldNum"/>
@@ -7456,6 +7565,307 @@
               <a:t>/10</a:t>
             </a:r>
             <a:endParaRPr b="1">
+              <a:latin typeface="Times New Roman"/>
+              <a:ea typeface="Times New Roman"/>
+              <a:cs typeface="Times New Roman"/>
+              <a:sym typeface="Times New Roman"/>
+            </a:endParaRPr>
+          </a:p>
+        </p:txBody>
+      </p:sp>
+    </p:spTree>
+  </p:cSld>
+  <p:clrMapOvr>
+    <a:masterClrMapping/>
+  </p:clrMapOvr>
+</p:sld>
+</file>
+
+<file path=ppt/slides/slide11.xml><?xml version="1.0" encoding="utf-8"?>
+<p:sld xmlns:a="http://schemas.openxmlformats.org/drawingml/2006/main" xmlns:r="http://schemas.openxmlformats.org/officeDocument/2006/relationships" xmlns:mc="http://schemas.openxmlformats.org/markup-compatibility/2006" xmlns:mv="urn:schemas-microsoft-com:mac:vml" xmlns:p="http://schemas.openxmlformats.org/presentationml/2006/main" xmlns:c="http://schemas.openxmlformats.org/drawingml/2006/chart" xmlns:dgm="http://schemas.openxmlformats.org/drawingml/2006/diagram" xmlns:o="urn:schemas-microsoft-com:office:office" xmlns:v="urn:schemas-microsoft-com:vml" xmlns:pvml="urn:schemas-microsoft-com:office:powerpoint" xmlns:com="http://schemas.openxmlformats.org/drawingml/2006/compatibility" xmlns:p14="http://schemas.microsoft.com/office/powerpoint/2010/main" xmlns:p15="http://schemas.microsoft.com/office/powerpoint/2012/main" xmlns:ahyp="http://schemas.microsoft.com/office/drawing/2018/hyperlinkcolor">
+  <p:cSld>
+    <p:spTree>
+      <p:nvGrpSpPr>
+        <p:cNvPr id="154" name="Shape 154"/>
+        <p:cNvGrpSpPr/>
+        <p:nvPr/>
+      </p:nvGrpSpPr>
+      <p:grpSpPr>
+        <a:xfrm>
+          <a:off x="0" y="0"/>
+          <a:ext cx="0" cy="0"/>
+          <a:chOff x="0" y="0"/>
+          <a:chExt cx="0" cy="0"/>
+        </a:xfrm>
+      </p:grpSpPr>
+      <p:sp>
+        <p:nvSpPr>
+          <p:cNvPr id="155" name="Google Shape;155;p23"/>
+          <p:cNvSpPr txBox="1"/>
+          <p:nvPr>
+            <p:ph type="title"/>
+          </p:nvPr>
+        </p:nvSpPr>
+        <p:spPr>
+          <a:xfrm>
+            <a:off x="311700" y="445025"/>
+            <a:ext cx="8520600" cy="572700"/>
+          </a:xfrm>
+          <a:prstGeom prst="rect">
+            <a:avLst/>
+          </a:prstGeom>
+        </p:spPr>
+        <p:txBody>
+          <a:bodyPr anchorCtr="0" anchor="t" bIns="91425" lIns="91425" spcFirstLastPara="1" rIns="91425" wrap="square" tIns="91425">
+            <a:noAutofit/>
+          </a:bodyPr>
+          <a:lstStyle/>
+          <a:p>
+            <a:pPr indent="0" lvl="0" marL="0" rtl="0" algn="l">
+              <a:spcBef>
+                <a:spcPts val="0"/>
+              </a:spcBef>
+              <a:spcAft>
+                <a:spcPts val="0"/>
+              </a:spcAft>
+              <a:buNone/>
+            </a:pPr>
+            <a:r>
+              <a:rPr b="1" lang="en" sz="3000">
+                <a:latin typeface="Times New Roman"/>
+                <a:ea typeface="Times New Roman"/>
+                <a:cs typeface="Times New Roman"/>
+                <a:sym typeface="Times New Roman"/>
+              </a:rPr>
+              <a:t>References	</a:t>
+            </a:r>
+            <a:endParaRPr b="1" sz="3000">
+              <a:latin typeface="Times New Roman"/>
+              <a:ea typeface="Times New Roman"/>
+              <a:cs typeface="Times New Roman"/>
+              <a:sym typeface="Times New Roman"/>
+            </a:endParaRPr>
+          </a:p>
+        </p:txBody>
+      </p:sp>
+      <p:sp>
+        <p:nvSpPr>
+          <p:cNvPr id="156" name="Google Shape;156;p23"/>
+          <p:cNvSpPr txBox="1"/>
+          <p:nvPr>
+            <p:ph idx="1" type="body"/>
+          </p:nvPr>
+        </p:nvSpPr>
+        <p:spPr>
+          <a:xfrm>
+            <a:off x="311700" y="1152475"/>
+            <a:ext cx="8520600" cy="3416400"/>
+          </a:xfrm>
+          <a:prstGeom prst="rect">
+            <a:avLst/>
+          </a:prstGeom>
+        </p:spPr>
+        <p:txBody>
+          <a:bodyPr anchorCtr="0" anchor="t" bIns="91425" lIns="91425" spcFirstLastPara="1" rIns="91425" wrap="square" tIns="91425">
+            <a:noAutofit/>
+          </a:bodyPr>
+          <a:lstStyle/>
+          <a:p>
+            <a:pPr indent="0" lvl="0" marL="0" rtl="0" algn="l">
+              <a:spcBef>
+                <a:spcPts val="0"/>
+              </a:spcBef>
+              <a:spcAft>
+                <a:spcPts val="0"/>
+              </a:spcAft>
+              <a:buNone/>
+            </a:pPr>
+            <a:r>
+              <a:rPr lang="en" sz="1600">
+                <a:solidFill>
+                  <a:srgbClr val="000000"/>
+                </a:solidFill>
+                <a:latin typeface="Times New Roman"/>
+                <a:ea typeface="Times New Roman"/>
+                <a:cs typeface="Times New Roman"/>
+                <a:sym typeface="Times New Roman"/>
+              </a:rPr>
+              <a:t>[¹] </a:t>
+            </a:r>
+            <a:r>
+              <a:rPr lang="en" sz="1600">
+                <a:solidFill>
+                  <a:srgbClr val="000000"/>
+                </a:solidFill>
+                <a:latin typeface="Times New Roman"/>
+                <a:ea typeface="Times New Roman"/>
+                <a:cs typeface="Times New Roman"/>
+                <a:sym typeface="Times New Roman"/>
+              </a:rPr>
+              <a:t>Kolda, Tamara G., and Brett W. Bader. "Tensor decompositions and applications." </a:t>
+            </a:r>
+            <a:r>
+              <a:rPr i="1" lang="en" sz="1600">
+                <a:solidFill>
+                  <a:srgbClr val="000000"/>
+                </a:solidFill>
+                <a:latin typeface="Times New Roman"/>
+                <a:ea typeface="Times New Roman"/>
+                <a:cs typeface="Times New Roman"/>
+                <a:sym typeface="Times New Roman"/>
+              </a:rPr>
+              <a:t>Society for Industrial and Applied Mathematics (SIAM) review</a:t>
+            </a:r>
+            <a:r>
+              <a:rPr lang="en" sz="1600">
+                <a:solidFill>
+                  <a:srgbClr val="000000"/>
+                </a:solidFill>
+                <a:latin typeface="Times New Roman"/>
+                <a:ea typeface="Times New Roman"/>
+                <a:cs typeface="Times New Roman"/>
+                <a:sym typeface="Times New Roman"/>
+              </a:rPr>
+              <a:t> 51, no. 3 (2009): 455-500.</a:t>
+            </a:r>
+            <a:endParaRPr sz="1600">
+              <a:solidFill>
+                <a:srgbClr val="000000"/>
+              </a:solidFill>
+              <a:latin typeface="Times New Roman"/>
+              <a:ea typeface="Times New Roman"/>
+              <a:cs typeface="Times New Roman"/>
+              <a:sym typeface="Times New Roman"/>
+            </a:endParaRPr>
+          </a:p>
+          <a:p>
+            <a:pPr indent="0" lvl="0" marL="0" rtl="0" algn="l">
+              <a:spcBef>
+                <a:spcPts val="1600"/>
+              </a:spcBef>
+              <a:spcAft>
+                <a:spcPts val="0"/>
+              </a:spcAft>
+              <a:buNone/>
+            </a:pPr>
+            <a:r>
+              <a:rPr lang="en" sz="1600">
+                <a:solidFill>
+                  <a:srgbClr val="000000"/>
+                </a:solidFill>
+                <a:latin typeface="Times New Roman"/>
+                <a:ea typeface="Times New Roman"/>
+                <a:cs typeface="Times New Roman"/>
+                <a:sym typeface="Times New Roman"/>
+              </a:rPr>
+              <a:t>[²] Krizhevsky, Alex, Ilya Sutskever, and Geoffrey E. Hinton. "Imagenet classification with deep convolutional neural networks." In </a:t>
+            </a:r>
+            <a:r>
+              <a:rPr i="1" lang="en" sz="1600">
+                <a:solidFill>
+                  <a:srgbClr val="000000"/>
+                </a:solidFill>
+                <a:latin typeface="Times New Roman"/>
+                <a:ea typeface="Times New Roman"/>
+                <a:cs typeface="Times New Roman"/>
+                <a:sym typeface="Times New Roman"/>
+              </a:rPr>
+              <a:t>Advances in neural information processing systems</a:t>
+            </a:r>
+            <a:r>
+              <a:rPr lang="en" sz="1600">
+                <a:solidFill>
+                  <a:srgbClr val="000000"/>
+                </a:solidFill>
+                <a:latin typeface="Times New Roman"/>
+                <a:ea typeface="Times New Roman"/>
+                <a:cs typeface="Times New Roman"/>
+                <a:sym typeface="Times New Roman"/>
+              </a:rPr>
+              <a:t>, pp. 1097-1105. 2012.</a:t>
+            </a:r>
+            <a:endParaRPr sz="1600">
+              <a:solidFill>
+                <a:srgbClr val="000000"/>
+              </a:solidFill>
+              <a:latin typeface="Times New Roman"/>
+              <a:ea typeface="Times New Roman"/>
+              <a:cs typeface="Times New Roman"/>
+              <a:sym typeface="Times New Roman"/>
+            </a:endParaRPr>
+          </a:p>
+          <a:p>
+            <a:pPr indent="0" lvl="0" marL="0" rtl="0" algn="l">
+              <a:spcBef>
+                <a:spcPts val="1600"/>
+              </a:spcBef>
+              <a:spcAft>
+                <a:spcPts val="1600"/>
+              </a:spcAft>
+              <a:buNone/>
+            </a:pPr>
+            <a:r>
+              <a:t/>
+            </a:r>
+            <a:endParaRPr>
+              <a:solidFill>
+                <a:srgbClr val="000000"/>
+              </a:solidFill>
+              <a:latin typeface="Times New Roman"/>
+              <a:ea typeface="Times New Roman"/>
+              <a:cs typeface="Times New Roman"/>
+              <a:sym typeface="Times New Roman"/>
+            </a:endParaRPr>
+          </a:p>
+        </p:txBody>
+      </p:sp>
+      <p:sp>
+        <p:nvSpPr>
+          <p:cNvPr id="157" name="Google Shape;157;p23"/>
+          <p:cNvSpPr txBox="1"/>
+          <p:nvPr/>
+        </p:nvSpPr>
+        <p:spPr>
+          <a:xfrm>
+            <a:off x="0" y="4854000"/>
+            <a:ext cx="3715200" cy="289500"/>
+          </a:xfrm>
+          <a:prstGeom prst="rect">
+            <a:avLst/>
+          </a:prstGeom>
+          <a:noFill/>
+          <a:ln>
+            <a:noFill/>
+          </a:ln>
+        </p:spPr>
+        <p:txBody>
+          <a:bodyPr anchorCtr="0" anchor="b" bIns="91425" lIns="91425" spcFirstLastPara="1" rIns="91425" wrap="square" tIns="91425">
+            <a:noAutofit/>
+          </a:bodyPr>
+          <a:lstStyle/>
+          <a:p>
+            <a:pPr indent="0" lvl="0" marL="0" rtl="0" algn="ctr">
+              <a:spcBef>
+                <a:spcPts val="0"/>
+              </a:spcBef>
+              <a:spcAft>
+                <a:spcPts val="0"/>
+              </a:spcAft>
+              <a:buNone/>
+            </a:pPr>
+            <a:r>
+              <a:rPr b="1" lang="en" sz="1200">
+                <a:latin typeface="Times New Roman"/>
+                <a:ea typeface="Times New Roman"/>
+                <a:cs typeface="Times New Roman"/>
+                <a:sym typeface="Times New Roman"/>
+              </a:rPr>
+              <a:t>Tensor Methods for Neural Network Compression</a:t>
+            </a:r>
+            <a:endParaRPr b="1" sz="1200">
+              <a:solidFill>
+                <a:srgbClr val="000000"/>
+              </a:solidFill>
               <a:latin typeface="Times New Roman"/>
               <a:ea typeface="Times New Roman"/>
               <a:cs typeface="Times New Roman"/>
@@ -7587,43 +7997,6 @@
                 <a:sym typeface="Times New Roman"/>
               </a:rPr>
               <a:t>Tensors</a:t>
-            </a:r>
-            <a:endParaRPr>
-              <a:solidFill>
-                <a:srgbClr val="000000"/>
-              </a:solidFill>
-              <a:latin typeface="Times New Roman"/>
-              <a:ea typeface="Times New Roman"/>
-              <a:cs typeface="Times New Roman"/>
-              <a:sym typeface="Times New Roman"/>
-            </a:endParaRPr>
-          </a:p>
-          <a:p>
-            <a:pPr indent="-342900" lvl="0" marL="457200" rtl="0" algn="l">
-              <a:spcBef>
-                <a:spcPts val="0"/>
-              </a:spcBef>
-              <a:spcAft>
-                <a:spcPts val="0"/>
-              </a:spcAft>
-              <a:buClr>
-                <a:srgbClr val="000000"/>
-              </a:buClr>
-              <a:buSzPts val="1800"/>
-              <a:buFont typeface="Times New Roman"/>
-              <a:buAutoNum type="arabicPeriod"/>
-            </a:pPr>
-            <a:r>
-              <a:rPr lang="en">
-                <a:solidFill>
-                  <a:srgbClr val="000000"/>
-                </a:solidFill>
-                <a:latin typeface="Times New Roman"/>
-                <a:ea typeface="Times New Roman"/>
-                <a:cs typeface="Times New Roman"/>
-                <a:sym typeface="Times New Roman"/>
-              </a:rPr>
-              <a:t>Tensor unfolding</a:t>
             </a:r>
             <a:endParaRPr>
               <a:solidFill>
@@ -8207,6 +8580,67 @@
           </a:p>
         </p:txBody>
       </p:sp>
+      <p:sp>
+        <p:nvSpPr>
+          <p:cNvPr id="74" name="Google Shape;74;p15"/>
+          <p:cNvSpPr txBox="1"/>
+          <p:nvPr/>
+        </p:nvSpPr>
+        <p:spPr>
+          <a:xfrm>
+            <a:off x="3537050" y="4538375"/>
+            <a:ext cx="5049900" cy="180000"/>
+          </a:xfrm>
+          <a:prstGeom prst="rect">
+            <a:avLst/>
+          </a:prstGeom>
+          <a:noFill/>
+          <a:ln>
+            <a:noFill/>
+          </a:ln>
+        </p:spPr>
+        <p:txBody>
+          <a:bodyPr anchorCtr="0" anchor="t" bIns="91425" lIns="91425" spcFirstLastPara="1" rIns="91425" wrap="square" tIns="91425">
+            <a:noAutofit/>
+          </a:bodyPr>
+          <a:lstStyle/>
+          <a:p>
+            <a:pPr indent="0" lvl="0" marL="0" rtl="0" algn="ctr">
+              <a:spcBef>
+                <a:spcPts val="0"/>
+              </a:spcBef>
+              <a:spcAft>
+                <a:spcPts val="0"/>
+              </a:spcAft>
+              <a:buNone/>
+            </a:pPr>
+            <a:r>
+              <a:rPr lang="en" sz="1100">
+                <a:latin typeface="Times New Roman"/>
+                <a:ea typeface="Times New Roman"/>
+                <a:cs typeface="Times New Roman"/>
+                <a:sym typeface="Times New Roman"/>
+              </a:rPr>
+              <a:t>Figure 1: </a:t>
+            </a:r>
+            <a:r>
+              <a:rPr lang="en" sz="1100">
+                <a:latin typeface="Times New Roman"/>
+                <a:ea typeface="Times New Roman"/>
+                <a:cs typeface="Times New Roman"/>
+                <a:sym typeface="Times New Roman"/>
+              </a:rPr>
+              <a:t>Representation of tensor upto four dimensions [1]</a:t>
+            </a:r>
+            <a:endParaRPr sz="1100">
+              <a:latin typeface="Times New Roman"/>
+              <a:ea typeface="Times New Roman"/>
+              <a:cs typeface="Times New Roman"/>
+              <a:sym typeface="Times New Roman"/>
+            </a:endParaRPr>
+          </a:p>
+        </p:txBody>
+      </p:sp>
     </p:spTree>
   </p:cSld>
   <p:clrMapOvr>
@@ -8220,7 +8654,7 @@
   <p:cSld>
     <p:spTree>
       <p:nvGrpSpPr>
-        <p:cNvPr id="77" name="Shape 77"/>
+        <p:cNvPr id="78" name="Shape 78"/>
         <p:cNvGrpSpPr/>
         <p:nvPr/>
       </p:nvGrpSpPr>
@@ -8234,7 +8668,7 @@
       </p:grpSpPr>
       <p:sp>
         <p:nvSpPr>
-          <p:cNvPr id="78" name="Google Shape;78;p16"/>
+          <p:cNvPr id="79" name="Google Shape;79;p16"/>
           <p:cNvSpPr txBox="1"/>
           <p:nvPr>
             <p:ph type="title"/>
@@ -8284,7 +8718,7 @@
       </p:sp>
       <p:sp>
         <p:nvSpPr>
-          <p:cNvPr id="79" name="Google Shape;79;p16"/>
+          <p:cNvPr id="80" name="Google Shape;80;p16"/>
           <p:cNvSpPr txBox="1"/>
           <p:nvPr>
             <p:ph idx="1" type="body"/>
@@ -8419,7 +8853,7 @@
       </p:sp>
       <p:pic>
         <p:nvPicPr>
-          <p:cNvPr id="80" name="Google Shape;80;p16"/>
+          <p:cNvPr id="81" name="Google Shape;81;p16"/>
           <p:cNvPicPr preferRelativeResize="0"/>
           <p:nvPr/>
         </p:nvPicPr>
@@ -8447,7 +8881,7 @@
       </p:pic>
       <p:pic>
         <p:nvPicPr>
-          <p:cNvPr id="81" name="Google Shape;81;p16"/>
+          <p:cNvPr id="82" name="Google Shape;82;p16"/>
           <p:cNvPicPr preferRelativeResize="0"/>
           <p:nvPr/>
         </p:nvPicPr>
@@ -8461,7 +8895,7 @@
         </p:blipFill>
         <p:spPr>
           <a:xfrm>
-            <a:off x="3976925" y="3214325"/>
+            <a:off x="3962525" y="2854150"/>
             <a:ext cx="4898600" cy="1858625"/>
           </a:xfrm>
           <a:prstGeom prst="rect">
@@ -8475,7 +8909,7 @@
       </p:pic>
       <p:pic>
         <p:nvPicPr>
-          <p:cNvPr id="82" name="Google Shape;82;p16"/>
+          <p:cNvPr id="83" name="Google Shape;83;p16"/>
           <p:cNvPicPr preferRelativeResize="0"/>
           <p:nvPr/>
         </p:nvPicPr>
@@ -8503,7 +8937,7 @@
       </p:pic>
       <p:sp>
         <p:nvSpPr>
-          <p:cNvPr id="83" name="Google Shape;83;p16"/>
+          <p:cNvPr id="84" name="Google Shape;84;p16"/>
           <p:cNvSpPr txBox="1"/>
           <p:nvPr/>
         </p:nvSpPr>
@@ -8558,7 +8992,7 @@
       </p:sp>
       <p:sp>
         <p:nvSpPr>
-          <p:cNvPr id="84" name="Google Shape;84;p16"/>
+          <p:cNvPr id="85" name="Google Shape;85;p16"/>
           <p:cNvSpPr txBox="1"/>
           <p:nvPr>
             <p:ph idx="12" type="sldNum"/>
@@ -8637,7 +9071,7 @@
   <p:cSld>
     <p:spTree>
       <p:nvGrpSpPr>
-        <p:cNvPr id="88" name="Shape 88"/>
+        <p:cNvPr id="89" name="Shape 89"/>
         <p:cNvGrpSpPr/>
         <p:nvPr/>
       </p:nvGrpSpPr>
@@ -8651,7 +9085,7 @@
       </p:grpSpPr>
       <p:sp>
         <p:nvSpPr>
-          <p:cNvPr id="89" name="Google Shape;89;p17"/>
+          <p:cNvPr id="90" name="Google Shape;90;p17"/>
           <p:cNvSpPr txBox="1"/>
           <p:nvPr>
             <p:ph type="title"/>
@@ -8701,7 +9135,7 @@
       </p:sp>
       <p:sp>
         <p:nvSpPr>
-          <p:cNvPr id="90" name="Google Shape;90;p17"/>
+          <p:cNvPr id="91" name="Google Shape;91;p17"/>
           <p:cNvSpPr txBox="1"/>
           <p:nvPr>
             <p:ph idx="1" type="body"/>
@@ -8783,7 +9217,7 @@
                 <a:cs typeface="Times New Roman"/>
                 <a:sym typeface="Times New Roman"/>
               </a:rPr>
-              <a:t>In 3-way decomposition, A, B and C are optimized  sequentially</a:t>
+              <a:t>In 3-way decomposition, A, B and C are optimized  sequentially [1]</a:t>
             </a:r>
             <a:endParaRPr>
               <a:solidFill>
@@ -8834,34 +9268,6 @@
           </a:p>
         </p:txBody>
       </p:sp>
-      <p:pic>
-        <p:nvPicPr>
-          <p:cNvPr id="91" name="Google Shape;91;p17"/>
-          <p:cNvPicPr preferRelativeResize="0"/>
-          <p:nvPr/>
-        </p:nvPicPr>
-        <p:blipFill>
-          <a:blip r:embed="rId3">
-            <a:alphaModFix/>
-          </a:blip>
-          <a:stretch>
-            <a:fillRect/>
-          </a:stretch>
-        </p:blipFill>
-        <p:spPr>
-          <a:xfrm>
-            <a:off x="6871775" y="1617475"/>
-            <a:ext cx="1960525" cy="1256825"/>
-          </a:xfrm>
-          <a:prstGeom prst="rect">
-            <a:avLst/>
-          </a:prstGeom>
-          <a:noFill/>
-          <a:ln>
-            <a:noFill/>
-          </a:ln>
-        </p:spPr>
-      </p:pic>
       <p:sp>
         <p:nvSpPr>
           <p:cNvPr id="92" name="Google Shape;92;p17"/>
@@ -8976,6 +9382,114 @@
           </a:p>
         </p:txBody>
       </p:sp>
+      <p:pic>
+        <p:nvPicPr>
+          <p:cNvPr id="94" name="Google Shape;94;p17"/>
+          <p:cNvPicPr preferRelativeResize="0"/>
+          <p:nvPr/>
+        </p:nvPicPr>
+        <p:blipFill>
+          <a:blip r:embed="rId3">
+            <a:alphaModFix/>
+          </a:blip>
+          <a:stretch>
+            <a:fillRect/>
+          </a:stretch>
+        </p:blipFill>
+        <p:spPr>
+          <a:xfrm>
+            <a:off x="6405275" y="1982150"/>
+            <a:ext cx="2124075" cy="523875"/>
+          </a:xfrm>
+          <a:prstGeom prst="rect">
+            <a:avLst/>
+          </a:prstGeom>
+          <a:noFill/>
+          <a:ln>
+            <a:noFill/>
+          </a:ln>
+        </p:spPr>
+      </p:pic>
+      <p:pic>
+        <p:nvPicPr>
+          <p:cNvPr id="95" name="Google Shape;95;p17"/>
+          <p:cNvPicPr preferRelativeResize="0"/>
+          <p:nvPr/>
+        </p:nvPicPr>
+        <p:blipFill>
+          <a:blip r:embed="rId4">
+            <a:alphaModFix/>
+          </a:blip>
+          <a:stretch>
+            <a:fillRect/>
+          </a:stretch>
+        </p:blipFill>
+        <p:spPr>
+          <a:xfrm>
+            <a:off x="6543375" y="2406275"/>
+            <a:ext cx="1847850" cy="476250"/>
+          </a:xfrm>
+          <a:prstGeom prst="rect">
+            <a:avLst/>
+          </a:prstGeom>
+          <a:noFill/>
+          <a:ln>
+            <a:noFill/>
+          </a:ln>
+        </p:spPr>
+      </p:pic>
+      <p:sp>
+        <p:nvSpPr>
+          <p:cNvPr id="96" name="Google Shape;96;p17"/>
+          <p:cNvSpPr txBox="1"/>
+          <p:nvPr/>
+        </p:nvSpPr>
+        <p:spPr>
+          <a:xfrm>
+            <a:off x="5823613" y="2950300"/>
+            <a:ext cx="3287400" cy="180000"/>
+          </a:xfrm>
+          <a:prstGeom prst="rect">
+            <a:avLst/>
+          </a:prstGeom>
+          <a:noFill/>
+          <a:ln>
+            <a:noFill/>
+          </a:ln>
+        </p:spPr>
+        <p:txBody>
+          <a:bodyPr anchorCtr="0" anchor="t" bIns="91425" lIns="91425" spcFirstLastPara="1" rIns="91425" wrap="square" tIns="91425">
+            <a:noAutofit/>
+          </a:bodyPr>
+          <a:lstStyle/>
+          <a:p>
+            <a:pPr indent="0" lvl="0" marL="0" rtl="0" algn="ctr">
+              <a:spcBef>
+                <a:spcPts val="0"/>
+              </a:spcBef>
+              <a:spcAft>
+                <a:spcPts val="0"/>
+              </a:spcAft>
+              <a:buNone/>
+            </a:pPr>
+            <a:r>
+              <a:rPr lang="en" sz="1100">
+                <a:latin typeface="Times New Roman"/>
+                <a:ea typeface="Times New Roman"/>
+                <a:cs typeface="Times New Roman"/>
+                <a:sym typeface="Times New Roman"/>
+              </a:rPr>
+              <a:t>Equation representing the optimization of variables in ALS method [1]</a:t>
+            </a:r>
+            <a:endParaRPr sz="1100">
+              <a:latin typeface="Times New Roman"/>
+              <a:ea typeface="Times New Roman"/>
+              <a:cs typeface="Times New Roman"/>
+              <a:sym typeface="Times New Roman"/>
+            </a:endParaRPr>
+          </a:p>
+        </p:txBody>
+      </p:sp>
     </p:spTree>
   </p:cSld>
   <p:clrMapOvr>
@@ -8989,7 +9503,7 @@
   <p:cSld>
     <p:spTree>
       <p:nvGrpSpPr>
-        <p:cNvPr id="97" name="Shape 97"/>
+        <p:cNvPr id="100" name="Shape 100"/>
         <p:cNvGrpSpPr/>
         <p:nvPr/>
       </p:nvGrpSpPr>
@@ -9003,7 +9517,7 @@
       </p:grpSpPr>
       <p:sp>
         <p:nvSpPr>
-          <p:cNvPr id="98" name="Google Shape;98;p18"/>
+          <p:cNvPr id="101" name="Google Shape;101;p18"/>
           <p:cNvSpPr txBox="1"/>
           <p:nvPr>
             <p:ph type="title"/>
@@ -9053,7 +9567,7 @@
       </p:sp>
       <p:pic>
         <p:nvPicPr>
-          <p:cNvPr id="99" name="Google Shape;99;p18"/>
+          <p:cNvPr id="102" name="Google Shape;102;p18"/>
           <p:cNvPicPr preferRelativeResize="0"/>
           <p:nvPr/>
         </p:nvPicPr>
@@ -9067,7 +9581,7 @@
         </p:blipFill>
         <p:spPr>
           <a:xfrm>
-            <a:off x="4725675" y="803000"/>
+            <a:off x="4704075" y="601300"/>
             <a:ext cx="4265130" cy="3998580"/>
           </a:xfrm>
           <a:prstGeom prst="rect">
@@ -9081,7 +9595,7 @@
       </p:pic>
       <p:sp>
         <p:nvSpPr>
-          <p:cNvPr id="100" name="Google Shape;100;p18"/>
+          <p:cNvPr id="103" name="Google Shape;103;p18"/>
           <p:cNvSpPr txBox="1"/>
           <p:nvPr>
             <p:ph idx="1" type="body"/>
@@ -9179,7 +9693,7 @@
       </p:sp>
       <p:sp>
         <p:nvSpPr>
-          <p:cNvPr id="101" name="Google Shape;101;p18"/>
+          <p:cNvPr id="104" name="Google Shape;104;p18"/>
           <p:cNvSpPr txBox="1"/>
           <p:nvPr/>
         </p:nvSpPr>
@@ -9234,7 +9748,7 @@
       </p:sp>
       <p:sp>
         <p:nvSpPr>
-          <p:cNvPr id="102" name="Google Shape;102;p18"/>
+          <p:cNvPr id="105" name="Google Shape;105;p18"/>
           <p:cNvSpPr txBox="1"/>
           <p:nvPr>
             <p:ph idx="12" type="sldNum"/>
@@ -9291,6 +9805,58 @@
           </a:p>
         </p:txBody>
       </p:sp>
+      <p:sp>
+        <p:nvSpPr>
+          <p:cNvPr id="106" name="Google Shape;106;p18"/>
+          <p:cNvSpPr txBox="1"/>
+          <p:nvPr/>
+        </p:nvSpPr>
+        <p:spPr>
+          <a:xfrm>
+            <a:off x="4819325" y="4419875"/>
+            <a:ext cx="4324800" cy="180000"/>
+          </a:xfrm>
+          <a:prstGeom prst="rect">
+            <a:avLst/>
+          </a:prstGeom>
+          <a:noFill/>
+          <a:ln>
+            <a:noFill/>
+          </a:ln>
+        </p:spPr>
+        <p:txBody>
+          <a:bodyPr anchorCtr="0" anchor="t" bIns="91425" lIns="91425" spcFirstLastPara="1" rIns="91425" wrap="square" tIns="91425">
+            <a:noAutofit/>
+          </a:bodyPr>
+          <a:lstStyle/>
+          <a:p>
+            <a:pPr indent="0" lvl="0" marL="0" rtl="0" algn="ctr">
+              <a:spcBef>
+                <a:spcPts val="0"/>
+              </a:spcBef>
+              <a:spcAft>
+                <a:spcPts val="0"/>
+              </a:spcAft>
+              <a:buNone/>
+            </a:pPr>
+            <a:r>
+              <a:rPr lang="en" sz="1100">
+                <a:latin typeface="Times New Roman"/>
+                <a:ea typeface="Times New Roman"/>
+                <a:cs typeface="Times New Roman"/>
+                <a:sym typeface="Times New Roman"/>
+              </a:rPr>
+              <a:t>Figure 2: Convergence of ALS method with different ranks</a:t>
+            </a:r>
+            <a:endParaRPr sz="1100">
+              <a:latin typeface="Times New Roman"/>
+              <a:ea typeface="Times New Roman"/>
+              <a:cs typeface="Times New Roman"/>
+              <a:sym typeface="Times New Roman"/>
+            </a:endParaRPr>
+          </a:p>
+        </p:txBody>
+      </p:sp>
     </p:spTree>
   </p:cSld>
   <p:clrMapOvr>
@@ -9304,7 +9870,7 @@
   <p:cSld>
     <p:spTree>
       <p:nvGrpSpPr>
-        <p:cNvPr id="106" name="Shape 106"/>
+        <p:cNvPr id="110" name="Shape 110"/>
         <p:cNvGrpSpPr/>
         <p:nvPr/>
       </p:nvGrpSpPr>
@@ -9318,7 +9884,7 @@
       </p:grpSpPr>
       <p:sp>
         <p:nvSpPr>
-          <p:cNvPr id="107" name="Google Shape;107;p19"/>
+          <p:cNvPr id="111" name="Google Shape;111;p19"/>
           <p:cNvSpPr txBox="1"/>
           <p:nvPr>
             <p:ph type="title"/>
@@ -9368,7 +9934,7 @@
       </p:sp>
       <p:sp>
         <p:nvSpPr>
-          <p:cNvPr id="108" name="Google Shape;108;p19"/>
+          <p:cNvPr id="112" name="Google Shape;112;p19"/>
           <p:cNvSpPr txBox="1"/>
           <p:nvPr>
             <p:ph idx="1" type="body"/>
@@ -9540,7 +10106,7 @@
       </p:sp>
       <p:pic>
         <p:nvPicPr>
-          <p:cNvPr id="109" name="Google Shape;109;p19"/>
+          <p:cNvPr id="113" name="Google Shape;113;p19"/>
           <p:cNvPicPr preferRelativeResize="0"/>
           <p:nvPr/>
         </p:nvPicPr>
@@ -9568,7 +10134,7 @@
       </p:pic>
       <p:pic>
         <p:nvPicPr>
-          <p:cNvPr id="110" name="Google Shape;110;p19"/>
+          <p:cNvPr id="114" name="Google Shape;114;p19"/>
           <p:cNvPicPr preferRelativeResize="0"/>
           <p:nvPr/>
         </p:nvPicPr>
@@ -9596,7 +10162,7 @@
       </p:pic>
       <p:pic>
         <p:nvPicPr>
-          <p:cNvPr id="111" name="Google Shape;111;p19"/>
+          <p:cNvPr id="115" name="Google Shape;115;p19"/>
           <p:cNvPicPr preferRelativeResize="0"/>
           <p:nvPr/>
         </p:nvPicPr>
@@ -9624,7 +10190,7 @@
       </p:pic>
       <p:sp>
         <p:nvSpPr>
-          <p:cNvPr id="112" name="Google Shape;112;p19"/>
+          <p:cNvPr id="116" name="Google Shape;116;p19"/>
           <p:cNvSpPr txBox="1"/>
           <p:nvPr/>
         </p:nvSpPr>
@@ -9679,7 +10245,7 @@
       </p:sp>
       <p:sp>
         <p:nvSpPr>
-          <p:cNvPr id="113" name="Google Shape;113;p19"/>
+          <p:cNvPr id="117" name="Google Shape;117;p19"/>
           <p:cNvSpPr txBox="1"/>
           <p:nvPr>
             <p:ph idx="12" type="sldNum"/>
@@ -9736,6 +10302,171 @@
           </a:p>
         </p:txBody>
       </p:sp>
+      <p:sp>
+        <p:nvSpPr>
+          <p:cNvPr id="118" name="Google Shape;118;p19"/>
+          <p:cNvSpPr txBox="1"/>
+          <p:nvPr/>
+        </p:nvSpPr>
+        <p:spPr>
+          <a:xfrm>
+            <a:off x="-105825" y="4314050"/>
+            <a:ext cx="3088200" cy="180000"/>
+          </a:xfrm>
+          <a:prstGeom prst="rect">
+            <a:avLst/>
+          </a:prstGeom>
+          <a:noFill/>
+          <a:ln>
+            <a:noFill/>
+          </a:ln>
+        </p:spPr>
+        <p:txBody>
+          <a:bodyPr anchorCtr="0" anchor="t" bIns="91425" lIns="91425" spcFirstLastPara="1" rIns="91425" wrap="square" tIns="91425">
+            <a:noAutofit/>
+          </a:bodyPr>
+          <a:lstStyle/>
+          <a:p>
+            <a:pPr indent="0" lvl="0" marL="0" rtl="0" algn="ctr">
+              <a:spcBef>
+                <a:spcPts val="0"/>
+              </a:spcBef>
+              <a:spcAft>
+                <a:spcPts val="0"/>
+              </a:spcAft>
+              <a:buNone/>
+            </a:pPr>
+            <a:r>
+              <a:rPr lang="en" sz="1100">
+                <a:latin typeface="Times New Roman"/>
+                <a:ea typeface="Times New Roman"/>
+                <a:cs typeface="Times New Roman"/>
+                <a:sym typeface="Times New Roman"/>
+              </a:rPr>
+              <a:t>Input Tensor</a:t>
+            </a:r>
+            <a:endParaRPr sz="1100">
+              <a:latin typeface="Times New Roman"/>
+              <a:ea typeface="Times New Roman"/>
+              <a:cs typeface="Times New Roman"/>
+              <a:sym typeface="Times New Roman"/>
+            </a:endParaRPr>
+          </a:p>
+        </p:txBody>
+      </p:sp>
+      <p:sp>
+        <p:nvSpPr>
+          <p:cNvPr id="119" name="Google Shape;119;p19"/>
+          <p:cNvSpPr txBox="1"/>
+          <p:nvPr/>
+        </p:nvSpPr>
+        <p:spPr>
+          <a:xfrm>
+            <a:off x="3027900" y="4351175"/>
+            <a:ext cx="3088200" cy="180000"/>
+          </a:xfrm>
+          <a:prstGeom prst="rect">
+            <a:avLst/>
+          </a:prstGeom>
+          <a:noFill/>
+          <a:ln>
+            <a:noFill/>
+          </a:ln>
+        </p:spPr>
+        <p:txBody>
+          <a:bodyPr anchorCtr="0" anchor="t" bIns="91425" lIns="91425" spcFirstLastPara="1" rIns="91425" wrap="square" tIns="91425">
+            <a:noAutofit/>
+          </a:bodyPr>
+          <a:lstStyle/>
+          <a:p>
+            <a:pPr indent="0" lvl="0" marL="0" rtl="0" algn="ctr">
+              <a:spcBef>
+                <a:spcPts val="0"/>
+              </a:spcBef>
+              <a:spcAft>
+                <a:spcPts val="0"/>
+              </a:spcAft>
+              <a:buNone/>
+            </a:pPr>
+            <a:r>
+              <a:rPr lang="en" sz="1100">
+                <a:latin typeface="Times New Roman"/>
+                <a:ea typeface="Times New Roman"/>
+                <a:cs typeface="Times New Roman"/>
+                <a:sym typeface="Times New Roman"/>
+              </a:rPr>
+              <a:t>Reconstruction</a:t>
+            </a:r>
+            <a:r>
+              <a:rPr lang="en" sz="1100">
+                <a:latin typeface="Times New Roman"/>
+                <a:ea typeface="Times New Roman"/>
+                <a:cs typeface="Times New Roman"/>
+                <a:sym typeface="Times New Roman"/>
+              </a:rPr>
+              <a:t> from ALS method</a:t>
+            </a:r>
+            <a:endParaRPr sz="1100">
+              <a:latin typeface="Times New Roman"/>
+              <a:ea typeface="Times New Roman"/>
+              <a:cs typeface="Times New Roman"/>
+              <a:sym typeface="Times New Roman"/>
+            </a:endParaRPr>
+          </a:p>
+        </p:txBody>
+      </p:sp>
+      <p:sp>
+        <p:nvSpPr>
+          <p:cNvPr id="120" name="Google Shape;120;p19"/>
+          <p:cNvSpPr txBox="1"/>
+          <p:nvPr/>
+        </p:nvSpPr>
+        <p:spPr>
+          <a:xfrm>
+            <a:off x="5996125" y="4314050"/>
+            <a:ext cx="3088200" cy="180000"/>
+          </a:xfrm>
+          <a:prstGeom prst="rect">
+            <a:avLst/>
+          </a:prstGeom>
+          <a:noFill/>
+          <a:ln>
+            <a:noFill/>
+          </a:ln>
+        </p:spPr>
+        <p:txBody>
+          <a:bodyPr anchorCtr="0" anchor="t" bIns="91425" lIns="91425" spcFirstLastPara="1" rIns="91425" wrap="square" tIns="91425">
+            <a:noAutofit/>
+          </a:bodyPr>
+          <a:lstStyle/>
+          <a:p>
+            <a:pPr indent="0" lvl="0" marL="0" rtl="0" algn="ctr">
+              <a:spcBef>
+                <a:spcPts val="0"/>
+              </a:spcBef>
+              <a:spcAft>
+                <a:spcPts val="0"/>
+              </a:spcAft>
+              <a:buNone/>
+            </a:pPr>
+            <a:r>
+              <a:rPr lang="en" sz="1100">
+                <a:latin typeface="Times New Roman"/>
+                <a:ea typeface="Times New Roman"/>
+                <a:cs typeface="Times New Roman"/>
+                <a:sym typeface="Times New Roman"/>
+              </a:rPr>
+              <a:t>Reconstruction from tensorly</a:t>
+            </a:r>
+            <a:endParaRPr sz="1100">
+              <a:latin typeface="Times New Roman"/>
+              <a:ea typeface="Times New Roman"/>
+              <a:cs typeface="Times New Roman"/>
+              <a:sym typeface="Times New Roman"/>
+            </a:endParaRPr>
+          </a:p>
+        </p:txBody>
+      </p:sp>
     </p:spTree>
   </p:cSld>
   <p:clrMapOvr>
@@ -9749,7 +10480,7 @@
   <p:cSld>
     <p:spTree>
       <p:nvGrpSpPr>
-        <p:cNvPr id="117" name="Shape 117"/>
+        <p:cNvPr id="124" name="Shape 124"/>
         <p:cNvGrpSpPr/>
         <p:nvPr/>
       </p:nvGrpSpPr>
@@ -9763,7 +10494,7 @@
       </p:grpSpPr>
       <p:sp>
         <p:nvSpPr>
-          <p:cNvPr id="118" name="Google Shape;118;p20"/>
+          <p:cNvPr id="125" name="Google Shape;125;p20"/>
           <p:cNvSpPr txBox="1"/>
           <p:nvPr>
             <p:ph type="title"/>
@@ -9813,7 +10544,7 @@
       </p:sp>
       <p:sp>
         <p:nvSpPr>
-          <p:cNvPr id="119" name="Google Shape;119;p20"/>
+          <p:cNvPr id="126" name="Google Shape;126;p20"/>
           <p:cNvSpPr txBox="1"/>
           <p:nvPr/>
         </p:nvSpPr>
@@ -9941,7 +10672,7 @@
       </p:sp>
       <p:pic>
         <p:nvPicPr>
-          <p:cNvPr id="120" name="Google Shape;120;p20"/>
+          <p:cNvPr id="127" name="Google Shape;127;p20"/>
           <p:cNvPicPr preferRelativeResize="0"/>
           <p:nvPr/>
         </p:nvPicPr>
@@ -9969,7 +10700,7 @@
       </p:pic>
       <p:sp>
         <p:nvSpPr>
-          <p:cNvPr id="121" name="Google Shape;121;p20"/>
+          <p:cNvPr id="128" name="Google Shape;128;p20"/>
           <p:cNvSpPr txBox="1"/>
           <p:nvPr/>
         </p:nvSpPr>
@@ -10024,7 +10755,7 @@
       </p:sp>
       <p:sp>
         <p:nvSpPr>
-          <p:cNvPr id="122" name="Google Shape;122;p20"/>
+          <p:cNvPr id="129" name="Google Shape;129;p20"/>
           <p:cNvSpPr txBox="1"/>
           <p:nvPr>
             <p:ph idx="12" type="sldNum"/>
@@ -10064,6 +10795,58 @@
               <a:t>8/10</a:t>
             </a:r>
             <a:endParaRPr b="1">
+              <a:latin typeface="Times New Roman"/>
+              <a:ea typeface="Times New Roman"/>
+              <a:cs typeface="Times New Roman"/>
+              <a:sym typeface="Times New Roman"/>
+            </a:endParaRPr>
+          </a:p>
+        </p:txBody>
+      </p:sp>
+      <p:sp>
+        <p:nvSpPr>
+          <p:cNvPr id="130" name="Google Shape;130;p20"/>
+          <p:cNvSpPr txBox="1"/>
+          <p:nvPr/>
+        </p:nvSpPr>
+        <p:spPr>
+          <a:xfrm>
+            <a:off x="2326800" y="4425550"/>
+            <a:ext cx="4324800" cy="180000"/>
+          </a:xfrm>
+          <a:prstGeom prst="rect">
+            <a:avLst/>
+          </a:prstGeom>
+          <a:noFill/>
+          <a:ln>
+            <a:noFill/>
+          </a:ln>
+        </p:spPr>
+        <p:txBody>
+          <a:bodyPr anchorCtr="0" anchor="t" bIns="91425" lIns="91425" spcFirstLastPara="1" rIns="91425" wrap="square" tIns="91425">
+            <a:noAutofit/>
+          </a:bodyPr>
+          <a:lstStyle/>
+          <a:p>
+            <a:pPr indent="0" lvl="0" marL="0" rtl="0" algn="ctr">
+              <a:spcBef>
+                <a:spcPts val="0"/>
+              </a:spcBef>
+              <a:spcAft>
+                <a:spcPts val="0"/>
+              </a:spcAft>
+              <a:buNone/>
+            </a:pPr>
+            <a:r>
+              <a:rPr lang="en" sz="1100">
+                <a:latin typeface="Times New Roman"/>
+                <a:ea typeface="Times New Roman"/>
+                <a:cs typeface="Times New Roman"/>
+                <a:sym typeface="Times New Roman"/>
+              </a:rPr>
+              <a:t>Figure 3: AlexNet architecture [2]</a:t>
+            </a:r>
+            <a:endParaRPr sz="1100">
               <a:latin typeface="Times New Roman"/>
               <a:ea typeface="Times New Roman"/>
               <a:cs typeface="Times New Roman"/>
@@ -10085,7 +10868,7 @@
   <p:cSld>
     <p:spTree>
       <p:nvGrpSpPr>
-        <p:cNvPr id="126" name="Shape 126"/>
+        <p:cNvPr id="134" name="Shape 134"/>
         <p:cNvGrpSpPr/>
         <p:nvPr/>
       </p:nvGrpSpPr>
@@ -10099,7 +10882,7 @@
       </p:grpSpPr>
       <p:sp>
         <p:nvSpPr>
-          <p:cNvPr id="127" name="Google Shape;127;p21"/>
+          <p:cNvPr id="135" name="Google Shape;135;p21"/>
           <p:cNvSpPr txBox="1"/>
           <p:nvPr>
             <p:ph type="title"/>
@@ -10149,7 +10932,7 @@
       </p:sp>
       <p:sp>
         <p:nvSpPr>
-          <p:cNvPr id="128" name="Google Shape;128;p21"/>
+          <p:cNvPr id="136" name="Google Shape;136;p21"/>
           <p:cNvSpPr txBox="1"/>
           <p:nvPr/>
         </p:nvSpPr>
@@ -10277,7 +11060,7 @@
       </p:sp>
       <p:pic>
         <p:nvPicPr>
-          <p:cNvPr id="129" name="Google Shape;129;p21"/>
+          <p:cNvPr id="137" name="Google Shape;137;p21"/>
           <p:cNvPicPr preferRelativeResize="0"/>
           <p:nvPr/>
         </p:nvPicPr>
@@ -10305,7 +11088,7 @@
       </p:pic>
       <p:sp>
         <p:nvSpPr>
-          <p:cNvPr id="130" name="Google Shape;130;p21"/>
+          <p:cNvPr id="138" name="Google Shape;138;p21"/>
           <p:cNvSpPr txBox="1"/>
           <p:nvPr/>
         </p:nvSpPr>
@@ -10357,7 +11140,7 @@
       </p:sp>
       <p:sp>
         <p:nvSpPr>
-          <p:cNvPr id="131" name="Google Shape;131;p21"/>
+          <p:cNvPr id="139" name="Google Shape;139;p21"/>
           <p:cNvSpPr txBox="1"/>
           <p:nvPr/>
         </p:nvSpPr>
@@ -10412,7 +11195,7 @@
       </p:sp>
       <p:sp>
         <p:nvSpPr>
-          <p:cNvPr id="132" name="Google Shape;132;p21"/>
+          <p:cNvPr id="140" name="Google Shape;140;p21"/>
           <p:cNvSpPr txBox="1"/>
           <p:nvPr>
             <p:ph idx="12" type="sldNum"/>
@@ -10469,6 +11252,58 @@
           </a:p>
         </p:txBody>
       </p:sp>
+      <p:sp>
+        <p:nvSpPr>
+          <p:cNvPr id="141" name="Google Shape;141;p21"/>
+          <p:cNvSpPr txBox="1"/>
+          <p:nvPr/>
+        </p:nvSpPr>
+        <p:spPr>
+          <a:xfrm>
+            <a:off x="2326800" y="4425550"/>
+            <a:ext cx="4324800" cy="180000"/>
+          </a:xfrm>
+          <a:prstGeom prst="rect">
+            <a:avLst/>
+          </a:prstGeom>
+          <a:noFill/>
+          <a:ln>
+            <a:noFill/>
+          </a:ln>
+        </p:spPr>
+        <p:txBody>
+          <a:bodyPr anchorCtr="0" anchor="t" bIns="91425" lIns="91425" spcFirstLastPara="1" rIns="91425" wrap="square" tIns="91425">
+            <a:noAutofit/>
+          </a:bodyPr>
+          <a:lstStyle/>
+          <a:p>
+            <a:pPr indent="0" lvl="0" marL="0" rtl="0" algn="ctr">
+              <a:spcBef>
+                <a:spcPts val="0"/>
+              </a:spcBef>
+              <a:spcAft>
+                <a:spcPts val="0"/>
+              </a:spcAft>
+              <a:buNone/>
+            </a:pPr>
+            <a:r>
+              <a:rPr lang="en" sz="1100">
+                <a:latin typeface="Times New Roman"/>
+                <a:ea typeface="Times New Roman"/>
+                <a:cs typeface="Times New Roman"/>
+                <a:sym typeface="Times New Roman"/>
+              </a:rPr>
+              <a:t>Figure 3: AlexNet architecture [2]</a:t>
+            </a:r>
+            <a:endParaRPr sz="1100">
+              <a:latin typeface="Times New Roman"/>
+              <a:ea typeface="Times New Roman"/>
+              <a:cs typeface="Times New Roman"/>
+              <a:sym typeface="Times New Roman"/>
+            </a:endParaRPr>
+          </a:p>
+        </p:txBody>
+      </p:sp>
     </p:spTree>
   </p:cSld>
   <p:clrMapOvr>
@@ -10478,6 +11313,285 @@
 </file>
 
 <file path=ppt/theme/theme1.xml><?xml version="1.0" encoding="utf-8"?>
+<a:theme xmlns:a="http://schemas.openxmlformats.org/drawingml/2006/main" xmlns:r="http://schemas.openxmlformats.org/officeDocument/2006/relationships">
+  <a:themeElements>
+    <a:clrScheme name="Default">
+      <a:dk1>
+        <a:srgbClr val="000000"/>
+      </a:dk1>
+      <a:lt1>
+        <a:srgbClr val="FFFFFF"/>
+      </a:lt1>
+      <a:dk2>
+        <a:srgbClr val="158158"/>
+      </a:dk2>
+      <a:lt2>
+        <a:srgbClr val="F3F3F3"/>
+      </a:lt2>
+      <a:accent1>
+        <a:srgbClr val="058DC7"/>
+      </a:accent1>
+      <a:accent2>
+        <a:srgbClr val="50B432"/>
+      </a:accent2>
+      <a:accent3>
+        <a:srgbClr val="ED561B"/>
+      </a:accent3>
+      <a:accent4>
+        <a:srgbClr val="EDEF00"/>
+      </a:accent4>
+      <a:accent5>
+        <a:srgbClr val="24CBE5"/>
+      </a:accent5>
+      <a:accent6>
+        <a:srgbClr val="64E572"/>
+      </a:accent6>
+      <a:hlink>
+        <a:srgbClr val="2200CC"/>
+      </a:hlink>
+      <a:folHlink>
+        <a:srgbClr val="551A8B"/>
+      </a:folHlink>
+    </a:clrScheme>
+    <a:fontScheme name="Office">
+      <a:majorFont>
+        <a:latin typeface="Arial"/>
+        <a:ea typeface=""/>
+        <a:cs typeface=""/>
+        <a:font script="Jpan" typeface="ＭＳ Ｐゴシック"/>
+        <a:font script="Hang" typeface="맑은 고딕"/>
+        <a:font script="Hans" typeface="宋体"/>
+        <a:font script="Hant" typeface="新細明體"/>
+        <a:font script="Arab" typeface="Times New Roman"/>
+        <a:font script="Hebr" typeface="Times New Roman"/>
+        <a:font script="Thai" typeface="Angsana New"/>
+        <a:font script="Ethi" typeface="Nyala"/>
+        <a:font script="Beng" typeface="Vrinda"/>
+        <a:font script="Gujr" typeface="Shruti"/>
+        <a:font script="Khmr" typeface="MoolBoran"/>
+        <a:font script="Knda" typeface="Tunga"/>
+        <a:font script="Guru" typeface="Raavi"/>
+        <a:font script="Cans" typeface="Euphemia"/>
+        <a:font script="Cher" typeface="Plantagenet Cherokee"/>
+        <a:font script="Yiii" typeface="Microsoft Yi Baiti"/>
+        <a:font script="Tibt" typeface="Microsoft Himalaya"/>
+        <a:font script="Thaa" typeface="MV Boli"/>
+        <a:font script="Deva" typeface="Mangal"/>
+        <a:font script="Telu" typeface="Gautami"/>
+        <a:font script="Taml" typeface="Latha"/>
+        <a:font script="Syrc" typeface="Estrangelo Edessa"/>
+        <a:font script="Orya" typeface="Kalinga"/>
+        <a:font script="Mlym" typeface="Kartika"/>
+        <a:font script="Laoo" typeface="DokChampa"/>
+        <a:font script="Sinh" typeface="Iskoola Pota"/>
+        <a:font script="Mong" typeface="Mongolian Baiti"/>
+        <a:font script="Viet" typeface="Times New Roman"/>
+        <a:font script="Uigh" typeface="Microsoft Uighur"/>
+        <a:font script="Geor" typeface="Sylfaen"/>
+      </a:majorFont>
+      <a:minorFont>
+        <a:latin typeface="Arial"/>
+        <a:ea typeface=""/>
+        <a:cs typeface=""/>
+        <a:font script="Jpan" typeface="ＭＳ Ｐゴシック"/>
+        <a:font script="Hang" typeface="맑은 고딕"/>
+        <a:font script="Hans" typeface="宋体"/>
+        <a:font script="Hant" typeface="新細明體"/>
+        <a:font script="Arab" typeface="Arial"/>
+        <a:font script="Hebr" typeface="Arial"/>
+        <a:font script="Thai" typeface="Cordia New"/>
+        <a:font script="Ethi" typeface="Nyala"/>
+        <a:font script="Beng" typeface="Vrinda"/>
+        <a:font script="Gujr" typeface="Shruti"/>
+        <a:font script="Khmr" typeface="DaunPenh"/>
+        <a:font script="Knda" typeface="Tunga"/>
+        <a:font script="Guru" typeface="Raavi"/>
+        <a:font script="Cans" typeface="Euphemia"/>
+        <a:font script="Cher" typeface="Plantagenet Cherokee"/>
+        <a:font script="Yiii" typeface="Microsoft Yi Baiti"/>
+        <a:font script="Tibt" typeface="Microsoft Himalaya"/>
+        <a:font script="Thaa" typeface="MV Boli"/>
+        <a:font script="Deva" typeface="Mangal"/>
+        <a:font script="Telu" typeface="Gautami"/>
+        <a:font script="Taml" typeface="Latha"/>
+        <a:font script="Syrc" typeface="Estrangelo Edessa"/>
+        <a:font script="Orya" typeface="Kalinga"/>
+        <a:font script="Mlym" typeface="Kartika"/>
+        <a:font script="Laoo" typeface="DokChampa"/>
+        <a:font script="Sinh" typeface="Iskoola Pota"/>
+        <a:font script="Mong" typeface="Mongolian Baiti"/>
+        <a:font script="Viet" typeface="Arial"/>
+        <a:font script="Uigh" typeface="Microsoft Uighur"/>
+        <a:font script="Geor" typeface="Sylfaen"/>
+      </a:minorFont>
+    </a:fontScheme>
+    <a:fmtScheme name="Office">
+      <a:fillStyleLst>
+        <a:solidFill>
+          <a:schemeClr val="phClr"/>
+        </a:solidFill>
+        <a:gradFill rotWithShape="1">
+          <a:gsLst>
+            <a:gs pos="0">
+              <a:schemeClr val="phClr">
+                <a:tint val="50000"/>
+                <a:satMod val="300000"/>
+              </a:schemeClr>
+            </a:gs>
+            <a:gs pos="35000">
+              <a:schemeClr val="phClr">
+                <a:tint val="37000"/>
+                <a:satMod val="300000"/>
+              </a:schemeClr>
+            </a:gs>
+            <a:gs pos="100000">
+              <a:schemeClr val="phClr">
+                <a:tint val="15000"/>
+                <a:satMod val="350000"/>
+              </a:schemeClr>
+            </a:gs>
+          </a:gsLst>
+          <a:lin ang="16200000" scaled="1"/>
+        </a:gradFill>
+        <a:gradFill rotWithShape="1">
+          <a:gsLst>
+            <a:gs pos="0">
+              <a:schemeClr val="phClr">
+                <a:tint val="100000"/>
+                <a:shade val="100000"/>
+                <a:satMod val="130000"/>
+              </a:schemeClr>
+            </a:gs>
+            <a:gs pos="100000">
+              <a:schemeClr val="phClr">
+                <a:tint val="50000"/>
+                <a:shade val="100000"/>
+                <a:satMod val="350000"/>
+              </a:schemeClr>
+            </a:gs>
+          </a:gsLst>
+          <a:lin ang="16200000" scaled="0"/>
+        </a:gradFill>
+      </a:fillStyleLst>
+      <a:lnStyleLst>
+        <a:ln w="9525" cap="flat" cmpd="sng" algn="ctr">
+          <a:solidFill>
+            <a:schemeClr val="phClr">
+              <a:shade val="95000"/>
+              <a:satMod val="105000"/>
+            </a:schemeClr>
+          </a:solidFill>
+          <a:prstDash val="solid"/>
+        </a:ln>
+        <a:ln w="25400" cap="flat" cmpd="sng" algn="ctr">
+          <a:solidFill>
+            <a:schemeClr val="phClr"/>
+          </a:solidFill>
+          <a:prstDash val="solid"/>
+        </a:ln>
+        <a:ln w="38100" cap="flat" cmpd="sng" algn="ctr">
+          <a:solidFill>
+            <a:schemeClr val="phClr"/>
+          </a:solidFill>
+          <a:prstDash val="solid"/>
+        </a:ln>
+      </a:lnStyleLst>
+      <a:effectStyleLst>
+        <a:effectStyle>
+          <a:effectLst>
+            <a:outerShdw blurRad="40000" dist="20000" dir="5400000" rotWithShape="0">
+              <a:srgbClr val="000000">
+                <a:alpha val="38000"/>
+              </a:srgbClr>
+            </a:outerShdw>
+          </a:effectLst>
+        </a:effectStyle>
+        <a:effectStyle>
+          <a:effectLst>
+            <a:outerShdw blurRad="40000" dist="23000" dir="5400000" rotWithShape="0">
+              <a:srgbClr val="000000">
+                <a:alpha val="35000"/>
+              </a:srgbClr>
+            </a:outerShdw>
+          </a:effectLst>
+        </a:effectStyle>
+        <a:effectStyle>
+          <a:effectLst>
+            <a:outerShdw blurRad="40000" dist="23000" dir="5400000" rotWithShape="0">
+              <a:srgbClr val="000000">
+                <a:alpha val="35000"/>
+              </a:srgbClr>
+            </a:outerShdw>
+          </a:effectLst>
+          <a:scene3d>
+            <a:camera prst="orthographicFront">
+              <a:rot lat="0" lon="0" rev="0"/>
+            </a:camera>
+            <a:lightRig rig="threePt" dir="t">
+              <a:rot lat="0" lon="0" rev="1200000"/>
+            </a:lightRig>
+          </a:scene3d>
+          <a:sp3d>
+            <a:bevelT w="63500" h="25400"/>
+          </a:sp3d>
+        </a:effectStyle>
+      </a:effectStyleLst>
+      <a:bgFillStyleLst>
+        <a:solidFill>
+          <a:schemeClr val="phClr"/>
+        </a:solidFill>
+        <a:gradFill rotWithShape="1">
+          <a:gsLst>
+            <a:gs pos="0">
+              <a:schemeClr val="phClr">
+                <a:tint val="40000"/>
+                <a:satMod val="350000"/>
+              </a:schemeClr>
+            </a:gs>
+            <a:gs pos="40000">
+              <a:schemeClr val="phClr">
+                <a:tint val="45000"/>
+                <a:shade val="99000"/>
+                <a:satMod val="350000"/>
+              </a:schemeClr>
+            </a:gs>
+            <a:gs pos="100000">
+              <a:schemeClr val="phClr">
+                <a:shade val="20000"/>
+                <a:satMod val="255000"/>
+              </a:schemeClr>
+            </a:gs>
+          </a:gsLst>
+          <a:path path="circle">
+            <a:fillToRect l="50000" t="-80000" r="50000" b="180000"/>
+          </a:path>
+        </a:gradFill>
+        <a:gradFill rotWithShape="1">
+          <a:gsLst>
+            <a:gs pos="0">
+              <a:schemeClr val="phClr">
+                <a:tint val="80000"/>
+                <a:satMod val="300000"/>
+              </a:schemeClr>
+            </a:gs>
+            <a:gs pos="100000">
+              <a:schemeClr val="phClr">
+                <a:shade val="30000"/>
+                <a:satMod val="200000"/>
+              </a:schemeClr>
+            </a:gs>
+          </a:gsLst>
+          <a:path path="circle">
+            <a:fillToRect l="50000" t="50000" r="50000" b="50000"/>
+          </a:path>
+        </a:gradFill>
+      </a:bgFillStyleLst>
+    </a:fmtScheme>
+  </a:themeElements>
+</a:theme>
+</file>
+
+<file path=ppt/theme/theme2.xml><?xml version="1.0" encoding="utf-8"?>
 <a:theme xmlns:a="http://schemas.openxmlformats.org/drawingml/2006/main" xmlns:r="http://schemas.openxmlformats.org/officeDocument/2006/relationships" name="Simple Light">
   <a:themeElements>
     <a:clrScheme name="Simple Light">
@@ -10754,283 +11868,4 @@
     </a:fmtScheme>
   </a:themeElements>
 </a:theme>
-</file>
-
-<file path=ppt/theme/theme2.xml><?xml version="1.0" encoding="utf-8"?>
-<a:theme xmlns:a="http://schemas.openxmlformats.org/drawingml/2006/main" xmlns:r="http://schemas.openxmlformats.org/officeDocument/2006/relationships">
-  <a:themeElements>
-    <a:clrScheme name="Default">
-      <a:dk1>
-        <a:srgbClr val="000000"/>
-      </a:dk1>
-      <a:lt1>
-        <a:srgbClr val="FFFFFF"/>
-      </a:lt1>
-      <a:dk2>
-        <a:srgbClr val="158158"/>
-      </a:dk2>
-      <a:lt2>
-        <a:srgbClr val="F3F3F3"/>
-      </a:lt2>
-      <a:accent1>
-        <a:srgbClr val="058DC7"/>
-      </a:accent1>
-      <a:accent2>
-        <a:srgbClr val="50B432"/>
-      </a:accent2>
-      <a:accent3>
-        <a:srgbClr val="ED561B"/>
-      </a:accent3>
-      <a:accent4>
-        <a:srgbClr val="EDEF00"/>
-      </a:accent4>
-      <a:accent5>
-        <a:srgbClr val="24CBE5"/>
-      </a:accent5>
-      <a:accent6>
-        <a:srgbClr val="64E572"/>
-      </a:accent6>
-      <a:hlink>
-        <a:srgbClr val="2200CC"/>
-      </a:hlink>
-      <a:folHlink>
-        <a:srgbClr val="551A8B"/>
-      </a:folHlink>
-    </a:clrScheme>
-    <a:fontScheme name="Office">
-      <a:majorFont>
-        <a:latin typeface="Arial"/>
-        <a:ea typeface=""/>
-        <a:cs typeface=""/>
-        <a:font script="Jpan" typeface="ＭＳ Ｐゴシック"/>
-        <a:font script="Hang" typeface="맑은 고딕"/>
-        <a:font script="Hans" typeface="宋体"/>
-        <a:font script="Hant" typeface="新細明體"/>
-        <a:font script="Arab" typeface="Times New Roman"/>
-        <a:font script="Hebr" typeface="Times New Roman"/>
-        <a:font script="Thai" typeface="Angsana New"/>
-        <a:font script="Ethi" typeface="Nyala"/>
-        <a:font script="Beng" typeface="Vrinda"/>
-        <a:font script="Gujr" typeface="Shruti"/>
-        <a:font script="Khmr" typeface="MoolBoran"/>
-        <a:font script="Knda" typeface="Tunga"/>
-        <a:font script="Guru" typeface="Raavi"/>
-        <a:font script="Cans" typeface="Euphemia"/>
-        <a:font script="Cher" typeface="Plantagenet Cherokee"/>
-        <a:font script="Yiii" typeface="Microsoft Yi Baiti"/>
-        <a:font script="Tibt" typeface="Microsoft Himalaya"/>
-        <a:font script="Thaa" typeface="MV Boli"/>
-        <a:font script="Deva" typeface="Mangal"/>
-        <a:font script="Telu" typeface="Gautami"/>
-        <a:font script="Taml" typeface="Latha"/>
-        <a:font script="Syrc" typeface="Estrangelo Edessa"/>
-        <a:font script="Orya" typeface="Kalinga"/>
-        <a:font script="Mlym" typeface="Kartika"/>
-        <a:font script="Laoo" typeface="DokChampa"/>
-        <a:font script="Sinh" typeface="Iskoola Pota"/>
-        <a:font script="Mong" typeface="Mongolian Baiti"/>
-        <a:font script="Viet" typeface="Times New Roman"/>
-        <a:font script="Uigh" typeface="Microsoft Uighur"/>
-        <a:font script="Geor" typeface="Sylfaen"/>
-      </a:majorFont>
-      <a:minorFont>
-        <a:latin typeface="Arial"/>
-        <a:ea typeface=""/>
-        <a:cs typeface=""/>
-        <a:font script="Jpan" typeface="ＭＳ Ｐゴシック"/>
-        <a:font script="Hang" typeface="맑은 고딕"/>
-        <a:font script="Hans" typeface="宋体"/>
-        <a:font script="Hant" typeface="新細明體"/>
-        <a:font script="Arab" typeface="Arial"/>
-        <a:font script="Hebr" typeface="Arial"/>
-        <a:font script="Thai" typeface="Cordia New"/>
-        <a:font script="Ethi" typeface="Nyala"/>
-        <a:font script="Beng" typeface="Vrinda"/>
-        <a:font script="Gujr" typeface="Shruti"/>
-        <a:font script="Khmr" typeface="DaunPenh"/>
-        <a:font script="Knda" typeface="Tunga"/>
-        <a:font script="Guru" typeface="Raavi"/>
-        <a:font script="Cans" typeface="Euphemia"/>
-        <a:font script="Cher" typeface="Plantagenet Cherokee"/>
-        <a:font script="Yiii" typeface="Microsoft Yi Baiti"/>
-        <a:font script="Tibt" typeface="Microsoft Himalaya"/>
-        <a:font script="Thaa" typeface="MV Boli"/>
-        <a:font script="Deva" typeface="Mangal"/>
-        <a:font script="Telu" typeface="Gautami"/>
-        <a:font script="Taml" typeface="Latha"/>
-        <a:font script="Syrc" typeface="Estrangelo Edessa"/>
-        <a:font script="Orya" typeface="Kalinga"/>
-        <a:font script="Mlym" typeface="Kartika"/>
-        <a:font script="Laoo" typeface="DokChampa"/>
-        <a:font script="Sinh" typeface="Iskoola Pota"/>
-        <a:font script="Mong" typeface="Mongolian Baiti"/>
-        <a:font script="Viet" typeface="Arial"/>
-        <a:font script="Uigh" typeface="Microsoft Uighur"/>
-        <a:font script="Geor" typeface="Sylfaen"/>
-      </a:minorFont>
-    </a:fontScheme>
-    <a:fmtScheme name="Office">
-      <a:fillStyleLst>
-        <a:solidFill>
-          <a:schemeClr val="phClr"/>
-        </a:solidFill>
-        <a:gradFill rotWithShape="1">
-          <a:gsLst>
-            <a:gs pos="0">
-              <a:schemeClr val="phClr">
-                <a:tint val="50000"/>
-                <a:satMod val="300000"/>
-              </a:schemeClr>
-            </a:gs>
-            <a:gs pos="35000">
-              <a:schemeClr val="phClr">
-                <a:tint val="37000"/>
-                <a:satMod val="300000"/>
-              </a:schemeClr>
-            </a:gs>
-            <a:gs pos="100000">
-              <a:schemeClr val="phClr">
-                <a:tint val="15000"/>
-                <a:satMod val="350000"/>
-              </a:schemeClr>
-            </a:gs>
-          </a:gsLst>
-          <a:lin ang="16200000" scaled="1"/>
-        </a:gradFill>
-        <a:gradFill rotWithShape="1">
-          <a:gsLst>
-            <a:gs pos="0">
-              <a:schemeClr val="phClr">
-                <a:tint val="100000"/>
-                <a:shade val="100000"/>
-                <a:satMod val="130000"/>
-              </a:schemeClr>
-            </a:gs>
-            <a:gs pos="100000">
-              <a:schemeClr val="phClr">
-                <a:tint val="50000"/>
-                <a:shade val="100000"/>
-                <a:satMod val="350000"/>
-              </a:schemeClr>
-            </a:gs>
-          </a:gsLst>
-          <a:lin ang="16200000" scaled="0"/>
-        </a:gradFill>
-      </a:fillStyleLst>
-      <a:lnStyleLst>
-        <a:ln w="9525" cap="flat" cmpd="sng" algn="ctr">
-          <a:solidFill>
-            <a:schemeClr val="phClr">
-              <a:shade val="95000"/>
-              <a:satMod val="105000"/>
-            </a:schemeClr>
-          </a:solidFill>
-          <a:prstDash val="solid"/>
-        </a:ln>
-        <a:ln w="25400" cap="flat" cmpd="sng" algn="ctr">
-          <a:solidFill>
-            <a:schemeClr val="phClr"/>
-          </a:solidFill>
-          <a:prstDash val="solid"/>
-        </a:ln>
-        <a:ln w="38100" cap="flat" cmpd="sng" algn="ctr">
-          <a:solidFill>
-            <a:schemeClr val="phClr"/>
-          </a:solidFill>
-          <a:prstDash val="solid"/>
-        </a:ln>
-      </a:lnStyleLst>
-      <a:effectStyleLst>
-        <a:effectStyle>
-          <a:effectLst>
-            <a:outerShdw blurRad="40000" dist="20000" dir="5400000" rotWithShape="0">
-              <a:srgbClr val="000000">
-                <a:alpha val="38000"/>
-              </a:srgbClr>
-            </a:outerShdw>
-          </a:effectLst>
-        </a:effectStyle>
-        <a:effectStyle>
-          <a:effectLst>
-            <a:outerShdw blurRad="40000" dist="23000" dir="5400000" rotWithShape="0">
-              <a:srgbClr val="000000">
-                <a:alpha val="35000"/>
-              </a:srgbClr>
-            </a:outerShdw>
-          </a:effectLst>
-        </a:effectStyle>
-        <a:effectStyle>
-          <a:effectLst>
-            <a:outerShdw blurRad="40000" dist="23000" dir="5400000" rotWithShape="0">
-              <a:srgbClr val="000000">
-                <a:alpha val="35000"/>
-              </a:srgbClr>
-            </a:outerShdw>
-          </a:effectLst>
-          <a:scene3d>
-            <a:camera prst="orthographicFront">
-              <a:rot lat="0" lon="0" rev="0"/>
-            </a:camera>
-            <a:lightRig rig="threePt" dir="t">
-              <a:rot lat="0" lon="0" rev="1200000"/>
-            </a:lightRig>
-          </a:scene3d>
-          <a:sp3d>
-            <a:bevelT w="63500" h="25400"/>
-          </a:sp3d>
-        </a:effectStyle>
-      </a:effectStyleLst>
-      <a:bgFillStyleLst>
-        <a:solidFill>
-          <a:schemeClr val="phClr"/>
-        </a:solidFill>
-        <a:gradFill rotWithShape="1">
-          <a:gsLst>
-            <a:gs pos="0">
-              <a:schemeClr val="phClr">
-                <a:tint val="40000"/>
-                <a:satMod val="350000"/>
-              </a:schemeClr>
-            </a:gs>
-            <a:gs pos="40000">
-              <a:schemeClr val="phClr">
-                <a:tint val="45000"/>
-                <a:shade val="99000"/>
-                <a:satMod val="350000"/>
-              </a:schemeClr>
-            </a:gs>
-            <a:gs pos="100000">
-              <a:schemeClr val="phClr">
-                <a:shade val="20000"/>
-                <a:satMod val="255000"/>
-              </a:schemeClr>
-            </a:gs>
-          </a:gsLst>
-          <a:path path="circle">
-            <a:fillToRect l="50000" t="-80000" r="50000" b="180000"/>
-          </a:path>
-        </a:gradFill>
-        <a:gradFill rotWithShape="1">
-          <a:gsLst>
-            <a:gs pos="0">
-              <a:schemeClr val="phClr">
-                <a:tint val="80000"/>
-                <a:satMod val="300000"/>
-              </a:schemeClr>
-            </a:gs>
-            <a:gs pos="100000">
-              <a:schemeClr val="phClr">
-                <a:shade val="30000"/>
-                <a:satMod val="200000"/>
-              </a:schemeClr>
-            </a:gs>
-          </a:gsLst>
-          <a:path path="circle">
-            <a:fillToRect l="50000" t="50000" r="50000" b="50000"/>
-          </a:path>
-        </a:gradFill>
-      </a:bgFillStyleLst>
-    </a:fmtScheme>
-  </a:themeElements>
-</a:theme>
 </file>
--- a/Presentation/Fraunhofer_Presentation.pptx
+++ b/Presentation/Fraunhofer_Presentation.pptx
@@ -19,16 +19,22 @@
     <p:sldId id="264" r:id="rId15"/>
     <p:sldId id="265" r:id="rId16"/>
     <p:sldId id="266" r:id="rId17"/>
+    <p:sldId id="267" r:id="rId18"/>
+    <p:sldId id="268" r:id="rId19"/>
+    <p:sldId id="269" r:id="rId20"/>
+    <p:sldId id="270" r:id="rId21"/>
+    <p:sldId id="271" r:id="rId22"/>
+    <p:sldId id="272" r:id="rId23"/>
   </p:sldIdLst>
   <p:sldSz cy="5143500" cx="9144000"/>
   <p:notesSz cx="6858000" cy="9144000"/>
   <p:embeddedFontLst>
     <p:embeddedFont>
       <p:font typeface="Source Sans Pro"/>
-      <p:regular r:id="rId18"/>
-      <p:bold r:id="rId19"/>
-      <p:italic r:id="rId20"/>
-      <p:boldItalic r:id="rId21"/>
+      <p:regular r:id="rId24"/>
+      <p:bold r:id="rId25"/>
+      <p:italic r:id="rId26"/>
+      <p:boldItalic r:id="rId27"/>
     </p:embeddedFont>
   </p:embeddedFontLst>
   <p:defaultTextStyle>
@@ -809,7 +815,7 @@
   <p:cSld>
     <p:spTree>
       <p:nvGrpSpPr>
-        <p:cNvPr id="142" name="Shape 142"/>
+        <p:cNvPr id="137" name="Shape 137"/>
         <p:cNvGrpSpPr/>
         <p:nvPr/>
       </p:nvGrpSpPr>
@@ -823,7 +829,7 @@
       </p:grpSpPr>
       <p:sp>
         <p:nvSpPr>
-          <p:cNvPr id="143" name="Google Shape;143;ga4a8d591eb_0_40:notes"/>
+          <p:cNvPr id="138" name="Google Shape;138;ga4ed72ae2a_0_42:notes"/>
           <p:cNvSpPr/>
           <p:nvPr>
             <p:ph idx="2" type="sldImg"/>
@@ -858,7 +864,7 @@
       </p:sp>
       <p:sp>
         <p:nvSpPr>
-          <p:cNvPr id="144" name="Google Shape;144;ga4a8d591eb_0_40:notes"/>
+          <p:cNvPr id="139" name="Google Shape;139;ga4ed72ae2a_0_42:notes"/>
           <p:cNvSpPr txBox="1"/>
           <p:nvPr>
             <p:ph idx="1" type="body"/>
@@ -908,7 +914,7 @@
   <p:cSld>
     <p:spTree>
       <p:nvGrpSpPr>
-        <p:cNvPr id="151" name="Shape 151"/>
+        <p:cNvPr id="146" name="Shape 146"/>
         <p:cNvGrpSpPr/>
         <p:nvPr/>
       </p:nvGrpSpPr>
@@ -922,7 +928,7 @@
       </p:grpSpPr>
       <p:sp>
         <p:nvSpPr>
-          <p:cNvPr id="152" name="Google Shape;152;ga4a8d8b656_0_13:notes"/>
+          <p:cNvPr id="147" name="Google Shape;147;ga4a8d591eb_0_9:notes"/>
           <p:cNvSpPr/>
           <p:nvPr>
             <p:ph idx="2" type="sldImg"/>
@@ -957,7 +963,603 @@
       </p:sp>
       <p:sp>
         <p:nvSpPr>
-          <p:cNvPr id="153" name="Google Shape;153;ga4a8d8b656_0_13:notes"/>
+          <p:cNvPr id="148" name="Google Shape;148;ga4a8d591eb_0_9:notes"/>
+          <p:cNvSpPr txBox="1"/>
+          <p:nvPr>
+            <p:ph idx="1" type="body"/>
+          </p:nvPr>
+        </p:nvSpPr>
+        <p:spPr>
+          <a:xfrm>
+            <a:off x="685800" y="4343400"/>
+            <a:ext cx="5486400" cy="4114800"/>
+          </a:xfrm>
+          <a:prstGeom prst="rect">
+            <a:avLst/>
+          </a:prstGeom>
+        </p:spPr>
+        <p:txBody>
+          <a:bodyPr anchorCtr="0" anchor="t" bIns="91425" lIns="91425" spcFirstLastPara="1" rIns="91425" wrap="square" tIns="91425">
+            <a:noAutofit/>
+          </a:bodyPr>
+          <a:lstStyle/>
+          <a:p>
+            <a:pPr indent="0" lvl="0" marL="0" rtl="0" algn="l">
+              <a:spcBef>
+                <a:spcPts val="0"/>
+              </a:spcBef>
+              <a:spcAft>
+                <a:spcPts val="0"/>
+              </a:spcAft>
+              <a:buNone/>
+            </a:pPr>
+            <a:r>
+              <a:t/>
+            </a:r>
+            <a:endParaRPr/>
+          </a:p>
+        </p:txBody>
+      </p:sp>
+    </p:spTree>
+  </p:cSld>
+  <p:clrMapOvr>
+    <a:masterClrMapping/>
+  </p:clrMapOvr>
+</p:notes>
+</file>
+
+<file path=ppt/notesSlides/notesSlide12.xml><?xml version="1.0" encoding="utf-8"?>
+<p:notes xmlns:a="http://schemas.openxmlformats.org/drawingml/2006/main" xmlns:r="http://schemas.openxmlformats.org/officeDocument/2006/relationships" xmlns:mc="http://schemas.openxmlformats.org/markup-compatibility/2006" xmlns:mv="urn:schemas-microsoft-com:mac:vml" xmlns:p="http://schemas.openxmlformats.org/presentationml/2006/main" xmlns:c="http://schemas.openxmlformats.org/drawingml/2006/chart" xmlns:dgm="http://schemas.openxmlformats.org/drawingml/2006/diagram" xmlns:o="urn:schemas-microsoft-com:office:office" xmlns:v="urn:schemas-microsoft-com:vml" xmlns:pvml="urn:schemas-microsoft-com:office:powerpoint" xmlns:com="http://schemas.openxmlformats.org/drawingml/2006/compatibility" xmlns:p14="http://schemas.microsoft.com/office/powerpoint/2010/main" xmlns:p15="http://schemas.microsoft.com/office/powerpoint/2012/main" xmlns:ahyp="http://schemas.microsoft.com/office/drawing/2018/hyperlinkcolor" showMasterPhAnim="0" showMasterSp="0">
+  <p:cSld>
+    <p:spTree>
+      <p:nvGrpSpPr>
+        <p:cNvPr id="156" name="Shape 156"/>
+        <p:cNvGrpSpPr/>
+        <p:nvPr/>
+      </p:nvGrpSpPr>
+      <p:grpSpPr>
+        <a:xfrm>
+          <a:off x="0" y="0"/>
+          <a:ext cx="0" cy="0"/>
+          <a:chOff x="0" y="0"/>
+          <a:chExt cx="0" cy="0"/>
+        </a:xfrm>
+      </p:grpSpPr>
+      <p:sp>
+        <p:nvSpPr>
+          <p:cNvPr id="157" name="Google Shape;157;ga4a8d591eb_0_16:notes"/>
+          <p:cNvSpPr/>
+          <p:nvPr>
+            <p:ph idx="2" type="sldImg"/>
+          </p:nvPr>
+        </p:nvSpPr>
+        <p:spPr>
+          <a:xfrm>
+            <a:off x="381300" y="685800"/>
+            <a:ext cx="6096000" cy="3429000"/>
+          </a:xfrm>
+          <a:custGeom>
+            <a:rect b="b" l="l" r="r" t="t"/>
+            <a:pathLst>
+              <a:path extrusionOk="0" h="120000" w="120000">
+                <a:moveTo>
+                  <a:pt x="0" y="0"/>
+                </a:moveTo>
+                <a:lnTo>
+                  <a:pt x="120000" y="0"/>
+                </a:lnTo>
+                <a:lnTo>
+                  <a:pt x="120000" y="120000"/>
+                </a:lnTo>
+                <a:lnTo>
+                  <a:pt x="0" y="120000"/>
+                </a:lnTo>
+                <a:close/>
+              </a:path>
+            </a:pathLst>
+          </a:custGeom>
+        </p:spPr>
+      </p:sp>
+      <p:sp>
+        <p:nvSpPr>
+          <p:cNvPr id="158" name="Google Shape;158;ga4a8d591eb_0_16:notes"/>
+          <p:cNvSpPr txBox="1"/>
+          <p:nvPr>
+            <p:ph idx="1" type="body"/>
+          </p:nvPr>
+        </p:nvSpPr>
+        <p:spPr>
+          <a:xfrm>
+            <a:off x="685800" y="4343400"/>
+            <a:ext cx="5486400" cy="4114800"/>
+          </a:xfrm>
+          <a:prstGeom prst="rect">
+            <a:avLst/>
+          </a:prstGeom>
+        </p:spPr>
+        <p:txBody>
+          <a:bodyPr anchorCtr="0" anchor="t" bIns="91425" lIns="91425" spcFirstLastPara="1" rIns="91425" wrap="square" tIns="91425">
+            <a:noAutofit/>
+          </a:bodyPr>
+          <a:lstStyle/>
+          <a:p>
+            <a:pPr indent="0" lvl="0" marL="0" rtl="0" algn="l">
+              <a:spcBef>
+                <a:spcPts val="0"/>
+              </a:spcBef>
+              <a:spcAft>
+                <a:spcPts val="0"/>
+              </a:spcAft>
+              <a:buNone/>
+            </a:pPr>
+            <a:r>
+              <a:rPr lang="en"/>
+              <a:t>Add reconstruction error</a:t>
+            </a:r>
+            <a:endParaRPr/>
+          </a:p>
+        </p:txBody>
+      </p:sp>
+    </p:spTree>
+  </p:cSld>
+  <p:clrMapOvr>
+    <a:masterClrMapping/>
+  </p:clrMapOvr>
+</p:notes>
+</file>
+
+<file path=ppt/notesSlides/notesSlide13.xml><?xml version="1.0" encoding="utf-8"?>
+<p:notes xmlns:a="http://schemas.openxmlformats.org/drawingml/2006/main" xmlns:r="http://schemas.openxmlformats.org/officeDocument/2006/relationships" xmlns:mc="http://schemas.openxmlformats.org/markup-compatibility/2006" xmlns:mv="urn:schemas-microsoft-com:mac:vml" xmlns:p="http://schemas.openxmlformats.org/presentationml/2006/main" xmlns:c="http://schemas.openxmlformats.org/drawingml/2006/chart" xmlns:dgm="http://schemas.openxmlformats.org/drawingml/2006/diagram" xmlns:o="urn:schemas-microsoft-com:office:office" xmlns:v="urn:schemas-microsoft-com:vml" xmlns:pvml="urn:schemas-microsoft-com:office:powerpoint" xmlns:com="http://schemas.openxmlformats.org/drawingml/2006/compatibility" xmlns:p14="http://schemas.microsoft.com/office/powerpoint/2010/main" xmlns:p15="http://schemas.microsoft.com/office/powerpoint/2012/main" xmlns:ahyp="http://schemas.microsoft.com/office/drawing/2018/hyperlinkcolor" showMasterPhAnim="0" showMasterSp="0">
+  <p:cSld>
+    <p:spTree>
+      <p:nvGrpSpPr>
+        <p:cNvPr id="171" name="Shape 171"/>
+        <p:cNvGrpSpPr/>
+        <p:nvPr/>
+      </p:nvGrpSpPr>
+      <p:grpSpPr>
+        <a:xfrm>
+          <a:off x="0" y="0"/>
+          <a:ext cx="0" cy="0"/>
+          <a:chOff x="0" y="0"/>
+          <a:chExt cx="0" cy="0"/>
+        </a:xfrm>
+      </p:grpSpPr>
+      <p:sp>
+        <p:nvSpPr>
+          <p:cNvPr id="172" name="Google Shape;172;ga4a8d591eb_0_25:notes"/>
+          <p:cNvSpPr/>
+          <p:nvPr>
+            <p:ph idx="2" type="sldImg"/>
+          </p:nvPr>
+        </p:nvSpPr>
+        <p:spPr>
+          <a:xfrm>
+            <a:off x="381300" y="685800"/>
+            <a:ext cx="6096000" cy="3429000"/>
+          </a:xfrm>
+          <a:custGeom>
+            <a:rect b="b" l="l" r="r" t="t"/>
+            <a:pathLst>
+              <a:path extrusionOk="0" h="120000" w="120000">
+                <a:moveTo>
+                  <a:pt x="0" y="0"/>
+                </a:moveTo>
+                <a:lnTo>
+                  <a:pt x="120000" y="0"/>
+                </a:lnTo>
+                <a:lnTo>
+                  <a:pt x="120000" y="120000"/>
+                </a:lnTo>
+                <a:lnTo>
+                  <a:pt x="0" y="120000"/>
+                </a:lnTo>
+                <a:close/>
+              </a:path>
+            </a:pathLst>
+          </a:custGeom>
+        </p:spPr>
+      </p:sp>
+      <p:sp>
+        <p:nvSpPr>
+          <p:cNvPr id="173" name="Google Shape;173;ga4a8d591eb_0_25:notes"/>
+          <p:cNvSpPr txBox="1"/>
+          <p:nvPr>
+            <p:ph idx="1" type="body"/>
+          </p:nvPr>
+        </p:nvSpPr>
+        <p:spPr>
+          <a:xfrm>
+            <a:off x="685800" y="4343400"/>
+            <a:ext cx="5486400" cy="4114800"/>
+          </a:xfrm>
+          <a:prstGeom prst="rect">
+            <a:avLst/>
+          </a:prstGeom>
+        </p:spPr>
+        <p:txBody>
+          <a:bodyPr anchorCtr="0" anchor="t" bIns="91425" lIns="91425" spcFirstLastPara="1" rIns="91425" wrap="square" tIns="91425">
+            <a:noAutofit/>
+          </a:bodyPr>
+          <a:lstStyle/>
+          <a:p>
+            <a:pPr indent="0" lvl="0" marL="0" rtl="0" algn="l">
+              <a:spcBef>
+                <a:spcPts val="0"/>
+              </a:spcBef>
+              <a:spcAft>
+                <a:spcPts val="0"/>
+              </a:spcAft>
+              <a:buNone/>
+            </a:pPr>
+            <a:r>
+              <a:t/>
+            </a:r>
+            <a:endParaRPr/>
+          </a:p>
+        </p:txBody>
+      </p:sp>
+    </p:spTree>
+  </p:cSld>
+  <p:clrMapOvr>
+    <a:masterClrMapping/>
+  </p:clrMapOvr>
+</p:notes>
+</file>
+
+<file path=ppt/notesSlides/notesSlide14.xml><?xml version="1.0" encoding="utf-8"?>
+<p:notes xmlns:a="http://schemas.openxmlformats.org/drawingml/2006/main" xmlns:r="http://schemas.openxmlformats.org/officeDocument/2006/relationships" xmlns:mc="http://schemas.openxmlformats.org/markup-compatibility/2006" xmlns:mv="urn:schemas-microsoft-com:mac:vml" xmlns:p="http://schemas.openxmlformats.org/presentationml/2006/main" xmlns:c="http://schemas.openxmlformats.org/drawingml/2006/chart" xmlns:dgm="http://schemas.openxmlformats.org/drawingml/2006/diagram" xmlns:o="urn:schemas-microsoft-com:office:office" xmlns:v="urn:schemas-microsoft-com:vml" xmlns:pvml="urn:schemas-microsoft-com:office:powerpoint" xmlns:com="http://schemas.openxmlformats.org/drawingml/2006/compatibility" xmlns:p14="http://schemas.microsoft.com/office/powerpoint/2010/main" xmlns:p15="http://schemas.microsoft.com/office/powerpoint/2012/main" xmlns:ahyp="http://schemas.microsoft.com/office/drawing/2018/hyperlinkcolor" showMasterPhAnim="0" showMasterSp="0">
+  <p:cSld>
+    <p:spTree>
+      <p:nvGrpSpPr>
+        <p:cNvPr id="181" name="Shape 181"/>
+        <p:cNvGrpSpPr/>
+        <p:nvPr/>
+      </p:nvGrpSpPr>
+      <p:grpSpPr>
+        <a:xfrm>
+          <a:off x="0" y="0"/>
+          <a:ext cx="0" cy="0"/>
+          <a:chOff x="0" y="0"/>
+          <a:chExt cx="0" cy="0"/>
+        </a:xfrm>
+      </p:grpSpPr>
+      <p:sp>
+        <p:nvSpPr>
+          <p:cNvPr id="182" name="Google Shape;182;ga4a8d591eb_0_33:notes"/>
+          <p:cNvSpPr/>
+          <p:nvPr>
+            <p:ph idx="2" type="sldImg"/>
+          </p:nvPr>
+        </p:nvSpPr>
+        <p:spPr>
+          <a:xfrm>
+            <a:off x="381300" y="685800"/>
+            <a:ext cx="6096000" cy="3429000"/>
+          </a:xfrm>
+          <a:custGeom>
+            <a:rect b="b" l="l" r="r" t="t"/>
+            <a:pathLst>
+              <a:path extrusionOk="0" h="120000" w="120000">
+                <a:moveTo>
+                  <a:pt x="0" y="0"/>
+                </a:moveTo>
+                <a:lnTo>
+                  <a:pt x="120000" y="0"/>
+                </a:lnTo>
+                <a:lnTo>
+                  <a:pt x="120000" y="120000"/>
+                </a:lnTo>
+                <a:lnTo>
+                  <a:pt x="0" y="120000"/>
+                </a:lnTo>
+                <a:close/>
+              </a:path>
+            </a:pathLst>
+          </a:custGeom>
+        </p:spPr>
+      </p:sp>
+      <p:sp>
+        <p:nvSpPr>
+          <p:cNvPr id="183" name="Google Shape;183;ga4a8d591eb_0_33:notes"/>
+          <p:cNvSpPr txBox="1"/>
+          <p:nvPr>
+            <p:ph idx="1" type="body"/>
+          </p:nvPr>
+        </p:nvSpPr>
+        <p:spPr>
+          <a:xfrm>
+            <a:off x="685800" y="4343400"/>
+            <a:ext cx="5486400" cy="4114800"/>
+          </a:xfrm>
+          <a:prstGeom prst="rect">
+            <a:avLst/>
+          </a:prstGeom>
+        </p:spPr>
+        <p:txBody>
+          <a:bodyPr anchorCtr="0" anchor="t" bIns="91425" lIns="91425" spcFirstLastPara="1" rIns="91425" wrap="square" tIns="91425">
+            <a:noAutofit/>
+          </a:bodyPr>
+          <a:lstStyle/>
+          <a:p>
+            <a:pPr indent="0" lvl="0" marL="0" rtl="0" algn="l">
+              <a:spcBef>
+                <a:spcPts val="0"/>
+              </a:spcBef>
+              <a:spcAft>
+                <a:spcPts val="0"/>
+              </a:spcAft>
+              <a:buNone/>
+            </a:pPr>
+            <a:r>
+              <a:t/>
+            </a:r>
+            <a:endParaRPr/>
+          </a:p>
+        </p:txBody>
+      </p:sp>
+    </p:spTree>
+  </p:cSld>
+  <p:clrMapOvr>
+    <a:masterClrMapping/>
+  </p:clrMapOvr>
+</p:notes>
+</file>
+
+<file path=ppt/notesSlides/notesSlide15.xml><?xml version="1.0" encoding="utf-8"?>
+<p:notes xmlns:a="http://schemas.openxmlformats.org/drawingml/2006/main" xmlns:r="http://schemas.openxmlformats.org/officeDocument/2006/relationships" xmlns:mc="http://schemas.openxmlformats.org/markup-compatibility/2006" xmlns:mv="urn:schemas-microsoft-com:mac:vml" xmlns:p="http://schemas.openxmlformats.org/presentationml/2006/main" xmlns:c="http://schemas.openxmlformats.org/drawingml/2006/chart" xmlns:dgm="http://schemas.openxmlformats.org/drawingml/2006/diagram" xmlns:o="urn:schemas-microsoft-com:office:office" xmlns:v="urn:schemas-microsoft-com:vml" xmlns:pvml="urn:schemas-microsoft-com:office:powerpoint" xmlns:com="http://schemas.openxmlformats.org/drawingml/2006/compatibility" xmlns:p14="http://schemas.microsoft.com/office/powerpoint/2010/main" xmlns:p15="http://schemas.microsoft.com/office/powerpoint/2012/main" xmlns:ahyp="http://schemas.microsoft.com/office/drawing/2018/hyperlinkcolor" showMasterPhAnim="0" showMasterSp="0">
+  <p:cSld>
+    <p:spTree>
+      <p:nvGrpSpPr>
+        <p:cNvPr id="192" name="Shape 192"/>
+        <p:cNvGrpSpPr/>
+        <p:nvPr/>
+      </p:nvGrpSpPr>
+      <p:grpSpPr>
+        <a:xfrm>
+          <a:off x="0" y="0"/>
+          <a:ext cx="0" cy="0"/>
+          <a:chOff x="0" y="0"/>
+          <a:chExt cx="0" cy="0"/>
+        </a:xfrm>
+      </p:grpSpPr>
+      <p:sp>
+        <p:nvSpPr>
+          <p:cNvPr id="193" name="Google Shape;193;ga4a8d591eb_0_40:notes"/>
+          <p:cNvSpPr/>
+          <p:nvPr>
+            <p:ph idx="2" type="sldImg"/>
+          </p:nvPr>
+        </p:nvSpPr>
+        <p:spPr>
+          <a:xfrm>
+            <a:off x="381300" y="685800"/>
+            <a:ext cx="6096000" cy="3429000"/>
+          </a:xfrm>
+          <a:custGeom>
+            <a:rect b="b" l="l" r="r" t="t"/>
+            <a:pathLst>
+              <a:path extrusionOk="0" h="120000" w="120000">
+                <a:moveTo>
+                  <a:pt x="0" y="0"/>
+                </a:moveTo>
+                <a:lnTo>
+                  <a:pt x="120000" y="0"/>
+                </a:lnTo>
+                <a:lnTo>
+                  <a:pt x="120000" y="120000"/>
+                </a:lnTo>
+                <a:lnTo>
+                  <a:pt x="0" y="120000"/>
+                </a:lnTo>
+                <a:close/>
+              </a:path>
+            </a:pathLst>
+          </a:custGeom>
+        </p:spPr>
+      </p:sp>
+      <p:sp>
+        <p:nvSpPr>
+          <p:cNvPr id="194" name="Google Shape;194;ga4a8d591eb_0_40:notes"/>
+          <p:cNvSpPr txBox="1"/>
+          <p:nvPr>
+            <p:ph idx="1" type="body"/>
+          </p:nvPr>
+        </p:nvSpPr>
+        <p:spPr>
+          <a:xfrm>
+            <a:off x="685800" y="4343400"/>
+            <a:ext cx="5486400" cy="4114800"/>
+          </a:xfrm>
+          <a:prstGeom prst="rect">
+            <a:avLst/>
+          </a:prstGeom>
+        </p:spPr>
+        <p:txBody>
+          <a:bodyPr anchorCtr="0" anchor="t" bIns="91425" lIns="91425" spcFirstLastPara="1" rIns="91425" wrap="square" tIns="91425">
+            <a:noAutofit/>
+          </a:bodyPr>
+          <a:lstStyle/>
+          <a:p>
+            <a:pPr indent="0" lvl="0" marL="0" rtl="0" algn="l">
+              <a:spcBef>
+                <a:spcPts val="0"/>
+              </a:spcBef>
+              <a:spcAft>
+                <a:spcPts val="0"/>
+              </a:spcAft>
+              <a:buNone/>
+            </a:pPr>
+            <a:r>
+              <a:t/>
+            </a:r>
+            <a:endParaRPr/>
+          </a:p>
+        </p:txBody>
+      </p:sp>
+    </p:spTree>
+  </p:cSld>
+  <p:clrMapOvr>
+    <a:masterClrMapping/>
+  </p:clrMapOvr>
+</p:notes>
+</file>
+
+<file path=ppt/notesSlides/notesSlide16.xml><?xml version="1.0" encoding="utf-8"?>
+<p:notes xmlns:a="http://schemas.openxmlformats.org/drawingml/2006/main" xmlns:r="http://schemas.openxmlformats.org/officeDocument/2006/relationships" xmlns:mc="http://schemas.openxmlformats.org/markup-compatibility/2006" xmlns:mv="urn:schemas-microsoft-com:mac:vml" xmlns:p="http://schemas.openxmlformats.org/presentationml/2006/main" xmlns:c="http://schemas.openxmlformats.org/drawingml/2006/chart" xmlns:dgm="http://schemas.openxmlformats.org/drawingml/2006/diagram" xmlns:o="urn:schemas-microsoft-com:office:office" xmlns:v="urn:schemas-microsoft-com:vml" xmlns:pvml="urn:schemas-microsoft-com:office:powerpoint" xmlns:com="http://schemas.openxmlformats.org/drawingml/2006/compatibility" xmlns:p14="http://schemas.microsoft.com/office/powerpoint/2010/main" xmlns:p15="http://schemas.microsoft.com/office/powerpoint/2012/main" xmlns:ahyp="http://schemas.microsoft.com/office/drawing/2018/hyperlinkcolor" showMasterPhAnim="0" showMasterSp="0">
+  <p:cSld>
+    <p:spTree>
+      <p:nvGrpSpPr>
+        <p:cNvPr id="201" name="Shape 201"/>
+        <p:cNvGrpSpPr/>
+        <p:nvPr/>
+      </p:nvGrpSpPr>
+      <p:grpSpPr>
+        <a:xfrm>
+          <a:off x="0" y="0"/>
+          <a:ext cx="0" cy="0"/>
+          <a:chOff x="0" y="0"/>
+          <a:chExt cx="0" cy="0"/>
+        </a:xfrm>
+      </p:grpSpPr>
+      <p:sp>
+        <p:nvSpPr>
+          <p:cNvPr id="202" name="Google Shape;202;ga4ed72ae2a_0_51:notes"/>
+          <p:cNvSpPr/>
+          <p:nvPr>
+            <p:ph idx="2" type="sldImg"/>
+          </p:nvPr>
+        </p:nvSpPr>
+        <p:spPr>
+          <a:xfrm>
+            <a:off x="381300" y="685800"/>
+            <a:ext cx="6096000" cy="3429000"/>
+          </a:xfrm>
+          <a:custGeom>
+            <a:rect b="b" l="l" r="r" t="t"/>
+            <a:pathLst>
+              <a:path extrusionOk="0" h="120000" w="120000">
+                <a:moveTo>
+                  <a:pt x="0" y="0"/>
+                </a:moveTo>
+                <a:lnTo>
+                  <a:pt x="120000" y="0"/>
+                </a:lnTo>
+                <a:lnTo>
+                  <a:pt x="120000" y="120000"/>
+                </a:lnTo>
+                <a:lnTo>
+                  <a:pt x="0" y="120000"/>
+                </a:lnTo>
+                <a:close/>
+              </a:path>
+            </a:pathLst>
+          </a:custGeom>
+        </p:spPr>
+      </p:sp>
+      <p:sp>
+        <p:nvSpPr>
+          <p:cNvPr id="203" name="Google Shape;203;ga4ed72ae2a_0_51:notes"/>
+          <p:cNvSpPr txBox="1"/>
+          <p:nvPr>
+            <p:ph idx="1" type="body"/>
+          </p:nvPr>
+        </p:nvSpPr>
+        <p:spPr>
+          <a:xfrm>
+            <a:off x="685800" y="4343400"/>
+            <a:ext cx="5486400" cy="4114800"/>
+          </a:xfrm>
+          <a:prstGeom prst="rect">
+            <a:avLst/>
+          </a:prstGeom>
+        </p:spPr>
+        <p:txBody>
+          <a:bodyPr anchorCtr="0" anchor="t" bIns="91425" lIns="91425" spcFirstLastPara="1" rIns="91425" wrap="square" tIns="91425">
+            <a:noAutofit/>
+          </a:bodyPr>
+          <a:lstStyle/>
+          <a:p>
+            <a:pPr indent="0" lvl="0" marL="0" rtl="0" algn="l">
+              <a:spcBef>
+                <a:spcPts val="0"/>
+              </a:spcBef>
+              <a:spcAft>
+                <a:spcPts val="0"/>
+              </a:spcAft>
+              <a:buNone/>
+            </a:pPr>
+            <a:r>
+              <a:rPr lang="en"/>
+              <a:t>Add future work</a:t>
+            </a:r>
+            <a:endParaRPr/>
+          </a:p>
+        </p:txBody>
+      </p:sp>
+    </p:spTree>
+  </p:cSld>
+  <p:clrMapOvr>
+    <a:masterClrMapping/>
+  </p:clrMapOvr>
+</p:notes>
+</file>
+
+<file path=ppt/notesSlides/notesSlide17.xml><?xml version="1.0" encoding="utf-8"?>
+<p:notes xmlns:a="http://schemas.openxmlformats.org/drawingml/2006/main" xmlns:r="http://schemas.openxmlformats.org/officeDocument/2006/relationships" xmlns:mc="http://schemas.openxmlformats.org/markup-compatibility/2006" xmlns:mv="urn:schemas-microsoft-com:mac:vml" xmlns:p="http://schemas.openxmlformats.org/presentationml/2006/main" xmlns:c="http://schemas.openxmlformats.org/drawingml/2006/chart" xmlns:dgm="http://schemas.openxmlformats.org/drawingml/2006/diagram" xmlns:o="urn:schemas-microsoft-com:office:office" xmlns:v="urn:schemas-microsoft-com:vml" xmlns:pvml="urn:schemas-microsoft-com:office:powerpoint" xmlns:com="http://schemas.openxmlformats.org/drawingml/2006/compatibility" xmlns:p14="http://schemas.microsoft.com/office/powerpoint/2010/main" xmlns:p15="http://schemas.microsoft.com/office/powerpoint/2012/main" xmlns:ahyp="http://schemas.microsoft.com/office/drawing/2018/hyperlinkcolor" showMasterPhAnim="0" showMasterSp="0">
+  <p:cSld>
+    <p:spTree>
+      <p:nvGrpSpPr>
+        <p:cNvPr id="209" name="Shape 209"/>
+        <p:cNvGrpSpPr/>
+        <p:nvPr/>
+      </p:nvGrpSpPr>
+      <p:grpSpPr>
+        <a:xfrm>
+          <a:off x="0" y="0"/>
+          <a:ext cx="0" cy="0"/>
+          <a:chOff x="0" y="0"/>
+          <a:chExt cx="0" cy="0"/>
+        </a:xfrm>
+      </p:grpSpPr>
+      <p:sp>
+        <p:nvSpPr>
+          <p:cNvPr id="210" name="Google Shape;210;ga4a8d8b656_0_13:notes"/>
+          <p:cNvSpPr/>
+          <p:nvPr>
+            <p:ph idx="2" type="sldImg"/>
+          </p:nvPr>
+        </p:nvSpPr>
+        <p:spPr>
+          <a:xfrm>
+            <a:off x="381300" y="685800"/>
+            <a:ext cx="6096000" cy="3429000"/>
+          </a:xfrm>
+          <a:custGeom>
+            <a:rect b="b" l="l" r="r" t="t"/>
+            <a:pathLst>
+              <a:path extrusionOk="0" h="120000" w="120000">
+                <a:moveTo>
+                  <a:pt x="0" y="0"/>
+                </a:moveTo>
+                <a:lnTo>
+                  <a:pt x="120000" y="0"/>
+                </a:lnTo>
+                <a:lnTo>
+                  <a:pt x="120000" y="120000"/>
+                </a:lnTo>
+                <a:lnTo>
+                  <a:pt x="0" y="120000"/>
+                </a:lnTo>
+                <a:close/>
+              </a:path>
+            </a:pathLst>
+          </a:custGeom>
+        </p:spPr>
+      </p:sp>
+      <p:sp>
+        <p:nvSpPr>
+          <p:cNvPr id="211" name="Google Shape;211;ga4a8d8b656_0_13:notes"/>
           <p:cNvSpPr txBox="1"/>
           <p:nvPr>
             <p:ph idx="1" type="body"/>
@@ -1120,7 +1722,7 @@
       </p:grpSpPr>
       <p:sp>
         <p:nvSpPr>
-          <p:cNvPr id="66" name="Google Shape;66;g9e612d93ce_0_0:notes"/>
+          <p:cNvPr id="66" name="Google Shape;66;ga4ed72ae2a_0_0:notes"/>
           <p:cNvSpPr/>
           <p:nvPr>
             <p:ph idx="2" type="sldImg"/>
@@ -1155,7 +1757,7 @@
       </p:sp>
       <p:sp>
         <p:nvSpPr>
-          <p:cNvPr id="67" name="Google Shape;67;g9e612d93ce_0_0:notes"/>
+          <p:cNvPr id="67" name="Google Shape;67;ga4ed72ae2a_0_0:notes"/>
           <p:cNvSpPr txBox="1"/>
           <p:nvPr>
             <p:ph idx="1" type="body"/>
@@ -1205,7 +1807,7 @@
   <p:cSld>
     <p:spTree>
       <p:nvGrpSpPr>
-        <p:cNvPr id="75" name="Shape 75"/>
+        <p:cNvPr id="73" name="Shape 73"/>
         <p:cNvGrpSpPr/>
         <p:nvPr/>
       </p:nvGrpSpPr>
@@ -1219,7 +1821,7 @@
       </p:grpSpPr>
       <p:sp>
         <p:nvSpPr>
-          <p:cNvPr id="76" name="Google Shape;76;g9e612d93ce_0_6:notes"/>
+          <p:cNvPr id="74" name="Google Shape;74;g9e612d93ce_0_0:notes"/>
           <p:cNvSpPr/>
           <p:nvPr>
             <p:ph idx="2" type="sldImg"/>
@@ -1254,7 +1856,7 @@
       </p:sp>
       <p:sp>
         <p:nvSpPr>
-          <p:cNvPr id="77" name="Google Shape;77;g9e612d93ce_0_6:notes"/>
+          <p:cNvPr id="75" name="Google Shape;75;g9e612d93ce_0_0:notes"/>
           <p:cNvSpPr txBox="1"/>
           <p:nvPr>
             <p:ph idx="1" type="body"/>
@@ -1304,7 +1906,7 @@
   <p:cSld>
     <p:spTree>
       <p:nvGrpSpPr>
-        <p:cNvPr id="86" name="Shape 86"/>
+        <p:cNvPr id="83" name="Shape 83"/>
         <p:cNvGrpSpPr/>
         <p:nvPr/>
       </p:nvGrpSpPr>
@@ -1318,7 +1920,7 @@
       </p:grpSpPr>
       <p:sp>
         <p:nvSpPr>
-          <p:cNvPr id="87" name="Google Shape;87;ga4a8d591eb_0_0:notes"/>
+          <p:cNvPr id="84" name="Google Shape;84;ga4ed72ae2a_0_9:notes"/>
           <p:cNvSpPr/>
           <p:nvPr>
             <p:ph idx="2" type="sldImg"/>
@@ -1353,7 +1955,7 @@
       </p:sp>
       <p:sp>
         <p:nvSpPr>
-          <p:cNvPr id="88" name="Google Shape;88;ga4a8d591eb_0_0:notes"/>
+          <p:cNvPr id="85" name="Google Shape;85;ga4ed72ae2a_0_9:notes"/>
           <p:cNvSpPr txBox="1"/>
           <p:nvPr>
             <p:ph idx="1" type="body"/>
@@ -1403,7 +2005,7 @@
   <p:cSld>
     <p:spTree>
       <p:nvGrpSpPr>
-        <p:cNvPr id="97" name="Shape 97"/>
+        <p:cNvPr id="93" name="Shape 93"/>
         <p:cNvGrpSpPr/>
         <p:nvPr/>
       </p:nvGrpSpPr>
@@ -1417,7 +2019,7 @@
       </p:grpSpPr>
       <p:sp>
         <p:nvSpPr>
-          <p:cNvPr id="98" name="Google Shape;98;ga4a8d591eb_0_9:notes"/>
+          <p:cNvPr id="94" name="Google Shape;94;ga4ed72ae2a_0_24:notes"/>
           <p:cNvSpPr/>
           <p:nvPr>
             <p:ph idx="2" type="sldImg"/>
@@ -1452,7 +2054,7 @@
       </p:sp>
       <p:sp>
         <p:nvSpPr>
-          <p:cNvPr id="99" name="Google Shape;99;ga4a8d591eb_0_9:notes"/>
+          <p:cNvPr id="95" name="Google Shape;95;ga4ed72ae2a_0_24:notes"/>
           <p:cNvSpPr txBox="1"/>
           <p:nvPr>
             <p:ph idx="1" type="body"/>
@@ -1502,7 +2104,7 @@
   <p:cSld>
     <p:spTree>
       <p:nvGrpSpPr>
-        <p:cNvPr id="107" name="Shape 107"/>
+        <p:cNvPr id="104" name="Shape 104"/>
         <p:cNvGrpSpPr/>
         <p:nvPr/>
       </p:nvGrpSpPr>
@@ -1516,7 +2118,7 @@
       </p:grpSpPr>
       <p:sp>
         <p:nvSpPr>
-          <p:cNvPr id="108" name="Google Shape;108;ga4a8d591eb_0_16:notes"/>
+          <p:cNvPr id="105" name="Google Shape;105;ga4ed72ae2a_0_18:notes"/>
           <p:cNvSpPr/>
           <p:nvPr>
             <p:ph idx="2" type="sldImg"/>
@@ -1551,7 +2153,7 @@
       </p:sp>
       <p:sp>
         <p:nvSpPr>
-          <p:cNvPr id="109" name="Google Shape;109;ga4a8d591eb_0_16:notes"/>
+          <p:cNvPr id="106" name="Google Shape;106;ga4ed72ae2a_0_18:notes"/>
           <p:cNvSpPr txBox="1"/>
           <p:nvPr>
             <p:ph idx="1" type="body"/>
@@ -1601,7 +2203,7 @@
   <p:cSld>
     <p:spTree>
       <p:nvGrpSpPr>
-        <p:cNvPr id="121" name="Shape 121"/>
+        <p:cNvPr id="115" name="Shape 115"/>
         <p:cNvGrpSpPr/>
         <p:nvPr/>
       </p:nvGrpSpPr>
@@ -1615,7 +2217,7 @@
       </p:grpSpPr>
       <p:sp>
         <p:nvSpPr>
-          <p:cNvPr id="122" name="Google Shape;122;ga4a8d591eb_0_25:notes"/>
+          <p:cNvPr id="116" name="Google Shape;116;g9e612d93ce_0_6:notes"/>
           <p:cNvSpPr/>
           <p:nvPr>
             <p:ph idx="2" type="sldImg"/>
@@ -1650,7 +2252,7 @@
       </p:sp>
       <p:sp>
         <p:nvSpPr>
-          <p:cNvPr id="123" name="Google Shape;123;ga4a8d591eb_0_25:notes"/>
+          <p:cNvPr id="117" name="Google Shape;117;g9e612d93ce_0_6:notes"/>
           <p:cNvSpPr txBox="1"/>
           <p:nvPr>
             <p:ph idx="1" type="body"/>
@@ -1700,7 +2302,7 @@
   <p:cSld>
     <p:spTree>
       <p:nvGrpSpPr>
-        <p:cNvPr id="131" name="Shape 131"/>
+        <p:cNvPr id="126" name="Shape 126"/>
         <p:cNvGrpSpPr/>
         <p:nvPr/>
       </p:nvGrpSpPr>
@@ -1714,7 +2316,7 @@
       </p:grpSpPr>
       <p:sp>
         <p:nvSpPr>
-          <p:cNvPr id="132" name="Google Shape;132;ga4a8d591eb_0_33:notes"/>
+          <p:cNvPr id="127" name="Google Shape;127;ga4a8d591eb_0_0:notes"/>
           <p:cNvSpPr/>
           <p:nvPr>
             <p:ph idx="2" type="sldImg"/>
@@ -1749,7 +2351,7 @@
       </p:sp>
       <p:sp>
         <p:nvSpPr>
-          <p:cNvPr id="133" name="Google Shape;133;ga4a8d591eb_0_33:notes"/>
+          <p:cNvPr id="128" name="Google Shape;128;ga4a8d591eb_0_0:notes"/>
           <p:cNvSpPr txBox="1"/>
           <p:nvPr>
             <p:ph idx="1" type="body"/>
@@ -6677,7 +7279,7 @@
                 <a:cs typeface="Times New Roman"/>
                 <a:sym typeface="Times New Roman"/>
               </a:rPr>
-              <a:t>M.Sc Moritz Wölter</a:t>
+              <a:t>Moritz Wolter</a:t>
             </a:r>
             <a:endParaRPr sz="2000">
               <a:latin typeface="Times New Roman"/>
@@ -6706,7 +7308,7 @@
                 <a:cs typeface="Times New Roman"/>
                 <a:sym typeface="Times New Roman"/>
               </a:rPr>
-              <a:t>Prof. Dr. Jochen Garcke</a:t>
+              <a:t>Prof. Jochen Garcke</a:t>
             </a:r>
             <a:endParaRPr sz="2000">
               <a:latin typeface="Times New Roman"/>
@@ -6730,7 +7332,7 @@
   <p:cSld>
     <p:spTree>
       <p:nvGrpSpPr>
-        <p:cNvPr id="145" name="Shape 145"/>
+        <p:cNvPr id="140" name="Shape 140"/>
         <p:cNvGrpSpPr/>
         <p:nvPr/>
       </p:nvGrpSpPr>
@@ -6744,7 +7346,2268 @@
       </p:grpSpPr>
       <p:sp>
         <p:nvSpPr>
-          <p:cNvPr id="146" name="Google Shape;146;p22"/>
+          <p:cNvPr id="141" name="Google Shape;141;p22"/>
+          <p:cNvSpPr txBox="1"/>
+          <p:nvPr>
+            <p:ph type="title"/>
+          </p:nvPr>
+        </p:nvSpPr>
+        <p:spPr>
+          <a:xfrm>
+            <a:off x="311700" y="445025"/>
+            <a:ext cx="8520600" cy="572700"/>
+          </a:xfrm>
+          <a:prstGeom prst="rect">
+            <a:avLst/>
+          </a:prstGeom>
+        </p:spPr>
+        <p:txBody>
+          <a:bodyPr anchorCtr="0" anchor="t" bIns="91425" lIns="91425" spcFirstLastPara="1" rIns="91425" wrap="square" tIns="91425">
+            <a:noAutofit/>
+          </a:bodyPr>
+          <a:lstStyle/>
+          <a:p>
+            <a:pPr indent="0" lvl="0" marL="0" rtl="0" algn="l">
+              <a:spcBef>
+                <a:spcPts val="0"/>
+              </a:spcBef>
+              <a:spcAft>
+                <a:spcPts val="0"/>
+              </a:spcAft>
+              <a:buNone/>
+            </a:pPr>
+            <a:r>
+              <a:rPr b="1" lang="en" sz="3000">
+                <a:latin typeface="Times New Roman"/>
+                <a:ea typeface="Times New Roman"/>
+                <a:cs typeface="Times New Roman"/>
+                <a:sym typeface="Times New Roman"/>
+              </a:rPr>
+              <a:t>CP-ALS algorithm</a:t>
+            </a:r>
+            <a:endParaRPr b="1" sz="3000">
+              <a:latin typeface="Times New Roman"/>
+              <a:ea typeface="Times New Roman"/>
+              <a:cs typeface="Times New Roman"/>
+              <a:sym typeface="Times New Roman"/>
+            </a:endParaRPr>
+          </a:p>
+        </p:txBody>
+      </p:sp>
+      <p:sp>
+        <p:nvSpPr>
+          <p:cNvPr id="142" name="Google Shape;142;p22"/>
+          <p:cNvSpPr txBox="1"/>
+          <p:nvPr>
+            <p:ph idx="12" type="sldNum"/>
+          </p:nvPr>
+        </p:nvSpPr>
+        <p:spPr>
+          <a:xfrm>
+            <a:off x="8472458" y="4663217"/>
+            <a:ext cx="548700" cy="393600"/>
+          </a:xfrm>
+          <a:prstGeom prst="rect">
+            <a:avLst/>
+          </a:prstGeom>
+        </p:spPr>
+        <p:txBody>
+          <a:bodyPr anchorCtr="0" anchor="ctr" bIns="91425" lIns="91425" spcFirstLastPara="1" rIns="91425" wrap="square" tIns="91425">
+            <a:noAutofit/>
+          </a:bodyPr>
+          <a:lstStyle/>
+          <a:p>
+            <a:pPr indent="0" lvl="0" marL="0" rtl="0" algn="r">
+              <a:spcBef>
+                <a:spcPts val="0"/>
+              </a:spcBef>
+              <a:spcAft>
+                <a:spcPts val="0"/>
+              </a:spcAft>
+              <a:buNone/>
+            </a:pPr>
+            <a:fld id="{00000000-1234-1234-1234-123412341234}" type="slidenum">
+              <a:rPr b="1" lang="en">
+                <a:solidFill>
+                  <a:srgbClr val="000000"/>
+                </a:solidFill>
+                <a:latin typeface="Times New Roman"/>
+                <a:ea typeface="Times New Roman"/>
+                <a:cs typeface="Times New Roman"/>
+                <a:sym typeface="Times New Roman"/>
+              </a:rPr>
+              <a:t>‹#›</a:t>
+            </a:fld>
+            <a:endParaRPr b="1">
+              <a:solidFill>
+                <a:srgbClr val="000000"/>
+              </a:solidFill>
+              <a:latin typeface="Times New Roman"/>
+              <a:ea typeface="Times New Roman"/>
+              <a:cs typeface="Times New Roman"/>
+              <a:sym typeface="Times New Roman"/>
+            </a:endParaRPr>
+          </a:p>
+        </p:txBody>
+      </p:sp>
+      <p:pic>
+        <p:nvPicPr>
+          <p:cNvPr id="143" name="Google Shape;143;p22"/>
+          <p:cNvPicPr preferRelativeResize="0"/>
+          <p:nvPr/>
+        </p:nvPicPr>
+        <p:blipFill>
+          <a:blip r:embed="rId3">
+            <a:alphaModFix/>
+          </a:blip>
+          <a:stretch>
+            <a:fillRect/>
+          </a:stretch>
+        </p:blipFill>
+        <p:spPr>
+          <a:xfrm>
+            <a:off x="1306125" y="1554675"/>
+            <a:ext cx="6219600" cy="2127150"/>
+          </a:xfrm>
+          <a:prstGeom prst="rect">
+            <a:avLst/>
+          </a:prstGeom>
+          <a:noFill/>
+          <a:ln>
+            <a:noFill/>
+          </a:ln>
+        </p:spPr>
+      </p:pic>
+      <p:sp>
+        <p:nvSpPr>
+          <p:cNvPr id="144" name="Google Shape;144;p22"/>
+          <p:cNvSpPr txBox="1"/>
+          <p:nvPr/>
+        </p:nvSpPr>
+        <p:spPr>
+          <a:xfrm>
+            <a:off x="1978029" y="3610625"/>
+            <a:ext cx="4459800" cy="180000"/>
+          </a:xfrm>
+          <a:prstGeom prst="rect">
+            <a:avLst/>
+          </a:prstGeom>
+          <a:noFill/>
+          <a:ln>
+            <a:noFill/>
+          </a:ln>
+        </p:spPr>
+        <p:txBody>
+          <a:bodyPr anchorCtr="0" anchor="t" bIns="91425" lIns="91425" spcFirstLastPara="1" rIns="91425" wrap="square" tIns="91425">
+            <a:noAutofit/>
+          </a:bodyPr>
+          <a:lstStyle/>
+          <a:p>
+            <a:pPr indent="0" lvl="0" marL="0" rtl="0" algn="ctr">
+              <a:spcBef>
+                <a:spcPts val="0"/>
+              </a:spcBef>
+              <a:spcAft>
+                <a:spcPts val="0"/>
+              </a:spcAft>
+              <a:buNone/>
+            </a:pPr>
+            <a:r>
+              <a:rPr lang="en" sz="1100">
+                <a:latin typeface="Times New Roman"/>
+                <a:ea typeface="Times New Roman"/>
+                <a:cs typeface="Times New Roman"/>
+                <a:sym typeface="Times New Roman"/>
+              </a:rPr>
+              <a:t>Algorithm 1: ALS algorithm to compute decomposition factors [3]</a:t>
+            </a:r>
+            <a:endParaRPr sz="1100">
+              <a:latin typeface="Times New Roman"/>
+              <a:ea typeface="Times New Roman"/>
+              <a:cs typeface="Times New Roman"/>
+              <a:sym typeface="Times New Roman"/>
+            </a:endParaRPr>
+          </a:p>
+        </p:txBody>
+      </p:sp>
+      <p:sp>
+        <p:nvSpPr>
+          <p:cNvPr id="145" name="Google Shape;145;p22"/>
+          <p:cNvSpPr txBox="1"/>
+          <p:nvPr/>
+        </p:nvSpPr>
+        <p:spPr>
+          <a:xfrm>
+            <a:off x="0" y="4854000"/>
+            <a:ext cx="3715200" cy="289500"/>
+          </a:xfrm>
+          <a:prstGeom prst="rect">
+            <a:avLst/>
+          </a:prstGeom>
+          <a:noFill/>
+          <a:ln>
+            <a:noFill/>
+          </a:ln>
+        </p:spPr>
+        <p:txBody>
+          <a:bodyPr anchorCtr="0" anchor="b" bIns="91425" lIns="91425" spcFirstLastPara="1" rIns="91425" wrap="square" tIns="91425">
+            <a:noAutofit/>
+          </a:bodyPr>
+          <a:lstStyle/>
+          <a:p>
+            <a:pPr indent="0" lvl="0" marL="0" rtl="0" algn="ctr">
+              <a:spcBef>
+                <a:spcPts val="0"/>
+              </a:spcBef>
+              <a:spcAft>
+                <a:spcPts val="0"/>
+              </a:spcAft>
+              <a:buNone/>
+            </a:pPr>
+            <a:r>
+              <a:rPr b="1" lang="en" sz="1200">
+                <a:latin typeface="Times New Roman"/>
+                <a:ea typeface="Times New Roman"/>
+                <a:cs typeface="Times New Roman"/>
+                <a:sym typeface="Times New Roman"/>
+              </a:rPr>
+              <a:t>Tensor Methods for Neural Network Compression</a:t>
+            </a:r>
+            <a:endParaRPr b="1" sz="1200">
+              <a:solidFill>
+                <a:srgbClr val="000000"/>
+              </a:solidFill>
+              <a:latin typeface="Times New Roman"/>
+              <a:ea typeface="Times New Roman"/>
+              <a:cs typeface="Times New Roman"/>
+              <a:sym typeface="Times New Roman"/>
+            </a:endParaRPr>
+          </a:p>
+        </p:txBody>
+      </p:sp>
+    </p:spTree>
+  </p:cSld>
+  <p:clrMapOvr>
+    <a:masterClrMapping/>
+  </p:clrMapOvr>
+</p:sld>
+</file>
+
+<file path=ppt/slides/slide11.xml><?xml version="1.0" encoding="utf-8"?>
+<p:sld xmlns:a="http://schemas.openxmlformats.org/drawingml/2006/main" xmlns:r="http://schemas.openxmlformats.org/officeDocument/2006/relationships" xmlns:mc="http://schemas.openxmlformats.org/markup-compatibility/2006" xmlns:mv="urn:schemas-microsoft-com:mac:vml" xmlns:p="http://schemas.openxmlformats.org/presentationml/2006/main" xmlns:c="http://schemas.openxmlformats.org/drawingml/2006/chart" xmlns:dgm="http://schemas.openxmlformats.org/drawingml/2006/diagram" xmlns:o="urn:schemas-microsoft-com:office:office" xmlns:v="urn:schemas-microsoft-com:vml" xmlns:pvml="urn:schemas-microsoft-com:office:powerpoint" xmlns:com="http://schemas.openxmlformats.org/drawingml/2006/compatibility" xmlns:p14="http://schemas.microsoft.com/office/powerpoint/2010/main" xmlns:p15="http://schemas.microsoft.com/office/powerpoint/2012/main" xmlns:ahyp="http://schemas.microsoft.com/office/drawing/2018/hyperlinkcolor">
+  <p:cSld>
+    <p:spTree>
+      <p:nvGrpSpPr>
+        <p:cNvPr id="149" name="Shape 149"/>
+        <p:cNvGrpSpPr/>
+        <p:nvPr/>
+      </p:nvGrpSpPr>
+      <p:grpSpPr>
+        <a:xfrm>
+          <a:off x="0" y="0"/>
+          <a:ext cx="0" cy="0"/>
+          <a:chOff x="0" y="0"/>
+          <a:chExt cx="0" cy="0"/>
+        </a:xfrm>
+      </p:grpSpPr>
+      <p:sp>
+        <p:nvSpPr>
+          <p:cNvPr id="150" name="Google Shape;150;p23"/>
+          <p:cNvSpPr txBox="1"/>
+          <p:nvPr>
+            <p:ph type="title"/>
+          </p:nvPr>
+        </p:nvSpPr>
+        <p:spPr>
+          <a:xfrm>
+            <a:off x="311700" y="445025"/>
+            <a:ext cx="8520600" cy="572700"/>
+          </a:xfrm>
+          <a:prstGeom prst="rect">
+            <a:avLst/>
+          </a:prstGeom>
+        </p:spPr>
+        <p:txBody>
+          <a:bodyPr anchorCtr="0" anchor="t" bIns="91425" lIns="91425" spcFirstLastPara="1" rIns="91425" wrap="square" tIns="91425">
+            <a:noAutofit/>
+          </a:bodyPr>
+          <a:lstStyle/>
+          <a:p>
+            <a:pPr indent="0" lvl="0" marL="0" rtl="0" algn="l">
+              <a:spcBef>
+                <a:spcPts val="0"/>
+              </a:spcBef>
+              <a:spcAft>
+                <a:spcPts val="0"/>
+              </a:spcAft>
+              <a:buNone/>
+            </a:pPr>
+            <a:r>
+              <a:rPr b="1" lang="en" sz="3000">
+                <a:latin typeface="Times New Roman"/>
+                <a:ea typeface="Times New Roman"/>
+                <a:cs typeface="Times New Roman"/>
+                <a:sym typeface="Times New Roman"/>
+              </a:rPr>
+              <a:t>CP Decomposition</a:t>
+            </a:r>
+            <a:endParaRPr b="1" sz="3000">
+              <a:latin typeface="Times New Roman"/>
+              <a:ea typeface="Times New Roman"/>
+              <a:cs typeface="Times New Roman"/>
+              <a:sym typeface="Times New Roman"/>
+            </a:endParaRPr>
+          </a:p>
+        </p:txBody>
+      </p:sp>
+      <p:pic>
+        <p:nvPicPr>
+          <p:cNvPr id="151" name="Google Shape;151;p23"/>
+          <p:cNvPicPr preferRelativeResize="0"/>
+          <p:nvPr/>
+        </p:nvPicPr>
+        <p:blipFill>
+          <a:blip r:embed="rId3">
+            <a:alphaModFix/>
+          </a:blip>
+          <a:stretch>
+            <a:fillRect/>
+          </a:stretch>
+        </p:blipFill>
+        <p:spPr>
+          <a:xfrm>
+            <a:off x="4704075" y="601300"/>
+            <a:ext cx="4265130" cy="3998580"/>
+          </a:xfrm>
+          <a:prstGeom prst="rect">
+            <a:avLst/>
+          </a:prstGeom>
+          <a:noFill/>
+          <a:ln>
+            <a:noFill/>
+          </a:ln>
+        </p:spPr>
+      </p:pic>
+      <p:sp>
+        <p:nvSpPr>
+          <p:cNvPr id="152" name="Google Shape;152;p23"/>
+          <p:cNvSpPr txBox="1"/>
+          <p:nvPr>
+            <p:ph idx="1" type="body"/>
+          </p:nvPr>
+        </p:nvSpPr>
+        <p:spPr>
+          <a:xfrm>
+            <a:off x="311700" y="1152475"/>
+            <a:ext cx="4846200" cy="1419300"/>
+          </a:xfrm>
+          <a:prstGeom prst="rect">
+            <a:avLst/>
+          </a:prstGeom>
+        </p:spPr>
+        <p:txBody>
+          <a:bodyPr anchorCtr="0" anchor="t" bIns="91425" lIns="91425" spcFirstLastPara="1" rIns="91425" wrap="square" tIns="91425">
+            <a:noAutofit/>
+          </a:bodyPr>
+          <a:lstStyle/>
+          <a:p>
+            <a:pPr indent="-342900" lvl="0" marL="457200" rtl="0" algn="l">
+              <a:spcBef>
+                <a:spcPts val="0"/>
+              </a:spcBef>
+              <a:spcAft>
+                <a:spcPts val="0"/>
+              </a:spcAft>
+              <a:buClr>
+                <a:srgbClr val="000000"/>
+              </a:buClr>
+              <a:buSzPts val="1800"/>
+              <a:buFont typeface="Times New Roman"/>
+              <a:buChar char="●"/>
+            </a:pPr>
+            <a:r>
+              <a:rPr lang="en">
+                <a:solidFill>
+                  <a:srgbClr val="000000"/>
+                </a:solidFill>
+                <a:latin typeface="Times New Roman"/>
+                <a:ea typeface="Times New Roman"/>
+                <a:cs typeface="Times New Roman"/>
+                <a:sym typeface="Times New Roman"/>
+              </a:rPr>
+              <a:t>Input tensor shape (2 x 3 x 3)</a:t>
+            </a:r>
+            <a:endParaRPr>
+              <a:solidFill>
+                <a:srgbClr val="000000"/>
+              </a:solidFill>
+              <a:latin typeface="Times New Roman"/>
+              <a:ea typeface="Times New Roman"/>
+              <a:cs typeface="Times New Roman"/>
+              <a:sym typeface="Times New Roman"/>
+            </a:endParaRPr>
+          </a:p>
+          <a:p>
+            <a:pPr indent="-342900" lvl="0" marL="457200" rtl="0" algn="l">
+              <a:spcBef>
+                <a:spcPts val="0"/>
+              </a:spcBef>
+              <a:spcAft>
+                <a:spcPts val="0"/>
+              </a:spcAft>
+              <a:buClr>
+                <a:srgbClr val="000000"/>
+              </a:buClr>
+              <a:buSzPts val="1800"/>
+              <a:buFont typeface="Times New Roman"/>
+              <a:buChar char="●"/>
+            </a:pPr>
+            <a:r>
+              <a:rPr lang="en">
+                <a:solidFill>
+                  <a:srgbClr val="000000"/>
+                </a:solidFill>
+                <a:latin typeface="Times New Roman"/>
+                <a:ea typeface="Times New Roman"/>
+                <a:cs typeface="Times New Roman"/>
+                <a:sym typeface="Times New Roman"/>
+              </a:rPr>
+              <a:t>Approximation by various ranks</a:t>
+            </a:r>
+            <a:endParaRPr>
+              <a:solidFill>
+                <a:srgbClr val="000000"/>
+              </a:solidFill>
+              <a:latin typeface="Times New Roman"/>
+              <a:ea typeface="Times New Roman"/>
+              <a:cs typeface="Times New Roman"/>
+              <a:sym typeface="Times New Roman"/>
+            </a:endParaRPr>
+          </a:p>
+        </p:txBody>
+      </p:sp>
+      <p:sp>
+        <p:nvSpPr>
+          <p:cNvPr id="153" name="Google Shape;153;p23"/>
+          <p:cNvSpPr txBox="1"/>
+          <p:nvPr/>
+        </p:nvSpPr>
+        <p:spPr>
+          <a:xfrm>
+            <a:off x="0" y="4854000"/>
+            <a:ext cx="3715200" cy="289500"/>
+          </a:xfrm>
+          <a:prstGeom prst="rect">
+            <a:avLst/>
+          </a:prstGeom>
+          <a:noFill/>
+          <a:ln>
+            <a:noFill/>
+          </a:ln>
+        </p:spPr>
+        <p:txBody>
+          <a:bodyPr anchorCtr="0" anchor="b" bIns="91425" lIns="91425" spcFirstLastPara="1" rIns="91425" wrap="square" tIns="91425">
+            <a:noAutofit/>
+          </a:bodyPr>
+          <a:lstStyle/>
+          <a:p>
+            <a:pPr indent="0" lvl="0" marL="0" rtl="0" algn="ctr">
+              <a:spcBef>
+                <a:spcPts val="0"/>
+              </a:spcBef>
+              <a:spcAft>
+                <a:spcPts val="0"/>
+              </a:spcAft>
+              <a:buNone/>
+            </a:pPr>
+            <a:r>
+              <a:rPr b="1" lang="en" sz="1200">
+                <a:latin typeface="Times New Roman"/>
+                <a:ea typeface="Times New Roman"/>
+                <a:cs typeface="Times New Roman"/>
+                <a:sym typeface="Times New Roman"/>
+              </a:rPr>
+              <a:t>Tensor Methods for Neural Network Compression</a:t>
+            </a:r>
+            <a:endParaRPr b="1" sz="1200">
+              <a:solidFill>
+                <a:srgbClr val="000000"/>
+              </a:solidFill>
+              <a:latin typeface="Times New Roman"/>
+              <a:ea typeface="Times New Roman"/>
+              <a:cs typeface="Times New Roman"/>
+              <a:sym typeface="Times New Roman"/>
+            </a:endParaRPr>
+          </a:p>
+        </p:txBody>
+      </p:sp>
+      <p:sp>
+        <p:nvSpPr>
+          <p:cNvPr id="154" name="Google Shape;154;p23"/>
+          <p:cNvSpPr txBox="1"/>
+          <p:nvPr>
+            <p:ph idx="12" type="sldNum"/>
+          </p:nvPr>
+        </p:nvSpPr>
+        <p:spPr>
+          <a:xfrm>
+            <a:off x="8472458" y="4663217"/>
+            <a:ext cx="548700" cy="393600"/>
+          </a:xfrm>
+          <a:prstGeom prst="rect">
+            <a:avLst/>
+          </a:prstGeom>
+        </p:spPr>
+        <p:txBody>
+          <a:bodyPr anchorCtr="0" anchor="ctr" bIns="91425" lIns="91425" spcFirstLastPara="1" rIns="91425" wrap="square" tIns="91425">
+            <a:noAutofit/>
+          </a:bodyPr>
+          <a:lstStyle/>
+          <a:p>
+            <a:pPr indent="0" lvl="0" marL="0" rtl="0" algn="r">
+              <a:spcBef>
+                <a:spcPts val="0"/>
+              </a:spcBef>
+              <a:spcAft>
+                <a:spcPts val="0"/>
+              </a:spcAft>
+              <a:buNone/>
+            </a:pPr>
+            <a:fld id="{00000000-1234-1234-1234-123412341234}" type="slidenum">
+              <a:rPr b="1" lang="en">
+                <a:latin typeface="Times New Roman"/>
+                <a:ea typeface="Times New Roman"/>
+                <a:cs typeface="Times New Roman"/>
+                <a:sym typeface="Times New Roman"/>
+              </a:rPr>
+              <a:t>‹#›</a:t>
+            </a:fld>
+            <a:endParaRPr b="1">
+              <a:latin typeface="Times New Roman"/>
+              <a:ea typeface="Times New Roman"/>
+              <a:cs typeface="Times New Roman"/>
+              <a:sym typeface="Times New Roman"/>
+            </a:endParaRPr>
+          </a:p>
+        </p:txBody>
+      </p:sp>
+      <p:sp>
+        <p:nvSpPr>
+          <p:cNvPr id="155" name="Google Shape;155;p23"/>
+          <p:cNvSpPr txBox="1"/>
+          <p:nvPr/>
+        </p:nvSpPr>
+        <p:spPr>
+          <a:xfrm>
+            <a:off x="4819325" y="4419875"/>
+            <a:ext cx="4324800" cy="180000"/>
+          </a:xfrm>
+          <a:prstGeom prst="rect">
+            <a:avLst/>
+          </a:prstGeom>
+          <a:noFill/>
+          <a:ln>
+            <a:noFill/>
+          </a:ln>
+        </p:spPr>
+        <p:txBody>
+          <a:bodyPr anchorCtr="0" anchor="t" bIns="91425" lIns="91425" spcFirstLastPara="1" rIns="91425" wrap="square" tIns="91425">
+            <a:noAutofit/>
+          </a:bodyPr>
+          <a:lstStyle/>
+          <a:p>
+            <a:pPr indent="0" lvl="0" marL="0" rtl="0" algn="ctr">
+              <a:spcBef>
+                <a:spcPts val="0"/>
+              </a:spcBef>
+              <a:spcAft>
+                <a:spcPts val="0"/>
+              </a:spcAft>
+              <a:buNone/>
+            </a:pPr>
+            <a:r>
+              <a:rPr lang="en" sz="1100">
+                <a:latin typeface="Times New Roman"/>
+                <a:ea typeface="Times New Roman"/>
+                <a:cs typeface="Times New Roman"/>
+                <a:sym typeface="Times New Roman"/>
+              </a:rPr>
+              <a:t>Figure 2: Convergence of ALS method with different ranks</a:t>
+            </a:r>
+            <a:endParaRPr sz="1100">
+              <a:latin typeface="Times New Roman"/>
+              <a:ea typeface="Times New Roman"/>
+              <a:cs typeface="Times New Roman"/>
+              <a:sym typeface="Times New Roman"/>
+            </a:endParaRPr>
+          </a:p>
+        </p:txBody>
+      </p:sp>
+    </p:spTree>
+  </p:cSld>
+  <p:clrMapOvr>
+    <a:masterClrMapping/>
+  </p:clrMapOvr>
+</p:sld>
+</file>
+
+<file path=ppt/slides/slide12.xml><?xml version="1.0" encoding="utf-8"?>
+<p:sld xmlns:a="http://schemas.openxmlformats.org/drawingml/2006/main" xmlns:r="http://schemas.openxmlformats.org/officeDocument/2006/relationships" xmlns:mc="http://schemas.openxmlformats.org/markup-compatibility/2006" xmlns:mv="urn:schemas-microsoft-com:mac:vml" xmlns:p="http://schemas.openxmlformats.org/presentationml/2006/main" xmlns:c="http://schemas.openxmlformats.org/drawingml/2006/chart" xmlns:dgm="http://schemas.openxmlformats.org/drawingml/2006/diagram" xmlns:o="urn:schemas-microsoft-com:office:office" xmlns:v="urn:schemas-microsoft-com:vml" xmlns:pvml="urn:schemas-microsoft-com:office:powerpoint" xmlns:com="http://schemas.openxmlformats.org/drawingml/2006/compatibility" xmlns:p14="http://schemas.microsoft.com/office/powerpoint/2010/main" xmlns:p15="http://schemas.microsoft.com/office/powerpoint/2012/main" xmlns:ahyp="http://schemas.microsoft.com/office/drawing/2018/hyperlinkcolor">
+  <p:cSld>
+    <p:spTree>
+      <p:nvGrpSpPr>
+        <p:cNvPr id="159" name="Shape 159"/>
+        <p:cNvGrpSpPr/>
+        <p:nvPr/>
+      </p:nvGrpSpPr>
+      <p:grpSpPr>
+        <a:xfrm>
+          <a:off x="0" y="0"/>
+          <a:ext cx="0" cy="0"/>
+          <a:chOff x="0" y="0"/>
+          <a:chExt cx="0" cy="0"/>
+        </a:xfrm>
+      </p:grpSpPr>
+      <p:sp>
+        <p:nvSpPr>
+          <p:cNvPr id="160" name="Google Shape;160;p24"/>
+          <p:cNvSpPr txBox="1"/>
+          <p:nvPr>
+            <p:ph type="title"/>
+          </p:nvPr>
+        </p:nvSpPr>
+        <p:spPr>
+          <a:xfrm>
+            <a:off x="311700" y="445025"/>
+            <a:ext cx="8520600" cy="572700"/>
+          </a:xfrm>
+          <a:prstGeom prst="rect">
+            <a:avLst/>
+          </a:prstGeom>
+        </p:spPr>
+        <p:txBody>
+          <a:bodyPr anchorCtr="0" anchor="t" bIns="91425" lIns="91425" spcFirstLastPara="1" rIns="91425" wrap="square" tIns="91425">
+            <a:noAutofit/>
+          </a:bodyPr>
+          <a:lstStyle/>
+          <a:p>
+            <a:pPr indent="0" lvl="0" marL="0" rtl="0" algn="l">
+              <a:spcBef>
+                <a:spcPts val="0"/>
+              </a:spcBef>
+              <a:spcAft>
+                <a:spcPts val="0"/>
+              </a:spcAft>
+              <a:buNone/>
+            </a:pPr>
+            <a:r>
+              <a:rPr b="1" lang="en" sz="3000">
+                <a:latin typeface="Times New Roman"/>
+                <a:ea typeface="Times New Roman"/>
+                <a:cs typeface="Times New Roman"/>
+                <a:sym typeface="Times New Roman"/>
+              </a:rPr>
+              <a:t>CP Decomposition</a:t>
+            </a:r>
+            <a:endParaRPr b="1" sz="3000">
+              <a:latin typeface="Times New Roman"/>
+              <a:ea typeface="Times New Roman"/>
+              <a:cs typeface="Times New Roman"/>
+              <a:sym typeface="Times New Roman"/>
+            </a:endParaRPr>
+          </a:p>
+        </p:txBody>
+      </p:sp>
+      <p:sp>
+        <p:nvSpPr>
+          <p:cNvPr id="161" name="Google Shape;161;p24"/>
+          <p:cNvSpPr txBox="1"/>
+          <p:nvPr>
+            <p:ph idx="1" type="body"/>
+          </p:nvPr>
+        </p:nvSpPr>
+        <p:spPr>
+          <a:xfrm>
+            <a:off x="311700" y="1152475"/>
+            <a:ext cx="4846200" cy="720600"/>
+          </a:xfrm>
+          <a:prstGeom prst="rect">
+            <a:avLst/>
+          </a:prstGeom>
+        </p:spPr>
+        <p:txBody>
+          <a:bodyPr anchorCtr="0" anchor="t" bIns="91425" lIns="91425" spcFirstLastPara="1" rIns="91425" wrap="square" tIns="91425">
+            <a:noAutofit/>
+          </a:bodyPr>
+          <a:lstStyle/>
+          <a:p>
+            <a:pPr indent="-342900" lvl="0" marL="457200" rtl="0" algn="l">
+              <a:spcBef>
+                <a:spcPts val="0"/>
+              </a:spcBef>
+              <a:spcAft>
+                <a:spcPts val="0"/>
+              </a:spcAft>
+              <a:buClr>
+                <a:srgbClr val="000000"/>
+              </a:buClr>
+              <a:buSzPts val="1800"/>
+              <a:buFont typeface="Times New Roman"/>
+              <a:buChar char="●"/>
+            </a:pPr>
+            <a:r>
+              <a:rPr lang="en">
+                <a:solidFill>
+                  <a:srgbClr val="000000"/>
+                </a:solidFill>
+                <a:latin typeface="Times New Roman"/>
+                <a:ea typeface="Times New Roman"/>
+                <a:cs typeface="Times New Roman"/>
+                <a:sym typeface="Times New Roman"/>
+              </a:rPr>
+              <a:t>Unit tested with tensorly implementation</a:t>
+            </a:r>
+            <a:endParaRPr>
+              <a:solidFill>
+                <a:srgbClr val="000000"/>
+              </a:solidFill>
+              <a:latin typeface="Times New Roman"/>
+              <a:ea typeface="Times New Roman"/>
+              <a:cs typeface="Times New Roman"/>
+              <a:sym typeface="Times New Roman"/>
+            </a:endParaRPr>
+          </a:p>
+          <a:p>
+            <a:pPr indent="-342900" lvl="0" marL="457200" rtl="0" algn="l">
+              <a:spcBef>
+                <a:spcPts val="0"/>
+              </a:spcBef>
+              <a:spcAft>
+                <a:spcPts val="0"/>
+              </a:spcAft>
+              <a:buClr>
+                <a:srgbClr val="000000"/>
+              </a:buClr>
+              <a:buSzPts val="1800"/>
+              <a:buFont typeface="Times New Roman"/>
+              <a:buChar char="●"/>
+            </a:pPr>
+            <a:r>
+              <a:rPr lang="en">
+                <a:solidFill>
+                  <a:srgbClr val="000000"/>
+                </a:solidFill>
+                <a:latin typeface="Times New Roman"/>
+                <a:ea typeface="Times New Roman"/>
+                <a:cs typeface="Times New Roman"/>
+                <a:sym typeface="Times New Roman"/>
+              </a:rPr>
+              <a:t>Parameters</a:t>
+            </a:r>
+            <a:endParaRPr>
+              <a:solidFill>
+                <a:srgbClr val="000000"/>
+              </a:solidFill>
+              <a:latin typeface="Times New Roman"/>
+              <a:ea typeface="Times New Roman"/>
+              <a:cs typeface="Times New Roman"/>
+              <a:sym typeface="Times New Roman"/>
+            </a:endParaRPr>
+          </a:p>
+          <a:p>
+            <a:pPr indent="-317500" lvl="1" marL="914400" rtl="0" algn="l">
+              <a:spcBef>
+                <a:spcPts val="0"/>
+              </a:spcBef>
+              <a:spcAft>
+                <a:spcPts val="0"/>
+              </a:spcAft>
+              <a:buClr>
+                <a:srgbClr val="000000"/>
+              </a:buClr>
+              <a:buSzPts val="1400"/>
+              <a:buFont typeface="Times New Roman"/>
+              <a:buChar char="○"/>
+            </a:pPr>
+            <a:r>
+              <a:rPr lang="en">
+                <a:solidFill>
+                  <a:srgbClr val="000000"/>
+                </a:solidFill>
+                <a:latin typeface="Times New Roman"/>
+                <a:ea typeface="Times New Roman"/>
+                <a:cs typeface="Times New Roman"/>
+                <a:sym typeface="Times New Roman"/>
+              </a:rPr>
+              <a:t>Rank : 2</a:t>
+            </a:r>
+            <a:endParaRPr>
+              <a:solidFill>
+                <a:srgbClr val="000000"/>
+              </a:solidFill>
+              <a:latin typeface="Times New Roman"/>
+              <a:ea typeface="Times New Roman"/>
+              <a:cs typeface="Times New Roman"/>
+              <a:sym typeface="Times New Roman"/>
+            </a:endParaRPr>
+          </a:p>
+          <a:p>
+            <a:pPr indent="-317500" lvl="1" marL="914400" rtl="0" algn="l">
+              <a:spcBef>
+                <a:spcPts val="0"/>
+              </a:spcBef>
+              <a:spcAft>
+                <a:spcPts val="0"/>
+              </a:spcAft>
+              <a:buClr>
+                <a:srgbClr val="000000"/>
+              </a:buClr>
+              <a:buSzPts val="1400"/>
+              <a:buFont typeface="Times New Roman"/>
+              <a:buChar char="○"/>
+            </a:pPr>
+            <a:r>
+              <a:rPr lang="en">
+                <a:solidFill>
+                  <a:srgbClr val="000000"/>
+                </a:solidFill>
+                <a:latin typeface="Times New Roman"/>
+                <a:ea typeface="Times New Roman"/>
+                <a:cs typeface="Times New Roman"/>
+                <a:sym typeface="Times New Roman"/>
+              </a:rPr>
+              <a:t>Maximum iterations : 100</a:t>
+            </a:r>
+            <a:endParaRPr>
+              <a:solidFill>
+                <a:srgbClr val="000000"/>
+              </a:solidFill>
+              <a:latin typeface="Times New Roman"/>
+              <a:ea typeface="Times New Roman"/>
+              <a:cs typeface="Times New Roman"/>
+              <a:sym typeface="Times New Roman"/>
+            </a:endParaRPr>
+          </a:p>
+        </p:txBody>
+      </p:sp>
+      <p:sp>
+        <p:nvSpPr>
+          <p:cNvPr id="162" name="Google Shape;162;p24"/>
+          <p:cNvSpPr txBox="1"/>
+          <p:nvPr/>
+        </p:nvSpPr>
+        <p:spPr>
+          <a:xfrm>
+            <a:off x="0" y="4854000"/>
+            <a:ext cx="3715200" cy="289500"/>
+          </a:xfrm>
+          <a:prstGeom prst="rect">
+            <a:avLst/>
+          </a:prstGeom>
+          <a:noFill/>
+          <a:ln>
+            <a:noFill/>
+          </a:ln>
+        </p:spPr>
+        <p:txBody>
+          <a:bodyPr anchorCtr="0" anchor="b" bIns="91425" lIns="91425" spcFirstLastPara="1" rIns="91425" wrap="square" tIns="91425">
+            <a:noAutofit/>
+          </a:bodyPr>
+          <a:lstStyle/>
+          <a:p>
+            <a:pPr indent="0" lvl="0" marL="0" rtl="0" algn="ctr">
+              <a:spcBef>
+                <a:spcPts val="0"/>
+              </a:spcBef>
+              <a:spcAft>
+                <a:spcPts val="0"/>
+              </a:spcAft>
+              <a:buNone/>
+            </a:pPr>
+            <a:r>
+              <a:rPr b="1" lang="en" sz="1200">
+                <a:latin typeface="Times New Roman"/>
+                <a:ea typeface="Times New Roman"/>
+                <a:cs typeface="Times New Roman"/>
+                <a:sym typeface="Times New Roman"/>
+              </a:rPr>
+              <a:t>Tensor Methods for Neural Network Compression</a:t>
+            </a:r>
+            <a:endParaRPr b="1" sz="1200">
+              <a:solidFill>
+                <a:srgbClr val="000000"/>
+              </a:solidFill>
+              <a:latin typeface="Times New Roman"/>
+              <a:ea typeface="Times New Roman"/>
+              <a:cs typeface="Times New Roman"/>
+              <a:sym typeface="Times New Roman"/>
+            </a:endParaRPr>
+          </a:p>
+        </p:txBody>
+      </p:sp>
+      <p:sp>
+        <p:nvSpPr>
+          <p:cNvPr id="163" name="Google Shape;163;p24"/>
+          <p:cNvSpPr txBox="1"/>
+          <p:nvPr>
+            <p:ph idx="12" type="sldNum"/>
+          </p:nvPr>
+        </p:nvSpPr>
+        <p:spPr>
+          <a:xfrm>
+            <a:off x="8472458" y="4663217"/>
+            <a:ext cx="548700" cy="393600"/>
+          </a:xfrm>
+          <a:prstGeom prst="rect">
+            <a:avLst/>
+          </a:prstGeom>
+        </p:spPr>
+        <p:txBody>
+          <a:bodyPr anchorCtr="0" anchor="ctr" bIns="91425" lIns="91425" spcFirstLastPara="1" rIns="91425" wrap="square" tIns="91425">
+            <a:noAutofit/>
+          </a:bodyPr>
+          <a:lstStyle/>
+          <a:p>
+            <a:pPr indent="0" lvl="0" marL="0" rtl="0" algn="r">
+              <a:spcBef>
+                <a:spcPts val="0"/>
+              </a:spcBef>
+              <a:spcAft>
+                <a:spcPts val="0"/>
+              </a:spcAft>
+              <a:buNone/>
+            </a:pPr>
+            <a:fld id="{00000000-1234-1234-1234-123412341234}" type="slidenum">
+              <a:rPr b="1" lang="en">
+                <a:latin typeface="Times New Roman"/>
+                <a:ea typeface="Times New Roman"/>
+                <a:cs typeface="Times New Roman"/>
+                <a:sym typeface="Times New Roman"/>
+              </a:rPr>
+              <a:t>‹#›</a:t>
+            </a:fld>
+            <a:endParaRPr b="1">
+              <a:latin typeface="Times New Roman"/>
+              <a:ea typeface="Times New Roman"/>
+              <a:cs typeface="Times New Roman"/>
+              <a:sym typeface="Times New Roman"/>
+            </a:endParaRPr>
+          </a:p>
+        </p:txBody>
+      </p:sp>
+      <p:sp>
+        <p:nvSpPr>
+          <p:cNvPr id="164" name="Google Shape;164;p24"/>
+          <p:cNvSpPr txBox="1"/>
+          <p:nvPr/>
+        </p:nvSpPr>
+        <p:spPr>
+          <a:xfrm>
+            <a:off x="-105825" y="4314050"/>
+            <a:ext cx="3088200" cy="180000"/>
+          </a:xfrm>
+          <a:prstGeom prst="rect">
+            <a:avLst/>
+          </a:prstGeom>
+          <a:noFill/>
+          <a:ln>
+            <a:noFill/>
+          </a:ln>
+        </p:spPr>
+        <p:txBody>
+          <a:bodyPr anchorCtr="0" anchor="t" bIns="91425" lIns="91425" spcFirstLastPara="1" rIns="91425" wrap="square" tIns="91425">
+            <a:noAutofit/>
+          </a:bodyPr>
+          <a:lstStyle/>
+          <a:p>
+            <a:pPr indent="0" lvl="0" marL="0" rtl="0" algn="ctr">
+              <a:spcBef>
+                <a:spcPts val="0"/>
+              </a:spcBef>
+              <a:spcAft>
+                <a:spcPts val="0"/>
+              </a:spcAft>
+              <a:buNone/>
+            </a:pPr>
+            <a:r>
+              <a:rPr lang="en" sz="1100">
+                <a:latin typeface="Times New Roman"/>
+                <a:ea typeface="Times New Roman"/>
+                <a:cs typeface="Times New Roman"/>
+                <a:sym typeface="Times New Roman"/>
+              </a:rPr>
+              <a:t>Input Tensor</a:t>
+            </a:r>
+            <a:endParaRPr sz="1100">
+              <a:latin typeface="Times New Roman"/>
+              <a:ea typeface="Times New Roman"/>
+              <a:cs typeface="Times New Roman"/>
+              <a:sym typeface="Times New Roman"/>
+            </a:endParaRPr>
+          </a:p>
+        </p:txBody>
+      </p:sp>
+      <p:sp>
+        <p:nvSpPr>
+          <p:cNvPr id="165" name="Google Shape;165;p24"/>
+          <p:cNvSpPr txBox="1"/>
+          <p:nvPr/>
+        </p:nvSpPr>
+        <p:spPr>
+          <a:xfrm>
+            <a:off x="3027900" y="4351175"/>
+            <a:ext cx="3088200" cy="180000"/>
+          </a:xfrm>
+          <a:prstGeom prst="rect">
+            <a:avLst/>
+          </a:prstGeom>
+          <a:noFill/>
+          <a:ln>
+            <a:noFill/>
+          </a:ln>
+        </p:spPr>
+        <p:txBody>
+          <a:bodyPr anchorCtr="0" anchor="t" bIns="91425" lIns="91425" spcFirstLastPara="1" rIns="91425" wrap="square" tIns="91425">
+            <a:noAutofit/>
+          </a:bodyPr>
+          <a:lstStyle/>
+          <a:p>
+            <a:pPr indent="0" lvl="0" marL="0" rtl="0" algn="ctr">
+              <a:spcBef>
+                <a:spcPts val="0"/>
+              </a:spcBef>
+              <a:spcAft>
+                <a:spcPts val="0"/>
+              </a:spcAft>
+              <a:buNone/>
+            </a:pPr>
+            <a:r>
+              <a:rPr lang="en" sz="1100">
+                <a:latin typeface="Times New Roman"/>
+                <a:ea typeface="Times New Roman"/>
+                <a:cs typeface="Times New Roman"/>
+                <a:sym typeface="Times New Roman"/>
+              </a:rPr>
+              <a:t>Reconstruction</a:t>
+            </a:r>
+            <a:r>
+              <a:rPr lang="en" sz="1100">
+                <a:latin typeface="Times New Roman"/>
+                <a:ea typeface="Times New Roman"/>
+                <a:cs typeface="Times New Roman"/>
+                <a:sym typeface="Times New Roman"/>
+              </a:rPr>
+              <a:t> from ALS method</a:t>
+            </a:r>
+            <a:endParaRPr sz="1100">
+              <a:latin typeface="Times New Roman"/>
+              <a:ea typeface="Times New Roman"/>
+              <a:cs typeface="Times New Roman"/>
+              <a:sym typeface="Times New Roman"/>
+            </a:endParaRPr>
+          </a:p>
+        </p:txBody>
+      </p:sp>
+      <p:sp>
+        <p:nvSpPr>
+          <p:cNvPr id="166" name="Google Shape;166;p24"/>
+          <p:cNvSpPr txBox="1"/>
+          <p:nvPr/>
+        </p:nvSpPr>
+        <p:spPr>
+          <a:xfrm>
+            <a:off x="5996125" y="4314050"/>
+            <a:ext cx="3088200" cy="180000"/>
+          </a:xfrm>
+          <a:prstGeom prst="rect">
+            <a:avLst/>
+          </a:prstGeom>
+          <a:noFill/>
+          <a:ln>
+            <a:noFill/>
+          </a:ln>
+        </p:spPr>
+        <p:txBody>
+          <a:bodyPr anchorCtr="0" anchor="t" bIns="91425" lIns="91425" spcFirstLastPara="1" rIns="91425" wrap="square" tIns="91425">
+            <a:noAutofit/>
+          </a:bodyPr>
+          <a:lstStyle/>
+          <a:p>
+            <a:pPr indent="0" lvl="0" marL="0" rtl="0" algn="ctr">
+              <a:spcBef>
+                <a:spcPts val="0"/>
+              </a:spcBef>
+              <a:spcAft>
+                <a:spcPts val="0"/>
+              </a:spcAft>
+              <a:buNone/>
+            </a:pPr>
+            <a:r>
+              <a:rPr lang="en" sz="1100">
+                <a:latin typeface="Times New Roman"/>
+                <a:ea typeface="Times New Roman"/>
+                <a:cs typeface="Times New Roman"/>
+                <a:sym typeface="Times New Roman"/>
+              </a:rPr>
+              <a:t>Reconstruction from tensorly</a:t>
+            </a:r>
+            <a:endParaRPr sz="1100">
+              <a:latin typeface="Times New Roman"/>
+              <a:ea typeface="Times New Roman"/>
+              <a:cs typeface="Times New Roman"/>
+              <a:sym typeface="Times New Roman"/>
+            </a:endParaRPr>
+          </a:p>
+        </p:txBody>
+      </p:sp>
+      <p:pic>
+        <p:nvPicPr>
+          <p:cNvPr id="167" name="Google Shape;167;p24"/>
+          <p:cNvPicPr preferRelativeResize="0"/>
+          <p:nvPr/>
+        </p:nvPicPr>
+        <p:blipFill>
+          <a:blip r:embed="rId3">
+            <a:alphaModFix/>
+          </a:blip>
+          <a:stretch>
+            <a:fillRect/>
+          </a:stretch>
+        </p:blipFill>
+        <p:spPr>
+          <a:xfrm>
+            <a:off x="3264838" y="3085675"/>
+            <a:ext cx="2540850" cy="1199543"/>
+          </a:xfrm>
+          <a:prstGeom prst="rect">
+            <a:avLst/>
+          </a:prstGeom>
+          <a:noFill/>
+          <a:ln>
+            <a:noFill/>
+          </a:ln>
+        </p:spPr>
+      </p:pic>
+      <p:pic>
+        <p:nvPicPr>
+          <p:cNvPr id="168" name="Google Shape;168;p24"/>
+          <p:cNvPicPr preferRelativeResize="0"/>
+          <p:nvPr/>
+        </p:nvPicPr>
+        <p:blipFill>
+          <a:blip r:embed="rId4">
+            <a:alphaModFix/>
+          </a:blip>
+          <a:stretch>
+            <a:fillRect/>
+          </a:stretch>
+        </p:blipFill>
+        <p:spPr>
+          <a:xfrm>
+            <a:off x="311725" y="3131250"/>
+            <a:ext cx="2540825" cy="1182798"/>
+          </a:xfrm>
+          <a:prstGeom prst="rect">
+            <a:avLst/>
+          </a:prstGeom>
+          <a:noFill/>
+          <a:ln>
+            <a:noFill/>
+          </a:ln>
+        </p:spPr>
+      </p:pic>
+      <p:pic>
+        <p:nvPicPr>
+          <p:cNvPr id="169" name="Google Shape;169;p24"/>
+          <p:cNvPicPr preferRelativeResize="0"/>
+          <p:nvPr/>
+        </p:nvPicPr>
+        <p:blipFill>
+          <a:blip r:embed="rId5">
+            <a:alphaModFix/>
+          </a:blip>
+          <a:stretch>
+            <a:fillRect/>
+          </a:stretch>
+        </p:blipFill>
+        <p:spPr>
+          <a:xfrm>
+            <a:off x="6217974" y="3085675"/>
+            <a:ext cx="2516138" cy="1182800"/>
+          </a:xfrm>
+          <a:prstGeom prst="rect">
+            <a:avLst/>
+          </a:prstGeom>
+          <a:noFill/>
+          <a:ln>
+            <a:noFill/>
+          </a:ln>
+        </p:spPr>
+      </p:pic>
+      <p:graphicFrame>
+        <p:nvGraphicFramePr>
+          <p:cNvPr id="170" name="Google Shape;170;p24"/>
+          <p:cNvGraphicFramePr/>
+          <p:nvPr/>
+        </p:nvGraphicFramePr>
+        <p:xfrm>
+          <a:off x="423025" y="2571750"/>
+          <a:ext cx="3000000" cy="3000000"/>
+        </p:xfrm>
+        <a:graphic>
+          <a:graphicData uri="http://schemas.openxmlformats.org/drawingml/2006/table">
+            <a:tbl>
+              <a:tblPr>
+                <a:noFill/>
+                <a:tableStyleId>{2A33286E-4CEF-43E6-B36E-A7208C5DEB63}</a:tableStyleId>
+              </a:tblPr>
+              <a:tblGrid>
+                <a:gridCol w="2719600"/>
+                <a:gridCol w="2719600"/>
+                <a:gridCol w="2719600"/>
+              </a:tblGrid>
+              <a:tr h="381000">
+                <a:tc>
+                  <a:txBody>
+                    <a:bodyPr/>
+                    <a:lstStyle/>
+                    <a:p>
+                      <a:pPr indent="0" lvl="0" marL="0" rtl="0" algn="ctr">
+                        <a:spcBef>
+                          <a:spcPts val="0"/>
+                        </a:spcBef>
+                        <a:spcAft>
+                          <a:spcPts val="0"/>
+                        </a:spcAft>
+                        <a:buNone/>
+                      </a:pPr>
+                      <a:r>
+                        <a:rPr lang="en"/>
+                        <a:t>Reconstruction error</a:t>
+                      </a:r>
+                      <a:endParaRPr/>
+                    </a:p>
+                  </a:txBody>
+                  <a:tcPr marT="91425" marB="91425" marR="91425" marL="91425">
+                    <a:lnL cap="flat" cmpd="sng" w="28575">
+                      <a:solidFill>
+                        <a:srgbClr val="000000"/>
+                      </a:solidFill>
+                      <a:prstDash val="solid"/>
+                      <a:round/>
+                      <a:headEnd len="sm" w="sm" type="none"/>
+                      <a:tailEnd len="sm" w="sm" type="none"/>
+                    </a:lnL>
+                    <a:lnR cap="flat" cmpd="sng" w="28575">
+                      <a:solidFill>
+                        <a:srgbClr val="000000"/>
+                      </a:solidFill>
+                      <a:prstDash val="solid"/>
+                      <a:round/>
+                      <a:headEnd len="sm" w="sm" type="none"/>
+                      <a:tailEnd len="sm" w="sm" type="none"/>
+                    </a:lnR>
+                    <a:lnT cap="flat" cmpd="sng" w="28575">
+                      <a:solidFill>
+                        <a:srgbClr val="000000"/>
+                      </a:solidFill>
+                      <a:prstDash val="solid"/>
+                      <a:round/>
+                      <a:headEnd len="sm" w="sm" type="none"/>
+                      <a:tailEnd len="sm" w="sm" type="none"/>
+                    </a:lnT>
+                    <a:lnB cap="flat" cmpd="sng" w="28575">
+                      <a:solidFill>
+                        <a:srgbClr val="000000"/>
+                      </a:solidFill>
+                      <a:prstDash val="solid"/>
+                      <a:round/>
+                      <a:headEnd len="sm" w="sm" type="none"/>
+                      <a:tailEnd len="sm" w="sm" type="none"/>
+                    </a:lnB>
+                  </a:tcPr>
+                </a:tc>
+                <a:tc>
+                  <a:txBody>
+                    <a:bodyPr/>
+                    <a:lstStyle/>
+                    <a:p>
+                      <a:pPr indent="0" lvl="0" marL="0" rtl="0" algn="ctr">
+                        <a:spcBef>
+                          <a:spcPts val="0"/>
+                        </a:spcBef>
+                        <a:spcAft>
+                          <a:spcPts val="0"/>
+                        </a:spcAft>
+                        <a:buNone/>
+                      </a:pPr>
+                      <a:r>
+                        <a:rPr lang="en"/>
+                        <a:t>0.315</a:t>
+                      </a:r>
+                      <a:endParaRPr/>
+                    </a:p>
+                  </a:txBody>
+                  <a:tcPr marT="91425" marB="91425" marR="91425" marL="91425">
+                    <a:lnL cap="flat" cmpd="sng" w="28575">
+                      <a:solidFill>
+                        <a:srgbClr val="000000"/>
+                      </a:solidFill>
+                      <a:prstDash val="solid"/>
+                      <a:round/>
+                      <a:headEnd len="sm" w="sm" type="none"/>
+                      <a:tailEnd len="sm" w="sm" type="none"/>
+                    </a:lnL>
+                    <a:lnR cap="flat" cmpd="sng" w="28575">
+                      <a:solidFill>
+                        <a:srgbClr val="000000"/>
+                      </a:solidFill>
+                      <a:prstDash val="solid"/>
+                      <a:round/>
+                      <a:headEnd len="sm" w="sm" type="none"/>
+                      <a:tailEnd len="sm" w="sm" type="none"/>
+                    </a:lnR>
+                    <a:lnT cap="flat" cmpd="sng" w="28575">
+                      <a:solidFill>
+                        <a:srgbClr val="000000"/>
+                      </a:solidFill>
+                      <a:prstDash val="solid"/>
+                      <a:round/>
+                      <a:headEnd len="sm" w="sm" type="none"/>
+                      <a:tailEnd len="sm" w="sm" type="none"/>
+                    </a:lnT>
+                    <a:lnB cap="flat" cmpd="sng" w="28575">
+                      <a:solidFill>
+                        <a:srgbClr val="000000"/>
+                      </a:solidFill>
+                      <a:prstDash val="solid"/>
+                      <a:round/>
+                      <a:headEnd len="sm" w="sm" type="none"/>
+                      <a:tailEnd len="sm" w="sm" type="none"/>
+                    </a:lnB>
+                  </a:tcPr>
+                </a:tc>
+                <a:tc>
+                  <a:txBody>
+                    <a:bodyPr/>
+                    <a:lstStyle/>
+                    <a:p>
+                      <a:pPr indent="0" lvl="0" marL="0" rtl="0" algn="ctr">
+                        <a:spcBef>
+                          <a:spcPts val="0"/>
+                        </a:spcBef>
+                        <a:spcAft>
+                          <a:spcPts val="0"/>
+                        </a:spcAft>
+                        <a:buNone/>
+                      </a:pPr>
+                      <a:r>
+                        <a:rPr lang="en"/>
+                        <a:t>0.591</a:t>
+                      </a:r>
+                      <a:endParaRPr/>
+                    </a:p>
+                  </a:txBody>
+                  <a:tcPr marT="91425" marB="91425" marR="91425" marL="91425">
+                    <a:lnL cap="flat" cmpd="sng" w="28575">
+                      <a:solidFill>
+                        <a:srgbClr val="000000"/>
+                      </a:solidFill>
+                      <a:prstDash val="solid"/>
+                      <a:round/>
+                      <a:headEnd len="sm" w="sm" type="none"/>
+                      <a:tailEnd len="sm" w="sm" type="none"/>
+                    </a:lnL>
+                    <a:lnR cap="flat" cmpd="sng" w="28575">
+                      <a:solidFill>
+                        <a:srgbClr val="000000"/>
+                      </a:solidFill>
+                      <a:prstDash val="solid"/>
+                      <a:round/>
+                      <a:headEnd len="sm" w="sm" type="none"/>
+                      <a:tailEnd len="sm" w="sm" type="none"/>
+                    </a:lnR>
+                    <a:lnT cap="flat" cmpd="sng" w="28575">
+                      <a:solidFill>
+                        <a:srgbClr val="000000"/>
+                      </a:solidFill>
+                      <a:prstDash val="solid"/>
+                      <a:round/>
+                      <a:headEnd len="sm" w="sm" type="none"/>
+                      <a:tailEnd len="sm" w="sm" type="none"/>
+                    </a:lnT>
+                    <a:lnB cap="flat" cmpd="sng" w="28575">
+                      <a:solidFill>
+                        <a:srgbClr val="000000"/>
+                      </a:solidFill>
+                      <a:prstDash val="solid"/>
+                      <a:round/>
+                      <a:headEnd len="sm" w="sm" type="none"/>
+                      <a:tailEnd len="sm" w="sm" type="none"/>
+                    </a:lnB>
+                  </a:tcPr>
+                </a:tc>
+              </a:tr>
+            </a:tbl>
+          </a:graphicData>
+        </a:graphic>
+      </p:graphicFrame>
+    </p:spTree>
+  </p:cSld>
+  <p:clrMapOvr>
+    <a:masterClrMapping/>
+  </p:clrMapOvr>
+</p:sld>
+</file>
+
+<file path=ppt/slides/slide13.xml><?xml version="1.0" encoding="utf-8"?>
+<p:sld xmlns:a="http://schemas.openxmlformats.org/drawingml/2006/main" xmlns:r="http://schemas.openxmlformats.org/officeDocument/2006/relationships" xmlns:mc="http://schemas.openxmlformats.org/markup-compatibility/2006" xmlns:mv="urn:schemas-microsoft-com:mac:vml" xmlns:p="http://schemas.openxmlformats.org/presentationml/2006/main" xmlns:c="http://schemas.openxmlformats.org/drawingml/2006/chart" xmlns:dgm="http://schemas.openxmlformats.org/drawingml/2006/diagram" xmlns:o="urn:schemas-microsoft-com:office:office" xmlns:v="urn:schemas-microsoft-com:vml" xmlns:pvml="urn:schemas-microsoft-com:office:powerpoint" xmlns:com="http://schemas.openxmlformats.org/drawingml/2006/compatibility" xmlns:p14="http://schemas.microsoft.com/office/powerpoint/2010/main" xmlns:p15="http://schemas.microsoft.com/office/powerpoint/2012/main" xmlns:ahyp="http://schemas.microsoft.com/office/drawing/2018/hyperlinkcolor">
+  <p:cSld>
+    <p:spTree>
+      <p:nvGrpSpPr>
+        <p:cNvPr id="174" name="Shape 174"/>
+        <p:cNvGrpSpPr/>
+        <p:nvPr/>
+      </p:nvGrpSpPr>
+      <p:grpSpPr>
+        <a:xfrm>
+          <a:off x="0" y="0"/>
+          <a:ext cx="0" cy="0"/>
+          <a:chOff x="0" y="0"/>
+          <a:chExt cx="0" cy="0"/>
+        </a:xfrm>
+      </p:grpSpPr>
+      <p:sp>
+        <p:nvSpPr>
+          <p:cNvPr id="175" name="Google Shape;175;p25"/>
+          <p:cNvSpPr txBox="1"/>
+          <p:nvPr>
+            <p:ph type="title"/>
+          </p:nvPr>
+        </p:nvSpPr>
+        <p:spPr>
+          <a:xfrm>
+            <a:off x="311700" y="445025"/>
+            <a:ext cx="8520600" cy="572700"/>
+          </a:xfrm>
+          <a:prstGeom prst="rect">
+            <a:avLst/>
+          </a:prstGeom>
+        </p:spPr>
+        <p:txBody>
+          <a:bodyPr anchorCtr="0" anchor="t" bIns="91425" lIns="91425" spcFirstLastPara="1" rIns="91425" wrap="square" tIns="91425">
+            <a:noAutofit/>
+          </a:bodyPr>
+          <a:lstStyle/>
+          <a:p>
+            <a:pPr indent="0" lvl="0" marL="0" rtl="0" algn="l">
+              <a:spcBef>
+                <a:spcPts val="0"/>
+              </a:spcBef>
+              <a:spcAft>
+                <a:spcPts val="0"/>
+              </a:spcAft>
+              <a:buNone/>
+            </a:pPr>
+            <a:r>
+              <a:rPr b="1" lang="en" sz="3000">
+                <a:latin typeface="Times New Roman"/>
+                <a:ea typeface="Times New Roman"/>
+                <a:cs typeface="Times New Roman"/>
+                <a:sym typeface="Times New Roman"/>
+              </a:rPr>
+              <a:t>AlexNet</a:t>
+            </a:r>
+            <a:endParaRPr b="1" sz="3000">
+              <a:latin typeface="Times New Roman"/>
+              <a:ea typeface="Times New Roman"/>
+              <a:cs typeface="Times New Roman"/>
+              <a:sym typeface="Times New Roman"/>
+            </a:endParaRPr>
+          </a:p>
+        </p:txBody>
+      </p:sp>
+      <p:sp>
+        <p:nvSpPr>
+          <p:cNvPr id="176" name="Google Shape;176;p25"/>
+          <p:cNvSpPr txBox="1"/>
+          <p:nvPr/>
+        </p:nvSpPr>
+        <p:spPr>
+          <a:xfrm>
+            <a:off x="311700" y="1152475"/>
+            <a:ext cx="8476800" cy="1419300"/>
+          </a:xfrm>
+          <a:prstGeom prst="rect">
+            <a:avLst/>
+          </a:prstGeom>
+          <a:noFill/>
+          <a:ln>
+            <a:noFill/>
+          </a:ln>
+        </p:spPr>
+        <p:txBody>
+          <a:bodyPr anchorCtr="0" anchor="t" bIns="91425" lIns="91425" spcFirstLastPara="1" rIns="91425" wrap="square" tIns="91425">
+            <a:noAutofit/>
+          </a:bodyPr>
+          <a:lstStyle/>
+          <a:p>
+            <a:pPr indent="-342900" lvl="0" marL="457200" rtl="0" algn="l">
+              <a:lnSpc>
+                <a:spcPct val="115000"/>
+              </a:lnSpc>
+              <a:spcBef>
+                <a:spcPts val="0"/>
+              </a:spcBef>
+              <a:spcAft>
+                <a:spcPts val="0"/>
+              </a:spcAft>
+              <a:buClr>
+                <a:srgbClr val="000000"/>
+              </a:buClr>
+              <a:buSzPts val="1800"/>
+              <a:buFont typeface="Times New Roman"/>
+              <a:buChar char="●"/>
+            </a:pPr>
+            <a:r>
+              <a:rPr lang="en" sz="1800">
+                <a:latin typeface="Times New Roman"/>
+                <a:ea typeface="Times New Roman"/>
+                <a:cs typeface="Times New Roman"/>
+                <a:sym typeface="Times New Roman"/>
+              </a:rPr>
+              <a:t>Convolutional Neural Network (CNN)</a:t>
+            </a:r>
+            <a:endParaRPr sz="1800">
+              <a:latin typeface="Times New Roman"/>
+              <a:ea typeface="Times New Roman"/>
+              <a:cs typeface="Times New Roman"/>
+              <a:sym typeface="Times New Roman"/>
+            </a:endParaRPr>
+          </a:p>
+          <a:p>
+            <a:pPr indent="-342900" lvl="0" marL="457200" rtl="0" algn="l">
+              <a:lnSpc>
+                <a:spcPct val="115000"/>
+              </a:lnSpc>
+              <a:spcBef>
+                <a:spcPts val="0"/>
+              </a:spcBef>
+              <a:spcAft>
+                <a:spcPts val="0"/>
+              </a:spcAft>
+              <a:buClr>
+                <a:srgbClr val="000000"/>
+              </a:buClr>
+              <a:buSzPts val="1800"/>
+              <a:buFont typeface="Times New Roman"/>
+              <a:buChar char="●"/>
+            </a:pPr>
+            <a:r>
+              <a:rPr lang="en" sz="1800">
+                <a:latin typeface="Times New Roman"/>
+                <a:ea typeface="Times New Roman"/>
+                <a:cs typeface="Times New Roman"/>
+                <a:sym typeface="Times New Roman"/>
+              </a:rPr>
+              <a:t>First five convolutional layers  </a:t>
+            </a:r>
+            <a:endParaRPr sz="1800">
+              <a:latin typeface="Times New Roman"/>
+              <a:ea typeface="Times New Roman"/>
+              <a:cs typeface="Times New Roman"/>
+              <a:sym typeface="Times New Roman"/>
+            </a:endParaRPr>
+          </a:p>
+          <a:p>
+            <a:pPr indent="-342900" lvl="0" marL="457200" rtl="0" algn="l">
+              <a:lnSpc>
+                <a:spcPct val="115000"/>
+              </a:lnSpc>
+              <a:spcBef>
+                <a:spcPts val="0"/>
+              </a:spcBef>
+              <a:spcAft>
+                <a:spcPts val="0"/>
+              </a:spcAft>
+              <a:buClr>
+                <a:srgbClr val="000000"/>
+              </a:buClr>
+              <a:buSzPts val="1800"/>
+              <a:buFont typeface="Times New Roman"/>
+              <a:buChar char="●"/>
+            </a:pPr>
+            <a:r>
+              <a:rPr lang="en" sz="1800">
+                <a:latin typeface="Times New Roman"/>
+                <a:ea typeface="Times New Roman"/>
+                <a:cs typeface="Times New Roman"/>
+                <a:sym typeface="Times New Roman"/>
+              </a:rPr>
+              <a:t>Last three fully connected layers act as classifier</a:t>
+            </a:r>
+            <a:endParaRPr sz="1800">
+              <a:latin typeface="Times New Roman"/>
+              <a:ea typeface="Times New Roman"/>
+              <a:cs typeface="Times New Roman"/>
+              <a:sym typeface="Times New Roman"/>
+            </a:endParaRPr>
+          </a:p>
+        </p:txBody>
+      </p:sp>
+      <p:pic>
+        <p:nvPicPr>
+          <p:cNvPr id="177" name="Google Shape;177;p25"/>
+          <p:cNvPicPr preferRelativeResize="0"/>
+          <p:nvPr/>
+        </p:nvPicPr>
+        <p:blipFill>
+          <a:blip r:embed="rId3">
+            <a:alphaModFix/>
+          </a:blip>
+          <a:stretch>
+            <a:fillRect/>
+          </a:stretch>
+        </p:blipFill>
+        <p:spPr>
+          <a:xfrm>
+            <a:off x="1319213" y="2400000"/>
+            <a:ext cx="6505575" cy="2133600"/>
+          </a:xfrm>
+          <a:prstGeom prst="rect">
+            <a:avLst/>
+          </a:prstGeom>
+          <a:noFill/>
+          <a:ln>
+            <a:noFill/>
+          </a:ln>
+        </p:spPr>
+      </p:pic>
+      <p:sp>
+        <p:nvSpPr>
+          <p:cNvPr id="178" name="Google Shape;178;p25"/>
+          <p:cNvSpPr txBox="1"/>
+          <p:nvPr/>
+        </p:nvSpPr>
+        <p:spPr>
+          <a:xfrm>
+            <a:off x="0" y="4854000"/>
+            <a:ext cx="3715200" cy="289500"/>
+          </a:xfrm>
+          <a:prstGeom prst="rect">
+            <a:avLst/>
+          </a:prstGeom>
+          <a:noFill/>
+          <a:ln>
+            <a:noFill/>
+          </a:ln>
+        </p:spPr>
+        <p:txBody>
+          <a:bodyPr anchorCtr="0" anchor="b" bIns="91425" lIns="91425" spcFirstLastPara="1" rIns="91425" wrap="square" tIns="91425">
+            <a:noAutofit/>
+          </a:bodyPr>
+          <a:lstStyle/>
+          <a:p>
+            <a:pPr indent="0" lvl="0" marL="0" rtl="0" algn="ctr">
+              <a:spcBef>
+                <a:spcPts val="0"/>
+              </a:spcBef>
+              <a:spcAft>
+                <a:spcPts val="0"/>
+              </a:spcAft>
+              <a:buNone/>
+            </a:pPr>
+            <a:r>
+              <a:rPr b="1" lang="en" sz="1200">
+                <a:latin typeface="Times New Roman"/>
+                <a:ea typeface="Times New Roman"/>
+                <a:cs typeface="Times New Roman"/>
+                <a:sym typeface="Times New Roman"/>
+              </a:rPr>
+              <a:t>Tensor Methods for Neural Network Compression</a:t>
+            </a:r>
+            <a:endParaRPr b="1" sz="1200">
+              <a:solidFill>
+                <a:srgbClr val="000000"/>
+              </a:solidFill>
+              <a:latin typeface="Times New Roman"/>
+              <a:ea typeface="Times New Roman"/>
+              <a:cs typeface="Times New Roman"/>
+              <a:sym typeface="Times New Roman"/>
+            </a:endParaRPr>
+          </a:p>
+        </p:txBody>
+      </p:sp>
+      <p:sp>
+        <p:nvSpPr>
+          <p:cNvPr id="179" name="Google Shape;179;p25"/>
+          <p:cNvSpPr txBox="1"/>
+          <p:nvPr>
+            <p:ph idx="12" type="sldNum"/>
+          </p:nvPr>
+        </p:nvSpPr>
+        <p:spPr>
+          <a:xfrm>
+            <a:off x="8472458" y="4663217"/>
+            <a:ext cx="548700" cy="393600"/>
+          </a:xfrm>
+          <a:prstGeom prst="rect">
+            <a:avLst/>
+          </a:prstGeom>
+        </p:spPr>
+        <p:txBody>
+          <a:bodyPr anchorCtr="0" anchor="ctr" bIns="91425" lIns="91425" spcFirstLastPara="1" rIns="91425" wrap="square" tIns="91425">
+            <a:noAutofit/>
+          </a:bodyPr>
+          <a:lstStyle/>
+          <a:p>
+            <a:pPr indent="0" lvl="0" marL="0" rtl="0" algn="r">
+              <a:spcBef>
+                <a:spcPts val="0"/>
+              </a:spcBef>
+              <a:spcAft>
+                <a:spcPts val="0"/>
+              </a:spcAft>
+              <a:buNone/>
+            </a:pPr>
+            <a:r>
+              <a:rPr b="1" lang="en">
+                <a:latin typeface="Times New Roman"/>
+                <a:ea typeface="Times New Roman"/>
+                <a:cs typeface="Times New Roman"/>
+                <a:sym typeface="Times New Roman"/>
+              </a:rPr>
+              <a:t>13</a:t>
+            </a:r>
+            <a:endParaRPr b="1">
+              <a:latin typeface="Times New Roman"/>
+              <a:ea typeface="Times New Roman"/>
+              <a:cs typeface="Times New Roman"/>
+              <a:sym typeface="Times New Roman"/>
+            </a:endParaRPr>
+          </a:p>
+        </p:txBody>
+      </p:sp>
+      <p:sp>
+        <p:nvSpPr>
+          <p:cNvPr id="180" name="Google Shape;180;p25"/>
+          <p:cNvSpPr txBox="1"/>
+          <p:nvPr/>
+        </p:nvSpPr>
+        <p:spPr>
+          <a:xfrm>
+            <a:off x="2326800" y="4425550"/>
+            <a:ext cx="4324800" cy="180000"/>
+          </a:xfrm>
+          <a:prstGeom prst="rect">
+            <a:avLst/>
+          </a:prstGeom>
+          <a:noFill/>
+          <a:ln>
+            <a:noFill/>
+          </a:ln>
+        </p:spPr>
+        <p:txBody>
+          <a:bodyPr anchorCtr="0" anchor="t" bIns="91425" lIns="91425" spcFirstLastPara="1" rIns="91425" wrap="square" tIns="91425">
+            <a:noAutofit/>
+          </a:bodyPr>
+          <a:lstStyle/>
+          <a:p>
+            <a:pPr indent="0" lvl="0" marL="0" rtl="0" algn="ctr">
+              <a:spcBef>
+                <a:spcPts val="0"/>
+              </a:spcBef>
+              <a:spcAft>
+                <a:spcPts val="0"/>
+              </a:spcAft>
+              <a:buNone/>
+            </a:pPr>
+            <a:r>
+              <a:rPr lang="en" sz="1100">
+                <a:latin typeface="Times New Roman"/>
+                <a:ea typeface="Times New Roman"/>
+                <a:cs typeface="Times New Roman"/>
+                <a:sym typeface="Times New Roman"/>
+              </a:rPr>
+              <a:t>Figure 3: AlexNet architecture [6]</a:t>
+            </a:r>
+            <a:endParaRPr sz="1100">
+              <a:latin typeface="Times New Roman"/>
+              <a:ea typeface="Times New Roman"/>
+              <a:cs typeface="Times New Roman"/>
+              <a:sym typeface="Times New Roman"/>
+            </a:endParaRPr>
+          </a:p>
+        </p:txBody>
+      </p:sp>
+    </p:spTree>
+  </p:cSld>
+  <p:clrMapOvr>
+    <a:masterClrMapping/>
+  </p:clrMapOvr>
+</p:sld>
+</file>
+
+<file path=ppt/slides/slide14.xml><?xml version="1.0" encoding="utf-8"?>
+<p:sld xmlns:a="http://schemas.openxmlformats.org/drawingml/2006/main" xmlns:r="http://schemas.openxmlformats.org/officeDocument/2006/relationships" xmlns:mc="http://schemas.openxmlformats.org/markup-compatibility/2006" xmlns:mv="urn:schemas-microsoft-com:mac:vml" xmlns:p="http://schemas.openxmlformats.org/presentationml/2006/main" xmlns:c="http://schemas.openxmlformats.org/drawingml/2006/chart" xmlns:dgm="http://schemas.openxmlformats.org/drawingml/2006/diagram" xmlns:o="urn:schemas-microsoft-com:office:office" xmlns:v="urn:schemas-microsoft-com:vml" xmlns:pvml="urn:schemas-microsoft-com:office:powerpoint" xmlns:com="http://schemas.openxmlformats.org/drawingml/2006/compatibility" xmlns:p14="http://schemas.microsoft.com/office/powerpoint/2010/main" xmlns:p15="http://schemas.microsoft.com/office/powerpoint/2012/main" xmlns:ahyp="http://schemas.microsoft.com/office/drawing/2018/hyperlinkcolor">
+  <p:cSld>
+    <p:spTree>
+      <p:nvGrpSpPr>
+        <p:cNvPr id="184" name="Shape 184"/>
+        <p:cNvGrpSpPr/>
+        <p:nvPr/>
+      </p:nvGrpSpPr>
+      <p:grpSpPr>
+        <a:xfrm>
+          <a:off x="0" y="0"/>
+          <a:ext cx="0" cy="0"/>
+          <a:chOff x="0" y="0"/>
+          <a:chExt cx="0" cy="0"/>
+        </a:xfrm>
+      </p:grpSpPr>
+      <p:sp>
+        <p:nvSpPr>
+          <p:cNvPr id="185" name="Google Shape;185;p26"/>
+          <p:cNvSpPr txBox="1"/>
+          <p:nvPr>
+            <p:ph type="title"/>
+          </p:nvPr>
+        </p:nvSpPr>
+        <p:spPr>
+          <a:xfrm>
+            <a:off x="311700" y="445025"/>
+            <a:ext cx="8520600" cy="572700"/>
+          </a:xfrm>
+          <a:prstGeom prst="rect">
+            <a:avLst/>
+          </a:prstGeom>
+        </p:spPr>
+        <p:txBody>
+          <a:bodyPr anchorCtr="0" anchor="t" bIns="91425" lIns="91425" spcFirstLastPara="1" rIns="91425" wrap="square" tIns="91425">
+            <a:noAutofit/>
+          </a:bodyPr>
+          <a:lstStyle/>
+          <a:p>
+            <a:pPr indent="0" lvl="0" marL="0" rtl="0" algn="l">
+              <a:spcBef>
+                <a:spcPts val="0"/>
+              </a:spcBef>
+              <a:spcAft>
+                <a:spcPts val="0"/>
+              </a:spcAft>
+              <a:buNone/>
+            </a:pPr>
+            <a:r>
+              <a:rPr b="1" lang="en" sz="3000">
+                <a:latin typeface="Times New Roman"/>
+                <a:ea typeface="Times New Roman"/>
+                <a:cs typeface="Times New Roman"/>
+                <a:sym typeface="Times New Roman"/>
+              </a:rPr>
+              <a:t>AlexNet</a:t>
+            </a:r>
+            <a:endParaRPr b="1" sz="3000">
+              <a:latin typeface="Times New Roman"/>
+              <a:ea typeface="Times New Roman"/>
+              <a:cs typeface="Times New Roman"/>
+              <a:sym typeface="Times New Roman"/>
+            </a:endParaRPr>
+          </a:p>
+        </p:txBody>
+      </p:sp>
+      <p:sp>
+        <p:nvSpPr>
+          <p:cNvPr id="186" name="Google Shape;186;p26"/>
+          <p:cNvSpPr txBox="1"/>
+          <p:nvPr/>
+        </p:nvSpPr>
+        <p:spPr>
+          <a:xfrm>
+            <a:off x="311700" y="1152475"/>
+            <a:ext cx="8476800" cy="1419300"/>
+          </a:xfrm>
+          <a:prstGeom prst="rect">
+            <a:avLst/>
+          </a:prstGeom>
+          <a:noFill/>
+          <a:ln>
+            <a:noFill/>
+          </a:ln>
+        </p:spPr>
+        <p:txBody>
+          <a:bodyPr anchorCtr="0" anchor="t" bIns="91425" lIns="91425" spcFirstLastPara="1" rIns="91425" wrap="square" tIns="91425">
+            <a:noAutofit/>
+          </a:bodyPr>
+          <a:lstStyle/>
+          <a:p>
+            <a:pPr indent="-342900" lvl="0" marL="457200" rtl="0" algn="l">
+              <a:lnSpc>
+                <a:spcPct val="115000"/>
+              </a:lnSpc>
+              <a:spcBef>
+                <a:spcPts val="0"/>
+              </a:spcBef>
+              <a:spcAft>
+                <a:spcPts val="0"/>
+              </a:spcAft>
+              <a:buClr>
+                <a:srgbClr val="000000"/>
+              </a:buClr>
+              <a:buSzPts val="1800"/>
+              <a:buFont typeface="Times New Roman"/>
+              <a:buChar char="●"/>
+            </a:pPr>
+            <a:r>
+              <a:rPr lang="en" sz="1800">
+                <a:latin typeface="Times New Roman"/>
+                <a:ea typeface="Times New Roman"/>
+                <a:cs typeface="Times New Roman"/>
+                <a:sym typeface="Times New Roman"/>
+              </a:rPr>
+              <a:t>Convolutional Neural Network (CNN)</a:t>
+            </a:r>
+            <a:endParaRPr sz="1800">
+              <a:latin typeface="Times New Roman"/>
+              <a:ea typeface="Times New Roman"/>
+              <a:cs typeface="Times New Roman"/>
+              <a:sym typeface="Times New Roman"/>
+            </a:endParaRPr>
+          </a:p>
+          <a:p>
+            <a:pPr indent="-342900" lvl="0" marL="457200" rtl="0" algn="l">
+              <a:lnSpc>
+                <a:spcPct val="115000"/>
+              </a:lnSpc>
+              <a:spcBef>
+                <a:spcPts val="0"/>
+              </a:spcBef>
+              <a:spcAft>
+                <a:spcPts val="0"/>
+              </a:spcAft>
+              <a:buClr>
+                <a:srgbClr val="000000"/>
+              </a:buClr>
+              <a:buSzPts val="1800"/>
+              <a:buFont typeface="Times New Roman"/>
+              <a:buChar char="●"/>
+            </a:pPr>
+            <a:r>
+              <a:rPr lang="en" sz="1800">
+                <a:latin typeface="Times New Roman"/>
+                <a:ea typeface="Times New Roman"/>
+                <a:cs typeface="Times New Roman"/>
+                <a:sym typeface="Times New Roman"/>
+              </a:rPr>
+              <a:t>First five convolutional layers  </a:t>
+            </a:r>
+            <a:endParaRPr sz="1800">
+              <a:latin typeface="Times New Roman"/>
+              <a:ea typeface="Times New Roman"/>
+              <a:cs typeface="Times New Roman"/>
+              <a:sym typeface="Times New Roman"/>
+            </a:endParaRPr>
+          </a:p>
+          <a:p>
+            <a:pPr indent="-342900" lvl="0" marL="457200" rtl="0" algn="l">
+              <a:lnSpc>
+                <a:spcPct val="115000"/>
+              </a:lnSpc>
+              <a:spcBef>
+                <a:spcPts val="0"/>
+              </a:spcBef>
+              <a:spcAft>
+                <a:spcPts val="0"/>
+              </a:spcAft>
+              <a:buClr>
+                <a:srgbClr val="000000"/>
+              </a:buClr>
+              <a:buSzPts val="1800"/>
+              <a:buFont typeface="Times New Roman"/>
+              <a:buChar char="●"/>
+            </a:pPr>
+            <a:r>
+              <a:rPr lang="en" sz="1800">
+                <a:latin typeface="Times New Roman"/>
+                <a:ea typeface="Times New Roman"/>
+                <a:cs typeface="Times New Roman"/>
+                <a:sym typeface="Times New Roman"/>
+              </a:rPr>
+              <a:t>Last three fully connected layers act as classifier</a:t>
+            </a:r>
+            <a:endParaRPr sz="1800">
+              <a:latin typeface="Times New Roman"/>
+              <a:ea typeface="Times New Roman"/>
+              <a:cs typeface="Times New Roman"/>
+              <a:sym typeface="Times New Roman"/>
+            </a:endParaRPr>
+          </a:p>
+        </p:txBody>
+      </p:sp>
+      <p:pic>
+        <p:nvPicPr>
+          <p:cNvPr id="187" name="Google Shape;187;p26"/>
+          <p:cNvPicPr preferRelativeResize="0"/>
+          <p:nvPr/>
+        </p:nvPicPr>
+        <p:blipFill>
+          <a:blip r:embed="rId3">
+            <a:alphaModFix/>
+          </a:blip>
+          <a:stretch>
+            <a:fillRect/>
+          </a:stretch>
+        </p:blipFill>
+        <p:spPr>
+          <a:xfrm>
+            <a:off x="1319213" y="2400000"/>
+            <a:ext cx="6505575" cy="2133600"/>
+          </a:xfrm>
+          <a:prstGeom prst="rect">
+            <a:avLst/>
+          </a:prstGeom>
+          <a:noFill/>
+          <a:ln>
+            <a:noFill/>
+          </a:ln>
+        </p:spPr>
+      </p:pic>
+      <p:sp>
+        <p:nvSpPr>
+          <p:cNvPr id="188" name="Google Shape;188;p26"/>
+          <p:cNvSpPr txBox="1"/>
+          <p:nvPr/>
+        </p:nvSpPr>
+        <p:spPr>
+          <a:xfrm>
+            <a:off x="2715825" y="2478100"/>
+            <a:ext cx="994200" cy="1786500"/>
+          </a:xfrm>
+          <a:prstGeom prst="rect">
+            <a:avLst/>
+          </a:prstGeom>
+          <a:noFill/>
+          <a:ln cap="flat" cmpd="sng" w="38100">
+            <a:solidFill>
+              <a:srgbClr val="38761D"/>
+            </a:solidFill>
+            <a:prstDash val="solid"/>
+            <a:round/>
+            <a:headEnd len="sm" w="sm" type="none"/>
+            <a:tailEnd len="sm" w="sm" type="none"/>
+          </a:ln>
+        </p:spPr>
+        <p:txBody>
+          <a:bodyPr anchorCtr="0" anchor="t" bIns="91425" lIns="91425" spcFirstLastPara="1" rIns="91425" wrap="square" tIns="91425">
+            <a:noAutofit/>
+          </a:bodyPr>
+          <a:lstStyle/>
+          <a:p>
+            <a:pPr indent="0" lvl="0" marL="0" rtl="0" algn="l">
+              <a:spcBef>
+                <a:spcPts val="0"/>
+              </a:spcBef>
+              <a:spcAft>
+                <a:spcPts val="0"/>
+              </a:spcAft>
+              <a:buNone/>
+            </a:pPr>
+            <a:r>
+              <a:t/>
+            </a:r>
+            <a:endParaRPr>
+              <a:latin typeface="Source Sans Pro"/>
+              <a:ea typeface="Source Sans Pro"/>
+              <a:cs typeface="Source Sans Pro"/>
+              <a:sym typeface="Source Sans Pro"/>
+            </a:endParaRPr>
+          </a:p>
+        </p:txBody>
+      </p:sp>
+      <p:sp>
+        <p:nvSpPr>
+          <p:cNvPr id="189" name="Google Shape;189;p26"/>
+          <p:cNvSpPr txBox="1"/>
+          <p:nvPr/>
+        </p:nvSpPr>
+        <p:spPr>
+          <a:xfrm>
+            <a:off x="0" y="4854000"/>
+            <a:ext cx="3715200" cy="289500"/>
+          </a:xfrm>
+          <a:prstGeom prst="rect">
+            <a:avLst/>
+          </a:prstGeom>
+          <a:noFill/>
+          <a:ln>
+            <a:noFill/>
+          </a:ln>
+        </p:spPr>
+        <p:txBody>
+          <a:bodyPr anchorCtr="0" anchor="b" bIns="91425" lIns="91425" spcFirstLastPara="1" rIns="91425" wrap="square" tIns="91425">
+            <a:noAutofit/>
+          </a:bodyPr>
+          <a:lstStyle/>
+          <a:p>
+            <a:pPr indent="0" lvl="0" marL="0" rtl="0" algn="ctr">
+              <a:spcBef>
+                <a:spcPts val="0"/>
+              </a:spcBef>
+              <a:spcAft>
+                <a:spcPts val="0"/>
+              </a:spcAft>
+              <a:buNone/>
+            </a:pPr>
+            <a:r>
+              <a:rPr b="1" lang="en" sz="1200">
+                <a:latin typeface="Times New Roman"/>
+                <a:ea typeface="Times New Roman"/>
+                <a:cs typeface="Times New Roman"/>
+                <a:sym typeface="Times New Roman"/>
+              </a:rPr>
+              <a:t>Tensor Methods for Neural Network Compression</a:t>
+            </a:r>
+            <a:endParaRPr b="1" sz="1200">
+              <a:solidFill>
+                <a:srgbClr val="000000"/>
+              </a:solidFill>
+              <a:latin typeface="Times New Roman"/>
+              <a:ea typeface="Times New Roman"/>
+              <a:cs typeface="Times New Roman"/>
+              <a:sym typeface="Times New Roman"/>
+            </a:endParaRPr>
+          </a:p>
+        </p:txBody>
+      </p:sp>
+      <p:sp>
+        <p:nvSpPr>
+          <p:cNvPr id="190" name="Google Shape;190;p26"/>
+          <p:cNvSpPr txBox="1"/>
+          <p:nvPr>
+            <p:ph idx="12" type="sldNum"/>
+          </p:nvPr>
+        </p:nvSpPr>
+        <p:spPr>
+          <a:xfrm>
+            <a:off x="8472458" y="4663217"/>
+            <a:ext cx="548700" cy="393600"/>
+          </a:xfrm>
+          <a:prstGeom prst="rect">
+            <a:avLst/>
+          </a:prstGeom>
+        </p:spPr>
+        <p:txBody>
+          <a:bodyPr anchorCtr="0" anchor="ctr" bIns="91425" lIns="91425" spcFirstLastPara="1" rIns="91425" wrap="square" tIns="91425">
+            <a:noAutofit/>
+          </a:bodyPr>
+          <a:lstStyle/>
+          <a:p>
+            <a:pPr indent="0" lvl="0" marL="0" rtl="0" algn="r">
+              <a:spcBef>
+                <a:spcPts val="0"/>
+              </a:spcBef>
+              <a:spcAft>
+                <a:spcPts val="0"/>
+              </a:spcAft>
+              <a:buNone/>
+            </a:pPr>
+            <a:fld id="{00000000-1234-1234-1234-123412341234}" type="slidenum">
+              <a:rPr b="1" lang="en">
+                <a:latin typeface="Times New Roman"/>
+                <a:ea typeface="Times New Roman"/>
+                <a:cs typeface="Times New Roman"/>
+                <a:sym typeface="Times New Roman"/>
+              </a:rPr>
+              <a:t>‹#›</a:t>
+            </a:fld>
+            <a:endParaRPr b="1">
+              <a:latin typeface="Times New Roman"/>
+              <a:ea typeface="Times New Roman"/>
+              <a:cs typeface="Times New Roman"/>
+              <a:sym typeface="Times New Roman"/>
+            </a:endParaRPr>
+          </a:p>
+        </p:txBody>
+      </p:sp>
+      <p:sp>
+        <p:nvSpPr>
+          <p:cNvPr id="191" name="Google Shape;191;p26"/>
+          <p:cNvSpPr txBox="1"/>
+          <p:nvPr/>
+        </p:nvSpPr>
+        <p:spPr>
+          <a:xfrm>
+            <a:off x="2326800" y="4425550"/>
+            <a:ext cx="4324800" cy="180000"/>
+          </a:xfrm>
+          <a:prstGeom prst="rect">
+            <a:avLst/>
+          </a:prstGeom>
+          <a:noFill/>
+          <a:ln>
+            <a:noFill/>
+          </a:ln>
+        </p:spPr>
+        <p:txBody>
+          <a:bodyPr anchorCtr="0" anchor="t" bIns="91425" lIns="91425" spcFirstLastPara="1" rIns="91425" wrap="square" tIns="91425">
+            <a:noAutofit/>
+          </a:bodyPr>
+          <a:lstStyle/>
+          <a:p>
+            <a:pPr indent="0" lvl="0" marL="0" rtl="0" algn="ctr">
+              <a:spcBef>
+                <a:spcPts val="0"/>
+              </a:spcBef>
+              <a:spcAft>
+                <a:spcPts val="0"/>
+              </a:spcAft>
+              <a:buNone/>
+            </a:pPr>
+            <a:r>
+              <a:rPr lang="en" sz="1100">
+                <a:latin typeface="Times New Roman"/>
+                <a:ea typeface="Times New Roman"/>
+                <a:cs typeface="Times New Roman"/>
+                <a:sym typeface="Times New Roman"/>
+              </a:rPr>
+              <a:t>Figure 3: AlexNet architecture [6]</a:t>
+            </a:r>
+            <a:endParaRPr sz="1100">
+              <a:latin typeface="Times New Roman"/>
+              <a:ea typeface="Times New Roman"/>
+              <a:cs typeface="Times New Roman"/>
+              <a:sym typeface="Times New Roman"/>
+            </a:endParaRPr>
+          </a:p>
+        </p:txBody>
+      </p:sp>
+    </p:spTree>
+  </p:cSld>
+  <p:clrMapOvr>
+    <a:masterClrMapping/>
+  </p:clrMapOvr>
+</p:sld>
+</file>
+
+<file path=ppt/slides/slide15.xml><?xml version="1.0" encoding="utf-8"?>
+<p:sld xmlns:a="http://schemas.openxmlformats.org/drawingml/2006/main" xmlns:r="http://schemas.openxmlformats.org/officeDocument/2006/relationships" xmlns:mc="http://schemas.openxmlformats.org/markup-compatibility/2006" xmlns:mv="urn:schemas-microsoft-com:mac:vml" xmlns:p="http://schemas.openxmlformats.org/presentationml/2006/main" xmlns:c="http://schemas.openxmlformats.org/drawingml/2006/chart" xmlns:dgm="http://schemas.openxmlformats.org/drawingml/2006/diagram" xmlns:o="urn:schemas-microsoft-com:office:office" xmlns:v="urn:schemas-microsoft-com:vml" xmlns:pvml="urn:schemas-microsoft-com:office:powerpoint" xmlns:com="http://schemas.openxmlformats.org/drawingml/2006/compatibility" xmlns:p14="http://schemas.microsoft.com/office/powerpoint/2010/main" xmlns:p15="http://schemas.microsoft.com/office/powerpoint/2012/main" xmlns:ahyp="http://schemas.microsoft.com/office/drawing/2018/hyperlinkcolor">
+  <p:cSld>
+    <p:spTree>
+      <p:nvGrpSpPr>
+        <p:cNvPr id="195" name="Shape 195"/>
+        <p:cNvGrpSpPr/>
+        <p:nvPr/>
+      </p:nvGrpSpPr>
+      <p:grpSpPr>
+        <a:xfrm>
+          <a:off x="0" y="0"/>
+          <a:ext cx="0" cy="0"/>
+          <a:chOff x="0" y="0"/>
+          <a:chExt cx="0" cy="0"/>
+        </a:xfrm>
+      </p:grpSpPr>
+      <p:sp>
+        <p:nvSpPr>
+          <p:cNvPr id="196" name="Google Shape;196;p27"/>
           <p:cNvSpPr txBox="1"/>
           <p:nvPr>
             <p:ph type="title"/>
@@ -6794,7 +9657,7 @@
       </p:sp>
       <p:sp>
         <p:nvSpPr>
-          <p:cNvPr id="147" name="Google Shape;147;p22"/>
+          <p:cNvPr id="197" name="Google Shape;197;p27"/>
           <p:cNvSpPr txBox="1"/>
           <p:nvPr/>
         </p:nvSpPr>
@@ -6893,7 +9756,7 @@
                 <a:cs typeface="Times New Roman"/>
                 <a:sym typeface="Times New Roman"/>
               </a:rPr>
-              <a:t>Fine tuning over 10 epochs</a:t>
+              <a:t>Learning rate : 0.002</a:t>
             </a:r>
             <a:endParaRPr sz="1800">
               <a:latin typeface="Times New Roman"/>
@@ -6927,7 +9790,7 @@
                 <a:cs typeface="Times New Roman"/>
                 <a:sym typeface="Times New Roman"/>
               </a:rPr>
-              <a:t>Learning rate : 0.002</a:t>
+              <a:t>Original rank : 256</a:t>
             </a:r>
             <a:endParaRPr sz="1800">
               <a:latin typeface="Times New Roman"/>
@@ -6961,7 +9824,7 @@
                 <a:cs typeface="Times New Roman"/>
                 <a:sym typeface="Times New Roman"/>
               </a:rPr>
-              <a:t>Rank : 45</a:t>
+              <a:t>Approximated rank : 45</a:t>
             </a:r>
             <a:endParaRPr sz="1800">
               <a:latin typeface="Times New Roman"/>
@@ -6995,7 +9858,7 @@
                 <a:cs typeface="Times New Roman"/>
                 <a:sym typeface="Times New Roman"/>
               </a:rPr>
-              <a:t>Maximum iterations : 100</a:t>
+              <a:t>Maximum iterations : 10</a:t>
             </a:r>
             <a:endParaRPr sz="1800">
               <a:latin typeface="Times New Roman"/>
@@ -7008,12 +9871,12 @@
       </p:sp>
       <p:graphicFrame>
         <p:nvGraphicFramePr>
-          <p:cNvPr id="148" name="Google Shape;148;p22"/>
+          <p:cNvPr id="198" name="Google Shape;198;p27"/>
           <p:cNvGraphicFramePr/>
           <p:nvPr/>
         </p:nvGraphicFramePr>
         <p:xfrm>
-          <a:off x="952500" y="3134450"/>
+          <a:off x="930600" y="3533250"/>
           <a:ext cx="3000000" cy="3000000"/>
         </p:xfrm>
         <a:graphic>
@@ -7021,7 +9884,7 @@
             <a:tbl>
               <a:tblPr>
                 <a:noFill/>
-                <a:tableStyleId>{5BE4F18B-E775-4085-A58E-EBC1A699D17B}</a:tableStyleId>
+                <a:tableStyleId>{2A33286E-4CEF-43E6-B36E-A7208C5DEB63}</a:tableStyleId>
               </a:tblPr>
               <a:tblGrid>
                 <a:gridCol w="2413000"/>
@@ -7461,7 +10324,7 @@
       </p:graphicFrame>
       <p:sp>
         <p:nvSpPr>
-          <p:cNvPr id="149" name="Google Shape;149;p22"/>
+          <p:cNvPr id="199" name="Google Shape;199;p27"/>
           <p:cNvSpPr txBox="1"/>
           <p:nvPr/>
         </p:nvSpPr>
@@ -7516,7 +10379,7 @@
       </p:sp>
       <p:sp>
         <p:nvSpPr>
-          <p:cNvPr id="150" name="Google Shape;150;p22"/>
+          <p:cNvPr id="200" name="Google Shape;200;p27"/>
           <p:cNvSpPr txBox="1"/>
           <p:nvPr>
             <p:ph idx="12" type="sldNum"/>
@@ -7555,15 +10418,6 @@
               </a:rPr>
               <a:t>‹#›</a:t>
             </a:fld>
-            <a:r>
-              <a:rPr b="1" lang="en">
-                <a:latin typeface="Times New Roman"/>
-                <a:ea typeface="Times New Roman"/>
-                <a:cs typeface="Times New Roman"/>
-                <a:sym typeface="Times New Roman"/>
-              </a:rPr>
-              <a:t>/10</a:t>
-            </a:r>
             <a:endParaRPr b="1">
               <a:latin typeface="Times New Roman"/>
               <a:ea typeface="Times New Roman"/>
@@ -7581,12 +10435,12 @@
 </p:sld>
 </file>
 
-<file path=ppt/slides/slide11.xml><?xml version="1.0" encoding="utf-8"?>
+<file path=ppt/slides/slide16.xml><?xml version="1.0" encoding="utf-8"?>
 <p:sld xmlns:a="http://schemas.openxmlformats.org/drawingml/2006/main" xmlns:r="http://schemas.openxmlformats.org/officeDocument/2006/relationships" xmlns:mc="http://schemas.openxmlformats.org/markup-compatibility/2006" xmlns:mv="urn:schemas-microsoft-com:mac:vml" xmlns:p="http://schemas.openxmlformats.org/presentationml/2006/main" xmlns:c="http://schemas.openxmlformats.org/drawingml/2006/chart" xmlns:dgm="http://schemas.openxmlformats.org/drawingml/2006/diagram" xmlns:o="urn:schemas-microsoft-com:office:office" xmlns:v="urn:schemas-microsoft-com:vml" xmlns:pvml="urn:schemas-microsoft-com:office:powerpoint" xmlns:com="http://schemas.openxmlformats.org/drawingml/2006/compatibility" xmlns:p14="http://schemas.microsoft.com/office/powerpoint/2010/main" xmlns:p15="http://schemas.microsoft.com/office/powerpoint/2012/main" xmlns:ahyp="http://schemas.microsoft.com/office/drawing/2018/hyperlinkcolor">
   <p:cSld>
     <p:spTree>
       <p:nvGrpSpPr>
-        <p:cNvPr id="154" name="Shape 154"/>
+        <p:cNvPr id="204" name="Shape 204"/>
         <p:cNvGrpSpPr/>
         <p:nvPr/>
       </p:nvGrpSpPr>
@@ -7600,7 +10454,291 @@
       </p:grpSpPr>
       <p:sp>
         <p:nvSpPr>
-          <p:cNvPr id="155" name="Google Shape;155;p23"/>
+          <p:cNvPr id="205" name="Google Shape;205;p28"/>
+          <p:cNvSpPr txBox="1"/>
+          <p:nvPr>
+            <p:ph type="title"/>
+          </p:nvPr>
+        </p:nvSpPr>
+        <p:spPr>
+          <a:xfrm>
+            <a:off x="311700" y="445025"/>
+            <a:ext cx="8520600" cy="572700"/>
+          </a:xfrm>
+          <a:prstGeom prst="rect">
+            <a:avLst/>
+          </a:prstGeom>
+        </p:spPr>
+        <p:txBody>
+          <a:bodyPr anchorCtr="0" anchor="t" bIns="91425" lIns="91425" spcFirstLastPara="1" rIns="91425" wrap="square" tIns="91425">
+            <a:noAutofit/>
+          </a:bodyPr>
+          <a:lstStyle/>
+          <a:p>
+            <a:pPr indent="0" lvl="0" marL="0" rtl="0" algn="l">
+              <a:spcBef>
+                <a:spcPts val="0"/>
+              </a:spcBef>
+              <a:spcAft>
+                <a:spcPts val="0"/>
+              </a:spcAft>
+              <a:buNone/>
+            </a:pPr>
+            <a:r>
+              <a:rPr b="1" lang="en">
+                <a:latin typeface="Times New Roman"/>
+                <a:ea typeface="Times New Roman"/>
+                <a:cs typeface="Times New Roman"/>
+                <a:sym typeface="Times New Roman"/>
+              </a:rPr>
+              <a:t>Future Work</a:t>
+            </a:r>
+            <a:endParaRPr b="1">
+              <a:latin typeface="Times New Roman"/>
+              <a:ea typeface="Times New Roman"/>
+              <a:cs typeface="Times New Roman"/>
+              <a:sym typeface="Times New Roman"/>
+            </a:endParaRPr>
+          </a:p>
+        </p:txBody>
+      </p:sp>
+      <p:sp>
+        <p:nvSpPr>
+          <p:cNvPr id="206" name="Google Shape;206;p28"/>
+          <p:cNvSpPr txBox="1"/>
+          <p:nvPr>
+            <p:ph idx="1" type="body"/>
+          </p:nvPr>
+        </p:nvSpPr>
+        <p:spPr>
+          <a:xfrm>
+            <a:off x="311700" y="1152475"/>
+            <a:ext cx="8520600" cy="3416400"/>
+          </a:xfrm>
+          <a:prstGeom prst="rect">
+            <a:avLst/>
+          </a:prstGeom>
+        </p:spPr>
+        <p:txBody>
+          <a:bodyPr anchorCtr="0" anchor="t" bIns="91425" lIns="91425" spcFirstLastPara="1" rIns="91425" wrap="square" tIns="91425">
+            <a:noAutofit/>
+          </a:bodyPr>
+          <a:lstStyle/>
+          <a:p>
+            <a:pPr indent="-342900" lvl="0" marL="457200" rtl="0" algn="l">
+              <a:spcBef>
+                <a:spcPts val="0"/>
+              </a:spcBef>
+              <a:spcAft>
+                <a:spcPts val="0"/>
+              </a:spcAft>
+              <a:buClr>
+                <a:srgbClr val="000000"/>
+              </a:buClr>
+              <a:buSzPts val="1800"/>
+              <a:buFont typeface="Times New Roman"/>
+              <a:buChar char="●"/>
+            </a:pPr>
+            <a:r>
+              <a:rPr lang="en">
+                <a:solidFill>
+                  <a:srgbClr val="000000"/>
+                </a:solidFill>
+                <a:latin typeface="Times New Roman"/>
+                <a:ea typeface="Times New Roman"/>
+                <a:cs typeface="Times New Roman"/>
+                <a:sym typeface="Times New Roman"/>
+              </a:rPr>
+              <a:t>Perform hyper parameter tuning over AlexNet</a:t>
+            </a:r>
+            <a:endParaRPr>
+              <a:solidFill>
+                <a:srgbClr val="000000"/>
+              </a:solidFill>
+              <a:latin typeface="Times New Roman"/>
+              <a:ea typeface="Times New Roman"/>
+              <a:cs typeface="Times New Roman"/>
+              <a:sym typeface="Times New Roman"/>
+            </a:endParaRPr>
+          </a:p>
+          <a:p>
+            <a:pPr indent="-342900" lvl="0" marL="457200" rtl="0" algn="l">
+              <a:spcBef>
+                <a:spcPts val="0"/>
+              </a:spcBef>
+              <a:spcAft>
+                <a:spcPts val="0"/>
+              </a:spcAft>
+              <a:buClr>
+                <a:srgbClr val="000000"/>
+              </a:buClr>
+              <a:buSzPts val="1800"/>
+              <a:buFont typeface="Times New Roman"/>
+              <a:buChar char="●"/>
+            </a:pPr>
+            <a:r>
+              <a:rPr lang="en">
+                <a:solidFill>
+                  <a:srgbClr val="000000"/>
+                </a:solidFill>
+                <a:latin typeface="Times New Roman"/>
+                <a:ea typeface="Times New Roman"/>
+                <a:cs typeface="Times New Roman"/>
+                <a:sym typeface="Times New Roman"/>
+              </a:rPr>
+              <a:t>Investigate vanishing gradient problem on increase of learning rate</a:t>
+            </a:r>
+            <a:endParaRPr>
+              <a:solidFill>
+                <a:srgbClr val="000000"/>
+              </a:solidFill>
+              <a:latin typeface="Times New Roman"/>
+              <a:ea typeface="Times New Roman"/>
+              <a:cs typeface="Times New Roman"/>
+              <a:sym typeface="Times New Roman"/>
+            </a:endParaRPr>
+          </a:p>
+        </p:txBody>
+      </p:sp>
+      <p:sp>
+        <p:nvSpPr>
+          <p:cNvPr id="207" name="Google Shape;207;p28"/>
+          <p:cNvSpPr txBox="1"/>
+          <p:nvPr>
+            <p:ph idx="12" type="sldNum"/>
+          </p:nvPr>
+        </p:nvSpPr>
+        <p:spPr>
+          <a:xfrm>
+            <a:off x="8472458" y="4663217"/>
+            <a:ext cx="548700" cy="393600"/>
+          </a:xfrm>
+          <a:prstGeom prst="rect">
+            <a:avLst/>
+          </a:prstGeom>
+        </p:spPr>
+        <p:txBody>
+          <a:bodyPr anchorCtr="0" anchor="ctr" bIns="91425" lIns="91425" spcFirstLastPara="1" rIns="91425" wrap="square" tIns="91425">
+            <a:noAutofit/>
+          </a:bodyPr>
+          <a:lstStyle/>
+          <a:p>
+            <a:pPr indent="0" lvl="0" marL="0" rtl="0" algn="r">
+              <a:spcBef>
+                <a:spcPts val="0"/>
+              </a:spcBef>
+              <a:spcAft>
+                <a:spcPts val="0"/>
+              </a:spcAft>
+              <a:buNone/>
+            </a:pPr>
+            <a:fld id="{00000000-1234-1234-1234-123412341234}" type="slidenum">
+              <a:rPr b="1" lang="en">
+                <a:solidFill>
+                  <a:srgbClr val="000000"/>
+                </a:solidFill>
+                <a:latin typeface="Times New Roman"/>
+                <a:ea typeface="Times New Roman"/>
+                <a:cs typeface="Times New Roman"/>
+                <a:sym typeface="Times New Roman"/>
+              </a:rPr>
+              <a:t>‹#›</a:t>
+            </a:fld>
+            <a:endParaRPr b="1">
+              <a:solidFill>
+                <a:srgbClr val="000000"/>
+              </a:solidFill>
+              <a:latin typeface="Times New Roman"/>
+              <a:ea typeface="Times New Roman"/>
+              <a:cs typeface="Times New Roman"/>
+              <a:sym typeface="Times New Roman"/>
+            </a:endParaRPr>
+          </a:p>
+        </p:txBody>
+      </p:sp>
+      <p:sp>
+        <p:nvSpPr>
+          <p:cNvPr id="208" name="Google Shape;208;p28"/>
+          <p:cNvSpPr txBox="1"/>
+          <p:nvPr/>
+        </p:nvSpPr>
+        <p:spPr>
+          <a:xfrm>
+            <a:off x="0" y="4854000"/>
+            <a:ext cx="3715200" cy="289500"/>
+          </a:xfrm>
+          <a:prstGeom prst="rect">
+            <a:avLst/>
+          </a:prstGeom>
+          <a:noFill/>
+          <a:ln>
+            <a:noFill/>
+          </a:ln>
+        </p:spPr>
+        <p:txBody>
+          <a:bodyPr anchorCtr="0" anchor="b" bIns="91425" lIns="91425" spcFirstLastPara="1" rIns="91425" wrap="square" tIns="91425">
+            <a:noAutofit/>
+          </a:bodyPr>
+          <a:lstStyle/>
+          <a:p>
+            <a:pPr indent="0" lvl="0" marL="0" rtl="0" algn="ctr">
+              <a:spcBef>
+                <a:spcPts val="0"/>
+              </a:spcBef>
+              <a:spcAft>
+                <a:spcPts val="0"/>
+              </a:spcAft>
+              <a:buNone/>
+            </a:pPr>
+            <a:r>
+              <a:rPr b="1" lang="en" sz="1200">
+                <a:latin typeface="Times New Roman"/>
+                <a:ea typeface="Times New Roman"/>
+                <a:cs typeface="Times New Roman"/>
+                <a:sym typeface="Times New Roman"/>
+              </a:rPr>
+              <a:t>Tensor Methods for Neural Network Compression</a:t>
+            </a:r>
+            <a:endParaRPr b="1" sz="1200">
+              <a:solidFill>
+                <a:srgbClr val="000000"/>
+              </a:solidFill>
+              <a:latin typeface="Times New Roman"/>
+              <a:ea typeface="Times New Roman"/>
+              <a:cs typeface="Times New Roman"/>
+              <a:sym typeface="Times New Roman"/>
+            </a:endParaRPr>
+          </a:p>
+        </p:txBody>
+      </p:sp>
+    </p:spTree>
+  </p:cSld>
+  <p:clrMapOvr>
+    <a:masterClrMapping/>
+  </p:clrMapOvr>
+</p:sld>
+</file>
+
+<file path=ppt/slides/slide17.xml><?xml version="1.0" encoding="utf-8"?>
+<p:sld xmlns:a="http://schemas.openxmlformats.org/drawingml/2006/main" xmlns:r="http://schemas.openxmlformats.org/officeDocument/2006/relationships" xmlns:mc="http://schemas.openxmlformats.org/markup-compatibility/2006" xmlns:mv="urn:schemas-microsoft-com:mac:vml" xmlns:p="http://schemas.openxmlformats.org/presentationml/2006/main" xmlns:c="http://schemas.openxmlformats.org/drawingml/2006/chart" xmlns:dgm="http://schemas.openxmlformats.org/drawingml/2006/diagram" xmlns:o="urn:schemas-microsoft-com:office:office" xmlns:v="urn:schemas-microsoft-com:vml" xmlns:pvml="urn:schemas-microsoft-com:office:powerpoint" xmlns:com="http://schemas.openxmlformats.org/drawingml/2006/compatibility" xmlns:p14="http://schemas.microsoft.com/office/powerpoint/2010/main" xmlns:p15="http://schemas.microsoft.com/office/powerpoint/2012/main" xmlns:ahyp="http://schemas.microsoft.com/office/drawing/2018/hyperlinkcolor">
+  <p:cSld>
+    <p:spTree>
+      <p:nvGrpSpPr>
+        <p:cNvPr id="212" name="Shape 212"/>
+        <p:cNvGrpSpPr/>
+        <p:nvPr/>
+      </p:nvGrpSpPr>
+      <p:grpSpPr>
+        <a:xfrm>
+          <a:off x="0" y="0"/>
+          <a:ext cx="0" cy="0"/>
+          <a:chOff x="0" y="0"/>
+          <a:chExt cx="0" cy="0"/>
+        </a:xfrm>
+      </p:grpSpPr>
+      <p:sp>
+        <p:nvSpPr>
+          <p:cNvPr id="213" name="Google Shape;213;p29"/>
           <p:cNvSpPr txBox="1"/>
           <p:nvPr>
             <p:ph type="title"/>
@@ -7650,7 +10788,7 @@
       </p:sp>
       <p:sp>
         <p:nvSpPr>
-          <p:cNvPr id="156" name="Google Shape;156;p23"/>
+          <p:cNvPr id="214" name="Google Shape;214;p29"/>
           <p:cNvSpPr txBox="1"/>
           <p:nvPr>
             <p:ph idx="1" type="body"/>
@@ -7659,7 +10797,7 @@
         <p:spPr>
           <a:xfrm>
             <a:off x="311700" y="1152475"/>
-            <a:ext cx="8520600" cy="3416400"/>
+            <a:ext cx="8520600" cy="3701400"/>
           </a:xfrm>
           <a:prstGeom prst="rect">
             <a:avLst/>
@@ -7671,7 +10809,7 @@
           </a:bodyPr>
           <a:lstStyle/>
           <a:p>
-            <a:pPr indent="0" lvl="0" marL="0" rtl="0" algn="l">
+            <a:pPr indent="0" lvl="0" marL="0" rtl="0" algn="just">
               <a:spcBef>
                 <a:spcPts val="0"/>
               </a:spcBef>
@@ -7681,7 +10819,7 @@
               <a:buNone/>
             </a:pPr>
             <a:r>
-              <a:rPr lang="en" sz="1600">
+              <a:rPr lang="en" sz="1200">
                 <a:solidFill>
                   <a:srgbClr val="000000"/>
                 </a:solidFill>
@@ -7690,10 +10828,146 @@
                 <a:cs typeface="Times New Roman"/>
                 <a:sym typeface="Times New Roman"/>
               </a:rPr>
-              <a:t>[¹] </a:t>
+              <a:t>[1] </a:t>
             </a:r>
             <a:r>
-              <a:rPr lang="en" sz="1600">
+              <a:rPr lang="en" sz="1200">
+                <a:solidFill>
+                  <a:schemeClr val="dk1"/>
+                </a:solidFill>
+                <a:latin typeface="Times New Roman"/>
+                <a:ea typeface="Times New Roman"/>
+                <a:cs typeface="Times New Roman"/>
+                <a:sym typeface="Times New Roman"/>
+              </a:rPr>
+              <a:t>Farabet, Clément, Yann LeCun, Koray Kavukcuoglu, Eugenio Culurciello, Berin Martini, Polina Akselrod, and Selcuk Talay. "Large-scale FPGA-based convolutional networks." </a:t>
+            </a:r>
+            <a:r>
+              <a:rPr i="1" lang="en" sz="1200">
+                <a:solidFill>
+                  <a:schemeClr val="dk1"/>
+                </a:solidFill>
+                <a:latin typeface="Times New Roman"/>
+                <a:ea typeface="Times New Roman"/>
+                <a:cs typeface="Times New Roman"/>
+                <a:sym typeface="Times New Roman"/>
+              </a:rPr>
+              <a:t>Scaling up Machine Learning: Parallel and Distributed Approaches</a:t>
+            </a:r>
+            <a:r>
+              <a:rPr lang="en" sz="1200">
+                <a:solidFill>
+                  <a:schemeClr val="dk1"/>
+                </a:solidFill>
+                <a:latin typeface="Times New Roman"/>
+                <a:ea typeface="Times New Roman"/>
+                <a:cs typeface="Times New Roman"/>
+                <a:sym typeface="Times New Roman"/>
+              </a:rPr>
+              <a:t> (2011): 399-419.</a:t>
+            </a:r>
+            <a:endParaRPr sz="1200">
+              <a:solidFill>
+                <a:schemeClr val="dk1"/>
+              </a:solidFill>
+              <a:latin typeface="Times New Roman"/>
+              <a:ea typeface="Times New Roman"/>
+              <a:cs typeface="Times New Roman"/>
+              <a:sym typeface="Times New Roman"/>
+            </a:endParaRPr>
+          </a:p>
+          <a:p>
+            <a:pPr indent="0" lvl="0" marL="0" rtl="0" algn="just">
+              <a:spcBef>
+                <a:spcPts val="1600"/>
+              </a:spcBef>
+              <a:spcAft>
+                <a:spcPts val="0"/>
+              </a:spcAft>
+              <a:buNone/>
+            </a:pPr>
+            <a:r>
+              <a:rPr lang="en" sz="1200">
+                <a:solidFill>
+                  <a:srgbClr val="000000"/>
+                </a:solidFill>
+                <a:latin typeface="Times New Roman"/>
+                <a:ea typeface="Times New Roman"/>
+                <a:cs typeface="Times New Roman"/>
+                <a:sym typeface="Times New Roman"/>
+              </a:rPr>
+              <a:t>[2] </a:t>
+            </a:r>
+            <a:r>
+              <a:rPr lang="en" sz="1200">
+                <a:solidFill>
+                  <a:schemeClr val="dk1"/>
+                </a:solidFill>
+                <a:latin typeface="Times New Roman"/>
+                <a:ea typeface="Times New Roman"/>
+                <a:cs typeface="Times New Roman"/>
+                <a:sym typeface="Times New Roman"/>
+              </a:rPr>
+              <a:t>Lebedev, Vadim, Yaroslav Ganin, Maksim Rakhuba, Ivan Oseledets, and Victor Lempitsky. "Speeding-up convolutional neural networks using fine-tuned cp-decomposition." </a:t>
+            </a:r>
+            <a:r>
+              <a:rPr i="1" lang="en" sz="1200">
+                <a:solidFill>
+                  <a:schemeClr val="dk1"/>
+                </a:solidFill>
+                <a:latin typeface="Times New Roman"/>
+                <a:ea typeface="Times New Roman"/>
+                <a:cs typeface="Times New Roman"/>
+                <a:sym typeface="Times New Roman"/>
+              </a:rPr>
+              <a:t>arXiv preprint arXiv:1412.6553</a:t>
+            </a:r>
+            <a:r>
+              <a:rPr lang="en" sz="1200">
+                <a:solidFill>
+                  <a:schemeClr val="dk1"/>
+                </a:solidFill>
+                <a:latin typeface="Times New Roman"/>
+                <a:ea typeface="Times New Roman"/>
+                <a:cs typeface="Times New Roman"/>
+                <a:sym typeface="Times New Roman"/>
+              </a:rPr>
+              <a:t> (2014).</a:t>
+            </a:r>
+            <a:endParaRPr sz="1200">
+              <a:solidFill>
+                <a:schemeClr val="dk1"/>
+              </a:solidFill>
+              <a:latin typeface="Times New Roman"/>
+              <a:ea typeface="Times New Roman"/>
+              <a:cs typeface="Times New Roman"/>
+              <a:sym typeface="Times New Roman"/>
+            </a:endParaRPr>
+          </a:p>
+          <a:p>
+            <a:pPr indent="0" lvl="0" marL="0" rtl="0" algn="just">
+              <a:spcBef>
+                <a:spcPts val="1600"/>
+              </a:spcBef>
+              <a:spcAft>
+                <a:spcPts val="0"/>
+              </a:spcAft>
+              <a:buNone/>
+            </a:pPr>
+            <a:r>
+              <a:rPr lang="en" sz="1200">
+                <a:solidFill>
+                  <a:srgbClr val="000000"/>
+                </a:solidFill>
+                <a:latin typeface="Times New Roman"/>
+                <a:ea typeface="Times New Roman"/>
+                <a:cs typeface="Times New Roman"/>
+                <a:sym typeface="Times New Roman"/>
+              </a:rPr>
+              <a:t>[3] </a:t>
+            </a:r>
+            <a:r>
+              <a:rPr lang="en" sz="1200">
                 <a:solidFill>
                   <a:srgbClr val="000000"/>
                 </a:solidFill>
@@ -7705,7 +10979,7 @@
               <a:t>Kolda, Tamara G., and Brett W. Bader. "Tensor decompositions and applications." </a:t>
             </a:r>
             <a:r>
-              <a:rPr i="1" lang="en" sz="1600">
+              <a:rPr i="1" lang="en" sz="1200">
                 <a:solidFill>
                   <a:srgbClr val="000000"/>
                 </a:solidFill>
@@ -7717,7 +10991,7 @@
               <a:t>Society for Industrial and Applied Mathematics (SIAM) review</a:t>
             </a:r>
             <a:r>
-              <a:rPr lang="en" sz="1600">
+              <a:rPr lang="en" sz="1200">
                 <a:solidFill>
                   <a:srgbClr val="000000"/>
                 </a:solidFill>
@@ -7728,7 +11002,7 @@
               </a:rPr>
               <a:t> 51, no. 3 (2009): 455-500.</a:t>
             </a:r>
-            <a:endParaRPr sz="1600">
+            <a:endParaRPr sz="1200">
               <a:solidFill>
                 <a:srgbClr val="000000"/>
               </a:solidFill>
@@ -7749,7 +11023,7 @@
               <a:buNone/>
             </a:pPr>
             <a:r>
-              <a:rPr lang="en" sz="1600">
+              <a:rPr lang="en" sz="1200">
                 <a:solidFill>
                   <a:srgbClr val="000000"/>
                 </a:solidFill>
@@ -7758,10 +11032,124 @@
                 <a:cs typeface="Times New Roman"/>
                 <a:sym typeface="Times New Roman"/>
               </a:rPr>
-              <a:t>[²] Krizhevsky, Alex, Ilya Sutskever, and Geoffrey E. Hinton. "Imagenet classification with deep convolutional neural networks." In </a:t>
+              <a:t>[4] The Canonical Polyadic Tensor Decomposition and Variants for Mining Multi-Dimensional Data, </a:t>
             </a:r>
             <a:r>
-              <a:rPr i="1" lang="en" sz="1600">
+              <a:rPr lang="en" sz="1200" u="sng">
+                <a:solidFill>
+                  <a:schemeClr val="hlink"/>
+                </a:solidFill>
+                <a:latin typeface="Times New Roman"/>
+                <a:ea typeface="Times New Roman"/>
+                <a:cs typeface="Times New Roman"/>
+                <a:sym typeface="Times New Roman"/>
+                <a:hlinkClick r:id="rId3"/>
+              </a:rPr>
+              <a:t>https://drive.google.com/file/d/1l7GmqErogAnEeNJycvOw7IhA70A9Mcn6/view</a:t>
+            </a:r>
+            <a:r>
+              <a:rPr lang="en" sz="1200">
+                <a:solidFill>
+                  <a:srgbClr val="000000"/>
+                </a:solidFill>
+                <a:latin typeface="Times New Roman"/>
+                <a:ea typeface="Times New Roman"/>
+                <a:cs typeface="Times New Roman"/>
+                <a:sym typeface="Times New Roman"/>
+              </a:rPr>
+              <a:t>, Accessed 25-October-2020.</a:t>
+            </a:r>
+            <a:endParaRPr sz="1200">
+              <a:solidFill>
+                <a:srgbClr val="000000"/>
+              </a:solidFill>
+              <a:latin typeface="Times New Roman"/>
+              <a:ea typeface="Times New Roman"/>
+              <a:cs typeface="Times New Roman"/>
+              <a:sym typeface="Times New Roman"/>
+            </a:endParaRPr>
+          </a:p>
+          <a:p>
+            <a:pPr indent="0" lvl="0" marL="0" rtl="0" algn="just">
+              <a:spcBef>
+                <a:spcPts val="1600"/>
+              </a:spcBef>
+              <a:spcAft>
+                <a:spcPts val="0"/>
+              </a:spcAft>
+              <a:buNone/>
+            </a:pPr>
+            <a:r>
+              <a:rPr lang="en" sz="1200">
+                <a:solidFill>
+                  <a:srgbClr val="000000"/>
+                </a:solidFill>
+                <a:latin typeface="Times New Roman"/>
+                <a:ea typeface="Times New Roman"/>
+                <a:cs typeface="Times New Roman"/>
+                <a:sym typeface="Times New Roman"/>
+              </a:rPr>
+              <a:t>[5] Kronecker Product, </a:t>
+            </a:r>
+            <a:r>
+              <a:rPr lang="en" sz="1200" u="sng">
+                <a:solidFill>
+                  <a:schemeClr val="hlink"/>
+                </a:solidFill>
+                <a:latin typeface="Times New Roman"/>
+                <a:ea typeface="Times New Roman"/>
+                <a:cs typeface="Times New Roman"/>
+                <a:sym typeface="Times New Roman"/>
+                <a:hlinkClick r:id="rId4"/>
+              </a:rPr>
+              <a:t>https://en.wikipedia.org/wiki/Kronecker_product,</a:t>
+            </a:r>
+            <a:r>
+              <a:rPr lang="en" sz="1200">
+                <a:solidFill>
+                  <a:srgbClr val="000000"/>
+                </a:solidFill>
+                <a:latin typeface="Times New Roman"/>
+                <a:ea typeface="Times New Roman"/>
+                <a:cs typeface="Times New Roman"/>
+                <a:sym typeface="Times New Roman"/>
+              </a:rPr>
+              <a:t> Accessed 25-October-2020.</a:t>
+            </a:r>
+            <a:endParaRPr sz="1200">
+              <a:solidFill>
+                <a:srgbClr val="000000"/>
+              </a:solidFill>
+              <a:latin typeface="Times New Roman"/>
+              <a:ea typeface="Times New Roman"/>
+              <a:cs typeface="Times New Roman"/>
+              <a:sym typeface="Times New Roman"/>
+            </a:endParaRPr>
+          </a:p>
+          <a:p>
+            <a:pPr indent="0" lvl="0" marL="0" rtl="0" algn="just">
+              <a:spcBef>
+                <a:spcPts val="1600"/>
+              </a:spcBef>
+              <a:spcAft>
+                <a:spcPts val="0"/>
+              </a:spcAft>
+              <a:buNone/>
+            </a:pPr>
+            <a:r>
+              <a:rPr lang="en" sz="1200">
+                <a:solidFill>
+                  <a:srgbClr val="000000"/>
+                </a:solidFill>
+                <a:latin typeface="Times New Roman"/>
+                <a:ea typeface="Times New Roman"/>
+                <a:cs typeface="Times New Roman"/>
+                <a:sym typeface="Times New Roman"/>
+              </a:rPr>
+              <a:t>[6] Krizhevsky, Alex, Ilya Sutskever, and Geoffrey E. Hinton. "Imagenet classification with deep convolutional neural networks." In </a:t>
+            </a:r>
+            <a:r>
+              <a:rPr i="1" lang="en" sz="1200">
                 <a:solidFill>
                   <a:srgbClr val="000000"/>
                 </a:solidFill>
@@ -7773,7 +11161,7 @@
               <a:t>Advances in neural information processing systems</a:t>
             </a:r>
             <a:r>
-              <a:rPr lang="en" sz="1600">
+              <a:rPr lang="en" sz="1200">
                 <a:solidFill>
                   <a:srgbClr val="000000"/>
                 </a:solidFill>
@@ -7784,7 +11172,7 @@
               </a:rPr>
               <a:t>, pp. 1097-1105. 2012.</a:t>
             </a:r>
-            <a:endParaRPr sz="1600">
+            <a:endParaRPr sz="1200">
               <a:solidFill>
                 <a:srgbClr val="000000"/>
               </a:solidFill>
@@ -7807,7 +11195,7 @@
             <a:r>
               <a:t/>
             </a:r>
-            <a:endParaRPr>
+            <a:endParaRPr sz="1200">
               <a:solidFill>
                 <a:srgbClr val="000000"/>
               </a:solidFill>
@@ -7821,7 +11209,7 @@
       </p:sp>
       <p:sp>
         <p:nvSpPr>
-          <p:cNvPr id="157" name="Google Shape;157;p23"/>
+          <p:cNvPr id="215" name="Google Shape;215;p29"/>
           <p:cNvSpPr txBox="1"/>
           <p:nvPr/>
         </p:nvSpPr>
@@ -7996,7 +11384,44 @@
                 <a:cs typeface="Times New Roman"/>
                 <a:sym typeface="Times New Roman"/>
               </a:rPr>
-              <a:t>Tensors</a:t>
+              <a:t>Why tensor decomposition?</a:t>
+            </a:r>
+            <a:endParaRPr>
+              <a:solidFill>
+                <a:srgbClr val="000000"/>
+              </a:solidFill>
+              <a:latin typeface="Times New Roman"/>
+              <a:ea typeface="Times New Roman"/>
+              <a:cs typeface="Times New Roman"/>
+              <a:sym typeface="Times New Roman"/>
+            </a:endParaRPr>
+          </a:p>
+          <a:p>
+            <a:pPr indent="-342900" lvl="0" marL="457200" rtl="0" algn="l">
+              <a:spcBef>
+                <a:spcPts val="0"/>
+              </a:spcBef>
+              <a:spcAft>
+                <a:spcPts val="0"/>
+              </a:spcAft>
+              <a:buClr>
+                <a:srgbClr val="000000"/>
+              </a:buClr>
+              <a:buSzPts val="1800"/>
+              <a:buFont typeface="Times New Roman"/>
+              <a:buAutoNum type="arabicPeriod"/>
+            </a:pPr>
+            <a:r>
+              <a:rPr lang="en">
+                <a:solidFill>
+                  <a:srgbClr val="000000"/>
+                </a:solidFill>
+                <a:latin typeface="Times New Roman"/>
+                <a:ea typeface="Times New Roman"/>
+                <a:cs typeface="Times New Roman"/>
+                <a:sym typeface="Times New Roman"/>
+              </a:rPr>
+              <a:t>What are tensors?</a:t>
             </a:r>
             <a:endParaRPr>
               <a:solidFill>
@@ -8269,18 +11694,6 @@
               </a:rPr>
               <a:t>‹#›</a:t>
             </a:fld>
-            <a:r>
-              <a:rPr b="1" lang="en">
-                <a:solidFill>
-                  <a:srgbClr val="000000"/>
-                </a:solidFill>
-                <a:latin typeface="Times New Roman"/>
-                <a:ea typeface="Times New Roman"/>
-                <a:cs typeface="Times New Roman"/>
-                <a:sym typeface="Times New Roman"/>
-              </a:rPr>
-              <a:t>/10</a:t>
-            </a:r>
             <a:endParaRPr b="1">
               <a:solidFill>
                 <a:srgbClr val="000000"/>
@@ -8348,6 +11761,628 @@
               <a:spcAft>
                 <a:spcPts val="0"/>
               </a:spcAft>
+              <a:buClr>
+                <a:schemeClr val="dk1"/>
+              </a:buClr>
+              <a:buSzPts val="1100"/>
+              <a:buFont typeface="Arial"/>
+              <a:buNone/>
+            </a:pPr>
+            <a:r>
+              <a:rPr b="1" lang="en" sz="3000">
+                <a:latin typeface="Times New Roman"/>
+                <a:ea typeface="Times New Roman"/>
+                <a:cs typeface="Times New Roman"/>
+                <a:sym typeface="Times New Roman"/>
+              </a:rPr>
+              <a:t>Why tensor decomposition?</a:t>
+            </a:r>
+            <a:endParaRPr/>
+          </a:p>
+        </p:txBody>
+      </p:sp>
+      <p:sp>
+        <p:nvSpPr>
+          <p:cNvPr id="70" name="Google Shape;70;p15"/>
+          <p:cNvSpPr txBox="1"/>
+          <p:nvPr>
+            <p:ph idx="1" type="body"/>
+          </p:nvPr>
+        </p:nvSpPr>
+        <p:spPr>
+          <a:xfrm>
+            <a:off x="311700" y="1152475"/>
+            <a:ext cx="8520600" cy="3312600"/>
+          </a:xfrm>
+          <a:prstGeom prst="rect">
+            <a:avLst/>
+          </a:prstGeom>
+        </p:spPr>
+        <p:txBody>
+          <a:bodyPr anchorCtr="0" anchor="t" bIns="91425" lIns="91425" spcFirstLastPara="1" rIns="91425" wrap="square" tIns="91425">
+            <a:noAutofit/>
+          </a:bodyPr>
+          <a:lstStyle/>
+          <a:p>
+            <a:pPr indent="-342900" lvl="0" marL="457200" rtl="0" algn="l">
+              <a:spcBef>
+                <a:spcPts val="0"/>
+              </a:spcBef>
+              <a:spcAft>
+                <a:spcPts val="0"/>
+              </a:spcAft>
+              <a:buClr>
+                <a:srgbClr val="000000"/>
+              </a:buClr>
+              <a:buSzPts val="1800"/>
+              <a:buFont typeface="Times New Roman"/>
+              <a:buChar char="●"/>
+            </a:pPr>
+            <a:r>
+              <a:rPr lang="en">
+                <a:solidFill>
+                  <a:srgbClr val="000000"/>
+                </a:solidFill>
+                <a:latin typeface="Times New Roman"/>
+                <a:ea typeface="Times New Roman"/>
+                <a:cs typeface="Times New Roman"/>
+                <a:sym typeface="Times New Roman"/>
+              </a:rPr>
+              <a:t>Training a CNN on low end hardware</a:t>
+            </a:r>
+            <a:endParaRPr>
+              <a:solidFill>
+                <a:srgbClr val="000000"/>
+              </a:solidFill>
+              <a:latin typeface="Times New Roman"/>
+              <a:ea typeface="Times New Roman"/>
+              <a:cs typeface="Times New Roman"/>
+              <a:sym typeface="Times New Roman"/>
+            </a:endParaRPr>
+          </a:p>
+          <a:p>
+            <a:pPr indent="-317500" lvl="1" marL="914400" rtl="0" algn="l">
+              <a:spcBef>
+                <a:spcPts val="0"/>
+              </a:spcBef>
+              <a:spcAft>
+                <a:spcPts val="0"/>
+              </a:spcAft>
+              <a:buClr>
+                <a:srgbClr val="000000"/>
+              </a:buClr>
+              <a:buSzPts val="1400"/>
+              <a:buFont typeface="Times New Roman"/>
+              <a:buChar char="○"/>
+            </a:pPr>
+            <a:r>
+              <a:rPr lang="en">
+                <a:solidFill>
+                  <a:srgbClr val="000000"/>
+                </a:solidFill>
+                <a:latin typeface="Times New Roman"/>
+                <a:ea typeface="Times New Roman"/>
+                <a:cs typeface="Times New Roman"/>
+                <a:sym typeface="Times New Roman"/>
+              </a:rPr>
+              <a:t>Memory constraint</a:t>
+            </a:r>
+            <a:endParaRPr>
+              <a:solidFill>
+                <a:srgbClr val="000000"/>
+              </a:solidFill>
+              <a:latin typeface="Times New Roman"/>
+              <a:ea typeface="Times New Roman"/>
+              <a:cs typeface="Times New Roman"/>
+              <a:sym typeface="Times New Roman"/>
+            </a:endParaRPr>
+          </a:p>
+          <a:p>
+            <a:pPr indent="-317500" lvl="1" marL="914400" rtl="0" algn="l">
+              <a:spcBef>
+                <a:spcPts val="0"/>
+              </a:spcBef>
+              <a:spcAft>
+                <a:spcPts val="0"/>
+              </a:spcAft>
+              <a:buClr>
+                <a:srgbClr val="000000"/>
+              </a:buClr>
+              <a:buSzPts val="1400"/>
+              <a:buFont typeface="Times New Roman"/>
+              <a:buChar char="○"/>
+            </a:pPr>
+            <a:r>
+              <a:rPr lang="en">
+                <a:solidFill>
+                  <a:srgbClr val="000000"/>
+                </a:solidFill>
+                <a:latin typeface="Times New Roman"/>
+                <a:ea typeface="Times New Roman"/>
+                <a:cs typeface="Times New Roman"/>
+                <a:sym typeface="Times New Roman"/>
+              </a:rPr>
+              <a:t>Computational Speed</a:t>
+            </a:r>
+            <a:endParaRPr>
+              <a:solidFill>
+                <a:srgbClr val="000000"/>
+              </a:solidFill>
+              <a:latin typeface="Times New Roman"/>
+              <a:ea typeface="Times New Roman"/>
+              <a:cs typeface="Times New Roman"/>
+              <a:sym typeface="Times New Roman"/>
+            </a:endParaRPr>
+          </a:p>
+          <a:p>
+            <a:pPr indent="-317500" lvl="1" marL="914400" rtl="0" algn="l">
+              <a:spcBef>
+                <a:spcPts val="0"/>
+              </a:spcBef>
+              <a:spcAft>
+                <a:spcPts val="0"/>
+              </a:spcAft>
+              <a:buClr>
+                <a:srgbClr val="000000"/>
+              </a:buClr>
+              <a:buSzPts val="1400"/>
+              <a:buFont typeface="Times New Roman"/>
+              <a:buChar char="○"/>
+            </a:pPr>
+            <a:r>
+              <a:rPr lang="en">
+                <a:solidFill>
+                  <a:srgbClr val="000000"/>
+                </a:solidFill>
+                <a:latin typeface="Times New Roman"/>
+                <a:ea typeface="Times New Roman"/>
+                <a:cs typeface="Times New Roman"/>
+                <a:sym typeface="Times New Roman"/>
+              </a:rPr>
+              <a:t>Power intensive</a:t>
+            </a:r>
+            <a:endParaRPr>
+              <a:solidFill>
+                <a:srgbClr val="000000"/>
+              </a:solidFill>
+              <a:latin typeface="Times New Roman"/>
+              <a:ea typeface="Times New Roman"/>
+              <a:cs typeface="Times New Roman"/>
+              <a:sym typeface="Times New Roman"/>
+            </a:endParaRPr>
+          </a:p>
+          <a:p>
+            <a:pPr indent="-342900" lvl="0" marL="457200" rtl="0" algn="l">
+              <a:spcBef>
+                <a:spcPts val="0"/>
+              </a:spcBef>
+              <a:spcAft>
+                <a:spcPts val="0"/>
+              </a:spcAft>
+              <a:buClr>
+                <a:srgbClr val="000000"/>
+              </a:buClr>
+              <a:buSzPts val="1800"/>
+              <a:buFont typeface="Times New Roman"/>
+              <a:buChar char="●"/>
+            </a:pPr>
+            <a:r>
+              <a:rPr lang="en">
+                <a:solidFill>
+                  <a:srgbClr val="000000"/>
+                </a:solidFill>
+                <a:latin typeface="Times New Roman"/>
+                <a:ea typeface="Times New Roman"/>
+                <a:cs typeface="Times New Roman"/>
+                <a:sym typeface="Times New Roman"/>
+              </a:rPr>
+              <a:t>FPGA based ConvNet [1]</a:t>
+            </a:r>
+            <a:endParaRPr>
+              <a:solidFill>
+                <a:srgbClr val="000000"/>
+              </a:solidFill>
+              <a:latin typeface="Times New Roman"/>
+              <a:ea typeface="Times New Roman"/>
+              <a:cs typeface="Times New Roman"/>
+              <a:sym typeface="Times New Roman"/>
+            </a:endParaRPr>
+          </a:p>
+          <a:p>
+            <a:pPr indent="-317500" lvl="1" marL="914400" rtl="0" algn="l">
+              <a:spcBef>
+                <a:spcPts val="0"/>
+              </a:spcBef>
+              <a:spcAft>
+                <a:spcPts val="0"/>
+              </a:spcAft>
+              <a:buClr>
+                <a:srgbClr val="000000"/>
+              </a:buClr>
+              <a:buSzPts val="1400"/>
+              <a:buFont typeface="Times New Roman"/>
+              <a:buChar char="○"/>
+            </a:pPr>
+            <a:r>
+              <a:rPr lang="en">
+                <a:solidFill>
+                  <a:srgbClr val="000000"/>
+                </a:solidFill>
+                <a:latin typeface="Times New Roman"/>
+                <a:ea typeface="Times New Roman"/>
+                <a:cs typeface="Times New Roman"/>
+                <a:sym typeface="Times New Roman"/>
+              </a:rPr>
+              <a:t>Inapplicability on high end architectures</a:t>
+            </a:r>
+            <a:endParaRPr>
+              <a:solidFill>
+                <a:srgbClr val="000000"/>
+              </a:solidFill>
+              <a:latin typeface="Times New Roman"/>
+              <a:ea typeface="Times New Roman"/>
+              <a:cs typeface="Times New Roman"/>
+              <a:sym typeface="Times New Roman"/>
+            </a:endParaRPr>
+          </a:p>
+          <a:p>
+            <a:pPr indent="-317500" lvl="1" marL="914400" rtl="0" algn="l">
+              <a:spcBef>
+                <a:spcPts val="0"/>
+              </a:spcBef>
+              <a:spcAft>
+                <a:spcPts val="0"/>
+              </a:spcAft>
+              <a:buClr>
+                <a:srgbClr val="000000"/>
+              </a:buClr>
+              <a:buSzPts val="1400"/>
+              <a:buFont typeface="Times New Roman"/>
+              <a:buChar char="○"/>
+            </a:pPr>
+            <a:r>
+              <a:rPr lang="en">
+                <a:solidFill>
+                  <a:srgbClr val="000000"/>
+                </a:solidFill>
+                <a:latin typeface="Times New Roman"/>
+                <a:ea typeface="Times New Roman"/>
+                <a:cs typeface="Times New Roman"/>
+                <a:sym typeface="Times New Roman"/>
+              </a:rPr>
+              <a:t>Change in architecture requires complete redesigning</a:t>
+            </a:r>
+            <a:endParaRPr>
+              <a:solidFill>
+                <a:srgbClr val="000000"/>
+              </a:solidFill>
+              <a:latin typeface="Times New Roman"/>
+              <a:ea typeface="Times New Roman"/>
+              <a:cs typeface="Times New Roman"/>
+              <a:sym typeface="Times New Roman"/>
+            </a:endParaRPr>
+          </a:p>
+          <a:p>
+            <a:pPr indent="-342900" lvl="0" marL="457200" rtl="0" algn="l">
+              <a:spcBef>
+                <a:spcPts val="0"/>
+              </a:spcBef>
+              <a:spcAft>
+                <a:spcPts val="0"/>
+              </a:spcAft>
+              <a:buClr>
+                <a:srgbClr val="000000"/>
+              </a:buClr>
+              <a:buSzPts val="1800"/>
+              <a:buFont typeface="Times New Roman"/>
+              <a:buChar char="●"/>
+            </a:pPr>
+            <a:r>
+              <a:rPr lang="en">
+                <a:solidFill>
+                  <a:srgbClr val="000000"/>
+                </a:solidFill>
+                <a:latin typeface="Times New Roman"/>
+                <a:ea typeface="Times New Roman"/>
+                <a:cs typeface="Times New Roman"/>
+                <a:sym typeface="Times New Roman"/>
+              </a:rPr>
+              <a:t>Early attempts made using tensor decomposition [2]</a:t>
+            </a:r>
+            <a:endParaRPr>
+              <a:solidFill>
+                <a:srgbClr val="000000"/>
+              </a:solidFill>
+              <a:latin typeface="Times New Roman"/>
+              <a:ea typeface="Times New Roman"/>
+              <a:cs typeface="Times New Roman"/>
+              <a:sym typeface="Times New Roman"/>
+            </a:endParaRPr>
+          </a:p>
+          <a:p>
+            <a:pPr indent="-317500" lvl="1" marL="914400" rtl="0" algn="l">
+              <a:spcBef>
+                <a:spcPts val="0"/>
+              </a:spcBef>
+              <a:spcAft>
+                <a:spcPts val="0"/>
+              </a:spcAft>
+              <a:buClr>
+                <a:srgbClr val="000000"/>
+              </a:buClr>
+              <a:buSzPts val="1400"/>
+              <a:buFont typeface="Times New Roman"/>
+              <a:buChar char="○"/>
+            </a:pPr>
+            <a:r>
+              <a:rPr lang="en">
+                <a:solidFill>
+                  <a:srgbClr val="000000"/>
+                </a:solidFill>
+                <a:latin typeface="Times New Roman"/>
+                <a:ea typeface="Times New Roman"/>
+                <a:cs typeface="Times New Roman"/>
+                <a:sym typeface="Times New Roman"/>
+              </a:rPr>
+              <a:t>CP Decomposition - Nonlinear Least Squares (NLS)</a:t>
+            </a:r>
+            <a:endParaRPr>
+              <a:solidFill>
+                <a:srgbClr val="000000"/>
+              </a:solidFill>
+              <a:latin typeface="Times New Roman"/>
+              <a:ea typeface="Times New Roman"/>
+              <a:cs typeface="Times New Roman"/>
+              <a:sym typeface="Times New Roman"/>
+            </a:endParaRPr>
+          </a:p>
+          <a:p>
+            <a:pPr indent="-317500" lvl="1" marL="914400" rtl="0" algn="l">
+              <a:spcBef>
+                <a:spcPts val="0"/>
+              </a:spcBef>
+              <a:spcAft>
+                <a:spcPts val="0"/>
+              </a:spcAft>
+              <a:buClr>
+                <a:srgbClr val="000000"/>
+              </a:buClr>
+              <a:buSzPts val="1400"/>
+              <a:buFont typeface="Times New Roman"/>
+              <a:buChar char="○"/>
+            </a:pPr>
+            <a:r>
+              <a:rPr lang="en">
+                <a:solidFill>
+                  <a:srgbClr val="000000"/>
+                </a:solidFill>
+                <a:latin typeface="Times New Roman"/>
+                <a:ea typeface="Times New Roman"/>
+                <a:cs typeface="Times New Roman"/>
+                <a:sym typeface="Times New Roman"/>
+              </a:rPr>
+              <a:t>Performed on second layer of AlexNet and CharNet</a:t>
+            </a:r>
+            <a:endParaRPr>
+              <a:solidFill>
+                <a:srgbClr val="000000"/>
+              </a:solidFill>
+              <a:latin typeface="Times New Roman"/>
+              <a:ea typeface="Times New Roman"/>
+              <a:cs typeface="Times New Roman"/>
+              <a:sym typeface="Times New Roman"/>
+            </a:endParaRPr>
+          </a:p>
+          <a:p>
+            <a:pPr indent="-317500" lvl="1" marL="914400" rtl="0" algn="l">
+              <a:spcBef>
+                <a:spcPts val="0"/>
+              </a:spcBef>
+              <a:spcAft>
+                <a:spcPts val="0"/>
+              </a:spcAft>
+              <a:buClr>
+                <a:srgbClr val="000000"/>
+              </a:buClr>
+              <a:buSzPts val="1400"/>
+              <a:buFont typeface="Times New Roman"/>
+              <a:buChar char="○"/>
+            </a:pPr>
+            <a:r>
+              <a:rPr lang="en">
+                <a:solidFill>
+                  <a:srgbClr val="000000"/>
+                </a:solidFill>
+                <a:latin typeface="Times New Roman"/>
+                <a:ea typeface="Times New Roman"/>
+                <a:cs typeface="Times New Roman"/>
+                <a:sym typeface="Times New Roman"/>
+              </a:rPr>
+              <a:t>Rank 140 approximation</a:t>
+            </a:r>
+            <a:endParaRPr>
+              <a:solidFill>
+                <a:srgbClr val="000000"/>
+              </a:solidFill>
+              <a:latin typeface="Times New Roman"/>
+              <a:ea typeface="Times New Roman"/>
+              <a:cs typeface="Times New Roman"/>
+              <a:sym typeface="Times New Roman"/>
+            </a:endParaRPr>
+          </a:p>
+        </p:txBody>
+      </p:sp>
+      <p:sp>
+        <p:nvSpPr>
+          <p:cNvPr id="71" name="Google Shape;71;p15"/>
+          <p:cNvSpPr txBox="1"/>
+          <p:nvPr>
+            <p:ph idx="12" type="sldNum"/>
+          </p:nvPr>
+        </p:nvSpPr>
+        <p:spPr>
+          <a:xfrm>
+            <a:off x="8472458" y="4663217"/>
+            <a:ext cx="548700" cy="393600"/>
+          </a:xfrm>
+          <a:prstGeom prst="rect">
+            <a:avLst/>
+          </a:prstGeom>
+        </p:spPr>
+        <p:txBody>
+          <a:bodyPr anchorCtr="0" anchor="ctr" bIns="91425" lIns="91425" spcFirstLastPara="1" rIns="91425" wrap="square" tIns="91425">
+            <a:noAutofit/>
+          </a:bodyPr>
+          <a:lstStyle/>
+          <a:p>
+            <a:pPr indent="0" lvl="0" marL="0" rtl="0" algn="r">
+              <a:spcBef>
+                <a:spcPts val="0"/>
+              </a:spcBef>
+              <a:spcAft>
+                <a:spcPts val="0"/>
+              </a:spcAft>
+              <a:buNone/>
+            </a:pPr>
+            <a:fld id="{00000000-1234-1234-1234-123412341234}" type="slidenum">
+              <a:rPr b="1" lang="en">
+                <a:solidFill>
+                  <a:srgbClr val="000000"/>
+                </a:solidFill>
+                <a:latin typeface="Times New Roman"/>
+                <a:ea typeface="Times New Roman"/>
+                <a:cs typeface="Times New Roman"/>
+                <a:sym typeface="Times New Roman"/>
+              </a:rPr>
+              <a:t>‹#›</a:t>
+            </a:fld>
+            <a:endParaRPr b="1">
+              <a:solidFill>
+                <a:srgbClr val="000000"/>
+              </a:solidFill>
+              <a:latin typeface="Times New Roman"/>
+              <a:ea typeface="Times New Roman"/>
+              <a:cs typeface="Times New Roman"/>
+              <a:sym typeface="Times New Roman"/>
+            </a:endParaRPr>
+          </a:p>
+        </p:txBody>
+      </p:sp>
+      <p:sp>
+        <p:nvSpPr>
+          <p:cNvPr id="72" name="Google Shape;72;p15"/>
+          <p:cNvSpPr txBox="1"/>
+          <p:nvPr/>
+        </p:nvSpPr>
+        <p:spPr>
+          <a:xfrm>
+            <a:off x="0" y="4854000"/>
+            <a:ext cx="3715200" cy="289500"/>
+          </a:xfrm>
+          <a:prstGeom prst="rect">
+            <a:avLst/>
+          </a:prstGeom>
+          <a:noFill/>
+          <a:ln>
+            <a:noFill/>
+          </a:ln>
+        </p:spPr>
+        <p:txBody>
+          <a:bodyPr anchorCtr="0" anchor="b" bIns="91425" lIns="91425" spcFirstLastPara="1" rIns="91425" wrap="square" tIns="91425">
+            <a:noAutofit/>
+          </a:bodyPr>
+          <a:lstStyle/>
+          <a:p>
+            <a:pPr indent="0" lvl="0" marL="0" rtl="0" algn="ctr">
+              <a:spcBef>
+                <a:spcPts val="0"/>
+              </a:spcBef>
+              <a:spcAft>
+                <a:spcPts val="0"/>
+              </a:spcAft>
+              <a:buNone/>
+            </a:pPr>
+            <a:r>
+              <a:rPr b="1" lang="en" sz="1200">
+                <a:latin typeface="Times New Roman"/>
+                <a:ea typeface="Times New Roman"/>
+                <a:cs typeface="Times New Roman"/>
+                <a:sym typeface="Times New Roman"/>
+              </a:rPr>
+              <a:t>Tensor Methods for Neural Network Compression</a:t>
+            </a:r>
+            <a:endParaRPr b="1" sz="1200">
+              <a:solidFill>
+                <a:srgbClr val="000000"/>
+              </a:solidFill>
+              <a:latin typeface="Times New Roman"/>
+              <a:ea typeface="Times New Roman"/>
+              <a:cs typeface="Times New Roman"/>
+              <a:sym typeface="Times New Roman"/>
+            </a:endParaRPr>
+          </a:p>
+        </p:txBody>
+      </p:sp>
+    </p:spTree>
+  </p:cSld>
+  <p:clrMapOvr>
+    <a:masterClrMapping/>
+  </p:clrMapOvr>
+</p:sld>
+</file>
+
+<file path=ppt/slides/slide4.xml><?xml version="1.0" encoding="utf-8"?>
+<p:sld xmlns:a="http://schemas.openxmlformats.org/drawingml/2006/main" xmlns:r="http://schemas.openxmlformats.org/officeDocument/2006/relationships" xmlns:mc="http://schemas.openxmlformats.org/markup-compatibility/2006" xmlns:mv="urn:schemas-microsoft-com:mac:vml" xmlns:p="http://schemas.openxmlformats.org/presentationml/2006/main" xmlns:c="http://schemas.openxmlformats.org/drawingml/2006/chart" xmlns:dgm="http://schemas.openxmlformats.org/drawingml/2006/diagram" xmlns:o="urn:schemas-microsoft-com:office:office" xmlns:v="urn:schemas-microsoft-com:vml" xmlns:pvml="urn:schemas-microsoft-com:office:powerpoint" xmlns:com="http://schemas.openxmlformats.org/drawingml/2006/compatibility" xmlns:p14="http://schemas.microsoft.com/office/powerpoint/2010/main" xmlns:p15="http://schemas.microsoft.com/office/powerpoint/2012/main" xmlns:ahyp="http://schemas.microsoft.com/office/drawing/2018/hyperlinkcolor">
+  <p:cSld>
+    <p:spTree>
+      <p:nvGrpSpPr>
+        <p:cNvPr id="76" name="Shape 76"/>
+        <p:cNvGrpSpPr/>
+        <p:nvPr/>
+      </p:nvGrpSpPr>
+      <p:grpSpPr>
+        <a:xfrm>
+          <a:off x="0" y="0"/>
+          <a:ext cx="0" cy="0"/>
+          <a:chOff x="0" y="0"/>
+          <a:chExt cx="0" cy="0"/>
+        </a:xfrm>
+      </p:grpSpPr>
+      <p:sp>
+        <p:nvSpPr>
+          <p:cNvPr id="77" name="Google Shape;77;p16"/>
+          <p:cNvSpPr txBox="1"/>
+          <p:nvPr>
+            <p:ph type="title"/>
+          </p:nvPr>
+        </p:nvSpPr>
+        <p:spPr>
+          <a:xfrm>
+            <a:off x="311700" y="445025"/>
+            <a:ext cx="8520600" cy="572700"/>
+          </a:xfrm>
+          <a:prstGeom prst="rect">
+            <a:avLst/>
+          </a:prstGeom>
+        </p:spPr>
+        <p:txBody>
+          <a:bodyPr anchorCtr="0" anchor="t" bIns="91425" lIns="91425" spcFirstLastPara="1" rIns="91425" wrap="square" tIns="91425">
+            <a:noAutofit/>
+          </a:bodyPr>
+          <a:lstStyle/>
+          <a:p>
+            <a:pPr indent="0" lvl="0" marL="0" rtl="0" algn="l">
+              <a:spcBef>
+                <a:spcPts val="0"/>
+              </a:spcBef>
+              <a:spcAft>
+                <a:spcPts val="0"/>
+              </a:spcAft>
+              <a:buClr>
+                <a:schemeClr val="dk1"/>
+              </a:buClr>
+              <a:buSzPts val="1100"/>
+              <a:buFont typeface="Arial"/>
               <a:buNone/>
             </a:pPr>
             <a:r>
@@ -8370,7 +12405,7 @@
       </p:sp>
       <p:sp>
         <p:nvSpPr>
-          <p:cNvPr id="70" name="Google Shape;70;p15"/>
+          <p:cNvPr id="78" name="Google Shape;78;p16"/>
           <p:cNvSpPr txBox="1"/>
           <p:nvPr>
             <p:ph idx="1" type="body"/>
@@ -8431,7 +12466,7 @@
       </p:sp>
       <p:pic>
         <p:nvPicPr>
-          <p:cNvPr id="71" name="Google Shape;71;p15"/>
+          <p:cNvPr id="79" name="Google Shape;79;p16"/>
           <p:cNvPicPr preferRelativeResize="0"/>
           <p:nvPr/>
         </p:nvPicPr>
@@ -8459,7 +12494,7 @@
       </p:pic>
       <p:sp>
         <p:nvSpPr>
-          <p:cNvPr id="72" name="Google Shape;72;p15"/>
+          <p:cNvPr id="80" name="Google Shape;80;p16"/>
           <p:cNvSpPr txBox="1"/>
           <p:nvPr/>
         </p:nvSpPr>
@@ -8514,7 +12549,7 @@
       </p:sp>
       <p:sp>
         <p:nvSpPr>
-          <p:cNvPr id="73" name="Google Shape;73;p15"/>
+          <p:cNvPr id="81" name="Google Shape;81;p16"/>
           <p:cNvSpPr txBox="1"/>
           <p:nvPr>
             <p:ph idx="12" type="sldNum"/>
@@ -8556,18 +12591,6 @@
               </a:rPr>
               <a:t>‹#›</a:t>
             </a:fld>
-            <a:r>
-              <a:rPr b="1" lang="en">
-                <a:solidFill>
-                  <a:srgbClr val="000000"/>
-                </a:solidFill>
-                <a:latin typeface="Times New Roman"/>
-                <a:ea typeface="Times New Roman"/>
-                <a:cs typeface="Times New Roman"/>
-                <a:sym typeface="Times New Roman"/>
-              </a:rPr>
-              <a:t>/10</a:t>
-            </a:r>
             <a:endParaRPr b="1">
               <a:solidFill>
                 <a:srgbClr val="000000"/>
@@ -8582,7 +12605,7 @@
       </p:sp>
       <p:sp>
         <p:nvSpPr>
-          <p:cNvPr id="74" name="Google Shape;74;p15"/>
+          <p:cNvPr id="82" name="Google Shape;82;p16"/>
           <p:cNvSpPr txBox="1"/>
           <p:nvPr/>
         </p:nvSpPr>
@@ -8630,7 +12653,7 @@
                 <a:cs typeface="Times New Roman"/>
                 <a:sym typeface="Times New Roman"/>
               </a:rPr>
-              <a:t>Representation of tensor upto four dimensions [1]</a:t>
+              <a:t>Representation of tensor upto four dimensions [3]</a:t>
             </a:r>
             <a:endParaRPr sz="1100">
               <a:latin typeface="Times New Roman"/>
@@ -8649,12 +12672,12 @@
 </p:sld>
 </file>
 
-<file path=ppt/slides/slide4.xml><?xml version="1.0" encoding="utf-8"?>
+<file path=ppt/slides/slide5.xml><?xml version="1.0" encoding="utf-8"?>
 <p:sld xmlns:a="http://schemas.openxmlformats.org/drawingml/2006/main" xmlns:r="http://schemas.openxmlformats.org/officeDocument/2006/relationships" xmlns:mc="http://schemas.openxmlformats.org/markup-compatibility/2006" xmlns:mv="urn:schemas-microsoft-com:mac:vml" xmlns:p="http://schemas.openxmlformats.org/presentationml/2006/main" xmlns:c="http://schemas.openxmlformats.org/drawingml/2006/chart" xmlns:dgm="http://schemas.openxmlformats.org/drawingml/2006/diagram" xmlns:o="urn:schemas-microsoft-com:office:office" xmlns:v="urn:schemas-microsoft-com:vml" xmlns:pvml="urn:schemas-microsoft-com:office:powerpoint" xmlns:com="http://schemas.openxmlformats.org/drawingml/2006/compatibility" xmlns:p14="http://schemas.microsoft.com/office/powerpoint/2010/main" xmlns:p15="http://schemas.microsoft.com/office/powerpoint/2012/main" xmlns:ahyp="http://schemas.microsoft.com/office/drawing/2018/hyperlinkcolor">
   <p:cSld>
     <p:spTree>
       <p:nvGrpSpPr>
-        <p:cNvPr id="78" name="Shape 78"/>
+        <p:cNvPr id="86" name="Shape 86"/>
         <p:cNvGrpSpPr/>
         <p:nvPr/>
       </p:nvGrpSpPr>
@@ -8668,7 +12691,1094 @@
       </p:grpSpPr>
       <p:sp>
         <p:nvSpPr>
-          <p:cNvPr id="79" name="Google Shape;79;p16"/>
+          <p:cNvPr id="87" name="Google Shape;87;p17"/>
+          <p:cNvSpPr txBox="1"/>
+          <p:nvPr>
+            <p:ph type="title"/>
+          </p:nvPr>
+        </p:nvSpPr>
+        <p:spPr>
+          <a:xfrm>
+            <a:off x="311700" y="445025"/>
+            <a:ext cx="8520600" cy="572700"/>
+          </a:xfrm>
+          <a:prstGeom prst="rect">
+            <a:avLst/>
+          </a:prstGeom>
+        </p:spPr>
+        <p:txBody>
+          <a:bodyPr anchorCtr="0" anchor="t" bIns="91425" lIns="91425" spcFirstLastPara="1" rIns="91425" wrap="square" tIns="91425">
+            <a:noAutofit/>
+          </a:bodyPr>
+          <a:lstStyle/>
+          <a:p>
+            <a:pPr indent="0" lvl="0" marL="0" rtl="0" algn="l">
+              <a:spcBef>
+                <a:spcPts val="0"/>
+              </a:spcBef>
+              <a:spcAft>
+                <a:spcPts val="0"/>
+              </a:spcAft>
+              <a:buNone/>
+            </a:pPr>
+            <a:r>
+              <a:rPr b="1" lang="en" sz="3000">
+                <a:latin typeface="Times New Roman"/>
+                <a:ea typeface="Times New Roman"/>
+                <a:cs typeface="Times New Roman"/>
+                <a:sym typeface="Times New Roman"/>
+              </a:rPr>
+              <a:t>Unfolding a tensor (3D)</a:t>
+            </a:r>
+            <a:endParaRPr b="1" sz="3000">
+              <a:latin typeface="Times New Roman"/>
+              <a:ea typeface="Times New Roman"/>
+              <a:cs typeface="Times New Roman"/>
+              <a:sym typeface="Times New Roman"/>
+            </a:endParaRPr>
+          </a:p>
+        </p:txBody>
+      </p:sp>
+      <p:sp>
+        <p:nvSpPr>
+          <p:cNvPr id="88" name="Google Shape;88;p17"/>
+          <p:cNvSpPr txBox="1"/>
+          <p:nvPr>
+            <p:ph idx="12" type="sldNum"/>
+          </p:nvPr>
+        </p:nvSpPr>
+        <p:spPr>
+          <a:xfrm>
+            <a:off x="8472458" y="4663217"/>
+            <a:ext cx="548700" cy="393600"/>
+          </a:xfrm>
+          <a:prstGeom prst="rect">
+            <a:avLst/>
+          </a:prstGeom>
+        </p:spPr>
+        <p:txBody>
+          <a:bodyPr anchorCtr="0" anchor="ctr" bIns="91425" lIns="91425" spcFirstLastPara="1" rIns="91425" wrap="square" tIns="91425">
+            <a:noAutofit/>
+          </a:bodyPr>
+          <a:lstStyle/>
+          <a:p>
+            <a:pPr indent="0" lvl="0" marL="0" rtl="0" algn="r">
+              <a:spcBef>
+                <a:spcPts val="0"/>
+              </a:spcBef>
+              <a:spcAft>
+                <a:spcPts val="0"/>
+              </a:spcAft>
+              <a:buNone/>
+            </a:pPr>
+            <a:fld id="{00000000-1234-1234-1234-123412341234}" type="slidenum">
+              <a:rPr b="1" lang="en">
+                <a:solidFill>
+                  <a:srgbClr val="000000"/>
+                </a:solidFill>
+                <a:latin typeface="Times New Roman"/>
+                <a:ea typeface="Times New Roman"/>
+                <a:cs typeface="Times New Roman"/>
+                <a:sym typeface="Times New Roman"/>
+              </a:rPr>
+              <a:t>‹#›</a:t>
+            </a:fld>
+            <a:endParaRPr b="1">
+              <a:solidFill>
+                <a:srgbClr val="000000"/>
+              </a:solidFill>
+              <a:latin typeface="Times New Roman"/>
+              <a:ea typeface="Times New Roman"/>
+              <a:cs typeface="Times New Roman"/>
+              <a:sym typeface="Times New Roman"/>
+            </a:endParaRPr>
+          </a:p>
+        </p:txBody>
+      </p:sp>
+      <p:pic>
+        <p:nvPicPr>
+          <p:cNvPr id="89" name="Google Shape;89;p17"/>
+          <p:cNvPicPr preferRelativeResize="0"/>
+          <p:nvPr/>
+        </p:nvPicPr>
+        <p:blipFill>
+          <a:blip r:embed="rId3">
+            <a:alphaModFix/>
+          </a:blip>
+          <a:stretch>
+            <a:fillRect/>
+          </a:stretch>
+        </p:blipFill>
+        <p:spPr>
+          <a:xfrm>
+            <a:off x="1484150" y="1212850"/>
+            <a:ext cx="2062375" cy="2593925"/>
+          </a:xfrm>
+          <a:prstGeom prst="rect">
+            <a:avLst/>
+          </a:prstGeom>
+          <a:noFill/>
+          <a:ln>
+            <a:noFill/>
+          </a:ln>
+        </p:spPr>
+      </p:pic>
+      <p:pic>
+        <p:nvPicPr>
+          <p:cNvPr id="90" name="Google Shape;90;p17"/>
+          <p:cNvPicPr preferRelativeResize="0"/>
+          <p:nvPr/>
+        </p:nvPicPr>
+        <p:blipFill>
+          <a:blip r:embed="rId4">
+            <a:alphaModFix/>
+          </a:blip>
+          <a:stretch>
+            <a:fillRect/>
+          </a:stretch>
+        </p:blipFill>
+        <p:spPr>
+          <a:xfrm>
+            <a:off x="4724425" y="885813"/>
+            <a:ext cx="4038600" cy="3371850"/>
+          </a:xfrm>
+          <a:prstGeom prst="rect">
+            <a:avLst/>
+          </a:prstGeom>
+          <a:noFill/>
+          <a:ln>
+            <a:noFill/>
+          </a:ln>
+        </p:spPr>
+      </p:pic>
+      <p:sp>
+        <p:nvSpPr>
+          <p:cNvPr id="91" name="Google Shape;91;p17"/>
+          <p:cNvSpPr txBox="1"/>
+          <p:nvPr/>
+        </p:nvSpPr>
+        <p:spPr>
+          <a:xfrm>
+            <a:off x="0" y="4854000"/>
+            <a:ext cx="3715200" cy="289500"/>
+          </a:xfrm>
+          <a:prstGeom prst="rect">
+            <a:avLst/>
+          </a:prstGeom>
+          <a:noFill/>
+          <a:ln>
+            <a:noFill/>
+          </a:ln>
+        </p:spPr>
+        <p:txBody>
+          <a:bodyPr anchorCtr="0" anchor="b" bIns="91425" lIns="91425" spcFirstLastPara="1" rIns="91425" wrap="square" tIns="91425">
+            <a:noAutofit/>
+          </a:bodyPr>
+          <a:lstStyle/>
+          <a:p>
+            <a:pPr indent="0" lvl="0" marL="0" rtl="0" algn="ctr">
+              <a:spcBef>
+                <a:spcPts val="0"/>
+              </a:spcBef>
+              <a:spcAft>
+                <a:spcPts val="0"/>
+              </a:spcAft>
+              <a:buNone/>
+            </a:pPr>
+            <a:r>
+              <a:rPr b="1" lang="en" sz="1200">
+                <a:latin typeface="Times New Roman"/>
+                <a:ea typeface="Times New Roman"/>
+                <a:cs typeface="Times New Roman"/>
+                <a:sym typeface="Times New Roman"/>
+              </a:rPr>
+              <a:t>Tensor Methods for Neural Network Compression</a:t>
+            </a:r>
+            <a:endParaRPr b="1" sz="1200">
+              <a:solidFill>
+                <a:srgbClr val="000000"/>
+              </a:solidFill>
+              <a:latin typeface="Times New Roman"/>
+              <a:ea typeface="Times New Roman"/>
+              <a:cs typeface="Times New Roman"/>
+              <a:sym typeface="Times New Roman"/>
+            </a:endParaRPr>
+          </a:p>
+        </p:txBody>
+      </p:sp>
+      <p:sp>
+        <p:nvSpPr>
+          <p:cNvPr id="92" name="Google Shape;92;p17"/>
+          <p:cNvSpPr txBox="1"/>
+          <p:nvPr/>
+        </p:nvSpPr>
+        <p:spPr>
+          <a:xfrm>
+            <a:off x="1956075" y="4331850"/>
+            <a:ext cx="5049900" cy="180000"/>
+          </a:xfrm>
+          <a:prstGeom prst="rect">
+            <a:avLst/>
+          </a:prstGeom>
+          <a:noFill/>
+          <a:ln>
+            <a:noFill/>
+          </a:ln>
+        </p:spPr>
+        <p:txBody>
+          <a:bodyPr anchorCtr="0" anchor="t" bIns="91425" lIns="91425" spcFirstLastPara="1" rIns="91425" wrap="square" tIns="91425">
+            <a:noAutofit/>
+          </a:bodyPr>
+          <a:lstStyle/>
+          <a:p>
+            <a:pPr indent="0" lvl="0" marL="0" rtl="0" algn="ctr">
+              <a:spcBef>
+                <a:spcPts val="0"/>
+              </a:spcBef>
+              <a:spcAft>
+                <a:spcPts val="0"/>
+              </a:spcAft>
+              <a:buNone/>
+            </a:pPr>
+            <a:r>
+              <a:rPr lang="en" sz="1100">
+                <a:latin typeface="Times New Roman"/>
+                <a:ea typeface="Times New Roman"/>
+                <a:cs typeface="Times New Roman"/>
+                <a:sym typeface="Times New Roman"/>
+              </a:rPr>
+              <a:t>Figure 2: Illustration of unfolding a 3d tensor [4]</a:t>
+            </a:r>
+            <a:endParaRPr sz="1100">
+              <a:latin typeface="Times New Roman"/>
+              <a:ea typeface="Times New Roman"/>
+              <a:cs typeface="Times New Roman"/>
+              <a:sym typeface="Times New Roman"/>
+            </a:endParaRPr>
+          </a:p>
+        </p:txBody>
+      </p:sp>
+    </p:spTree>
+  </p:cSld>
+  <p:clrMapOvr>
+    <a:masterClrMapping/>
+  </p:clrMapOvr>
+</p:sld>
+</file>
+
+<file path=ppt/slides/slide6.xml><?xml version="1.0" encoding="utf-8"?>
+<p:sld xmlns:a="http://schemas.openxmlformats.org/drawingml/2006/main" xmlns:r="http://schemas.openxmlformats.org/officeDocument/2006/relationships" xmlns:mc="http://schemas.openxmlformats.org/markup-compatibility/2006" xmlns:mv="urn:schemas-microsoft-com:mac:vml" xmlns:p="http://schemas.openxmlformats.org/presentationml/2006/main" xmlns:c="http://schemas.openxmlformats.org/drawingml/2006/chart" xmlns:dgm="http://schemas.openxmlformats.org/drawingml/2006/diagram" xmlns:o="urn:schemas-microsoft-com:office:office" xmlns:v="urn:schemas-microsoft-com:vml" xmlns:pvml="urn:schemas-microsoft-com:office:powerpoint" xmlns:com="http://schemas.openxmlformats.org/drawingml/2006/compatibility" xmlns:p14="http://schemas.microsoft.com/office/powerpoint/2010/main" xmlns:p15="http://schemas.microsoft.com/office/powerpoint/2012/main" xmlns:ahyp="http://schemas.microsoft.com/office/drawing/2018/hyperlinkcolor">
+  <p:cSld>
+    <p:spTree>
+      <p:nvGrpSpPr>
+        <p:cNvPr id="96" name="Shape 96"/>
+        <p:cNvGrpSpPr/>
+        <p:nvPr/>
+      </p:nvGrpSpPr>
+      <p:grpSpPr>
+        <a:xfrm>
+          <a:off x="0" y="0"/>
+          <a:ext cx="0" cy="0"/>
+          <a:chOff x="0" y="0"/>
+          <a:chExt cx="0" cy="0"/>
+        </a:xfrm>
+      </p:grpSpPr>
+      <p:sp>
+        <p:nvSpPr>
+          <p:cNvPr id="97" name="Google Shape;97;p18"/>
+          <p:cNvSpPr txBox="1"/>
+          <p:nvPr>
+            <p:ph type="title"/>
+          </p:nvPr>
+        </p:nvSpPr>
+        <p:spPr>
+          <a:xfrm>
+            <a:off x="311700" y="445025"/>
+            <a:ext cx="8520600" cy="572700"/>
+          </a:xfrm>
+          <a:prstGeom prst="rect">
+            <a:avLst/>
+          </a:prstGeom>
+        </p:spPr>
+        <p:txBody>
+          <a:bodyPr anchorCtr="0" anchor="t" bIns="91425" lIns="91425" spcFirstLastPara="1" rIns="91425" wrap="square" tIns="91425">
+            <a:noAutofit/>
+          </a:bodyPr>
+          <a:lstStyle/>
+          <a:p>
+            <a:pPr indent="0" lvl="0" marL="0" rtl="0" algn="l">
+              <a:spcBef>
+                <a:spcPts val="0"/>
+              </a:spcBef>
+              <a:spcAft>
+                <a:spcPts val="0"/>
+              </a:spcAft>
+              <a:buNone/>
+            </a:pPr>
+            <a:r>
+              <a:rPr b="1" lang="en" sz="3000">
+                <a:latin typeface="Times New Roman"/>
+                <a:ea typeface="Times New Roman"/>
+                <a:cs typeface="Times New Roman"/>
+                <a:sym typeface="Times New Roman"/>
+              </a:rPr>
+              <a:t>Kronecker Product</a:t>
+            </a:r>
+            <a:endParaRPr b="1" sz="3000">
+              <a:latin typeface="Times New Roman"/>
+              <a:ea typeface="Times New Roman"/>
+              <a:cs typeface="Times New Roman"/>
+              <a:sym typeface="Times New Roman"/>
+            </a:endParaRPr>
+          </a:p>
+        </p:txBody>
+      </p:sp>
+      <p:sp>
+        <p:nvSpPr>
+          <p:cNvPr id="98" name="Google Shape;98;p18"/>
+          <p:cNvSpPr txBox="1"/>
+          <p:nvPr>
+            <p:ph idx="1" type="body"/>
+          </p:nvPr>
+        </p:nvSpPr>
+        <p:spPr>
+          <a:xfrm>
+            <a:off x="311700" y="1152475"/>
+            <a:ext cx="8520600" cy="998100"/>
+          </a:xfrm>
+          <a:prstGeom prst="rect">
+            <a:avLst/>
+          </a:prstGeom>
+        </p:spPr>
+        <p:txBody>
+          <a:bodyPr anchorCtr="0" anchor="t" bIns="91425" lIns="91425" spcFirstLastPara="1" rIns="91425" wrap="square" tIns="91425">
+            <a:noAutofit/>
+          </a:bodyPr>
+          <a:lstStyle/>
+          <a:p>
+            <a:pPr indent="-342900" lvl="0" marL="457200" rtl="0" algn="l">
+              <a:spcBef>
+                <a:spcPts val="0"/>
+              </a:spcBef>
+              <a:spcAft>
+                <a:spcPts val="0"/>
+              </a:spcAft>
+              <a:buClr>
+                <a:srgbClr val="000000"/>
+              </a:buClr>
+              <a:buSzPts val="1800"/>
+              <a:buFont typeface="Times New Roman"/>
+              <a:buChar char="●"/>
+            </a:pPr>
+            <a:r>
+              <a:rPr lang="en">
+                <a:solidFill>
+                  <a:srgbClr val="000000"/>
+                </a:solidFill>
+                <a:latin typeface="Times New Roman"/>
+                <a:ea typeface="Times New Roman"/>
+                <a:cs typeface="Times New Roman"/>
+                <a:sym typeface="Times New Roman"/>
+              </a:rPr>
+              <a:t>Generalization of outer product of vectors to matrices</a:t>
+            </a:r>
+            <a:endParaRPr>
+              <a:solidFill>
+                <a:srgbClr val="000000"/>
+              </a:solidFill>
+              <a:latin typeface="Times New Roman"/>
+              <a:ea typeface="Times New Roman"/>
+              <a:cs typeface="Times New Roman"/>
+              <a:sym typeface="Times New Roman"/>
+            </a:endParaRPr>
+          </a:p>
+          <a:p>
+            <a:pPr indent="-342900" lvl="0" marL="457200" rtl="0" algn="l">
+              <a:spcBef>
+                <a:spcPts val="0"/>
+              </a:spcBef>
+              <a:spcAft>
+                <a:spcPts val="0"/>
+              </a:spcAft>
+              <a:buClr>
+                <a:srgbClr val="000000"/>
+              </a:buClr>
+              <a:buSzPts val="1800"/>
+              <a:buFont typeface="Times New Roman"/>
+              <a:buChar char="●"/>
+            </a:pPr>
+            <a:r>
+              <a:rPr lang="en">
+                <a:solidFill>
+                  <a:srgbClr val="000000"/>
+                </a:solidFill>
+                <a:latin typeface="Times New Roman"/>
+                <a:ea typeface="Times New Roman"/>
+                <a:cs typeface="Times New Roman"/>
+                <a:sym typeface="Times New Roman"/>
+              </a:rPr>
+              <a:t>Denoted by Ⓧ</a:t>
+            </a:r>
+            <a:endParaRPr>
+              <a:solidFill>
+                <a:srgbClr val="000000"/>
+              </a:solidFill>
+              <a:latin typeface="Times New Roman"/>
+              <a:ea typeface="Times New Roman"/>
+              <a:cs typeface="Times New Roman"/>
+              <a:sym typeface="Times New Roman"/>
+            </a:endParaRPr>
+          </a:p>
+        </p:txBody>
+      </p:sp>
+      <p:sp>
+        <p:nvSpPr>
+          <p:cNvPr id="99" name="Google Shape;99;p18"/>
+          <p:cNvSpPr txBox="1"/>
+          <p:nvPr>
+            <p:ph idx="12" type="sldNum"/>
+          </p:nvPr>
+        </p:nvSpPr>
+        <p:spPr>
+          <a:xfrm>
+            <a:off x="8472458" y="4663217"/>
+            <a:ext cx="548700" cy="393600"/>
+          </a:xfrm>
+          <a:prstGeom prst="rect">
+            <a:avLst/>
+          </a:prstGeom>
+        </p:spPr>
+        <p:txBody>
+          <a:bodyPr anchorCtr="0" anchor="ctr" bIns="91425" lIns="91425" spcFirstLastPara="1" rIns="91425" wrap="square" tIns="91425">
+            <a:noAutofit/>
+          </a:bodyPr>
+          <a:lstStyle/>
+          <a:p>
+            <a:pPr indent="0" lvl="0" marL="0" rtl="0" algn="r">
+              <a:spcBef>
+                <a:spcPts val="0"/>
+              </a:spcBef>
+              <a:spcAft>
+                <a:spcPts val="0"/>
+              </a:spcAft>
+              <a:buNone/>
+            </a:pPr>
+            <a:fld id="{00000000-1234-1234-1234-123412341234}" type="slidenum">
+              <a:rPr b="1" lang="en">
+                <a:solidFill>
+                  <a:srgbClr val="000000"/>
+                </a:solidFill>
+                <a:latin typeface="Times New Roman"/>
+                <a:ea typeface="Times New Roman"/>
+                <a:cs typeface="Times New Roman"/>
+                <a:sym typeface="Times New Roman"/>
+              </a:rPr>
+              <a:t>‹#›</a:t>
+            </a:fld>
+            <a:endParaRPr b="1">
+              <a:solidFill>
+                <a:srgbClr val="000000"/>
+              </a:solidFill>
+              <a:latin typeface="Times New Roman"/>
+              <a:ea typeface="Times New Roman"/>
+              <a:cs typeface="Times New Roman"/>
+              <a:sym typeface="Times New Roman"/>
+            </a:endParaRPr>
+          </a:p>
+        </p:txBody>
+      </p:sp>
+      <p:pic>
+        <p:nvPicPr>
+          <p:cNvPr id="100" name="Google Shape;100;p18"/>
+          <p:cNvPicPr preferRelativeResize="0"/>
+          <p:nvPr/>
+        </p:nvPicPr>
+        <p:blipFill>
+          <a:blip r:embed="rId3">
+            <a:alphaModFix/>
+          </a:blip>
+          <a:stretch>
+            <a:fillRect/>
+          </a:stretch>
+        </p:blipFill>
+        <p:spPr>
+          <a:xfrm>
+            <a:off x="1894188" y="2567125"/>
+            <a:ext cx="3543300" cy="1019175"/>
+          </a:xfrm>
+          <a:prstGeom prst="rect">
+            <a:avLst/>
+          </a:prstGeom>
+          <a:noFill/>
+          <a:ln>
+            <a:noFill/>
+          </a:ln>
+        </p:spPr>
+      </p:pic>
+      <p:pic>
+        <p:nvPicPr>
+          <p:cNvPr id="101" name="Google Shape;101;p18"/>
+          <p:cNvPicPr preferRelativeResize="0"/>
+          <p:nvPr/>
+        </p:nvPicPr>
+        <p:blipFill>
+          <a:blip r:embed="rId4">
+            <a:alphaModFix/>
+          </a:blip>
+          <a:stretch>
+            <a:fillRect/>
+          </a:stretch>
+        </p:blipFill>
+        <p:spPr>
+          <a:xfrm>
+            <a:off x="5487688" y="2529025"/>
+            <a:ext cx="1762125" cy="1057275"/>
+          </a:xfrm>
+          <a:prstGeom prst="rect">
+            <a:avLst/>
+          </a:prstGeom>
+          <a:noFill/>
+          <a:ln>
+            <a:noFill/>
+          </a:ln>
+        </p:spPr>
+      </p:pic>
+      <p:sp>
+        <p:nvSpPr>
+          <p:cNvPr id="102" name="Google Shape;102;p18"/>
+          <p:cNvSpPr txBox="1"/>
+          <p:nvPr/>
+        </p:nvSpPr>
+        <p:spPr>
+          <a:xfrm>
+            <a:off x="0" y="4854000"/>
+            <a:ext cx="3715200" cy="289500"/>
+          </a:xfrm>
+          <a:prstGeom prst="rect">
+            <a:avLst/>
+          </a:prstGeom>
+          <a:noFill/>
+          <a:ln>
+            <a:noFill/>
+          </a:ln>
+        </p:spPr>
+        <p:txBody>
+          <a:bodyPr anchorCtr="0" anchor="b" bIns="91425" lIns="91425" spcFirstLastPara="1" rIns="91425" wrap="square" tIns="91425">
+            <a:noAutofit/>
+          </a:bodyPr>
+          <a:lstStyle/>
+          <a:p>
+            <a:pPr indent="0" lvl="0" marL="0" rtl="0" algn="ctr">
+              <a:spcBef>
+                <a:spcPts val="0"/>
+              </a:spcBef>
+              <a:spcAft>
+                <a:spcPts val="0"/>
+              </a:spcAft>
+              <a:buNone/>
+            </a:pPr>
+            <a:r>
+              <a:rPr b="1" lang="en" sz="1200">
+                <a:latin typeface="Times New Roman"/>
+                <a:ea typeface="Times New Roman"/>
+                <a:cs typeface="Times New Roman"/>
+                <a:sym typeface="Times New Roman"/>
+              </a:rPr>
+              <a:t>Tensor Methods for Neural Network Compression</a:t>
+            </a:r>
+            <a:endParaRPr b="1" sz="1200">
+              <a:solidFill>
+                <a:srgbClr val="000000"/>
+              </a:solidFill>
+              <a:latin typeface="Times New Roman"/>
+              <a:ea typeface="Times New Roman"/>
+              <a:cs typeface="Times New Roman"/>
+              <a:sym typeface="Times New Roman"/>
+            </a:endParaRPr>
+          </a:p>
+        </p:txBody>
+      </p:sp>
+      <p:sp>
+        <p:nvSpPr>
+          <p:cNvPr id="103" name="Google Shape;103;p18"/>
+          <p:cNvSpPr txBox="1"/>
+          <p:nvPr/>
+        </p:nvSpPr>
+        <p:spPr>
+          <a:xfrm>
+            <a:off x="2047050" y="3669550"/>
+            <a:ext cx="5049900" cy="180000"/>
+          </a:xfrm>
+          <a:prstGeom prst="rect">
+            <a:avLst/>
+          </a:prstGeom>
+          <a:noFill/>
+          <a:ln>
+            <a:noFill/>
+          </a:ln>
+        </p:spPr>
+        <p:txBody>
+          <a:bodyPr anchorCtr="0" anchor="t" bIns="91425" lIns="91425" spcFirstLastPara="1" rIns="91425" wrap="square" tIns="91425">
+            <a:noAutofit/>
+          </a:bodyPr>
+          <a:lstStyle/>
+          <a:p>
+            <a:pPr indent="0" lvl="0" marL="0" rtl="0" algn="ctr">
+              <a:spcBef>
+                <a:spcPts val="0"/>
+              </a:spcBef>
+              <a:spcAft>
+                <a:spcPts val="0"/>
+              </a:spcAft>
+              <a:buNone/>
+            </a:pPr>
+            <a:r>
+              <a:rPr lang="en" sz="1100">
+                <a:latin typeface="Times New Roman"/>
+                <a:ea typeface="Times New Roman"/>
+                <a:cs typeface="Times New Roman"/>
+                <a:sym typeface="Times New Roman"/>
+              </a:rPr>
+              <a:t>Figure 3: Illustration of kronecker product over matrices [5]</a:t>
+            </a:r>
+            <a:endParaRPr sz="1100">
+              <a:latin typeface="Times New Roman"/>
+              <a:ea typeface="Times New Roman"/>
+              <a:cs typeface="Times New Roman"/>
+              <a:sym typeface="Times New Roman"/>
+            </a:endParaRPr>
+          </a:p>
+        </p:txBody>
+      </p:sp>
+    </p:spTree>
+  </p:cSld>
+  <p:clrMapOvr>
+    <a:masterClrMapping/>
+  </p:clrMapOvr>
+</p:sld>
+</file>
+
+<file path=ppt/slides/slide7.xml><?xml version="1.0" encoding="utf-8"?>
+<p:sld xmlns:a="http://schemas.openxmlformats.org/drawingml/2006/main" xmlns:r="http://schemas.openxmlformats.org/officeDocument/2006/relationships" xmlns:mc="http://schemas.openxmlformats.org/markup-compatibility/2006" xmlns:mv="urn:schemas-microsoft-com:mac:vml" xmlns:p="http://schemas.openxmlformats.org/presentationml/2006/main" xmlns:c="http://schemas.openxmlformats.org/drawingml/2006/chart" xmlns:dgm="http://schemas.openxmlformats.org/drawingml/2006/diagram" xmlns:o="urn:schemas-microsoft-com:office:office" xmlns:v="urn:schemas-microsoft-com:vml" xmlns:pvml="urn:schemas-microsoft-com:office:powerpoint" xmlns:com="http://schemas.openxmlformats.org/drawingml/2006/compatibility" xmlns:p14="http://schemas.microsoft.com/office/powerpoint/2010/main" xmlns:p15="http://schemas.microsoft.com/office/powerpoint/2012/main" xmlns:ahyp="http://schemas.microsoft.com/office/drawing/2018/hyperlinkcolor">
+  <p:cSld>
+    <p:spTree>
+      <p:nvGrpSpPr>
+        <p:cNvPr id="107" name="Shape 107"/>
+        <p:cNvGrpSpPr/>
+        <p:nvPr/>
+      </p:nvGrpSpPr>
+      <p:grpSpPr>
+        <a:xfrm>
+          <a:off x="0" y="0"/>
+          <a:ext cx="0" cy="0"/>
+          <a:chOff x="0" y="0"/>
+          <a:chExt cx="0" cy="0"/>
+        </a:xfrm>
+      </p:grpSpPr>
+      <p:sp>
+        <p:nvSpPr>
+          <p:cNvPr id="108" name="Google Shape;108;p19"/>
+          <p:cNvSpPr txBox="1"/>
+          <p:nvPr>
+            <p:ph type="title"/>
+          </p:nvPr>
+        </p:nvSpPr>
+        <p:spPr>
+          <a:xfrm>
+            <a:off x="311700" y="445025"/>
+            <a:ext cx="8520600" cy="572700"/>
+          </a:xfrm>
+          <a:prstGeom prst="rect">
+            <a:avLst/>
+          </a:prstGeom>
+        </p:spPr>
+        <p:txBody>
+          <a:bodyPr anchorCtr="0" anchor="t" bIns="91425" lIns="91425" spcFirstLastPara="1" rIns="91425" wrap="square" tIns="91425">
+            <a:noAutofit/>
+          </a:bodyPr>
+          <a:lstStyle/>
+          <a:p>
+            <a:pPr indent="0" lvl="0" marL="0" rtl="0" algn="l">
+              <a:spcBef>
+                <a:spcPts val="0"/>
+              </a:spcBef>
+              <a:spcAft>
+                <a:spcPts val="0"/>
+              </a:spcAft>
+              <a:buNone/>
+            </a:pPr>
+            <a:r>
+              <a:rPr b="1" lang="en" sz="3000">
+                <a:latin typeface="Times New Roman"/>
+                <a:ea typeface="Times New Roman"/>
+                <a:cs typeface="Times New Roman"/>
+                <a:sym typeface="Times New Roman"/>
+              </a:rPr>
+              <a:t>K</a:t>
+            </a:r>
+            <a:r>
+              <a:rPr b="1" lang="en" sz="3000">
+                <a:latin typeface="Times New Roman"/>
+                <a:ea typeface="Times New Roman"/>
+                <a:cs typeface="Times New Roman"/>
+                <a:sym typeface="Times New Roman"/>
+              </a:rPr>
+              <a:t>hatri-Rao Product</a:t>
+            </a:r>
+            <a:endParaRPr b="1" sz="3000">
+              <a:latin typeface="Times New Roman"/>
+              <a:ea typeface="Times New Roman"/>
+              <a:cs typeface="Times New Roman"/>
+              <a:sym typeface="Times New Roman"/>
+            </a:endParaRPr>
+          </a:p>
+        </p:txBody>
+      </p:sp>
+      <p:sp>
+        <p:nvSpPr>
+          <p:cNvPr id="109" name="Google Shape;109;p19"/>
+          <p:cNvSpPr txBox="1"/>
+          <p:nvPr>
+            <p:ph idx="1" type="body"/>
+          </p:nvPr>
+        </p:nvSpPr>
+        <p:spPr>
+          <a:xfrm>
+            <a:off x="311700" y="1152475"/>
+            <a:ext cx="8520600" cy="1098000"/>
+          </a:xfrm>
+          <a:prstGeom prst="rect">
+            <a:avLst/>
+          </a:prstGeom>
+        </p:spPr>
+        <p:txBody>
+          <a:bodyPr anchorCtr="0" anchor="t" bIns="91425" lIns="91425" spcFirstLastPara="1" rIns="91425" wrap="square" tIns="91425">
+            <a:noAutofit/>
+          </a:bodyPr>
+          <a:lstStyle/>
+          <a:p>
+            <a:pPr indent="-342900" lvl="0" marL="457200" rtl="0" algn="l">
+              <a:spcBef>
+                <a:spcPts val="0"/>
+              </a:spcBef>
+              <a:spcAft>
+                <a:spcPts val="0"/>
+              </a:spcAft>
+              <a:buClr>
+                <a:srgbClr val="000000"/>
+              </a:buClr>
+              <a:buSzPts val="1800"/>
+              <a:buFont typeface="Times New Roman"/>
+              <a:buChar char="●"/>
+            </a:pPr>
+            <a:r>
+              <a:rPr lang="en">
+                <a:solidFill>
+                  <a:srgbClr val="000000"/>
+                </a:solidFill>
+                <a:latin typeface="Times New Roman"/>
+                <a:ea typeface="Times New Roman"/>
+                <a:cs typeface="Times New Roman"/>
+                <a:sym typeface="Times New Roman"/>
+              </a:rPr>
+              <a:t>Column wise kronecker product</a:t>
+            </a:r>
+            <a:endParaRPr>
+              <a:solidFill>
+                <a:srgbClr val="000000"/>
+              </a:solidFill>
+              <a:latin typeface="Times New Roman"/>
+              <a:ea typeface="Times New Roman"/>
+              <a:cs typeface="Times New Roman"/>
+              <a:sym typeface="Times New Roman"/>
+            </a:endParaRPr>
+          </a:p>
+          <a:p>
+            <a:pPr indent="-342900" lvl="0" marL="457200" rtl="0" algn="l">
+              <a:spcBef>
+                <a:spcPts val="0"/>
+              </a:spcBef>
+              <a:spcAft>
+                <a:spcPts val="0"/>
+              </a:spcAft>
+              <a:buClr>
+                <a:srgbClr val="000000"/>
+              </a:buClr>
+              <a:buSzPts val="1800"/>
+              <a:buFont typeface="Times New Roman"/>
+              <a:buChar char="●"/>
+            </a:pPr>
+            <a:r>
+              <a:rPr lang="en">
+                <a:solidFill>
+                  <a:srgbClr val="000000"/>
+                </a:solidFill>
+                <a:latin typeface="Times New Roman"/>
+                <a:ea typeface="Times New Roman"/>
+                <a:cs typeface="Times New Roman"/>
+                <a:sym typeface="Times New Roman"/>
+              </a:rPr>
+              <a:t>Denoted by ⊙</a:t>
+            </a:r>
+            <a:endParaRPr>
+              <a:solidFill>
+                <a:srgbClr val="000000"/>
+              </a:solidFill>
+              <a:latin typeface="Times New Roman"/>
+              <a:ea typeface="Times New Roman"/>
+              <a:cs typeface="Times New Roman"/>
+              <a:sym typeface="Times New Roman"/>
+            </a:endParaRPr>
+          </a:p>
+        </p:txBody>
+      </p:sp>
+      <p:sp>
+        <p:nvSpPr>
+          <p:cNvPr id="110" name="Google Shape;110;p19"/>
+          <p:cNvSpPr txBox="1"/>
+          <p:nvPr>
+            <p:ph idx="12" type="sldNum"/>
+          </p:nvPr>
+        </p:nvSpPr>
+        <p:spPr>
+          <a:xfrm>
+            <a:off x="8472458" y="4663217"/>
+            <a:ext cx="548700" cy="393600"/>
+          </a:xfrm>
+          <a:prstGeom prst="rect">
+            <a:avLst/>
+          </a:prstGeom>
+        </p:spPr>
+        <p:txBody>
+          <a:bodyPr anchorCtr="0" anchor="ctr" bIns="91425" lIns="91425" spcFirstLastPara="1" rIns="91425" wrap="square" tIns="91425">
+            <a:noAutofit/>
+          </a:bodyPr>
+          <a:lstStyle/>
+          <a:p>
+            <a:pPr indent="0" lvl="0" marL="0" rtl="0" algn="r">
+              <a:spcBef>
+                <a:spcPts val="0"/>
+              </a:spcBef>
+              <a:spcAft>
+                <a:spcPts val="0"/>
+              </a:spcAft>
+              <a:buNone/>
+            </a:pPr>
+            <a:fld id="{00000000-1234-1234-1234-123412341234}" type="slidenum">
+              <a:rPr b="1" lang="en">
+                <a:solidFill>
+                  <a:srgbClr val="000000"/>
+                </a:solidFill>
+                <a:latin typeface="Times New Roman"/>
+                <a:ea typeface="Times New Roman"/>
+                <a:cs typeface="Times New Roman"/>
+                <a:sym typeface="Times New Roman"/>
+              </a:rPr>
+              <a:t>‹#›</a:t>
+            </a:fld>
+            <a:endParaRPr b="1">
+              <a:solidFill>
+                <a:srgbClr val="000000"/>
+              </a:solidFill>
+              <a:latin typeface="Times New Roman"/>
+              <a:ea typeface="Times New Roman"/>
+              <a:cs typeface="Times New Roman"/>
+              <a:sym typeface="Times New Roman"/>
+            </a:endParaRPr>
+          </a:p>
+        </p:txBody>
+      </p:sp>
+      <p:pic>
+        <p:nvPicPr>
+          <p:cNvPr id="111" name="Google Shape;111;p19"/>
+          <p:cNvPicPr preferRelativeResize="0"/>
+          <p:nvPr/>
+        </p:nvPicPr>
+        <p:blipFill>
+          <a:blip r:embed="rId3">
+            <a:alphaModFix/>
+          </a:blip>
+          <a:stretch>
+            <a:fillRect/>
+          </a:stretch>
+        </p:blipFill>
+        <p:spPr>
+          <a:xfrm>
+            <a:off x="1689213" y="2149900"/>
+            <a:ext cx="5765574" cy="843700"/>
+          </a:xfrm>
+          <a:prstGeom prst="rect">
+            <a:avLst/>
+          </a:prstGeom>
+          <a:noFill/>
+          <a:ln>
+            <a:noFill/>
+          </a:ln>
+        </p:spPr>
+      </p:pic>
+      <p:sp>
+        <p:nvSpPr>
+          <p:cNvPr id="112" name="Google Shape;112;p19"/>
+          <p:cNvSpPr txBox="1"/>
+          <p:nvPr/>
+        </p:nvSpPr>
+        <p:spPr>
+          <a:xfrm>
+            <a:off x="0" y="4854000"/>
+            <a:ext cx="3715200" cy="289500"/>
+          </a:xfrm>
+          <a:prstGeom prst="rect">
+            <a:avLst/>
+          </a:prstGeom>
+          <a:noFill/>
+          <a:ln>
+            <a:noFill/>
+          </a:ln>
+        </p:spPr>
+        <p:txBody>
+          <a:bodyPr anchorCtr="0" anchor="b" bIns="91425" lIns="91425" spcFirstLastPara="1" rIns="91425" wrap="square" tIns="91425">
+            <a:noAutofit/>
+          </a:bodyPr>
+          <a:lstStyle/>
+          <a:p>
+            <a:pPr indent="0" lvl="0" marL="0" rtl="0" algn="ctr">
+              <a:spcBef>
+                <a:spcPts val="0"/>
+              </a:spcBef>
+              <a:spcAft>
+                <a:spcPts val="0"/>
+              </a:spcAft>
+              <a:buNone/>
+            </a:pPr>
+            <a:r>
+              <a:rPr b="1" lang="en" sz="1200">
+                <a:latin typeface="Times New Roman"/>
+                <a:ea typeface="Times New Roman"/>
+                <a:cs typeface="Times New Roman"/>
+                <a:sym typeface="Times New Roman"/>
+              </a:rPr>
+              <a:t>Tensor Methods for Neural Network Compression</a:t>
+            </a:r>
+            <a:endParaRPr b="1" sz="1200">
+              <a:solidFill>
+                <a:srgbClr val="000000"/>
+              </a:solidFill>
+              <a:latin typeface="Times New Roman"/>
+              <a:ea typeface="Times New Roman"/>
+              <a:cs typeface="Times New Roman"/>
+              <a:sym typeface="Times New Roman"/>
+            </a:endParaRPr>
+          </a:p>
+        </p:txBody>
+      </p:sp>
+      <p:sp>
+        <p:nvSpPr>
+          <p:cNvPr id="113" name="Google Shape;113;p19"/>
+          <p:cNvSpPr txBox="1"/>
+          <p:nvPr/>
+        </p:nvSpPr>
+        <p:spPr>
+          <a:xfrm>
+            <a:off x="2047050" y="4537900"/>
+            <a:ext cx="5049900" cy="180000"/>
+          </a:xfrm>
+          <a:prstGeom prst="rect">
+            <a:avLst/>
+          </a:prstGeom>
+          <a:noFill/>
+          <a:ln>
+            <a:noFill/>
+          </a:ln>
+        </p:spPr>
+        <p:txBody>
+          <a:bodyPr anchorCtr="0" anchor="t" bIns="91425" lIns="91425" spcFirstLastPara="1" rIns="91425" wrap="square" tIns="91425">
+            <a:noAutofit/>
+          </a:bodyPr>
+          <a:lstStyle/>
+          <a:p>
+            <a:pPr indent="0" lvl="0" marL="0" rtl="0" algn="ctr">
+              <a:spcBef>
+                <a:spcPts val="0"/>
+              </a:spcBef>
+              <a:spcAft>
+                <a:spcPts val="0"/>
+              </a:spcAft>
+              <a:buNone/>
+            </a:pPr>
+            <a:r>
+              <a:rPr lang="en" sz="1100">
+                <a:latin typeface="Times New Roman"/>
+                <a:ea typeface="Times New Roman"/>
+                <a:cs typeface="Times New Roman"/>
+                <a:sym typeface="Times New Roman"/>
+              </a:rPr>
+              <a:t>Figure 4: Illustration of khatri-rao product over matrices [5]</a:t>
+            </a:r>
+            <a:endParaRPr sz="1100">
+              <a:latin typeface="Times New Roman"/>
+              <a:ea typeface="Times New Roman"/>
+              <a:cs typeface="Times New Roman"/>
+              <a:sym typeface="Times New Roman"/>
+            </a:endParaRPr>
+          </a:p>
+        </p:txBody>
+      </p:sp>
+      <p:pic>
+        <p:nvPicPr>
+          <p:cNvPr id="114" name="Google Shape;114;p19"/>
+          <p:cNvPicPr preferRelativeResize="0"/>
+          <p:nvPr/>
+        </p:nvPicPr>
+        <p:blipFill>
+          <a:blip r:embed="rId4">
+            <a:alphaModFix/>
+          </a:blip>
+          <a:stretch>
+            <a:fillRect/>
+          </a:stretch>
+        </p:blipFill>
+        <p:spPr>
+          <a:xfrm>
+            <a:off x="3099050" y="3024937"/>
+            <a:ext cx="2757600" cy="1481625"/>
+          </a:xfrm>
+          <a:prstGeom prst="rect">
+            <a:avLst/>
+          </a:prstGeom>
+          <a:noFill/>
+          <a:ln>
+            <a:noFill/>
+          </a:ln>
+        </p:spPr>
+      </p:pic>
+    </p:spTree>
+  </p:cSld>
+  <p:clrMapOvr>
+    <a:masterClrMapping/>
+  </p:clrMapOvr>
+</p:sld>
+</file>
+
+<file path=ppt/slides/slide8.xml><?xml version="1.0" encoding="utf-8"?>
+<p:sld xmlns:a="http://schemas.openxmlformats.org/drawingml/2006/main" xmlns:r="http://schemas.openxmlformats.org/officeDocument/2006/relationships" xmlns:mc="http://schemas.openxmlformats.org/markup-compatibility/2006" xmlns:mv="urn:schemas-microsoft-com:mac:vml" xmlns:p="http://schemas.openxmlformats.org/presentationml/2006/main" xmlns:c="http://schemas.openxmlformats.org/drawingml/2006/chart" xmlns:dgm="http://schemas.openxmlformats.org/drawingml/2006/diagram" xmlns:o="urn:schemas-microsoft-com:office:office" xmlns:v="urn:schemas-microsoft-com:vml" xmlns:pvml="urn:schemas-microsoft-com:office:powerpoint" xmlns:com="http://schemas.openxmlformats.org/drawingml/2006/compatibility" xmlns:p14="http://schemas.microsoft.com/office/powerpoint/2010/main" xmlns:p15="http://schemas.microsoft.com/office/powerpoint/2012/main" xmlns:ahyp="http://schemas.microsoft.com/office/drawing/2018/hyperlinkcolor">
+  <p:cSld>
+    <p:spTree>
+      <p:nvGrpSpPr>
+        <p:cNvPr id="118" name="Shape 118"/>
+        <p:cNvGrpSpPr/>
+        <p:nvPr/>
+      </p:nvGrpSpPr>
+      <p:grpSpPr>
+        <a:xfrm>
+          <a:off x="0" y="0"/>
+          <a:ext cx="0" cy="0"/>
+          <a:chOff x="0" y="0"/>
+          <a:chExt cx="0" cy="0"/>
+        </a:xfrm>
+      </p:grpSpPr>
+      <p:sp>
+        <p:nvSpPr>
+          <p:cNvPr id="119" name="Google Shape;119;p20"/>
           <p:cNvSpPr txBox="1"/>
           <p:nvPr>
             <p:ph type="title"/>
@@ -8718,7 +13828,7 @@
       </p:sp>
       <p:sp>
         <p:nvSpPr>
-          <p:cNvPr id="80" name="Google Shape;80;p16"/>
+          <p:cNvPr id="120" name="Google Shape;120;p20"/>
           <p:cNvSpPr txBox="1"/>
           <p:nvPr>
             <p:ph idx="1" type="body"/>
@@ -8853,7 +13963,7 @@
       </p:sp>
       <p:pic>
         <p:nvPicPr>
-          <p:cNvPr id="81" name="Google Shape;81;p16"/>
+          <p:cNvPr id="121" name="Google Shape;121;p20"/>
           <p:cNvPicPr preferRelativeResize="0"/>
           <p:nvPr/>
         </p:nvPicPr>
@@ -8881,7 +13991,7 @@
       </p:pic>
       <p:pic>
         <p:nvPicPr>
-          <p:cNvPr id="82" name="Google Shape;82;p16"/>
+          <p:cNvPr id="122" name="Google Shape;122;p20"/>
           <p:cNvPicPr preferRelativeResize="0"/>
           <p:nvPr/>
         </p:nvPicPr>
@@ -8909,7 +14019,7 @@
       </p:pic>
       <p:pic>
         <p:nvPicPr>
-          <p:cNvPr id="83" name="Google Shape;83;p16"/>
+          <p:cNvPr id="123" name="Google Shape;123;p20"/>
           <p:cNvPicPr preferRelativeResize="0"/>
           <p:nvPr/>
         </p:nvPicPr>
@@ -8937,7 +14047,7 @@
       </p:pic>
       <p:sp>
         <p:nvSpPr>
-          <p:cNvPr id="84" name="Google Shape;84;p16"/>
+          <p:cNvPr id="124" name="Google Shape;124;p20"/>
           <p:cNvSpPr txBox="1"/>
           <p:nvPr/>
         </p:nvSpPr>
@@ -8992,7 +14102,7 @@
       </p:sp>
       <p:sp>
         <p:nvSpPr>
-          <p:cNvPr id="85" name="Google Shape;85;p16"/>
+          <p:cNvPr id="125" name="Google Shape;125;p20"/>
           <p:cNvSpPr txBox="1"/>
           <p:nvPr>
             <p:ph idx="12" type="sldNum"/>
@@ -9034,18 +14144,6 @@
               </a:rPr>
               <a:t>‹#›</a:t>
             </a:fld>
-            <a:r>
-              <a:rPr b="1" lang="en">
-                <a:solidFill>
-                  <a:srgbClr val="000000"/>
-                </a:solidFill>
-                <a:latin typeface="Times New Roman"/>
-                <a:ea typeface="Times New Roman"/>
-                <a:cs typeface="Times New Roman"/>
-                <a:sym typeface="Times New Roman"/>
-              </a:rPr>
-              <a:t>/10</a:t>
-            </a:r>
             <a:endParaRPr b="1">
               <a:solidFill>
                 <a:srgbClr val="000000"/>
@@ -9066,12 +14164,12 @@
 </p:sld>
 </file>
 
-<file path=ppt/slides/slide5.xml><?xml version="1.0" encoding="utf-8"?>
+<file path=ppt/slides/slide9.xml><?xml version="1.0" encoding="utf-8"?>
 <p:sld xmlns:a="http://schemas.openxmlformats.org/drawingml/2006/main" xmlns:r="http://schemas.openxmlformats.org/officeDocument/2006/relationships" xmlns:mc="http://schemas.openxmlformats.org/markup-compatibility/2006" xmlns:mv="urn:schemas-microsoft-com:mac:vml" xmlns:p="http://schemas.openxmlformats.org/presentationml/2006/main" xmlns:c="http://schemas.openxmlformats.org/drawingml/2006/chart" xmlns:dgm="http://schemas.openxmlformats.org/drawingml/2006/diagram" xmlns:o="urn:schemas-microsoft-com:office:office" xmlns:v="urn:schemas-microsoft-com:vml" xmlns:pvml="urn:schemas-microsoft-com:office:powerpoint" xmlns:com="http://schemas.openxmlformats.org/drawingml/2006/compatibility" xmlns:p14="http://schemas.microsoft.com/office/powerpoint/2010/main" xmlns:p15="http://schemas.microsoft.com/office/powerpoint/2012/main" xmlns:ahyp="http://schemas.microsoft.com/office/drawing/2018/hyperlinkcolor">
   <p:cSld>
     <p:spTree>
       <p:nvGrpSpPr>
-        <p:cNvPr id="89" name="Shape 89"/>
+        <p:cNvPr id="129" name="Shape 129"/>
         <p:cNvGrpSpPr/>
         <p:nvPr/>
       </p:nvGrpSpPr>
@@ -9085,7 +14183,7 @@
       </p:grpSpPr>
       <p:sp>
         <p:nvSpPr>
-          <p:cNvPr id="90" name="Google Shape;90;p17"/>
+          <p:cNvPr id="130" name="Google Shape;130;p21"/>
           <p:cNvSpPr txBox="1"/>
           <p:nvPr>
             <p:ph type="title"/>
@@ -9135,7 +14233,7 @@
       </p:sp>
       <p:sp>
         <p:nvSpPr>
-          <p:cNvPr id="91" name="Google Shape;91;p17"/>
+          <p:cNvPr id="131" name="Google Shape;131;p21"/>
           <p:cNvSpPr txBox="1"/>
           <p:nvPr>
             <p:ph idx="1" type="body"/>
@@ -9256,7 +14354,19 @@
               </a:rPr>
               <a:t>In ALS, we minimize the cost function ||X-M||</a:t>
             </a:r>
-            <a:endParaRPr>
+            <a:r>
+              <a:rPr baseline="30000" lang="en">
+                <a:solidFill>
+                  <a:srgbClr val="000000"/>
+                </a:solidFill>
+                <a:latin typeface="Times New Roman"/>
+                <a:ea typeface="Times New Roman"/>
+                <a:cs typeface="Times New Roman"/>
+                <a:sym typeface="Times New Roman"/>
+              </a:rPr>
+              <a:t>2</a:t>
+            </a:r>
+            <a:endParaRPr baseline="30000">
               <a:solidFill>
                 <a:srgbClr val="000000"/>
               </a:solidFill>
@@ -9270,7 +14380,7 @@
       </p:sp>
       <p:sp>
         <p:nvSpPr>
-          <p:cNvPr id="92" name="Google Shape;92;p17"/>
+          <p:cNvPr id="132" name="Google Shape;132;p21"/>
           <p:cNvSpPr txBox="1"/>
           <p:nvPr/>
         </p:nvSpPr>
@@ -9325,7 +14435,7 @@
       </p:sp>
       <p:sp>
         <p:nvSpPr>
-          <p:cNvPr id="93" name="Google Shape;93;p17"/>
+          <p:cNvPr id="133" name="Google Shape;133;p21"/>
           <p:cNvSpPr txBox="1"/>
           <p:nvPr>
             <p:ph idx="12" type="sldNum"/>
@@ -9364,15 +14474,6 @@
               </a:rPr>
               <a:t>‹#›</a:t>
             </a:fld>
-            <a:r>
-              <a:rPr b="1" lang="en">
-                <a:latin typeface="Times New Roman"/>
-                <a:ea typeface="Times New Roman"/>
-                <a:cs typeface="Times New Roman"/>
-                <a:sym typeface="Times New Roman"/>
-              </a:rPr>
-              <a:t>/10</a:t>
-            </a:r>
             <a:endParaRPr b="1">
               <a:latin typeface="Times New Roman"/>
               <a:ea typeface="Times New Roman"/>
@@ -9384,7 +14485,7 @@
       </p:sp>
       <p:pic>
         <p:nvPicPr>
-          <p:cNvPr id="94" name="Google Shape;94;p17"/>
+          <p:cNvPr id="134" name="Google Shape;134;p21"/>
           <p:cNvPicPr preferRelativeResize="0"/>
           <p:nvPr/>
         </p:nvPicPr>
@@ -9412,7 +14513,7 @@
       </p:pic>
       <p:pic>
         <p:nvPicPr>
-          <p:cNvPr id="95" name="Google Shape;95;p17"/>
+          <p:cNvPr id="135" name="Google Shape;135;p21"/>
           <p:cNvPicPr preferRelativeResize="0"/>
           <p:nvPr/>
         </p:nvPicPr>
@@ -9440,7 +14541,7 @@
       </p:pic>
       <p:sp>
         <p:nvSpPr>
-          <p:cNvPr id="96" name="Google Shape;96;p17"/>
+          <p:cNvPr id="136" name="Google Shape;136;p21"/>
           <p:cNvSpPr txBox="1"/>
           <p:nvPr/>
         </p:nvSpPr>
@@ -9480,1820 +14581,6 @@
                 <a:sym typeface="Times New Roman"/>
               </a:rPr>
               <a:t>Equation representing the optimization of variables in ALS method [1]</a:t>
-            </a:r>
-            <a:endParaRPr sz="1100">
-              <a:latin typeface="Times New Roman"/>
-              <a:ea typeface="Times New Roman"/>
-              <a:cs typeface="Times New Roman"/>
-              <a:sym typeface="Times New Roman"/>
-            </a:endParaRPr>
-          </a:p>
-        </p:txBody>
-      </p:sp>
-    </p:spTree>
-  </p:cSld>
-  <p:clrMapOvr>
-    <a:masterClrMapping/>
-  </p:clrMapOvr>
-</p:sld>
-</file>
-
-<file path=ppt/slides/slide6.xml><?xml version="1.0" encoding="utf-8"?>
-<p:sld xmlns:a="http://schemas.openxmlformats.org/drawingml/2006/main" xmlns:r="http://schemas.openxmlformats.org/officeDocument/2006/relationships" xmlns:mc="http://schemas.openxmlformats.org/markup-compatibility/2006" xmlns:mv="urn:schemas-microsoft-com:mac:vml" xmlns:p="http://schemas.openxmlformats.org/presentationml/2006/main" xmlns:c="http://schemas.openxmlformats.org/drawingml/2006/chart" xmlns:dgm="http://schemas.openxmlformats.org/drawingml/2006/diagram" xmlns:o="urn:schemas-microsoft-com:office:office" xmlns:v="urn:schemas-microsoft-com:vml" xmlns:pvml="urn:schemas-microsoft-com:office:powerpoint" xmlns:com="http://schemas.openxmlformats.org/drawingml/2006/compatibility" xmlns:p14="http://schemas.microsoft.com/office/powerpoint/2010/main" xmlns:p15="http://schemas.microsoft.com/office/powerpoint/2012/main" xmlns:ahyp="http://schemas.microsoft.com/office/drawing/2018/hyperlinkcolor">
-  <p:cSld>
-    <p:spTree>
-      <p:nvGrpSpPr>
-        <p:cNvPr id="100" name="Shape 100"/>
-        <p:cNvGrpSpPr/>
-        <p:nvPr/>
-      </p:nvGrpSpPr>
-      <p:grpSpPr>
-        <a:xfrm>
-          <a:off x="0" y="0"/>
-          <a:ext cx="0" cy="0"/>
-          <a:chOff x="0" y="0"/>
-          <a:chExt cx="0" cy="0"/>
-        </a:xfrm>
-      </p:grpSpPr>
-      <p:sp>
-        <p:nvSpPr>
-          <p:cNvPr id="101" name="Google Shape;101;p18"/>
-          <p:cNvSpPr txBox="1"/>
-          <p:nvPr>
-            <p:ph type="title"/>
-          </p:nvPr>
-        </p:nvSpPr>
-        <p:spPr>
-          <a:xfrm>
-            <a:off x="311700" y="445025"/>
-            <a:ext cx="8520600" cy="572700"/>
-          </a:xfrm>
-          <a:prstGeom prst="rect">
-            <a:avLst/>
-          </a:prstGeom>
-        </p:spPr>
-        <p:txBody>
-          <a:bodyPr anchorCtr="0" anchor="t" bIns="91425" lIns="91425" spcFirstLastPara="1" rIns="91425" wrap="square" tIns="91425">
-            <a:noAutofit/>
-          </a:bodyPr>
-          <a:lstStyle/>
-          <a:p>
-            <a:pPr indent="0" lvl="0" marL="0" rtl="0" algn="l">
-              <a:spcBef>
-                <a:spcPts val="0"/>
-              </a:spcBef>
-              <a:spcAft>
-                <a:spcPts val="0"/>
-              </a:spcAft>
-              <a:buNone/>
-            </a:pPr>
-            <a:r>
-              <a:rPr b="1" lang="en" sz="3000">
-                <a:latin typeface="Times New Roman"/>
-                <a:ea typeface="Times New Roman"/>
-                <a:cs typeface="Times New Roman"/>
-                <a:sym typeface="Times New Roman"/>
-              </a:rPr>
-              <a:t>CP Decomposition</a:t>
-            </a:r>
-            <a:endParaRPr b="1" sz="3000">
-              <a:latin typeface="Times New Roman"/>
-              <a:ea typeface="Times New Roman"/>
-              <a:cs typeface="Times New Roman"/>
-              <a:sym typeface="Times New Roman"/>
-            </a:endParaRPr>
-          </a:p>
-        </p:txBody>
-      </p:sp>
-      <p:pic>
-        <p:nvPicPr>
-          <p:cNvPr id="102" name="Google Shape;102;p18"/>
-          <p:cNvPicPr preferRelativeResize="0"/>
-          <p:nvPr/>
-        </p:nvPicPr>
-        <p:blipFill>
-          <a:blip r:embed="rId3">
-            <a:alphaModFix/>
-          </a:blip>
-          <a:stretch>
-            <a:fillRect/>
-          </a:stretch>
-        </p:blipFill>
-        <p:spPr>
-          <a:xfrm>
-            <a:off x="4704075" y="601300"/>
-            <a:ext cx="4265130" cy="3998580"/>
-          </a:xfrm>
-          <a:prstGeom prst="rect">
-            <a:avLst/>
-          </a:prstGeom>
-          <a:noFill/>
-          <a:ln>
-            <a:noFill/>
-          </a:ln>
-        </p:spPr>
-      </p:pic>
-      <p:sp>
-        <p:nvSpPr>
-          <p:cNvPr id="103" name="Google Shape;103;p18"/>
-          <p:cNvSpPr txBox="1"/>
-          <p:nvPr>
-            <p:ph idx="1" type="body"/>
-          </p:nvPr>
-        </p:nvSpPr>
-        <p:spPr>
-          <a:xfrm>
-            <a:off x="311700" y="1152475"/>
-            <a:ext cx="4846200" cy="1419300"/>
-          </a:xfrm>
-          <a:prstGeom prst="rect">
-            <a:avLst/>
-          </a:prstGeom>
-        </p:spPr>
-        <p:txBody>
-          <a:bodyPr anchorCtr="0" anchor="t" bIns="91425" lIns="91425" spcFirstLastPara="1" rIns="91425" wrap="square" tIns="91425">
-            <a:noAutofit/>
-          </a:bodyPr>
-          <a:lstStyle/>
-          <a:p>
-            <a:pPr indent="-342900" lvl="0" marL="457200" rtl="0" algn="l">
-              <a:spcBef>
-                <a:spcPts val="0"/>
-              </a:spcBef>
-              <a:spcAft>
-                <a:spcPts val="0"/>
-              </a:spcAft>
-              <a:buClr>
-                <a:srgbClr val="000000"/>
-              </a:buClr>
-              <a:buSzPts val="1800"/>
-              <a:buFont typeface="Times New Roman"/>
-              <a:buChar char="●"/>
-            </a:pPr>
-            <a:r>
-              <a:rPr lang="en">
-                <a:solidFill>
-                  <a:srgbClr val="000000"/>
-                </a:solidFill>
-                <a:latin typeface="Times New Roman"/>
-                <a:ea typeface="Times New Roman"/>
-                <a:cs typeface="Times New Roman"/>
-                <a:sym typeface="Times New Roman"/>
-              </a:rPr>
-              <a:t>Input tensor shape (2 x 3 x 3)</a:t>
-            </a:r>
-            <a:endParaRPr>
-              <a:solidFill>
-                <a:srgbClr val="000000"/>
-              </a:solidFill>
-              <a:latin typeface="Times New Roman"/>
-              <a:ea typeface="Times New Roman"/>
-              <a:cs typeface="Times New Roman"/>
-              <a:sym typeface="Times New Roman"/>
-            </a:endParaRPr>
-          </a:p>
-          <a:p>
-            <a:pPr indent="-342900" lvl="0" marL="457200" rtl="0" algn="l">
-              <a:spcBef>
-                <a:spcPts val="0"/>
-              </a:spcBef>
-              <a:spcAft>
-                <a:spcPts val="0"/>
-              </a:spcAft>
-              <a:buClr>
-                <a:srgbClr val="000000"/>
-              </a:buClr>
-              <a:buSzPts val="1800"/>
-              <a:buFont typeface="Times New Roman"/>
-              <a:buChar char="●"/>
-            </a:pPr>
-            <a:r>
-              <a:rPr lang="en">
-                <a:solidFill>
-                  <a:srgbClr val="000000"/>
-                </a:solidFill>
-                <a:latin typeface="Times New Roman"/>
-                <a:ea typeface="Times New Roman"/>
-                <a:cs typeface="Times New Roman"/>
-                <a:sym typeface="Times New Roman"/>
-              </a:rPr>
-              <a:t>Approximation by various ranks</a:t>
-            </a:r>
-            <a:endParaRPr>
-              <a:solidFill>
-                <a:srgbClr val="000000"/>
-              </a:solidFill>
-              <a:latin typeface="Times New Roman"/>
-              <a:ea typeface="Times New Roman"/>
-              <a:cs typeface="Times New Roman"/>
-              <a:sym typeface="Times New Roman"/>
-            </a:endParaRPr>
-          </a:p>
-        </p:txBody>
-      </p:sp>
-      <p:sp>
-        <p:nvSpPr>
-          <p:cNvPr id="104" name="Google Shape;104;p18"/>
-          <p:cNvSpPr txBox="1"/>
-          <p:nvPr/>
-        </p:nvSpPr>
-        <p:spPr>
-          <a:xfrm>
-            <a:off x="0" y="4854000"/>
-            <a:ext cx="3715200" cy="289500"/>
-          </a:xfrm>
-          <a:prstGeom prst="rect">
-            <a:avLst/>
-          </a:prstGeom>
-          <a:noFill/>
-          <a:ln>
-            <a:noFill/>
-          </a:ln>
-        </p:spPr>
-        <p:txBody>
-          <a:bodyPr anchorCtr="0" anchor="b" bIns="91425" lIns="91425" spcFirstLastPara="1" rIns="91425" wrap="square" tIns="91425">
-            <a:noAutofit/>
-          </a:bodyPr>
-          <a:lstStyle/>
-          <a:p>
-            <a:pPr indent="0" lvl="0" marL="0" rtl="0" algn="ctr">
-              <a:spcBef>
-                <a:spcPts val="0"/>
-              </a:spcBef>
-              <a:spcAft>
-                <a:spcPts val="0"/>
-              </a:spcAft>
-              <a:buNone/>
-            </a:pPr>
-            <a:r>
-              <a:rPr b="1" lang="en" sz="1200">
-                <a:latin typeface="Times New Roman"/>
-                <a:ea typeface="Times New Roman"/>
-                <a:cs typeface="Times New Roman"/>
-                <a:sym typeface="Times New Roman"/>
-              </a:rPr>
-              <a:t>Tensor Methods for Neural Network Compression</a:t>
-            </a:r>
-            <a:endParaRPr b="1" sz="1200">
-              <a:solidFill>
-                <a:srgbClr val="000000"/>
-              </a:solidFill>
-              <a:latin typeface="Times New Roman"/>
-              <a:ea typeface="Times New Roman"/>
-              <a:cs typeface="Times New Roman"/>
-              <a:sym typeface="Times New Roman"/>
-            </a:endParaRPr>
-          </a:p>
-        </p:txBody>
-      </p:sp>
-      <p:sp>
-        <p:nvSpPr>
-          <p:cNvPr id="105" name="Google Shape;105;p18"/>
-          <p:cNvSpPr txBox="1"/>
-          <p:nvPr>
-            <p:ph idx="12" type="sldNum"/>
-          </p:nvPr>
-        </p:nvSpPr>
-        <p:spPr>
-          <a:xfrm>
-            <a:off x="8472458" y="4663217"/>
-            <a:ext cx="548700" cy="393600"/>
-          </a:xfrm>
-          <a:prstGeom prst="rect">
-            <a:avLst/>
-          </a:prstGeom>
-        </p:spPr>
-        <p:txBody>
-          <a:bodyPr anchorCtr="0" anchor="ctr" bIns="91425" lIns="91425" spcFirstLastPara="1" rIns="91425" wrap="square" tIns="91425">
-            <a:noAutofit/>
-          </a:bodyPr>
-          <a:lstStyle/>
-          <a:p>
-            <a:pPr indent="0" lvl="0" marL="0" rtl="0" algn="r">
-              <a:spcBef>
-                <a:spcPts val="0"/>
-              </a:spcBef>
-              <a:spcAft>
-                <a:spcPts val="0"/>
-              </a:spcAft>
-              <a:buNone/>
-            </a:pPr>
-            <a:fld id="{00000000-1234-1234-1234-123412341234}" type="slidenum">
-              <a:rPr b="1" lang="en">
-                <a:latin typeface="Times New Roman"/>
-                <a:ea typeface="Times New Roman"/>
-                <a:cs typeface="Times New Roman"/>
-                <a:sym typeface="Times New Roman"/>
-              </a:rPr>
-              <a:t>‹#›</a:t>
-            </a:fld>
-            <a:r>
-              <a:rPr b="1" lang="en">
-                <a:latin typeface="Times New Roman"/>
-                <a:ea typeface="Times New Roman"/>
-                <a:cs typeface="Times New Roman"/>
-                <a:sym typeface="Times New Roman"/>
-              </a:rPr>
-              <a:t>/10</a:t>
-            </a:r>
-            <a:endParaRPr b="1">
-              <a:latin typeface="Times New Roman"/>
-              <a:ea typeface="Times New Roman"/>
-              <a:cs typeface="Times New Roman"/>
-              <a:sym typeface="Times New Roman"/>
-            </a:endParaRPr>
-          </a:p>
-        </p:txBody>
-      </p:sp>
-      <p:sp>
-        <p:nvSpPr>
-          <p:cNvPr id="106" name="Google Shape;106;p18"/>
-          <p:cNvSpPr txBox="1"/>
-          <p:nvPr/>
-        </p:nvSpPr>
-        <p:spPr>
-          <a:xfrm>
-            <a:off x="4819325" y="4419875"/>
-            <a:ext cx="4324800" cy="180000"/>
-          </a:xfrm>
-          <a:prstGeom prst="rect">
-            <a:avLst/>
-          </a:prstGeom>
-          <a:noFill/>
-          <a:ln>
-            <a:noFill/>
-          </a:ln>
-        </p:spPr>
-        <p:txBody>
-          <a:bodyPr anchorCtr="0" anchor="t" bIns="91425" lIns="91425" spcFirstLastPara="1" rIns="91425" wrap="square" tIns="91425">
-            <a:noAutofit/>
-          </a:bodyPr>
-          <a:lstStyle/>
-          <a:p>
-            <a:pPr indent="0" lvl="0" marL="0" rtl="0" algn="ctr">
-              <a:spcBef>
-                <a:spcPts val="0"/>
-              </a:spcBef>
-              <a:spcAft>
-                <a:spcPts val="0"/>
-              </a:spcAft>
-              <a:buNone/>
-            </a:pPr>
-            <a:r>
-              <a:rPr lang="en" sz="1100">
-                <a:latin typeface="Times New Roman"/>
-                <a:ea typeface="Times New Roman"/>
-                <a:cs typeface="Times New Roman"/>
-                <a:sym typeface="Times New Roman"/>
-              </a:rPr>
-              <a:t>Figure 2: Convergence of ALS method with different ranks</a:t>
-            </a:r>
-            <a:endParaRPr sz="1100">
-              <a:latin typeface="Times New Roman"/>
-              <a:ea typeface="Times New Roman"/>
-              <a:cs typeface="Times New Roman"/>
-              <a:sym typeface="Times New Roman"/>
-            </a:endParaRPr>
-          </a:p>
-        </p:txBody>
-      </p:sp>
-    </p:spTree>
-  </p:cSld>
-  <p:clrMapOvr>
-    <a:masterClrMapping/>
-  </p:clrMapOvr>
-</p:sld>
-</file>
-
-<file path=ppt/slides/slide7.xml><?xml version="1.0" encoding="utf-8"?>
-<p:sld xmlns:a="http://schemas.openxmlformats.org/drawingml/2006/main" xmlns:r="http://schemas.openxmlformats.org/officeDocument/2006/relationships" xmlns:mc="http://schemas.openxmlformats.org/markup-compatibility/2006" xmlns:mv="urn:schemas-microsoft-com:mac:vml" xmlns:p="http://schemas.openxmlformats.org/presentationml/2006/main" xmlns:c="http://schemas.openxmlformats.org/drawingml/2006/chart" xmlns:dgm="http://schemas.openxmlformats.org/drawingml/2006/diagram" xmlns:o="urn:schemas-microsoft-com:office:office" xmlns:v="urn:schemas-microsoft-com:vml" xmlns:pvml="urn:schemas-microsoft-com:office:powerpoint" xmlns:com="http://schemas.openxmlformats.org/drawingml/2006/compatibility" xmlns:p14="http://schemas.microsoft.com/office/powerpoint/2010/main" xmlns:p15="http://schemas.microsoft.com/office/powerpoint/2012/main" xmlns:ahyp="http://schemas.microsoft.com/office/drawing/2018/hyperlinkcolor">
-  <p:cSld>
-    <p:spTree>
-      <p:nvGrpSpPr>
-        <p:cNvPr id="110" name="Shape 110"/>
-        <p:cNvGrpSpPr/>
-        <p:nvPr/>
-      </p:nvGrpSpPr>
-      <p:grpSpPr>
-        <a:xfrm>
-          <a:off x="0" y="0"/>
-          <a:ext cx="0" cy="0"/>
-          <a:chOff x="0" y="0"/>
-          <a:chExt cx="0" cy="0"/>
-        </a:xfrm>
-      </p:grpSpPr>
-      <p:sp>
-        <p:nvSpPr>
-          <p:cNvPr id="111" name="Google Shape;111;p19"/>
-          <p:cNvSpPr txBox="1"/>
-          <p:nvPr>
-            <p:ph type="title"/>
-          </p:nvPr>
-        </p:nvSpPr>
-        <p:spPr>
-          <a:xfrm>
-            <a:off x="311700" y="445025"/>
-            <a:ext cx="8520600" cy="572700"/>
-          </a:xfrm>
-          <a:prstGeom prst="rect">
-            <a:avLst/>
-          </a:prstGeom>
-        </p:spPr>
-        <p:txBody>
-          <a:bodyPr anchorCtr="0" anchor="t" bIns="91425" lIns="91425" spcFirstLastPara="1" rIns="91425" wrap="square" tIns="91425">
-            <a:noAutofit/>
-          </a:bodyPr>
-          <a:lstStyle/>
-          <a:p>
-            <a:pPr indent="0" lvl="0" marL="0" rtl="0" algn="l">
-              <a:spcBef>
-                <a:spcPts val="0"/>
-              </a:spcBef>
-              <a:spcAft>
-                <a:spcPts val="0"/>
-              </a:spcAft>
-              <a:buNone/>
-            </a:pPr>
-            <a:r>
-              <a:rPr b="1" lang="en" sz="3000">
-                <a:latin typeface="Times New Roman"/>
-                <a:ea typeface="Times New Roman"/>
-                <a:cs typeface="Times New Roman"/>
-                <a:sym typeface="Times New Roman"/>
-              </a:rPr>
-              <a:t>CP Decomposition</a:t>
-            </a:r>
-            <a:endParaRPr b="1" sz="3000">
-              <a:latin typeface="Times New Roman"/>
-              <a:ea typeface="Times New Roman"/>
-              <a:cs typeface="Times New Roman"/>
-              <a:sym typeface="Times New Roman"/>
-            </a:endParaRPr>
-          </a:p>
-        </p:txBody>
-      </p:sp>
-      <p:sp>
-        <p:nvSpPr>
-          <p:cNvPr id="112" name="Google Shape;112;p19"/>
-          <p:cNvSpPr txBox="1"/>
-          <p:nvPr>
-            <p:ph idx="1" type="body"/>
-          </p:nvPr>
-        </p:nvSpPr>
-        <p:spPr>
-          <a:xfrm>
-            <a:off x="311700" y="1152475"/>
-            <a:ext cx="4846200" cy="720600"/>
-          </a:xfrm>
-          <a:prstGeom prst="rect">
-            <a:avLst/>
-          </a:prstGeom>
-        </p:spPr>
-        <p:txBody>
-          <a:bodyPr anchorCtr="0" anchor="t" bIns="91425" lIns="91425" spcFirstLastPara="1" rIns="91425" wrap="square" tIns="91425">
-            <a:noAutofit/>
-          </a:bodyPr>
-          <a:lstStyle/>
-          <a:p>
-            <a:pPr indent="-342900" lvl="0" marL="457200" rtl="0" algn="l">
-              <a:spcBef>
-                <a:spcPts val="0"/>
-              </a:spcBef>
-              <a:spcAft>
-                <a:spcPts val="0"/>
-              </a:spcAft>
-              <a:buClr>
-                <a:srgbClr val="000000"/>
-              </a:buClr>
-              <a:buSzPts val="1800"/>
-              <a:buFont typeface="Times New Roman"/>
-              <a:buChar char="●"/>
-            </a:pPr>
-            <a:r>
-              <a:rPr lang="en">
-                <a:solidFill>
-                  <a:srgbClr val="000000"/>
-                </a:solidFill>
-                <a:latin typeface="Times New Roman"/>
-                <a:ea typeface="Times New Roman"/>
-                <a:cs typeface="Times New Roman"/>
-                <a:sym typeface="Times New Roman"/>
-              </a:rPr>
-              <a:t>Unit tested with tensorly implementation</a:t>
-            </a:r>
-            <a:endParaRPr>
-              <a:solidFill>
-                <a:srgbClr val="000000"/>
-              </a:solidFill>
-              <a:latin typeface="Times New Roman"/>
-              <a:ea typeface="Times New Roman"/>
-              <a:cs typeface="Times New Roman"/>
-              <a:sym typeface="Times New Roman"/>
-            </a:endParaRPr>
-          </a:p>
-          <a:p>
-            <a:pPr indent="-342900" lvl="0" marL="457200" rtl="0" algn="l">
-              <a:spcBef>
-                <a:spcPts val="0"/>
-              </a:spcBef>
-              <a:spcAft>
-                <a:spcPts val="0"/>
-              </a:spcAft>
-              <a:buClr>
-                <a:srgbClr val="000000"/>
-              </a:buClr>
-              <a:buSzPts val="1800"/>
-              <a:buFont typeface="Times New Roman"/>
-              <a:buChar char="●"/>
-            </a:pPr>
-            <a:r>
-              <a:rPr lang="en">
-                <a:solidFill>
-                  <a:srgbClr val="000000"/>
-                </a:solidFill>
-                <a:latin typeface="Times New Roman"/>
-                <a:ea typeface="Times New Roman"/>
-                <a:cs typeface="Times New Roman"/>
-                <a:sym typeface="Times New Roman"/>
-              </a:rPr>
-              <a:t>Parameters</a:t>
-            </a:r>
-            <a:endParaRPr>
-              <a:solidFill>
-                <a:srgbClr val="000000"/>
-              </a:solidFill>
-              <a:latin typeface="Times New Roman"/>
-              <a:ea typeface="Times New Roman"/>
-              <a:cs typeface="Times New Roman"/>
-              <a:sym typeface="Times New Roman"/>
-            </a:endParaRPr>
-          </a:p>
-          <a:p>
-            <a:pPr indent="-317500" lvl="1" marL="914400" rtl="0" algn="l">
-              <a:spcBef>
-                <a:spcPts val="0"/>
-              </a:spcBef>
-              <a:spcAft>
-                <a:spcPts val="0"/>
-              </a:spcAft>
-              <a:buClr>
-                <a:srgbClr val="000000"/>
-              </a:buClr>
-              <a:buSzPts val="1400"/>
-              <a:buFont typeface="Times New Roman"/>
-              <a:buChar char="○"/>
-            </a:pPr>
-            <a:r>
-              <a:rPr lang="en">
-                <a:solidFill>
-                  <a:srgbClr val="000000"/>
-                </a:solidFill>
-                <a:latin typeface="Times New Roman"/>
-                <a:ea typeface="Times New Roman"/>
-                <a:cs typeface="Times New Roman"/>
-                <a:sym typeface="Times New Roman"/>
-              </a:rPr>
-              <a:t>Rank : 2</a:t>
-            </a:r>
-            <a:endParaRPr>
-              <a:solidFill>
-                <a:srgbClr val="000000"/>
-              </a:solidFill>
-              <a:latin typeface="Times New Roman"/>
-              <a:ea typeface="Times New Roman"/>
-              <a:cs typeface="Times New Roman"/>
-              <a:sym typeface="Times New Roman"/>
-            </a:endParaRPr>
-          </a:p>
-          <a:p>
-            <a:pPr indent="-317500" lvl="1" marL="914400" rtl="0" algn="l">
-              <a:spcBef>
-                <a:spcPts val="0"/>
-              </a:spcBef>
-              <a:spcAft>
-                <a:spcPts val="0"/>
-              </a:spcAft>
-              <a:buClr>
-                <a:srgbClr val="000000"/>
-              </a:buClr>
-              <a:buSzPts val="1400"/>
-              <a:buFont typeface="Times New Roman"/>
-              <a:buChar char="○"/>
-            </a:pPr>
-            <a:r>
-              <a:rPr lang="en">
-                <a:solidFill>
-                  <a:srgbClr val="000000"/>
-                </a:solidFill>
-                <a:latin typeface="Times New Roman"/>
-                <a:ea typeface="Times New Roman"/>
-                <a:cs typeface="Times New Roman"/>
-                <a:sym typeface="Times New Roman"/>
-              </a:rPr>
-              <a:t>Maximum iterations : 100</a:t>
-            </a:r>
-            <a:endParaRPr>
-              <a:solidFill>
-                <a:srgbClr val="000000"/>
-              </a:solidFill>
-              <a:latin typeface="Times New Roman"/>
-              <a:ea typeface="Times New Roman"/>
-              <a:cs typeface="Times New Roman"/>
-              <a:sym typeface="Times New Roman"/>
-            </a:endParaRPr>
-          </a:p>
-        </p:txBody>
-      </p:sp>
-      <p:pic>
-        <p:nvPicPr>
-          <p:cNvPr id="113" name="Google Shape;113;p19"/>
-          <p:cNvPicPr preferRelativeResize="0"/>
-          <p:nvPr/>
-        </p:nvPicPr>
-        <p:blipFill>
-          <a:blip r:embed="rId3">
-            <a:alphaModFix/>
-          </a:blip>
-          <a:stretch>
-            <a:fillRect/>
-          </a:stretch>
-        </p:blipFill>
-        <p:spPr>
-          <a:xfrm>
-            <a:off x="3207388" y="3012400"/>
-            <a:ext cx="2655750" cy="1237850"/>
-          </a:xfrm>
-          <a:prstGeom prst="rect">
-            <a:avLst/>
-          </a:prstGeom>
-          <a:noFill/>
-          <a:ln>
-            <a:noFill/>
-          </a:ln>
-        </p:spPr>
-      </p:pic>
-      <p:pic>
-        <p:nvPicPr>
-          <p:cNvPr id="114" name="Google Shape;114;p19"/>
-          <p:cNvPicPr preferRelativeResize="0"/>
-          <p:nvPr/>
-        </p:nvPicPr>
-        <p:blipFill>
-          <a:blip r:embed="rId4">
-            <a:alphaModFix/>
-          </a:blip>
-          <a:stretch>
-            <a:fillRect/>
-          </a:stretch>
-        </p:blipFill>
-        <p:spPr>
-          <a:xfrm>
-            <a:off x="311700" y="3012400"/>
-            <a:ext cx="2540850" cy="1237850"/>
-          </a:xfrm>
-          <a:prstGeom prst="rect">
-            <a:avLst/>
-          </a:prstGeom>
-          <a:noFill/>
-          <a:ln>
-            <a:noFill/>
-          </a:ln>
-        </p:spPr>
-      </p:pic>
-      <p:pic>
-        <p:nvPicPr>
-          <p:cNvPr id="115" name="Google Shape;115;p19"/>
-          <p:cNvPicPr preferRelativeResize="0"/>
-          <p:nvPr/>
-        </p:nvPicPr>
-        <p:blipFill>
-          <a:blip r:embed="rId5">
-            <a:alphaModFix/>
-          </a:blip>
-          <a:stretch>
-            <a:fillRect/>
-          </a:stretch>
-        </p:blipFill>
-        <p:spPr>
-          <a:xfrm>
-            <a:off x="6217975" y="3012400"/>
-            <a:ext cx="2644498" cy="1237850"/>
-          </a:xfrm>
-          <a:prstGeom prst="rect">
-            <a:avLst/>
-          </a:prstGeom>
-          <a:noFill/>
-          <a:ln>
-            <a:noFill/>
-          </a:ln>
-        </p:spPr>
-      </p:pic>
-      <p:sp>
-        <p:nvSpPr>
-          <p:cNvPr id="116" name="Google Shape;116;p19"/>
-          <p:cNvSpPr txBox="1"/>
-          <p:nvPr/>
-        </p:nvSpPr>
-        <p:spPr>
-          <a:xfrm>
-            <a:off x="0" y="4854000"/>
-            <a:ext cx="3715200" cy="289500"/>
-          </a:xfrm>
-          <a:prstGeom prst="rect">
-            <a:avLst/>
-          </a:prstGeom>
-          <a:noFill/>
-          <a:ln>
-            <a:noFill/>
-          </a:ln>
-        </p:spPr>
-        <p:txBody>
-          <a:bodyPr anchorCtr="0" anchor="b" bIns="91425" lIns="91425" spcFirstLastPara="1" rIns="91425" wrap="square" tIns="91425">
-            <a:noAutofit/>
-          </a:bodyPr>
-          <a:lstStyle/>
-          <a:p>
-            <a:pPr indent="0" lvl="0" marL="0" rtl="0" algn="ctr">
-              <a:spcBef>
-                <a:spcPts val="0"/>
-              </a:spcBef>
-              <a:spcAft>
-                <a:spcPts val="0"/>
-              </a:spcAft>
-              <a:buNone/>
-            </a:pPr>
-            <a:r>
-              <a:rPr b="1" lang="en" sz="1200">
-                <a:latin typeface="Times New Roman"/>
-                <a:ea typeface="Times New Roman"/>
-                <a:cs typeface="Times New Roman"/>
-                <a:sym typeface="Times New Roman"/>
-              </a:rPr>
-              <a:t>Tensor Methods for Neural Network Compression</a:t>
-            </a:r>
-            <a:endParaRPr b="1" sz="1200">
-              <a:solidFill>
-                <a:srgbClr val="000000"/>
-              </a:solidFill>
-              <a:latin typeface="Times New Roman"/>
-              <a:ea typeface="Times New Roman"/>
-              <a:cs typeface="Times New Roman"/>
-              <a:sym typeface="Times New Roman"/>
-            </a:endParaRPr>
-          </a:p>
-        </p:txBody>
-      </p:sp>
-      <p:sp>
-        <p:nvSpPr>
-          <p:cNvPr id="117" name="Google Shape;117;p19"/>
-          <p:cNvSpPr txBox="1"/>
-          <p:nvPr>
-            <p:ph idx="12" type="sldNum"/>
-          </p:nvPr>
-        </p:nvSpPr>
-        <p:spPr>
-          <a:xfrm>
-            <a:off x="8472458" y="4663217"/>
-            <a:ext cx="548700" cy="393600"/>
-          </a:xfrm>
-          <a:prstGeom prst="rect">
-            <a:avLst/>
-          </a:prstGeom>
-        </p:spPr>
-        <p:txBody>
-          <a:bodyPr anchorCtr="0" anchor="ctr" bIns="91425" lIns="91425" spcFirstLastPara="1" rIns="91425" wrap="square" tIns="91425">
-            <a:noAutofit/>
-          </a:bodyPr>
-          <a:lstStyle/>
-          <a:p>
-            <a:pPr indent="0" lvl="0" marL="0" rtl="0" algn="r">
-              <a:spcBef>
-                <a:spcPts val="0"/>
-              </a:spcBef>
-              <a:spcAft>
-                <a:spcPts val="0"/>
-              </a:spcAft>
-              <a:buNone/>
-            </a:pPr>
-            <a:fld id="{00000000-1234-1234-1234-123412341234}" type="slidenum">
-              <a:rPr b="1" lang="en">
-                <a:latin typeface="Times New Roman"/>
-                <a:ea typeface="Times New Roman"/>
-                <a:cs typeface="Times New Roman"/>
-                <a:sym typeface="Times New Roman"/>
-              </a:rPr>
-              <a:t>‹#›</a:t>
-            </a:fld>
-            <a:r>
-              <a:rPr b="1" lang="en">
-                <a:latin typeface="Times New Roman"/>
-                <a:ea typeface="Times New Roman"/>
-                <a:cs typeface="Times New Roman"/>
-                <a:sym typeface="Times New Roman"/>
-              </a:rPr>
-              <a:t>/10</a:t>
-            </a:r>
-            <a:endParaRPr b="1">
-              <a:latin typeface="Times New Roman"/>
-              <a:ea typeface="Times New Roman"/>
-              <a:cs typeface="Times New Roman"/>
-              <a:sym typeface="Times New Roman"/>
-            </a:endParaRPr>
-          </a:p>
-        </p:txBody>
-      </p:sp>
-      <p:sp>
-        <p:nvSpPr>
-          <p:cNvPr id="118" name="Google Shape;118;p19"/>
-          <p:cNvSpPr txBox="1"/>
-          <p:nvPr/>
-        </p:nvSpPr>
-        <p:spPr>
-          <a:xfrm>
-            <a:off x="-105825" y="4314050"/>
-            <a:ext cx="3088200" cy="180000"/>
-          </a:xfrm>
-          <a:prstGeom prst="rect">
-            <a:avLst/>
-          </a:prstGeom>
-          <a:noFill/>
-          <a:ln>
-            <a:noFill/>
-          </a:ln>
-        </p:spPr>
-        <p:txBody>
-          <a:bodyPr anchorCtr="0" anchor="t" bIns="91425" lIns="91425" spcFirstLastPara="1" rIns="91425" wrap="square" tIns="91425">
-            <a:noAutofit/>
-          </a:bodyPr>
-          <a:lstStyle/>
-          <a:p>
-            <a:pPr indent="0" lvl="0" marL="0" rtl="0" algn="ctr">
-              <a:spcBef>
-                <a:spcPts val="0"/>
-              </a:spcBef>
-              <a:spcAft>
-                <a:spcPts val="0"/>
-              </a:spcAft>
-              <a:buNone/>
-            </a:pPr>
-            <a:r>
-              <a:rPr lang="en" sz="1100">
-                <a:latin typeface="Times New Roman"/>
-                <a:ea typeface="Times New Roman"/>
-                <a:cs typeface="Times New Roman"/>
-                <a:sym typeface="Times New Roman"/>
-              </a:rPr>
-              <a:t>Input Tensor</a:t>
-            </a:r>
-            <a:endParaRPr sz="1100">
-              <a:latin typeface="Times New Roman"/>
-              <a:ea typeface="Times New Roman"/>
-              <a:cs typeface="Times New Roman"/>
-              <a:sym typeface="Times New Roman"/>
-            </a:endParaRPr>
-          </a:p>
-        </p:txBody>
-      </p:sp>
-      <p:sp>
-        <p:nvSpPr>
-          <p:cNvPr id="119" name="Google Shape;119;p19"/>
-          <p:cNvSpPr txBox="1"/>
-          <p:nvPr/>
-        </p:nvSpPr>
-        <p:spPr>
-          <a:xfrm>
-            <a:off x="3027900" y="4351175"/>
-            <a:ext cx="3088200" cy="180000"/>
-          </a:xfrm>
-          <a:prstGeom prst="rect">
-            <a:avLst/>
-          </a:prstGeom>
-          <a:noFill/>
-          <a:ln>
-            <a:noFill/>
-          </a:ln>
-        </p:spPr>
-        <p:txBody>
-          <a:bodyPr anchorCtr="0" anchor="t" bIns="91425" lIns="91425" spcFirstLastPara="1" rIns="91425" wrap="square" tIns="91425">
-            <a:noAutofit/>
-          </a:bodyPr>
-          <a:lstStyle/>
-          <a:p>
-            <a:pPr indent="0" lvl="0" marL="0" rtl="0" algn="ctr">
-              <a:spcBef>
-                <a:spcPts val="0"/>
-              </a:spcBef>
-              <a:spcAft>
-                <a:spcPts val="0"/>
-              </a:spcAft>
-              <a:buNone/>
-            </a:pPr>
-            <a:r>
-              <a:rPr lang="en" sz="1100">
-                <a:latin typeface="Times New Roman"/>
-                <a:ea typeface="Times New Roman"/>
-                <a:cs typeface="Times New Roman"/>
-                <a:sym typeface="Times New Roman"/>
-              </a:rPr>
-              <a:t>Reconstruction</a:t>
-            </a:r>
-            <a:r>
-              <a:rPr lang="en" sz="1100">
-                <a:latin typeface="Times New Roman"/>
-                <a:ea typeface="Times New Roman"/>
-                <a:cs typeface="Times New Roman"/>
-                <a:sym typeface="Times New Roman"/>
-              </a:rPr>
-              <a:t> from ALS method</a:t>
-            </a:r>
-            <a:endParaRPr sz="1100">
-              <a:latin typeface="Times New Roman"/>
-              <a:ea typeface="Times New Roman"/>
-              <a:cs typeface="Times New Roman"/>
-              <a:sym typeface="Times New Roman"/>
-            </a:endParaRPr>
-          </a:p>
-        </p:txBody>
-      </p:sp>
-      <p:sp>
-        <p:nvSpPr>
-          <p:cNvPr id="120" name="Google Shape;120;p19"/>
-          <p:cNvSpPr txBox="1"/>
-          <p:nvPr/>
-        </p:nvSpPr>
-        <p:spPr>
-          <a:xfrm>
-            <a:off x="5996125" y="4314050"/>
-            <a:ext cx="3088200" cy="180000"/>
-          </a:xfrm>
-          <a:prstGeom prst="rect">
-            <a:avLst/>
-          </a:prstGeom>
-          <a:noFill/>
-          <a:ln>
-            <a:noFill/>
-          </a:ln>
-        </p:spPr>
-        <p:txBody>
-          <a:bodyPr anchorCtr="0" anchor="t" bIns="91425" lIns="91425" spcFirstLastPara="1" rIns="91425" wrap="square" tIns="91425">
-            <a:noAutofit/>
-          </a:bodyPr>
-          <a:lstStyle/>
-          <a:p>
-            <a:pPr indent="0" lvl="0" marL="0" rtl="0" algn="ctr">
-              <a:spcBef>
-                <a:spcPts val="0"/>
-              </a:spcBef>
-              <a:spcAft>
-                <a:spcPts val="0"/>
-              </a:spcAft>
-              <a:buNone/>
-            </a:pPr>
-            <a:r>
-              <a:rPr lang="en" sz="1100">
-                <a:latin typeface="Times New Roman"/>
-                <a:ea typeface="Times New Roman"/>
-                <a:cs typeface="Times New Roman"/>
-                <a:sym typeface="Times New Roman"/>
-              </a:rPr>
-              <a:t>Reconstruction from tensorly</a:t>
-            </a:r>
-            <a:endParaRPr sz="1100">
-              <a:latin typeface="Times New Roman"/>
-              <a:ea typeface="Times New Roman"/>
-              <a:cs typeface="Times New Roman"/>
-              <a:sym typeface="Times New Roman"/>
-            </a:endParaRPr>
-          </a:p>
-        </p:txBody>
-      </p:sp>
-    </p:spTree>
-  </p:cSld>
-  <p:clrMapOvr>
-    <a:masterClrMapping/>
-  </p:clrMapOvr>
-</p:sld>
-</file>
-
-<file path=ppt/slides/slide8.xml><?xml version="1.0" encoding="utf-8"?>
-<p:sld xmlns:a="http://schemas.openxmlformats.org/drawingml/2006/main" xmlns:r="http://schemas.openxmlformats.org/officeDocument/2006/relationships" xmlns:mc="http://schemas.openxmlformats.org/markup-compatibility/2006" xmlns:mv="urn:schemas-microsoft-com:mac:vml" xmlns:p="http://schemas.openxmlformats.org/presentationml/2006/main" xmlns:c="http://schemas.openxmlformats.org/drawingml/2006/chart" xmlns:dgm="http://schemas.openxmlformats.org/drawingml/2006/diagram" xmlns:o="urn:schemas-microsoft-com:office:office" xmlns:v="urn:schemas-microsoft-com:vml" xmlns:pvml="urn:schemas-microsoft-com:office:powerpoint" xmlns:com="http://schemas.openxmlformats.org/drawingml/2006/compatibility" xmlns:p14="http://schemas.microsoft.com/office/powerpoint/2010/main" xmlns:p15="http://schemas.microsoft.com/office/powerpoint/2012/main" xmlns:ahyp="http://schemas.microsoft.com/office/drawing/2018/hyperlinkcolor">
-  <p:cSld>
-    <p:spTree>
-      <p:nvGrpSpPr>
-        <p:cNvPr id="124" name="Shape 124"/>
-        <p:cNvGrpSpPr/>
-        <p:nvPr/>
-      </p:nvGrpSpPr>
-      <p:grpSpPr>
-        <a:xfrm>
-          <a:off x="0" y="0"/>
-          <a:ext cx="0" cy="0"/>
-          <a:chOff x="0" y="0"/>
-          <a:chExt cx="0" cy="0"/>
-        </a:xfrm>
-      </p:grpSpPr>
-      <p:sp>
-        <p:nvSpPr>
-          <p:cNvPr id="125" name="Google Shape;125;p20"/>
-          <p:cNvSpPr txBox="1"/>
-          <p:nvPr>
-            <p:ph type="title"/>
-          </p:nvPr>
-        </p:nvSpPr>
-        <p:spPr>
-          <a:xfrm>
-            <a:off x="311700" y="445025"/>
-            <a:ext cx="8520600" cy="572700"/>
-          </a:xfrm>
-          <a:prstGeom prst="rect">
-            <a:avLst/>
-          </a:prstGeom>
-        </p:spPr>
-        <p:txBody>
-          <a:bodyPr anchorCtr="0" anchor="t" bIns="91425" lIns="91425" spcFirstLastPara="1" rIns="91425" wrap="square" tIns="91425">
-            <a:noAutofit/>
-          </a:bodyPr>
-          <a:lstStyle/>
-          <a:p>
-            <a:pPr indent="0" lvl="0" marL="0" rtl="0" algn="l">
-              <a:spcBef>
-                <a:spcPts val="0"/>
-              </a:spcBef>
-              <a:spcAft>
-                <a:spcPts val="0"/>
-              </a:spcAft>
-              <a:buNone/>
-            </a:pPr>
-            <a:r>
-              <a:rPr b="1" lang="en" sz="3000">
-                <a:latin typeface="Times New Roman"/>
-                <a:ea typeface="Times New Roman"/>
-                <a:cs typeface="Times New Roman"/>
-                <a:sym typeface="Times New Roman"/>
-              </a:rPr>
-              <a:t>AlexNet</a:t>
-            </a:r>
-            <a:endParaRPr b="1" sz="3000">
-              <a:latin typeface="Times New Roman"/>
-              <a:ea typeface="Times New Roman"/>
-              <a:cs typeface="Times New Roman"/>
-              <a:sym typeface="Times New Roman"/>
-            </a:endParaRPr>
-          </a:p>
-        </p:txBody>
-      </p:sp>
-      <p:sp>
-        <p:nvSpPr>
-          <p:cNvPr id="126" name="Google Shape;126;p20"/>
-          <p:cNvSpPr txBox="1"/>
-          <p:nvPr/>
-        </p:nvSpPr>
-        <p:spPr>
-          <a:xfrm>
-            <a:off x="311700" y="1152475"/>
-            <a:ext cx="8476800" cy="1419300"/>
-          </a:xfrm>
-          <a:prstGeom prst="rect">
-            <a:avLst/>
-          </a:prstGeom>
-          <a:noFill/>
-          <a:ln>
-            <a:noFill/>
-          </a:ln>
-        </p:spPr>
-        <p:txBody>
-          <a:bodyPr anchorCtr="0" anchor="t" bIns="91425" lIns="91425" spcFirstLastPara="1" rIns="91425" wrap="square" tIns="91425">
-            <a:noAutofit/>
-          </a:bodyPr>
-          <a:lstStyle/>
-          <a:p>
-            <a:pPr indent="-342900" lvl="0" marL="457200" rtl="0" algn="l">
-              <a:lnSpc>
-                <a:spcPct val="115000"/>
-              </a:lnSpc>
-              <a:spcBef>
-                <a:spcPts val="0"/>
-              </a:spcBef>
-              <a:spcAft>
-                <a:spcPts val="0"/>
-              </a:spcAft>
-              <a:buClr>
-                <a:srgbClr val="000000"/>
-              </a:buClr>
-              <a:buSzPts val="1800"/>
-              <a:buFont typeface="Times New Roman"/>
-              <a:buChar char="●"/>
-            </a:pPr>
-            <a:r>
-              <a:rPr lang="en" sz="1800">
-                <a:latin typeface="Times New Roman"/>
-                <a:ea typeface="Times New Roman"/>
-                <a:cs typeface="Times New Roman"/>
-                <a:sym typeface="Times New Roman"/>
-              </a:rPr>
-              <a:t>Convolutional Neural Network (CNN)</a:t>
-            </a:r>
-            <a:endParaRPr sz="1800">
-              <a:latin typeface="Times New Roman"/>
-              <a:ea typeface="Times New Roman"/>
-              <a:cs typeface="Times New Roman"/>
-              <a:sym typeface="Times New Roman"/>
-            </a:endParaRPr>
-          </a:p>
-          <a:p>
-            <a:pPr indent="-342900" lvl="0" marL="457200" rtl="0" algn="l">
-              <a:lnSpc>
-                <a:spcPct val="115000"/>
-              </a:lnSpc>
-              <a:spcBef>
-                <a:spcPts val="0"/>
-              </a:spcBef>
-              <a:spcAft>
-                <a:spcPts val="0"/>
-              </a:spcAft>
-              <a:buClr>
-                <a:srgbClr val="000000"/>
-              </a:buClr>
-              <a:buSzPts val="1800"/>
-              <a:buFont typeface="Times New Roman"/>
-              <a:buChar char="●"/>
-            </a:pPr>
-            <a:r>
-              <a:rPr lang="en" sz="1800">
-                <a:latin typeface="Times New Roman"/>
-                <a:ea typeface="Times New Roman"/>
-                <a:cs typeface="Times New Roman"/>
-                <a:sym typeface="Times New Roman"/>
-              </a:rPr>
-              <a:t>First five convolutional layers  </a:t>
-            </a:r>
-            <a:endParaRPr sz="1800">
-              <a:latin typeface="Times New Roman"/>
-              <a:ea typeface="Times New Roman"/>
-              <a:cs typeface="Times New Roman"/>
-              <a:sym typeface="Times New Roman"/>
-            </a:endParaRPr>
-          </a:p>
-          <a:p>
-            <a:pPr indent="-342900" lvl="0" marL="457200" rtl="0" algn="l">
-              <a:lnSpc>
-                <a:spcPct val="115000"/>
-              </a:lnSpc>
-              <a:spcBef>
-                <a:spcPts val="0"/>
-              </a:spcBef>
-              <a:spcAft>
-                <a:spcPts val="0"/>
-              </a:spcAft>
-              <a:buClr>
-                <a:srgbClr val="000000"/>
-              </a:buClr>
-              <a:buSzPts val="1800"/>
-              <a:buFont typeface="Times New Roman"/>
-              <a:buChar char="●"/>
-            </a:pPr>
-            <a:r>
-              <a:rPr lang="en" sz="1800">
-                <a:latin typeface="Times New Roman"/>
-                <a:ea typeface="Times New Roman"/>
-                <a:cs typeface="Times New Roman"/>
-                <a:sym typeface="Times New Roman"/>
-              </a:rPr>
-              <a:t>Last three fully connected layers act as classifier</a:t>
-            </a:r>
-            <a:endParaRPr sz="1800">
-              <a:latin typeface="Times New Roman"/>
-              <a:ea typeface="Times New Roman"/>
-              <a:cs typeface="Times New Roman"/>
-              <a:sym typeface="Times New Roman"/>
-            </a:endParaRPr>
-          </a:p>
-        </p:txBody>
-      </p:sp>
-      <p:pic>
-        <p:nvPicPr>
-          <p:cNvPr id="127" name="Google Shape;127;p20"/>
-          <p:cNvPicPr preferRelativeResize="0"/>
-          <p:nvPr/>
-        </p:nvPicPr>
-        <p:blipFill>
-          <a:blip r:embed="rId3">
-            <a:alphaModFix/>
-          </a:blip>
-          <a:stretch>
-            <a:fillRect/>
-          </a:stretch>
-        </p:blipFill>
-        <p:spPr>
-          <a:xfrm>
-            <a:off x="1319213" y="2400000"/>
-            <a:ext cx="6505575" cy="2133600"/>
-          </a:xfrm>
-          <a:prstGeom prst="rect">
-            <a:avLst/>
-          </a:prstGeom>
-          <a:noFill/>
-          <a:ln>
-            <a:noFill/>
-          </a:ln>
-        </p:spPr>
-      </p:pic>
-      <p:sp>
-        <p:nvSpPr>
-          <p:cNvPr id="128" name="Google Shape;128;p20"/>
-          <p:cNvSpPr txBox="1"/>
-          <p:nvPr/>
-        </p:nvSpPr>
-        <p:spPr>
-          <a:xfrm>
-            <a:off x="0" y="4854000"/>
-            <a:ext cx="3715200" cy="289500"/>
-          </a:xfrm>
-          <a:prstGeom prst="rect">
-            <a:avLst/>
-          </a:prstGeom>
-          <a:noFill/>
-          <a:ln>
-            <a:noFill/>
-          </a:ln>
-        </p:spPr>
-        <p:txBody>
-          <a:bodyPr anchorCtr="0" anchor="b" bIns="91425" lIns="91425" spcFirstLastPara="1" rIns="91425" wrap="square" tIns="91425">
-            <a:noAutofit/>
-          </a:bodyPr>
-          <a:lstStyle/>
-          <a:p>
-            <a:pPr indent="0" lvl="0" marL="0" rtl="0" algn="ctr">
-              <a:spcBef>
-                <a:spcPts val="0"/>
-              </a:spcBef>
-              <a:spcAft>
-                <a:spcPts val="0"/>
-              </a:spcAft>
-              <a:buNone/>
-            </a:pPr>
-            <a:r>
-              <a:rPr b="1" lang="en" sz="1200">
-                <a:latin typeface="Times New Roman"/>
-                <a:ea typeface="Times New Roman"/>
-                <a:cs typeface="Times New Roman"/>
-                <a:sym typeface="Times New Roman"/>
-              </a:rPr>
-              <a:t>Tensor Methods for Neural Network Compression</a:t>
-            </a:r>
-            <a:endParaRPr b="1" sz="1200">
-              <a:solidFill>
-                <a:srgbClr val="000000"/>
-              </a:solidFill>
-              <a:latin typeface="Times New Roman"/>
-              <a:ea typeface="Times New Roman"/>
-              <a:cs typeface="Times New Roman"/>
-              <a:sym typeface="Times New Roman"/>
-            </a:endParaRPr>
-          </a:p>
-        </p:txBody>
-      </p:sp>
-      <p:sp>
-        <p:nvSpPr>
-          <p:cNvPr id="129" name="Google Shape;129;p20"/>
-          <p:cNvSpPr txBox="1"/>
-          <p:nvPr>
-            <p:ph idx="12" type="sldNum"/>
-          </p:nvPr>
-        </p:nvSpPr>
-        <p:spPr>
-          <a:xfrm>
-            <a:off x="8472458" y="4663217"/>
-            <a:ext cx="548700" cy="393600"/>
-          </a:xfrm>
-          <a:prstGeom prst="rect">
-            <a:avLst/>
-          </a:prstGeom>
-        </p:spPr>
-        <p:txBody>
-          <a:bodyPr anchorCtr="0" anchor="ctr" bIns="91425" lIns="91425" spcFirstLastPara="1" rIns="91425" wrap="square" tIns="91425">
-            <a:noAutofit/>
-          </a:bodyPr>
-          <a:lstStyle/>
-          <a:p>
-            <a:pPr indent="0" lvl="0" marL="0" rtl="0" algn="r">
-              <a:spcBef>
-                <a:spcPts val="0"/>
-              </a:spcBef>
-              <a:spcAft>
-                <a:spcPts val="0"/>
-              </a:spcAft>
-              <a:buNone/>
-            </a:pPr>
-            <a:r>
-              <a:rPr b="1" lang="en">
-                <a:latin typeface="Times New Roman"/>
-                <a:ea typeface="Times New Roman"/>
-                <a:cs typeface="Times New Roman"/>
-                <a:sym typeface="Times New Roman"/>
-              </a:rPr>
-              <a:t>8/10</a:t>
-            </a:r>
-            <a:endParaRPr b="1">
-              <a:latin typeface="Times New Roman"/>
-              <a:ea typeface="Times New Roman"/>
-              <a:cs typeface="Times New Roman"/>
-              <a:sym typeface="Times New Roman"/>
-            </a:endParaRPr>
-          </a:p>
-        </p:txBody>
-      </p:sp>
-      <p:sp>
-        <p:nvSpPr>
-          <p:cNvPr id="130" name="Google Shape;130;p20"/>
-          <p:cNvSpPr txBox="1"/>
-          <p:nvPr/>
-        </p:nvSpPr>
-        <p:spPr>
-          <a:xfrm>
-            <a:off x="2326800" y="4425550"/>
-            <a:ext cx="4324800" cy="180000"/>
-          </a:xfrm>
-          <a:prstGeom prst="rect">
-            <a:avLst/>
-          </a:prstGeom>
-          <a:noFill/>
-          <a:ln>
-            <a:noFill/>
-          </a:ln>
-        </p:spPr>
-        <p:txBody>
-          <a:bodyPr anchorCtr="0" anchor="t" bIns="91425" lIns="91425" spcFirstLastPara="1" rIns="91425" wrap="square" tIns="91425">
-            <a:noAutofit/>
-          </a:bodyPr>
-          <a:lstStyle/>
-          <a:p>
-            <a:pPr indent="0" lvl="0" marL="0" rtl="0" algn="ctr">
-              <a:spcBef>
-                <a:spcPts val="0"/>
-              </a:spcBef>
-              <a:spcAft>
-                <a:spcPts val="0"/>
-              </a:spcAft>
-              <a:buNone/>
-            </a:pPr>
-            <a:r>
-              <a:rPr lang="en" sz="1100">
-                <a:latin typeface="Times New Roman"/>
-                <a:ea typeface="Times New Roman"/>
-                <a:cs typeface="Times New Roman"/>
-                <a:sym typeface="Times New Roman"/>
-              </a:rPr>
-              <a:t>Figure 3: AlexNet architecture [2]</a:t>
-            </a:r>
-            <a:endParaRPr sz="1100">
-              <a:latin typeface="Times New Roman"/>
-              <a:ea typeface="Times New Roman"/>
-              <a:cs typeface="Times New Roman"/>
-              <a:sym typeface="Times New Roman"/>
-            </a:endParaRPr>
-          </a:p>
-        </p:txBody>
-      </p:sp>
-    </p:spTree>
-  </p:cSld>
-  <p:clrMapOvr>
-    <a:masterClrMapping/>
-  </p:clrMapOvr>
-</p:sld>
-</file>
-
-<file path=ppt/slides/slide9.xml><?xml version="1.0" encoding="utf-8"?>
-<p:sld xmlns:a="http://schemas.openxmlformats.org/drawingml/2006/main" xmlns:r="http://schemas.openxmlformats.org/officeDocument/2006/relationships" xmlns:mc="http://schemas.openxmlformats.org/markup-compatibility/2006" xmlns:mv="urn:schemas-microsoft-com:mac:vml" xmlns:p="http://schemas.openxmlformats.org/presentationml/2006/main" xmlns:c="http://schemas.openxmlformats.org/drawingml/2006/chart" xmlns:dgm="http://schemas.openxmlformats.org/drawingml/2006/diagram" xmlns:o="urn:schemas-microsoft-com:office:office" xmlns:v="urn:schemas-microsoft-com:vml" xmlns:pvml="urn:schemas-microsoft-com:office:powerpoint" xmlns:com="http://schemas.openxmlformats.org/drawingml/2006/compatibility" xmlns:p14="http://schemas.microsoft.com/office/powerpoint/2010/main" xmlns:p15="http://schemas.microsoft.com/office/powerpoint/2012/main" xmlns:ahyp="http://schemas.microsoft.com/office/drawing/2018/hyperlinkcolor">
-  <p:cSld>
-    <p:spTree>
-      <p:nvGrpSpPr>
-        <p:cNvPr id="134" name="Shape 134"/>
-        <p:cNvGrpSpPr/>
-        <p:nvPr/>
-      </p:nvGrpSpPr>
-      <p:grpSpPr>
-        <a:xfrm>
-          <a:off x="0" y="0"/>
-          <a:ext cx="0" cy="0"/>
-          <a:chOff x="0" y="0"/>
-          <a:chExt cx="0" cy="0"/>
-        </a:xfrm>
-      </p:grpSpPr>
-      <p:sp>
-        <p:nvSpPr>
-          <p:cNvPr id="135" name="Google Shape;135;p21"/>
-          <p:cNvSpPr txBox="1"/>
-          <p:nvPr>
-            <p:ph type="title"/>
-          </p:nvPr>
-        </p:nvSpPr>
-        <p:spPr>
-          <a:xfrm>
-            <a:off x="311700" y="445025"/>
-            <a:ext cx="8520600" cy="572700"/>
-          </a:xfrm>
-          <a:prstGeom prst="rect">
-            <a:avLst/>
-          </a:prstGeom>
-        </p:spPr>
-        <p:txBody>
-          <a:bodyPr anchorCtr="0" anchor="t" bIns="91425" lIns="91425" spcFirstLastPara="1" rIns="91425" wrap="square" tIns="91425">
-            <a:noAutofit/>
-          </a:bodyPr>
-          <a:lstStyle/>
-          <a:p>
-            <a:pPr indent="0" lvl="0" marL="0" rtl="0" algn="l">
-              <a:spcBef>
-                <a:spcPts val="0"/>
-              </a:spcBef>
-              <a:spcAft>
-                <a:spcPts val="0"/>
-              </a:spcAft>
-              <a:buNone/>
-            </a:pPr>
-            <a:r>
-              <a:rPr b="1" lang="en" sz="3000">
-                <a:latin typeface="Times New Roman"/>
-                <a:ea typeface="Times New Roman"/>
-                <a:cs typeface="Times New Roman"/>
-                <a:sym typeface="Times New Roman"/>
-              </a:rPr>
-              <a:t>AlexNet</a:t>
-            </a:r>
-            <a:endParaRPr b="1" sz="3000">
-              <a:latin typeface="Times New Roman"/>
-              <a:ea typeface="Times New Roman"/>
-              <a:cs typeface="Times New Roman"/>
-              <a:sym typeface="Times New Roman"/>
-            </a:endParaRPr>
-          </a:p>
-        </p:txBody>
-      </p:sp>
-      <p:sp>
-        <p:nvSpPr>
-          <p:cNvPr id="136" name="Google Shape;136;p21"/>
-          <p:cNvSpPr txBox="1"/>
-          <p:nvPr/>
-        </p:nvSpPr>
-        <p:spPr>
-          <a:xfrm>
-            <a:off x="311700" y="1152475"/>
-            <a:ext cx="8476800" cy="1419300"/>
-          </a:xfrm>
-          <a:prstGeom prst="rect">
-            <a:avLst/>
-          </a:prstGeom>
-          <a:noFill/>
-          <a:ln>
-            <a:noFill/>
-          </a:ln>
-        </p:spPr>
-        <p:txBody>
-          <a:bodyPr anchorCtr="0" anchor="t" bIns="91425" lIns="91425" spcFirstLastPara="1" rIns="91425" wrap="square" tIns="91425">
-            <a:noAutofit/>
-          </a:bodyPr>
-          <a:lstStyle/>
-          <a:p>
-            <a:pPr indent="-342900" lvl="0" marL="457200" rtl="0" algn="l">
-              <a:lnSpc>
-                <a:spcPct val="115000"/>
-              </a:lnSpc>
-              <a:spcBef>
-                <a:spcPts val="0"/>
-              </a:spcBef>
-              <a:spcAft>
-                <a:spcPts val="0"/>
-              </a:spcAft>
-              <a:buClr>
-                <a:srgbClr val="000000"/>
-              </a:buClr>
-              <a:buSzPts val="1800"/>
-              <a:buFont typeface="Times New Roman"/>
-              <a:buChar char="●"/>
-            </a:pPr>
-            <a:r>
-              <a:rPr lang="en" sz="1800">
-                <a:latin typeface="Times New Roman"/>
-                <a:ea typeface="Times New Roman"/>
-                <a:cs typeface="Times New Roman"/>
-                <a:sym typeface="Times New Roman"/>
-              </a:rPr>
-              <a:t>Convolutional Neural Network (CNN)</a:t>
-            </a:r>
-            <a:endParaRPr sz="1800">
-              <a:latin typeface="Times New Roman"/>
-              <a:ea typeface="Times New Roman"/>
-              <a:cs typeface="Times New Roman"/>
-              <a:sym typeface="Times New Roman"/>
-            </a:endParaRPr>
-          </a:p>
-          <a:p>
-            <a:pPr indent="-342900" lvl="0" marL="457200" rtl="0" algn="l">
-              <a:lnSpc>
-                <a:spcPct val="115000"/>
-              </a:lnSpc>
-              <a:spcBef>
-                <a:spcPts val="0"/>
-              </a:spcBef>
-              <a:spcAft>
-                <a:spcPts val="0"/>
-              </a:spcAft>
-              <a:buClr>
-                <a:srgbClr val="000000"/>
-              </a:buClr>
-              <a:buSzPts val="1800"/>
-              <a:buFont typeface="Times New Roman"/>
-              <a:buChar char="●"/>
-            </a:pPr>
-            <a:r>
-              <a:rPr lang="en" sz="1800">
-                <a:latin typeface="Times New Roman"/>
-                <a:ea typeface="Times New Roman"/>
-                <a:cs typeface="Times New Roman"/>
-                <a:sym typeface="Times New Roman"/>
-              </a:rPr>
-              <a:t>First five convolutional layers  </a:t>
-            </a:r>
-            <a:endParaRPr sz="1800">
-              <a:latin typeface="Times New Roman"/>
-              <a:ea typeface="Times New Roman"/>
-              <a:cs typeface="Times New Roman"/>
-              <a:sym typeface="Times New Roman"/>
-            </a:endParaRPr>
-          </a:p>
-          <a:p>
-            <a:pPr indent="-342900" lvl="0" marL="457200" rtl="0" algn="l">
-              <a:lnSpc>
-                <a:spcPct val="115000"/>
-              </a:lnSpc>
-              <a:spcBef>
-                <a:spcPts val="0"/>
-              </a:spcBef>
-              <a:spcAft>
-                <a:spcPts val="0"/>
-              </a:spcAft>
-              <a:buClr>
-                <a:srgbClr val="000000"/>
-              </a:buClr>
-              <a:buSzPts val="1800"/>
-              <a:buFont typeface="Times New Roman"/>
-              <a:buChar char="●"/>
-            </a:pPr>
-            <a:r>
-              <a:rPr lang="en" sz="1800">
-                <a:latin typeface="Times New Roman"/>
-                <a:ea typeface="Times New Roman"/>
-                <a:cs typeface="Times New Roman"/>
-                <a:sym typeface="Times New Roman"/>
-              </a:rPr>
-              <a:t>Last three fully connected layers act as classifier</a:t>
-            </a:r>
-            <a:endParaRPr sz="1800">
-              <a:latin typeface="Times New Roman"/>
-              <a:ea typeface="Times New Roman"/>
-              <a:cs typeface="Times New Roman"/>
-              <a:sym typeface="Times New Roman"/>
-            </a:endParaRPr>
-          </a:p>
-        </p:txBody>
-      </p:sp>
-      <p:pic>
-        <p:nvPicPr>
-          <p:cNvPr id="137" name="Google Shape;137;p21"/>
-          <p:cNvPicPr preferRelativeResize="0"/>
-          <p:nvPr/>
-        </p:nvPicPr>
-        <p:blipFill>
-          <a:blip r:embed="rId3">
-            <a:alphaModFix/>
-          </a:blip>
-          <a:stretch>
-            <a:fillRect/>
-          </a:stretch>
-        </p:blipFill>
-        <p:spPr>
-          <a:xfrm>
-            <a:off x="1319213" y="2400000"/>
-            <a:ext cx="6505575" cy="2133600"/>
-          </a:xfrm>
-          <a:prstGeom prst="rect">
-            <a:avLst/>
-          </a:prstGeom>
-          <a:noFill/>
-          <a:ln>
-            <a:noFill/>
-          </a:ln>
-        </p:spPr>
-      </p:pic>
-      <p:sp>
-        <p:nvSpPr>
-          <p:cNvPr id="138" name="Google Shape;138;p21"/>
-          <p:cNvSpPr txBox="1"/>
-          <p:nvPr/>
-        </p:nvSpPr>
-        <p:spPr>
-          <a:xfrm>
-            <a:off x="2715825" y="2478100"/>
-            <a:ext cx="994200" cy="1786500"/>
-          </a:xfrm>
-          <a:prstGeom prst="rect">
-            <a:avLst/>
-          </a:prstGeom>
-          <a:noFill/>
-          <a:ln cap="flat" cmpd="sng" w="38100">
-            <a:solidFill>
-              <a:srgbClr val="38761D"/>
-            </a:solidFill>
-            <a:prstDash val="solid"/>
-            <a:round/>
-            <a:headEnd len="sm" w="sm" type="none"/>
-            <a:tailEnd len="sm" w="sm" type="none"/>
-          </a:ln>
-        </p:spPr>
-        <p:txBody>
-          <a:bodyPr anchorCtr="0" anchor="t" bIns="91425" lIns="91425" spcFirstLastPara="1" rIns="91425" wrap="square" tIns="91425">
-            <a:noAutofit/>
-          </a:bodyPr>
-          <a:lstStyle/>
-          <a:p>
-            <a:pPr indent="0" lvl="0" marL="0" rtl="0" algn="l">
-              <a:spcBef>
-                <a:spcPts val="0"/>
-              </a:spcBef>
-              <a:spcAft>
-                <a:spcPts val="0"/>
-              </a:spcAft>
-              <a:buNone/>
-            </a:pPr>
-            <a:r>
-              <a:t/>
-            </a:r>
-            <a:endParaRPr>
-              <a:latin typeface="Source Sans Pro"/>
-              <a:ea typeface="Source Sans Pro"/>
-              <a:cs typeface="Source Sans Pro"/>
-              <a:sym typeface="Source Sans Pro"/>
-            </a:endParaRPr>
-          </a:p>
-        </p:txBody>
-      </p:sp>
-      <p:sp>
-        <p:nvSpPr>
-          <p:cNvPr id="139" name="Google Shape;139;p21"/>
-          <p:cNvSpPr txBox="1"/>
-          <p:nvPr/>
-        </p:nvSpPr>
-        <p:spPr>
-          <a:xfrm>
-            <a:off x="0" y="4854000"/>
-            <a:ext cx="3715200" cy="289500"/>
-          </a:xfrm>
-          <a:prstGeom prst="rect">
-            <a:avLst/>
-          </a:prstGeom>
-          <a:noFill/>
-          <a:ln>
-            <a:noFill/>
-          </a:ln>
-        </p:spPr>
-        <p:txBody>
-          <a:bodyPr anchorCtr="0" anchor="b" bIns="91425" lIns="91425" spcFirstLastPara="1" rIns="91425" wrap="square" tIns="91425">
-            <a:noAutofit/>
-          </a:bodyPr>
-          <a:lstStyle/>
-          <a:p>
-            <a:pPr indent="0" lvl="0" marL="0" rtl="0" algn="ctr">
-              <a:spcBef>
-                <a:spcPts val="0"/>
-              </a:spcBef>
-              <a:spcAft>
-                <a:spcPts val="0"/>
-              </a:spcAft>
-              <a:buNone/>
-            </a:pPr>
-            <a:r>
-              <a:rPr b="1" lang="en" sz="1200">
-                <a:latin typeface="Times New Roman"/>
-                <a:ea typeface="Times New Roman"/>
-                <a:cs typeface="Times New Roman"/>
-                <a:sym typeface="Times New Roman"/>
-              </a:rPr>
-              <a:t>Tensor Methods for Neural Network Compression</a:t>
-            </a:r>
-            <a:endParaRPr b="1" sz="1200">
-              <a:solidFill>
-                <a:srgbClr val="000000"/>
-              </a:solidFill>
-              <a:latin typeface="Times New Roman"/>
-              <a:ea typeface="Times New Roman"/>
-              <a:cs typeface="Times New Roman"/>
-              <a:sym typeface="Times New Roman"/>
-            </a:endParaRPr>
-          </a:p>
-        </p:txBody>
-      </p:sp>
-      <p:sp>
-        <p:nvSpPr>
-          <p:cNvPr id="140" name="Google Shape;140;p21"/>
-          <p:cNvSpPr txBox="1"/>
-          <p:nvPr>
-            <p:ph idx="12" type="sldNum"/>
-          </p:nvPr>
-        </p:nvSpPr>
-        <p:spPr>
-          <a:xfrm>
-            <a:off x="8472458" y="4663217"/>
-            <a:ext cx="548700" cy="393600"/>
-          </a:xfrm>
-          <a:prstGeom prst="rect">
-            <a:avLst/>
-          </a:prstGeom>
-        </p:spPr>
-        <p:txBody>
-          <a:bodyPr anchorCtr="0" anchor="ctr" bIns="91425" lIns="91425" spcFirstLastPara="1" rIns="91425" wrap="square" tIns="91425">
-            <a:noAutofit/>
-          </a:bodyPr>
-          <a:lstStyle/>
-          <a:p>
-            <a:pPr indent="0" lvl="0" marL="0" rtl="0" algn="r">
-              <a:spcBef>
-                <a:spcPts val="0"/>
-              </a:spcBef>
-              <a:spcAft>
-                <a:spcPts val="0"/>
-              </a:spcAft>
-              <a:buNone/>
-            </a:pPr>
-            <a:fld id="{00000000-1234-1234-1234-123412341234}" type="slidenum">
-              <a:rPr b="1" lang="en">
-                <a:latin typeface="Times New Roman"/>
-                <a:ea typeface="Times New Roman"/>
-                <a:cs typeface="Times New Roman"/>
-                <a:sym typeface="Times New Roman"/>
-              </a:rPr>
-              <a:t>‹#›</a:t>
-            </a:fld>
-            <a:r>
-              <a:rPr b="1" lang="en">
-                <a:latin typeface="Times New Roman"/>
-                <a:ea typeface="Times New Roman"/>
-                <a:cs typeface="Times New Roman"/>
-                <a:sym typeface="Times New Roman"/>
-              </a:rPr>
-              <a:t>/10</a:t>
-            </a:r>
-            <a:endParaRPr b="1">
-              <a:latin typeface="Times New Roman"/>
-              <a:ea typeface="Times New Roman"/>
-              <a:cs typeface="Times New Roman"/>
-              <a:sym typeface="Times New Roman"/>
-            </a:endParaRPr>
-          </a:p>
-        </p:txBody>
-      </p:sp>
-      <p:sp>
-        <p:nvSpPr>
-          <p:cNvPr id="141" name="Google Shape;141;p21"/>
-          <p:cNvSpPr txBox="1"/>
-          <p:nvPr/>
-        </p:nvSpPr>
-        <p:spPr>
-          <a:xfrm>
-            <a:off x="2326800" y="4425550"/>
-            <a:ext cx="4324800" cy="180000"/>
-          </a:xfrm>
-          <a:prstGeom prst="rect">
-            <a:avLst/>
-          </a:prstGeom>
-          <a:noFill/>
-          <a:ln>
-            <a:noFill/>
-          </a:ln>
-        </p:spPr>
-        <p:txBody>
-          <a:bodyPr anchorCtr="0" anchor="t" bIns="91425" lIns="91425" spcFirstLastPara="1" rIns="91425" wrap="square" tIns="91425">
-            <a:noAutofit/>
-          </a:bodyPr>
-          <a:lstStyle/>
-          <a:p>
-            <a:pPr indent="0" lvl="0" marL="0" rtl="0" algn="ctr">
-              <a:spcBef>
-                <a:spcPts val="0"/>
-              </a:spcBef>
-              <a:spcAft>
-                <a:spcPts val="0"/>
-              </a:spcAft>
-              <a:buNone/>
-            </a:pPr>
-            <a:r>
-              <a:rPr lang="en" sz="1100">
-                <a:latin typeface="Times New Roman"/>
-                <a:ea typeface="Times New Roman"/>
-                <a:cs typeface="Times New Roman"/>
-                <a:sym typeface="Times New Roman"/>
-              </a:rPr>
-              <a:t>Figure 3: AlexNet architecture [2]</a:t>
             </a:r>
             <a:endParaRPr sz="1100">
               <a:latin typeface="Times New Roman"/>
